--- a/03-tutorial/ddd-basic/ch01-exploring-a-complex-domain/README.pptx
+++ b/03-tutorial/ddd-basic/ch01-exploring-a-complex-domain/README.pptx
@@ -2949,247 +2949,65 @@
           <a:chExt cx="0" cy="0"/>
         </a:xfrm>
       </p:grpSpPr>
-      <p:sp>
-        <p:nvSpPr>
-          <p:cNvPr id="24" name="TextBox 23"/>
-          <p:cNvSpPr txBox="1"/>
-          <p:nvPr/>
-        </p:nvSpPr>
-        <p:spPr>
-          <a:xfrm>
-            <a:off x="5423748" y="3270400"/>
-            <a:ext cx="726481" cy="738664"/>
-          </a:xfrm>
-          <a:prstGeom prst="rect">
-            <a:avLst/>
-          </a:prstGeom>
-          <a:noFill/>
-        </p:spPr>
-        <p:txBody>
-          <a:bodyPr wrap="none" rtlCol="0">
-            <a:spAutoFit/>
-          </a:bodyPr>
-          <a:lstStyle/>
-          <a:p>
-            <a:pPr algn="ctr">
-              <a:lnSpc>
-                <a:spcPct val="150000"/>
-              </a:lnSpc>
-            </a:pPr>
-            <a:r>
-              <a:rPr lang="ko-KR" altLang="en-US" sz="1600" b="1"/>
-              <a:t>세션</a:t>
-            </a:r>
-            <a:endParaRPr lang="en-US" altLang="ko-KR" sz="1600" b="1"/>
-          </a:p>
-          <a:p>
-            <a:pPr algn="ctr">
-              <a:lnSpc>
-                <a:spcPct val="150000"/>
-              </a:lnSpc>
-            </a:pPr>
-            <a:r>
-              <a:rPr lang="en-US" altLang="ko-KR" sz="1200" b="1"/>
-              <a:t>Session</a:t>
-            </a:r>
-            <a:endParaRPr lang="ko-KR" altLang="en-US" sz="1200" b="1"/>
-          </a:p>
-        </p:txBody>
-      </p:sp>
-      <p:sp>
-        <p:nvSpPr>
-          <p:cNvPr id="26" name="직사각형 25"/>
-          <p:cNvSpPr/>
-          <p:nvPr/>
-        </p:nvSpPr>
-        <p:spPr>
-          <a:xfrm>
-            <a:off x="4982150" y="2071676"/>
-            <a:ext cx="5464871" cy="524246"/>
-          </a:xfrm>
-          <a:prstGeom prst="rect">
-            <a:avLst/>
-          </a:prstGeom>
-        </p:spPr>
-        <p:txBody>
-          <a:bodyPr wrap="square">
-            <a:spAutoFit/>
-          </a:bodyPr>
-          <a:lstStyle/>
-          <a:p>
-            <a:pPr>
-              <a:lnSpc>
-                <a:spcPct val="150000"/>
-              </a:lnSpc>
-            </a:pPr>
-            <a:r>
-              <a:rPr lang="ko-KR" altLang="en-US" sz="1000"/>
-              <a:t>세션 시작 </a:t>
-            </a:r>
-            <a:r>
-              <a:rPr lang="en-US" altLang="ko-KR" sz="1000"/>
-              <a:t>24</a:t>
-            </a:r>
-            <a:r>
-              <a:rPr lang="ko-KR" altLang="en-US" sz="1000"/>
-              <a:t>시간 이내에는 무료로 예약을 취소할 수 없다</a:t>
-            </a:r>
-            <a:r>
-              <a:rPr lang="en-US" altLang="ko-KR" sz="1000"/>
-              <a:t>.</a:t>
-            </a:r>
-          </a:p>
-          <a:p>
-            <a:pPr>
-              <a:lnSpc>
-                <a:spcPct val="150000"/>
-              </a:lnSpc>
-            </a:pPr>
-            <a:r>
-              <a:rPr lang="en-US" altLang="ko-KR" sz="1000"/>
-              <a:t>A reservation cannot be canceled for free less than 24 hours before the session starts</a:t>
-            </a:r>
-            <a:endParaRPr lang="ko-KR" altLang="en-US" sz="1000"/>
-          </a:p>
-        </p:txBody>
-      </p:sp>
-      <p:cxnSp>
-        <p:nvCxnSpPr>
-          <p:cNvPr id="28" name="꺾인 연결선 27"/>
-          <p:cNvCxnSpPr>
-            <a:stCxn id="55" idx="1"/>
-            <a:endCxn id="24" idx="0"/>
-          </p:cNvCxnSpPr>
-          <p:nvPr/>
-        </p:nvCxnSpPr>
-        <p:spPr>
-          <a:xfrm rot="10800000" flipH="1">
-            <a:off x="5376461" y="3270400"/>
-            <a:ext cx="410528" cy="331972"/>
-          </a:xfrm>
-          <a:prstGeom prst="bentConnector4">
-            <a:avLst>
-              <a:gd name="adj1" fmla="val -55684"/>
-              <a:gd name="adj2" fmla="val 262694"/>
-            </a:avLst>
-          </a:prstGeom>
-          <a:ln w="19050">
-            <a:solidFill>
-              <a:schemeClr val="tx1"/>
-            </a:solidFill>
-            <a:tailEnd type="triangle"/>
-          </a:ln>
-        </p:spPr>
-        <p:style>
-          <a:lnRef idx="1">
-            <a:schemeClr val="accent1"/>
-          </a:lnRef>
-          <a:fillRef idx="0">
-            <a:schemeClr val="accent1"/>
-          </a:fillRef>
-          <a:effectRef idx="0">
-            <a:schemeClr val="accent1"/>
-          </a:effectRef>
-          <a:fontRef idx="minor">
-            <a:schemeClr val="tx1"/>
-          </a:fontRef>
-        </p:style>
-      </p:cxnSp>
-      <p:sp>
-        <p:nvSpPr>
-          <p:cNvPr id="30" name="TextBox 29"/>
-          <p:cNvSpPr txBox="1"/>
-          <p:nvPr/>
-        </p:nvSpPr>
-        <p:spPr>
-          <a:xfrm>
-            <a:off x="10934575" y="3270400"/>
-            <a:ext cx="971996" cy="738664"/>
-          </a:xfrm>
-          <a:prstGeom prst="rect">
-            <a:avLst/>
-          </a:prstGeom>
-          <a:noFill/>
-        </p:spPr>
-        <p:txBody>
-          <a:bodyPr wrap="none" rtlCol="0">
-            <a:spAutoFit/>
-          </a:bodyPr>
-          <a:lstStyle/>
-          <a:p>
-            <a:pPr algn="ctr">
-              <a:lnSpc>
-                <a:spcPct val="150000"/>
-              </a:lnSpc>
-            </a:pPr>
-            <a:r>
-              <a:rPr lang="ko-KR" altLang="en-US" sz="1600" b="1"/>
-              <a:t>참가자</a:t>
-            </a:r>
-            <a:endParaRPr lang="en-US" altLang="ko-KR" sz="1600" b="1"/>
-          </a:p>
-          <a:p>
-            <a:pPr algn="ctr">
-              <a:lnSpc>
-                <a:spcPct val="150000"/>
-              </a:lnSpc>
-            </a:pPr>
-            <a:r>
-              <a:rPr lang="en-US" altLang="ko-KR" sz="1200" b="1"/>
-              <a:t>Participant</a:t>
-            </a:r>
-            <a:endParaRPr lang="ko-KR" altLang="en-US" sz="1200" b="1"/>
-          </a:p>
-        </p:txBody>
-      </p:sp>
       <p:grpSp>
         <p:nvGrpSpPr>
-          <p:cNvPr id="10" name="그룹 9"/>
+          <p:cNvPr id="6" name="그룹 5">
+            <a:extLst>
+              <a:ext uri="{FF2B5EF4-FFF2-40B4-BE49-F238E27FC236}">
+                <a16:creationId xmlns:a16="http://schemas.microsoft.com/office/drawing/2014/main" id="{74AD0F7A-FC21-BEA0-A7BB-0CB70B29D61A}"/>
+              </a:ext>
+            </a:extLst>
+          </p:cNvPr>
           <p:cNvGrpSpPr/>
           <p:nvPr/>
         </p:nvGrpSpPr>
         <p:grpSpPr>
           <a:xfrm>
-            <a:off x="6012881" y="3505656"/>
-            <a:ext cx="184639" cy="360485"/>
-            <a:chOff x="2522472" y="1600227"/>
-            <a:chExt cx="184639" cy="360485"/>
+            <a:off x="42706" y="65315"/>
+            <a:ext cx="12106589" cy="6727371"/>
+            <a:chOff x="42706" y="65315"/>
+            <a:chExt cx="12106589" cy="6727371"/>
           </a:xfrm>
-          <a:noFill/>
         </p:grpSpPr>
         <p:sp>
           <p:nvSpPr>
-            <p:cNvPr id="8" name="직사각형 7"/>
+            <p:cNvPr id="3" name="직사각형 2">
+              <a:extLst>
+                <a:ext uri="{FF2B5EF4-FFF2-40B4-BE49-F238E27FC236}">
+                  <a16:creationId xmlns:a16="http://schemas.microsoft.com/office/drawing/2014/main" id="{765F1C10-826E-D67B-D033-A0A4E56C4DF4}"/>
+                </a:ext>
+              </a:extLst>
+            </p:cNvPr>
             <p:cNvSpPr/>
             <p:nvPr/>
           </p:nvSpPr>
           <p:spPr>
             <a:xfrm>
-              <a:off x="2522472" y="1767281"/>
-              <a:ext cx="184639" cy="193431"/>
+              <a:off x="42706" y="65315"/>
+              <a:ext cx="12106589" cy="6727371"/>
             </a:xfrm>
             <a:prstGeom prst="rect">
               <a:avLst/>
             </a:prstGeom>
-            <a:grpFill/>
+            <a:noFill/>
             <a:ln>
-              <a:noFill/>
+              <a:solidFill>
+                <a:schemeClr val="tx1"/>
+              </a:solidFill>
             </a:ln>
           </p:spPr>
           <p:style>
             <a:lnRef idx="2">
-              <a:schemeClr val="accent1">
-                <a:shade val="50000"/>
-              </a:schemeClr>
+              <a:schemeClr val="accent6"/>
             </a:lnRef>
             <a:fillRef idx="1">
-              <a:schemeClr val="accent1"/>
+              <a:schemeClr val="lt1"/>
             </a:fillRef>
             <a:effectRef idx="0">
-              <a:schemeClr val="accent1"/>
+              <a:schemeClr val="accent6"/>
             </a:effectRef>
             <a:fontRef idx="minor">
-              <a:schemeClr val="lt1"/>
+              <a:schemeClr val="dk1"/>
             </a:fontRef>
           </p:style>
           <p:txBody>
@@ -3197,1824 +3015,2098 @@
             <a:lstStyle/>
             <a:p>
               <a:pPr algn="ctr"/>
-              <a:endParaRPr lang="ko-KR" altLang="en-US" sz="1600"/>
+              <a:endParaRPr lang="en-GB"/>
             </a:p>
           </p:txBody>
         </p:sp>
-        <p:sp>
-          <p:nvSpPr>
-            <p:cNvPr id="33" name="직사각형 32"/>
-            <p:cNvSpPr/>
+        <p:grpSp>
+          <p:nvGrpSpPr>
+            <p:cNvPr id="4" name="그룹 3">
+              <a:extLst>
+                <a:ext uri="{FF2B5EF4-FFF2-40B4-BE49-F238E27FC236}">
+                  <a16:creationId xmlns:a16="http://schemas.microsoft.com/office/drawing/2014/main" id="{FF1474D7-8EFB-F554-D514-990E4548D1E7}"/>
+                </a:ext>
+              </a:extLst>
+            </p:cNvPr>
+            <p:cNvGrpSpPr/>
             <p:nvPr/>
-          </p:nvSpPr>
-          <p:spPr>
+          </p:nvGrpSpPr>
+          <p:grpSpPr>
             <a:xfrm>
-              <a:off x="2522472" y="1600227"/>
-              <a:ext cx="184639" cy="193431"/>
+              <a:off x="308613" y="208911"/>
+              <a:ext cx="11574775" cy="6440178"/>
+              <a:chOff x="433007" y="327928"/>
+              <a:chExt cx="11574775" cy="6440178"/>
             </a:xfrm>
-            <a:prstGeom prst="rect">
-              <a:avLst/>
-            </a:prstGeom>
-            <a:grpFill/>
-            <a:ln>
+          </p:grpSpPr>
+          <p:sp>
+            <p:nvSpPr>
+              <p:cNvPr id="24" name="TextBox 23"/>
+              <p:cNvSpPr txBox="1"/>
+              <p:nvPr/>
+            </p:nvSpPr>
+            <p:spPr>
+              <a:xfrm>
+                <a:off x="5423748" y="3270400"/>
+                <a:ext cx="726481" cy="738664"/>
+              </a:xfrm>
+              <a:prstGeom prst="rect">
+                <a:avLst/>
+              </a:prstGeom>
               <a:noFill/>
-            </a:ln>
-          </p:spPr>
-          <p:style>
-            <a:lnRef idx="2">
-              <a:schemeClr val="accent1">
-                <a:shade val="50000"/>
-              </a:schemeClr>
-            </a:lnRef>
-            <a:fillRef idx="1">
-              <a:schemeClr val="accent1"/>
-            </a:fillRef>
-            <a:effectRef idx="0">
-              <a:schemeClr val="accent1"/>
-            </a:effectRef>
-            <a:fontRef idx="minor">
-              <a:schemeClr val="lt1"/>
-            </a:fontRef>
-          </p:style>
-          <p:txBody>
-            <a:bodyPr rtlCol="0" anchor="ctr"/>
-            <a:lstStyle/>
-            <a:p>
-              <a:pPr algn="ctr"/>
-              <a:endParaRPr lang="ko-KR" altLang="en-US" sz="1600"/>
-            </a:p>
-          </p:txBody>
-        </p:sp>
+            </p:spPr>
+            <p:txBody>
+              <a:bodyPr wrap="none" rtlCol="0">
+                <a:spAutoFit/>
+              </a:bodyPr>
+              <a:lstStyle/>
+              <a:p>
+                <a:pPr algn="ctr">
+                  <a:lnSpc>
+                    <a:spcPct val="150000"/>
+                  </a:lnSpc>
+                </a:pPr>
+                <a:r>
+                  <a:rPr lang="ko-KR" altLang="en-US" sz="1600" b="1"/>
+                  <a:t>세션</a:t>
+                </a:r>
+                <a:endParaRPr lang="en-US" altLang="ko-KR" sz="1600" b="1"/>
+              </a:p>
+              <a:p>
+                <a:pPr algn="ctr">
+                  <a:lnSpc>
+                    <a:spcPct val="150000"/>
+                  </a:lnSpc>
+                </a:pPr>
+                <a:r>
+                  <a:rPr lang="en-US" altLang="ko-KR" sz="1200" b="1"/>
+                  <a:t>Session</a:t>
+                </a:r>
+                <a:endParaRPr lang="ko-KR" altLang="en-US" sz="1200" b="1"/>
+              </a:p>
+            </p:txBody>
+          </p:sp>
+          <p:sp>
+            <p:nvSpPr>
+              <p:cNvPr id="26" name="직사각형 25"/>
+              <p:cNvSpPr/>
+              <p:nvPr/>
+            </p:nvSpPr>
+            <p:spPr>
+              <a:xfrm>
+                <a:off x="4982150" y="2071676"/>
+                <a:ext cx="5464871" cy="524246"/>
+              </a:xfrm>
+              <a:prstGeom prst="rect">
+                <a:avLst/>
+              </a:prstGeom>
+            </p:spPr>
+            <p:txBody>
+              <a:bodyPr wrap="square">
+                <a:spAutoFit/>
+              </a:bodyPr>
+              <a:lstStyle/>
+              <a:p>
+                <a:pPr>
+                  <a:lnSpc>
+                    <a:spcPct val="150000"/>
+                  </a:lnSpc>
+                </a:pPr>
+                <a:r>
+                  <a:rPr lang="ko-KR" altLang="en-US" sz="1000"/>
+                  <a:t>세션 시작 </a:t>
+                </a:r>
+                <a:r>
+                  <a:rPr lang="en-US" altLang="ko-KR" sz="1000"/>
+                  <a:t>24</a:t>
+                </a:r>
+                <a:r>
+                  <a:rPr lang="ko-KR" altLang="en-US" sz="1000"/>
+                  <a:t>시간 이내에는 무료로 예약을 취소할 수 없다</a:t>
+                </a:r>
+                <a:r>
+                  <a:rPr lang="en-US" altLang="ko-KR" sz="1000"/>
+                  <a:t>.</a:t>
+                </a:r>
+              </a:p>
+              <a:p>
+                <a:pPr>
+                  <a:lnSpc>
+                    <a:spcPct val="150000"/>
+                  </a:lnSpc>
+                </a:pPr>
+                <a:r>
+                  <a:rPr lang="en-US" altLang="ko-KR" sz="1000"/>
+                  <a:t>A reservation cannot be canceled for free less than 24 hours before the session starts</a:t>
+                </a:r>
+                <a:endParaRPr lang="ko-KR" altLang="en-US" sz="1000"/>
+              </a:p>
+            </p:txBody>
+          </p:sp>
+          <p:cxnSp>
+            <p:nvCxnSpPr>
+              <p:cNvPr id="28" name="꺾인 연결선 27"/>
+              <p:cNvCxnSpPr>
+                <a:stCxn id="55" idx="1"/>
+                <a:endCxn id="24" idx="0"/>
+              </p:cNvCxnSpPr>
+              <p:nvPr/>
+            </p:nvCxnSpPr>
+            <p:spPr>
+              <a:xfrm rot="10800000" flipH="1">
+                <a:off x="5376461" y="3270400"/>
+                <a:ext cx="410528" cy="331972"/>
+              </a:xfrm>
+              <a:prstGeom prst="bentConnector4">
+                <a:avLst>
+                  <a:gd name="adj1" fmla="val -55684"/>
+                  <a:gd name="adj2" fmla="val 262694"/>
+                </a:avLst>
+              </a:prstGeom>
+              <a:ln w="19050">
+                <a:solidFill>
+                  <a:schemeClr val="tx1"/>
+                </a:solidFill>
+                <a:tailEnd type="triangle"/>
+              </a:ln>
+            </p:spPr>
+            <p:style>
+              <a:lnRef idx="1">
+                <a:schemeClr val="accent1"/>
+              </a:lnRef>
+              <a:fillRef idx="0">
+                <a:schemeClr val="accent1"/>
+              </a:fillRef>
+              <a:effectRef idx="0">
+                <a:schemeClr val="accent1"/>
+              </a:effectRef>
+              <a:fontRef idx="minor">
+                <a:schemeClr val="tx1"/>
+              </a:fontRef>
+            </p:style>
+          </p:cxnSp>
+          <p:sp>
+            <p:nvSpPr>
+              <p:cNvPr id="30" name="TextBox 29"/>
+              <p:cNvSpPr txBox="1"/>
+              <p:nvPr/>
+            </p:nvSpPr>
+            <p:spPr>
+              <a:xfrm>
+                <a:off x="10934575" y="3270400"/>
+                <a:ext cx="971996" cy="738664"/>
+              </a:xfrm>
+              <a:prstGeom prst="rect">
+                <a:avLst/>
+              </a:prstGeom>
+              <a:noFill/>
+            </p:spPr>
+            <p:txBody>
+              <a:bodyPr wrap="none" rtlCol="0">
+                <a:spAutoFit/>
+              </a:bodyPr>
+              <a:lstStyle/>
+              <a:p>
+                <a:pPr algn="ctr">
+                  <a:lnSpc>
+                    <a:spcPct val="150000"/>
+                  </a:lnSpc>
+                </a:pPr>
+                <a:r>
+                  <a:rPr lang="ko-KR" altLang="en-US" sz="1600" b="1"/>
+                  <a:t>참가자</a:t>
+                </a:r>
+                <a:endParaRPr lang="en-US" altLang="ko-KR" sz="1600" b="1"/>
+              </a:p>
+              <a:p>
+                <a:pPr algn="ctr">
+                  <a:lnSpc>
+                    <a:spcPct val="150000"/>
+                  </a:lnSpc>
+                </a:pPr>
+                <a:r>
+                  <a:rPr lang="en-US" altLang="ko-KR" sz="1200" b="1"/>
+                  <a:t>Participant</a:t>
+                </a:r>
+                <a:endParaRPr lang="ko-KR" altLang="en-US" sz="1200" b="1"/>
+              </a:p>
+            </p:txBody>
+          </p:sp>
+          <p:grpSp>
+            <p:nvGrpSpPr>
+              <p:cNvPr id="10" name="그룹 9"/>
+              <p:cNvGrpSpPr/>
+              <p:nvPr/>
+            </p:nvGrpSpPr>
+            <p:grpSpPr>
+              <a:xfrm>
+                <a:off x="6012881" y="3505656"/>
+                <a:ext cx="184639" cy="360485"/>
+                <a:chOff x="2522472" y="1600227"/>
+                <a:chExt cx="184639" cy="360485"/>
+              </a:xfrm>
+              <a:noFill/>
+            </p:grpSpPr>
+            <p:sp>
+              <p:nvSpPr>
+                <p:cNvPr id="8" name="직사각형 7"/>
+                <p:cNvSpPr/>
+                <p:nvPr/>
+              </p:nvSpPr>
+              <p:spPr>
+                <a:xfrm>
+                  <a:off x="2522472" y="1767281"/>
+                  <a:ext cx="184639" cy="193431"/>
+                </a:xfrm>
+                <a:prstGeom prst="rect">
+                  <a:avLst/>
+                </a:prstGeom>
+                <a:grpFill/>
+                <a:ln>
+                  <a:noFill/>
+                </a:ln>
+              </p:spPr>
+              <p:style>
+                <a:lnRef idx="2">
+                  <a:schemeClr val="accent1">
+                    <a:shade val="50000"/>
+                  </a:schemeClr>
+                </a:lnRef>
+                <a:fillRef idx="1">
+                  <a:schemeClr val="accent1"/>
+                </a:fillRef>
+                <a:effectRef idx="0">
+                  <a:schemeClr val="accent1"/>
+                </a:effectRef>
+                <a:fontRef idx="minor">
+                  <a:schemeClr val="lt1"/>
+                </a:fontRef>
+              </p:style>
+              <p:txBody>
+                <a:bodyPr rtlCol="0" anchor="ctr"/>
+                <a:lstStyle/>
+                <a:p>
+                  <a:pPr algn="ctr"/>
+                  <a:endParaRPr lang="ko-KR" altLang="en-US" sz="1600"/>
+                </a:p>
+              </p:txBody>
+            </p:sp>
+            <p:sp>
+              <p:nvSpPr>
+                <p:cNvPr id="33" name="직사각형 32"/>
+                <p:cNvSpPr/>
+                <p:nvPr/>
+              </p:nvSpPr>
+              <p:spPr>
+                <a:xfrm>
+                  <a:off x="2522472" y="1600227"/>
+                  <a:ext cx="184639" cy="193431"/>
+                </a:xfrm>
+                <a:prstGeom prst="rect">
+                  <a:avLst/>
+                </a:prstGeom>
+                <a:grpFill/>
+                <a:ln>
+                  <a:noFill/>
+                </a:ln>
+              </p:spPr>
+              <p:style>
+                <a:lnRef idx="2">
+                  <a:schemeClr val="accent1">
+                    <a:shade val="50000"/>
+                  </a:schemeClr>
+                </a:lnRef>
+                <a:fillRef idx="1">
+                  <a:schemeClr val="accent1"/>
+                </a:fillRef>
+                <a:effectRef idx="0">
+                  <a:schemeClr val="accent1"/>
+                </a:effectRef>
+                <a:fontRef idx="minor">
+                  <a:schemeClr val="lt1"/>
+                </a:fontRef>
+              </p:style>
+              <p:txBody>
+                <a:bodyPr rtlCol="0" anchor="ctr"/>
+                <a:lstStyle/>
+                <a:p>
+                  <a:pPr algn="ctr"/>
+                  <a:endParaRPr lang="ko-KR" altLang="en-US" sz="1600"/>
+                </a:p>
+              </p:txBody>
+            </p:sp>
+          </p:grpSp>
+          <p:grpSp>
+            <p:nvGrpSpPr>
+              <p:cNvPr id="35" name="그룹 34"/>
+              <p:cNvGrpSpPr/>
+              <p:nvPr/>
+            </p:nvGrpSpPr>
+            <p:grpSpPr>
+              <a:xfrm>
+                <a:off x="10867377" y="3505656"/>
+                <a:ext cx="184639" cy="360485"/>
+                <a:chOff x="2522472" y="1600227"/>
+                <a:chExt cx="184639" cy="360485"/>
+              </a:xfrm>
+              <a:noFill/>
+            </p:grpSpPr>
+            <p:sp>
+              <p:nvSpPr>
+                <p:cNvPr id="36" name="직사각형 35"/>
+                <p:cNvSpPr/>
+                <p:nvPr/>
+              </p:nvSpPr>
+              <p:spPr>
+                <a:xfrm>
+                  <a:off x="2522472" y="1767281"/>
+                  <a:ext cx="184639" cy="193431"/>
+                </a:xfrm>
+                <a:prstGeom prst="rect">
+                  <a:avLst/>
+                </a:prstGeom>
+                <a:grpFill/>
+                <a:ln>
+                  <a:noFill/>
+                </a:ln>
+              </p:spPr>
+              <p:style>
+                <a:lnRef idx="2">
+                  <a:schemeClr val="accent1">
+                    <a:shade val="50000"/>
+                  </a:schemeClr>
+                </a:lnRef>
+                <a:fillRef idx="1">
+                  <a:schemeClr val="accent1"/>
+                </a:fillRef>
+                <a:effectRef idx="0">
+                  <a:schemeClr val="accent1"/>
+                </a:effectRef>
+                <a:fontRef idx="minor">
+                  <a:schemeClr val="lt1"/>
+                </a:fontRef>
+              </p:style>
+              <p:txBody>
+                <a:bodyPr rtlCol="0" anchor="ctr"/>
+                <a:lstStyle/>
+                <a:p>
+                  <a:pPr algn="ctr"/>
+                  <a:endParaRPr lang="ko-KR" altLang="en-US" sz="1600"/>
+                </a:p>
+              </p:txBody>
+            </p:sp>
+            <p:sp>
+              <p:nvSpPr>
+                <p:cNvPr id="37" name="직사각형 36"/>
+                <p:cNvSpPr/>
+                <p:nvPr/>
+              </p:nvSpPr>
+              <p:spPr>
+                <a:xfrm>
+                  <a:off x="2522472" y="1600227"/>
+                  <a:ext cx="184639" cy="193431"/>
+                </a:xfrm>
+                <a:prstGeom prst="rect">
+                  <a:avLst/>
+                </a:prstGeom>
+                <a:grpFill/>
+                <a:ln>
+                  <a:noFill/>
+                </a:ln>
+              </p:spPr>
+              <p:style>
+                <a:lnRef idx="2">
+                  <a:schemeClr val="accent1">
+                    <a:shade val="50000"/>
+                  </a:schemeClr>
+                </a:lnRef>
+                <a:fillRef idx="1">
+                  <a:schemeClr val="accent1"/>
+                </a:fillRef>
+                <a:effectRef idx="0">
+                  <a:schemeClr val="accent1"/>
+                </a:effectRef>
+                <a:fontRef idx="minor">
+                  <a:schemeClr val="lt1"/>
+                </a:fontRef>
+              </p:style>
+              <p:txBody>
+                <a:bodyPr rtlCol="0" anchor="ctr"/>
+                <a:lstStyle/>
+                <a:p>
+                  <a:pPr algn="ctr"/>
+                  <a:endParaRPr lang="ko-KR" altLang="en-US" sz="1600"/>
+                </a:p>
+              </p:txBody>
+            </p:sp>
+          </p:grpSp>
+          <p:cxnSp>
+            <p:nvCxnSpPr>
+              <p:cNvPr id="14" name="직선 화살표 연결선 13"/>
+              <p:cNvCxnSpPr>
+                <a:stCxn id="33" idx="3"/>
+                <a:endCxn id="37" idx="1"/>
+              </p:cNvCxnSpPr>
+              <p:nvPr/>
+            </p:nvCxnSpPr>
+            <p:spPr>
+              <a:xfrm>
+                <a:off x="6197520" y="3602372"/>
+                <a:ext cx="4669857" cy="0"/>
+              </a:xfrm>
+              <a:prstGeom prst="straightConnector1">
+                <a:avLst/>
+              </a:prstGeom>
+              <a:ln w="19050">
+                <a:solidFill>
+                  <a:schemeClr val="tx1"/>
+                </a:solidFill>
+                <a:tailEnd type="triangle"/>
+              </a:ln>
+            </p:spPr>
+            <p:style>
+              <a:lnRef idx="1">
+                <a:schemeClr val="accent1"/>
+              </a:lnRef>
+              <a:fillRef idx="0">
+                <a:schemeClr val="accent1"/>
+              </a:fillRef>
+              <a:effectRef idx="0">
+                <a:schemeClr val="accent1"/>
+              </a:effectRef>
+              <a:fontRef idx="minor">
+                <a:schemeClr val="tx1"/>
+              </a:fontRef>
+            </p:style>
+          </p:cxnSp>
+          <p:cxnSp>
+            <p:nvCxnSpPr>
+              <p:cNvPr id="20" name="직선 화살표 연결선 19"/>
+              <p:cNvCxnSpPr>
+                <a:stCxn id="36" idx="1"/>
+                <a:endCxn id="8" idx="3"/>
+              </p:cNvCxnSpPr>
+              <p:nvPr/>
+            </p:nvCxnSpPr>
+            <p:spPr>
+              <a:xfrm flipH="1">
+                <a:off x="6197520" y="3769426"/>
+                <a:ext cx="4669857" cy="0"/>
+              </a:xfrm>
+              <a:prstGeom prst="straightConnector1">
+                <a:avLst/>
+              </a:prstGeom>
+              <a:ln w="19050">
+                <a:solidFill>
+                  <a:schemeClr val="tx1"/>
+                </a:solidFill>
+                <a:tailEnd type="triangle"/>
+              </a:ln>
+            </p:spPr>
+            <p:style>
+              <a:lnRef idx="1">
+                <a:schemeClr val="accent1"/>
+              </a:lnRef>
+              <a:fillRef idx="0">
+                <a:schemeClr val="accent1"/>
+              </a:fillRef>
+              <a:effectRef idx="0">
+                <a:schemeClr val="accent1"/>
+              </a:effectRef>
+              <a:fontRef idx="minor">
+                <a:schemeClr val="tx1"/>
+              </a:fontRef>
+            </p:style>
+          </p:cxnSp>
+          <p:sp>
+            <p:nvSpPr>
+              <p:cNvPr id="41" name="직사각형 40"/>
+              <p:cNvSpPr/>
+              <p:nvPr/>
+            </p:nvSpPr>
+            <p:spPr>
+              <a:xfrm>
+                <a:off x="6277200" y="2904865"/>
+                <a:ext cx="4530407" cy="524246"/>
+              </a:xfrm>
+              <a:prstGeom prst="rect">
+                <a:avLst/>
+              </a:prstGeom>
+            </p:spPr>
+            <p:txBody>
+              <a:bodyPr wrap="none">
+                <a:spAutoFit/>
+              </a:bodyPr>
+              <a:lstStyle/>
+              <a:p>
+                <a:pPr>
+                  <a:lnSpc>
+                    <a:spcPct val="150000"/>
+                  </a:lnSpc>
+                </a:pPr>
+                <a:r>
+                  <a:rPr lang="ko-KR" altLang="en-US" sz="1000"/>
+                  <a:t>하나의 세션에는 최대 참가자 수를 초과할 수 없다</a:t>
+                </a:r>
+                <a:r>
+                  <a:rPr lang="en-US" altLang="ko-KR" sz="1000"/>
+                  <a:t>.</a:t>
+                </a:r>
+              </a:p>
+              <a:p>
+                <a:pPr>
+                  <a:lnSpc>
+                    <a:spcPct val="150000"/>
+                  </a:lnSpc>
+                </a:pPr>
+                <a:r>
+                  <a:rPr lang="en-US" altLang="ko-KR" sz="1000"/>
+                  <a:t>A session cannot contain more than the maximum number of participants</a:t>
+                </a:r>
+                <a:endParaRPr lang="ko-KR" altLang="en-US" sz="1000"/>
+              </a:p>
+            </p:txBody>
+          </p:sp>
+          <p:sp>
+            <p:nvSpPr>
+              <p:cNvPr id="42" name="직사각형 41"/>
+              <p:cNvSpPr/>
+              <p:nvPr/>
+            </p:nvSpPr>
+            <p:spPr>
+              <a:xfrm>
+                <a:off x="7785321" y="3922193"/>
+                <a:ext cx="3094117" cy="524246"/>
+              </a:xfrm>
+              <a:prstGeom prst="rect">
+                <a:avLst/>
+              </a:prstGeom>
+            </p:spPr>
+            <p:txBody>
+              <a:bodyPr wrap="none">
+                <a:spAutoFit/>
+              </a:bodyPr>
+              <a:lstStyle/>
+              <a:p>
+                <a:pPr>
+                  <a:lnSpc>
+                    <a:spcPct val="150000"/>
+                  </a:lnSpc>
+                </a:pPr>
+                <a:r>
+                  <a:rPr lang="ko-KR" altLang="en-US" sz="1000"/>
+                  <a:t>참가자는 </a:t>
+                </a:r>
+                <a:r>
+                  <a:rPr lang="ko-KR" altLang="en-US" sz="1000">
+                    <a:solidFill>
+                      <a:srgbClr val="0070C0"/>
+                    </a:solidFill>
+                  </a:rPr>
+                  <a:t>겹치는 세션을</a:t>
+                </a:r>
+                <a:r>
+                  <a:rPr lang="ko-KR" altLang="en-US" sz="1000"/>
+                  <a:t> 예약할 수 없다</a:t>
+                </a:r>
+                <a:r>
+                  <a:rPr lang="en-US" altLang="ko-KR" sz="1000"/>
+                  <a:t>.</a:t>
+                </a:r>
+              </a:p>
+              <a:p>
+                <a:pPr>
+                  <a:lnSpc>
+                    <a:spcPct val="150000"/>
+                  </a:lnSpc>
+                </a:pPr>
+                <a:r>
+                  <a:rPr lang="en-US" altLang="ko-KR" sz="1000"/>
+                  <a:t>A participant cannot reserve </a:t>
+                </a:r>
+                <a:r>
+                  <a:rPr lang="en-US" altLang="ko-KR" sz="1000">
+                    <a:solidFill>
+                      <a:srgbClr val="0070C0"/>
+                    </a:solidFill>
+                  </a:rPr>
+                  <a:t>overlapping sessions</a:t>
+                </a:r>
+                <a:endParaRPr lang="ko-KR" altLang="en-US" sz="1000">
+                  <a:solidFill>
+                    <a:srgbClr val="0070C0"/>
+                  </a:solidFill>
+                </a:endParaRPr>
+              </a:p>
+            </p:txBody>
+          </p:sp>
+          <p:sp>
+            <p:nvSpPr>
+              <p:cNvPr id="43" name="TextBox 42"/>
+              <p:cNvSpPr txBox="1"/>
+              <p:nvPr/>
+            </p:nvSpPr>
+            <p:spPr>
+              <a:xfrm>
+                <a:off x="5284287" y="6029442"/>
+                <a:ext cx="1005403" cy="738664"/>
+              </a:xfrm>
+              <a:prstGeom prst="rect">
+                <a:avLst/>
+              </a:prstGeom>
+              <a:noFill/>
+            </p:spPr>
+            <p:txBody>
+              <a:bodyPr wrap="none" rtlCol="0">
+                <a:spAutoFit/>
+              </a:bodyPr>
+              <a:lstStyle/>
+              <a:p>
+                <a:pPr algn="ctr">
+                  <a:lnSpc>
+                    <a:spcPct val="150000"/>
+                  </a:lnSpc>
+                </a:pPr>
+                <a:r>
+                  <a:rPr lang="ko-KR" altLang="en-US" sz="1600" b="1"/>
+                  <a:t>트레이너</a:t>
+                </a:r>
+                <a:endParaRPr lang="en-US" altLang="ko-KR" sz="1600" b="1"/>
+              </a:p>
+              <a:p>
+                <a:pPr algn="ctr">
+                  <a:lnSpc>
+                    <a:spcPct val="150000"/>
+                  </a:lnSpc>
+                </a:pPr>
+                <a:r>
+                  <a:rPr lang="en-US" altLang="ko-KR" sz="1200" b="1"/>
+                  <a:t>Trainer</a:t>
+                </a:r>
+                <a:endParaRPr lang="ko-KR" altLang="en-US" sz="1200" b="1"/>
+              </a:p>
+            </p:txBody>
+          </p:sp>
+          <p:cxnSp>
+            <p:nvCxnSpPr>
+              <p:cNvPr id="38" name="직선 화살표 연결선 37"/>
+              <p:cNvCxnSpPr>
+                <a:stCxn id="43" idx="0"/>
+                <a:endCxn id="24" idx="2"/>
+              </p:cNvCxnSpPr>
+              <p:nvPr/>
+            </p:nvCxnSpPr>
+            <p:spPr>
+              <a:xfrm flipV="1">
+                <a:off x="5786989" y="4009064"/>
+                <a:ext cx="0" cy="2020378"/>
+              </a:xfrm>
+              <a:prstGeom prst="straightConnector1">
+                <a:avLst/>
+              </a:prstGeom>
+              <a:ln w="19050">
+                <a:solidFill>
+                  <a:schemeClr val="tx1"/>
+                </a:solidFill>
+                <a:tailEnd type="triangle"/>
+              </a:ln>
+            </p:spPr>
+            <p:style>
+              <a:lnRef idx="1">
+                <a:schemeClr val="accent1"/>
+              </a:lnRef>
+              <a:fillRef idx="0">
+                <a:schemeClr val="accent1"/>
+              </a:fillRef>
+              <a:effectRef idx="0">
+                <a:schemeClr val="accent1"/>
+              </a:effectRef>
+              <a:fontRef idx="minor">
+                <a:schemeClr val="tx1"/>
+              </a:fontRef>
+            </p:style>
+          </p:cxnSp>
+          <p:sp>
+            <p:nvSpPr>
+              <p:cNvPr id="48" name="TextBox 47"/>
+              <p:cNvSpPr txBox="1"/>
+              <p:nvPr/>
+            </p:nvSpPr>
+            <p:spPr>
+              <a:xfrm>
+                <a:off x="526494" y="3270400"/>
+                <a:ext cx="613245" cy="738664"/>
+              </a:xfrm>
+              <a:prstGeom prst="rect">
+                <a:avLst/>
+              </a:prstGeom>
+              <a:noFill/>
+            </p:spPr>
+            <p:txBody>
+              <a:bodyPr wrap="none" rtlCol="0">
+                <a:spAutoFit/>
+              </a:bodyPr>
+              <a:lstStyle/>
+              <a:p>
+                <a:pPr algn="ctr">
+                  <a:lnSpc>
+                    <a:spcPct val="150000"/>
+                  </a:lnSpc>
+                </a:pPr>
+                <a:r>
+                  <a:rPr lang="ko-KR" altLang="en-US" sz="1600" b="1"/>
+                  <a:t>방</a:t>
+                </a:r>
+                <a:endParaRPr lang="en-US" altLang="ko-KR" sz="1600" b="1"/>
+              </a:p>
+              <a:p>
+                <a:pPr algn="ctr">
+                  <a:lnSpc>
+                    <a:spcPct val="150000"/>
+                  </a:lnSpc>
+                </a:pPr>
+                <a:r>
+                  <a:rPr lang="en-US" altLang="ko-KR" sz="1200" b="1"/>
+                  <a:t>Room</a:t>
+                </a:r>
+                <a:endParaRPr lang="ko-KR" altLang="en-US" sz="1200" b="1"/>
+              </a:p>
+            </p:txBody>
+          </p:sp>
+          <p:cxnSp>
+            <p:nvCxnSpPr>
+              <p:cNvPr id="50" name="직선 화살표 연결선 49"/>
+              <p:cNvCxnSpPr>
+                <a:stCxn id="58" idx="3"/>
+                <a:endCxn id="54" idx="1"/>
+              </p:cNvCxnSpPr>
+              <p:nvPr/>
+            </p:nvCxnSpPr>
+            <p:spPr>
+              <a:xfrm>
+                <a:off x="1163881" y="3769426"/>
+                <a:ext cx="4212580" cy="0"/>
+              </a:xfrm>
+              <a:prstGeom prst="straightConnector1">
+                <a:avLst/>
+              </a:prstGeom>
+              <a:ln w="19050">
+                <a:solidFill>
+                  <a:schemeClr val="tx1"/>
+                </a:solidFill>
+                <a:tailEnd type="triangle"/>
+              </a:ln>
+            </p:spPr>
+            <p:style>
+              <a:lnRef idx="1">
+                <a:schemeClr val="accent1"/>
+              </a:lnRef>
+              <a:fillRef idx="0">
+                <a:schemeClr val="accent1"/>
+              </a:fillRef>
+              <a:effectRef idx="0">
+                <a:schemeClr val="accent1"/>
+              </a:effectRef>
+              <a:fontRef idx="minor">
+                <a:schemeClr val="tx1"/>
+              </a:fontRef>
+            </p:style>
+          </p:cxnSp>
+          <p:grpSp>
+            <p:nvGrpSpPr>
+              <p:cNvPr id="53" name="그룹 52"/>
+              <p:cNvGrpSpPr/>
+              <p:nvPr/>
+            </p:nvGrpSpPr>
+            <p:grpSpPr>
+              <a:xfrm>
+                <a:off x="5376461" y="3505656"/>
+                <a:ext cx="184639" cy="360485"/>
+                <a:chOff x="2522472" y="1600227"/>
+                <a:chExt cx="184639" cy="360485"/>
+              </a:xfrm>
+              <a:noFill/>
+            </p:grpSpPr>
+            <p:sp>
+              <p:nvSpPr>
+                <p:cNvPr id="54" name="직사각형 53"/>
+                <p:cNvSpPr/>
+                <p:nvPr/>
+              </p:nvSpPr>
+              <p:spPr>
+                <a:xfrm>
+                  <a:off x="2522472" y="1767281"/>
+                  <a:ext cx="184639" cy="193431"/>
+                </a:xfrm>
+                <a:prstGeom prst="rect">
+                  <a:avLst/>
+                </a:prstGeom>
+                <a:grpFill/>
+                <a:ln>
+                  <a:noFill/>
+                </a:ln>
+              </p:spPr>
+              <p:style>
+                <a:lnRef idx="2">
+                  <a:schemeClr val="accent1">
+                    <a:shade val="50000"/>
+                  </a:schemeClr>
+                </a:lnRef>
+                <a:fillRef idx="1">
+                  <a:schemeClr val="accent1"/>
+                </a:fillRef>
+                <a:effectRef idx="0">
+                  <a:schemeClr val="accent1"/>
+                </a:effectRef>
+                <a:fontRef idx="minor">
+                  <a:schemeClr val="lt1"/>
+                </a:fontRef>
+              </p:style>
+              <p:txBody>
+                <a:bodyPr rtlCol="0" anchor="ctr"/>
+                <a:lstStyle/>
+                <a:p>
+                  <a:pPr algn="ctr"/>
+                  <a:endParaRPr lang="ko-KR" altLang="en-US" sz="1600"/>
+                </a:p>
+              </p:txBody>
+            </p:sp>
+            <p:sp>
+              <p:nvSpPr>
+                <p:cNvPr id="55" name="직사각형 54"/>
+                <p:cNvSpPr/>
+                <p:nvPr/>
+              </p:nvSpPr>
+              <p:spPr>
+                <a:xfrm>
+                  <a:off x="2522472" y="1600227"/>
+                  <a:ext cx="184639" cy="193431"/>
+                </a:xfrm>
+                <a:prstGeom prst="rect">
+                  <a:avLst/>
+                </a:prstGeom>
+                <a:grpFill/>
+                <a:ln>
+                  <a:noFill/>
+                </a:ln>
+              </p:spPr>
+              <p:style>
+                <a:lnRef idx="2">
+                  <a:schemeClr val="accent1">
+                    <a:shade val="50000"/>
+                  </a:schemeClr>
+                </a:lnRef>
+                <a:fillRef idx="1">
+                  <a:schemeClr val="accent1"/>
+                </a:fillRef>
+                <a:effectRef idx="0">
+                  <a:schemeClr val="accent1"/>
+                </a:effectRef>
+                <a:fontRef idx="minor">
+                  <a:schemeClr val="lt1"/>
+                </a:fontRef>
+              </p:style>
+              <p:txBody>
+                <a:bodyPr rtlCol="0" anchor="ctr"/>
+                <a:lstStyle/>
+                <a:p>
+                  <a:pPr algn="ctr"/>
+                  <a:endParaRPr lang="ko-KR" altLang="en-US" sz="1600"/>
+                </a:p>
+              </p:txBody>
+            </p:sp>
+          </p:grpSp>
+          <p:grpSp>
+            <p:nvGrpSpPr>
+              <p:cNvPr id="57" name="그룹 56"/>
+              <p:cNvGrpSpPr/>
+              <p:nvPr/>
+            </p:nvGrpSpPr>
+            <p:grpSpPr>
+              <a:xfrm>
+                <a:off x="979242" y="3505656"/>
+                <a:ext cx="184639" cy="360485"/>
+                <a:chOff x="2522472" y="1600227"/>
+                <a:chExt cx="184639" cy="360485"/>
+              </a:xfrm>
+              <a:noFill/>
+            </p:grpSpPr>
+            <p:sp>
+              <p:nvSpPr>
+                <p:cNvPr id="58" name="직사각형 57"/>
+                <p:cNvSpPr/>
+                <p:nvPr/>
+              </p:nvSpPr>
+              <p:spPr>
+                <a:xfrm>
+                  <a:off x="2522472" y="1767281"/>
+                  <a:ext cx="184639" cy="193431"/>
+                </a:xfrm>
+                <a:prstGeom prst="rect">
+                  <a:avLst/>
+                </a:prstGeom>
+                <a:grpFill/>
+                <a:ln>
+                  <a:noFill/>
+                </a:ln>
+              </p:spPr>
+              <p:style>
+                <a:lnRef idx="2">
+                  <a:schemeClr val="accent1">
+                    <a:shade val="50000"/>
+                  </a:schemeClr>
+                </a:lnRef>
+                <a:fillRef idx="1">
+                  <a:schemeClr val="accent1"/>
+                </a:fillRef>
+                <a:effectRef idx="0">
+                  <a:schemeClr val="accent1"/>
+                </a:effectRef>
+                <a:fontRef idx="minor">
+                  <a:schemeClr val="lt1"/>
+                </a:fontRef>
+              </p:style>
+              <p:txBody>
+                <a:bodyPr rtlCol="0" anchor="ctr"/>
+                <a:lstStyle/>
+                <a:p>
+                  <a:pPr algn="ctr"/>
+                  <a:endParaRPr lang="ko-KR" altLang="en-US" sz="1600"/>
+                </a:p>
+              </p:txBody>
+            </p:sp>
+            <p:sp>
+              <p:nvSpPr>
+                <p:cNvPr id="59" name="직사각형 58"/>
+                <p:cNvSpPr/>
+                <p:nvPr/>
+              </p:nvSpPr>
+              <p:spPr>
+                <a:xfrm>
+                  <a:off x="2522472" y="1600227"/>
+                  <a:ext cx="184639" cy="193431"/>
+                </a:xfrm>
+                <a:prstGeom prst="rect">
+                  <a:avLst/>
+                </a:prstGeom>
+                <a:grpFill/>
+                <a:ln>
+                  <a:noFill/>
+                </a:ln>
+              </p:spPr>
+              <p:style>
+                <a:lnRef idx="2">
+                  <a:schemeClr val="accent1">
+                    <a:shade val="50000"/>
+                  </a:schemeClr>
+                </a:lnRef>
+                <a:fillRef idx="1">
+                  <a:schemeClr val="accent1"/>
+                </a:fillRef>
+                <a:effectRef idx="0">
+                  <a:schemeClr val="accent1"/>
+                </a:effectRef>
+                <a:fontRef idx="minor">
+                  <a:schemeClr val="lt1"/>
+                </a:fontRef>
+              </p:style>
+              <p:txBody>
+                <a:bodyPr rtlCol="0" anchor="ctr"/>
+                <a:lstStyle/>
+                <a:p>
+                  <a:pPr algn="ctr"/>
+                  <a:endParaRPr lang="ko-KR" altLang="en-US" sz="1600"/>
+                </a:p>
+              </p:txBody>
+            </p:sp>
+          </p:grpSp>
+          <p:sp>
+            <p:nvSpPr>
+              <p:cNvPr id="62" name="직사각형 61"/>
+              <p:cNvSpPr/>
+              <p:nvPr/>
+            </p:nvSpPr>
+            <p:spPr>
+              <a:xfrm>
+                <a:off x="1290852" y="4031651"/>
+                <a:ext cx="3981786" cy="524246"/>
+              </a:xfrm>
+              <a:prstGeom prst="rect">
+                <a:avLst/>
+              </a:prstGeom>
+              <a:noFill/>
+            </p:spPr>
+            <p:txBody>
+              <a:bodyPr wrap="square">
+                <a:spAutoFit/>
+              </a:bodyPr>
+              <a:lstStyle/>
+              <a:p>
+                <a:pPr>
+                  <a:lnSpc>
+                    <a:spcPct val="150000"/>
+                  </a:lnSpc>
+                </a:pPr>
+                <a:r>
+                  <a:rPr lang="ko-KR" altLang="en-US" sz="1000"/>
+                  <a:t>방은 </a:t>
+                </a:r>
+                <a:r>
+                  <a:rPr lang="ko-KR" altLang="en-US" sz="1000">
+                    <a:solidFill>
+                      <a:srgbClr val="C00000"/>
+                    </a:solidFill>
+                  </a:rPr>
+                  <a:t>구독이 허용하는 개수보다</a:t>
+                </a:r>
+                <a:r>
+                  <a:rPr lang="ko-KR" altLang="en-US" sz="1000"/>
+                  <a:t> 더 많은 세션을 가질 수 없다</a:t>
+                </a:r>
+                <a:r>
+                  <a:rPr lang="en-US" altLang="ko-KR" sz="1000"/>
+                  <a:t>.</a:t>
+                </a:r>
+              </a:p>
+              <a:p>
+                <a:pPr>
+                  <a:lnSpc>
+                    <a:spcPct val="150000"/>
+                  </a:lnSpc>
+                </a:pPr>
+                <a:r>
+                  <a:rPr lang="en-US" altLang="ko-KR" sz="1000"/>
+                  <a:t>A room cannot have </a:t>
+                </a:r>
+                <a:r>
+                  <a:rPr lang="en-US" altLang="ko-KR" sz="1000">
+                    <a:solidFill>
+                      <a:srgbClr val="C00000"/>
+                    </a:solidFill>
+                  </a:rPr>
+                  <a:t>more sessions than the subscription allows</a:t>
+                </a:r>
+                <a:endParaRPr lang="ko-KR" altLang="en-US" sz="1000">
+                  <a:solidFill>
+                    <a:srgbClr val="C00000"/>
+                  </a:solidFill>
+                </a:endParaRPr>
+              </a:p>
+            </p:txBody>
+          </p:sp>
+          <p:sp>
+            <p:nvSpPr>
+              <p:cNvPr id="63" name="직사각형 62"/>
+              <p:cNvSpPr/>
+              <p:nvPr/>
+            </p:nvSpPr>
+            <p:spPr>
+              <a:xfrm>
+                <a:off x="1290852" y="4716879"/>
+                <a:ext cx="3467616" cy="524246"/>
+              </a:xfrm>
+              <a:prstGeom prst="rect">
+                <a:avLst/>
+              </a:prstGeom>
+              <a:noFill/>
+            </p:spPr>
+            <p:txBody>
+              <a:bodyPr wrap="none">
+                <a:spAutoFit/>
+              </a:bodyPr>
+              <a:lstStyle/>
+              <a:p>
+                <a:pPr>
+                  <a:lnSpc>
+                    <a:spcPct val="150000"/>
+                  </a:lnSpc>
+                </a:pPr>
+                <a:r>
+                  <a:rPr lang="ko-KR" altLang="en-US" sz="1000"/>
+                  <a:t>하나의 방에서 두 개 이상의 </a:t>
+                </a:r>
+                <a:r>
+                  <a:rPr lang="ko-KR" altLang="en-US" sz="1000">
+                    <a:solidFill>
+                      <a:srgbClr val="0070C0"/>
+                    </a:solidFill>
+                  </a:rPr>
+                  <a:t>겹치는 세션을</a:t>
+                </a:r>
+                <a:r>
+                  <a:rPr lang="ko-KR" altLang="en-US" sz="1000"/>
+                  <a:t> 가질 수 없다</a:t>
+                </a:r>
+                <a:r>
+                  <a:rPr lang="en-GB" altLang="ko-KR" sz="1000"/>
+                  <a:t>.</a:t>
+                </a:r>
+                <a:endParaRPr lang="en-US" altLang="ko-KR" sz="1000"/>
+              </a:p>
+              <a:p>
+                <a:pPr>
+                  <a:lnSpc>
+                    <a:spcPct val="150000"/>
+                  </a:lnSpc>
+                </a:pPr>
+                <a:r>
+                  <a:rPr lang="en-US" altLang="ko-KR" sz="1000"/>
+                  <a:t>A room cannot have two or more </a:t>
+                </a:r>
+                <a:r>
+                  <a:rPr lang="en-US" altLang="ko-KR" sz="1000">
+                    <a:solidFill>
+                      <a:srgbClr val="0070C0"/>
+                    </a:solidFill>
+                  </a:rPr>
+                  <a:t>overlapping sessions</a:t>
+                </a:r>
+                <a:endParaRPr lang="ko-KR" altLang="en-US" sz="1000">
+                  <a:solidFill>
+                    <a:srgbClr val="0070C0"/>
+                  </a:solidFill>
+                </a:endParaRPr>
+              </a:p>
+            </p:txBody>
+          </p:sp>
+          <p:sp>
+            <p:nvSpPr>
+              <p:cNvPr id="64" name="TextBox 63"/>
+              <p:cNvSpPr txBox="1"/>
+              <p:nvPr/>
+            </p:nvSpPr>
+            <p:spPr>
+              <a:xfrm>
+                <a:off x="433007" y="983444"/>
+                <a:ext cx="800219" cy="702949"/>
+              </a:xfrm>
+              <a:prstGeom prst="rect">
+                <a:avLst/>
+              </a:prstGeom>
+              <a:noFill/>
+            </p:spPr>
+            <p:txBody>
+              <a:bodyPr wrap="none" rtlCol="0">
+                <a:spAutoFit/>
+              </a:bodyPr>
+              <a:lstStyle/>
+              <a:p>
+                <a:pPr algn="ctr">
+                  <a:lnSpc>
+                    <a:spcPct val="150000"/>
+                  </a:lnSpc>
+                </a:pPr>
+                <a:r>
+                  <a:rPr lang="ko-KR" altLang="en-US" sz="1600" b="1"/>
+                  <a:t>헬스장</a:t>
+                </a:r>
+                <a:endParaRPr lang="en-US" altLang="ko-KR" sz="1600" b="1"/>
+              </a:p>
+              <a:p>
+                <a:pPr algn="ctr">
+                  <a:lnSpc>
+                    <a:spcPct val="150000"/>
+                  </a:lnSpc>
+                </a:pPr>
+                <a:r>
+                  <a:rPr lang="en-US" altLang="ko-KR" sz="1200" b="1"/>
+                  <a:t>Gym</a:t>
+                </a:r>
+                <a:endParaRPr lang="ko-KR" altLang="en-US" sz="1200" b="1"/>
+              </a:p>
+            </p:txBody>
+          </p:sp>
+          <p:cxnSp>
+            <p:nvCxnSpPr>
+              <p:cNvPr id="66" name="직선 화살표 연결선 65"/>
+              <p:cNvCxnSpPr>
+                <a:stCxn id="64" idx="2"/>
+                <a:endCxn id="48" idx="0"/>
+              </p:cNvCxnSpPr>
+              <p:nvPr/>
+            </p:nvCxnSpPr>
+            <p:spPr>
+              <a:xfrm>
+                <a:off x="833117" y="1686393"/>
+                <a:ext cx="0" cy="1584007"/>
+              </a:xfrm>
+              <a:prstGeom prst="straightConnector1">
+                <a:avLst/>
+              </a:prstGeom>
+              <a:ln w="19050">
+                <a:solidFill>
+                  <a:schemeClr val="tx1"/>
+                </a:solidFill>
+                <a:tailEnd type="triangle"/>
+              </a:ln>
+            </p:spPr>
+            <p:style>
+              <a:lnRef idx="1">
+                <a:schemeClr val="accent1"/>
+              </a:lnRef>
+              <a:fillRef idx="0">
+                <a:schemeClr val="accent1"/>
+              </a:fillRef>
+              <a:effectRef idx="0">
+                <a:schemeClr val="accent1"/>
+              </a:effectRef>
+              <a:fontRef idx="minor">
+                <a:schemeClr val="tx1"/>
+              </a:fontRef>
+            </p:style>
+          </p:cxnSp>
+          <p:sp>
+            <p:nvSpPr>
+              <p:cNvPr id="67" name="직사각형 66"/>
+              <p:cNvSpPr/>
+              <p:nvPr/>
+            </p:nvSpPr>
+            <p:spPr>
+              <a:xfrm>
+                <a:off x="967111" y="2071676"/>
+                <a:ext cx="3816694" cy="524246"/>
+              </a:xfrm>
+              <a:prstGeom prst="rect">
+                <a:avLst/>
+              </a:prstGeom>
+              <a:noFill/>
+            </p:spPr>
+            <p:txBody>
+              <a:bodyPr wrap="square">
+                <a:spAutoFit/>
+              </a:bodyPr>
+              <a:lstStyle/>
+              <a:p>
+                <a:pPr>
+                  <a:lnSpc>
+                    <a:spcPct val="150000"/>
+                  </a:lnSpc>
+                </a:pPr>
+                <a:r>
+                  <a:rPr lang="ko-KR" altLang="en-US" sz="1000"/>
+                  <a:t>헬스장은 </a:t>
+                </a:r>
+                <a:r>
+                  <a:rPr lang="ko-KR" altLang="en-US" sz="1000">
+                    <a:solidFill>
+                      <a:srgbClr val="C00000"/>
+                    </a:solidFill>
+                  </a:rPr>
+                  <a:t>구독이 허용하는 개수보다</a:t>
+                </a:r>
+                <a:r>
+                  <a:rPr lang="ko-KR" altLang="en-US" sz="1000"/>
+                  <a:t> 더 많은 방을 가질 수 없다</a:t>
+                </a:r>
+                <a:r>
+                  <a:rPr lang="en-US" altLang="ko-KR" sz="1000"/>
+                  <a:t>.</a:t>
+                </a:r>
+              </a:p>
+              <a:p>
+                <a:pPr>
+                  <a:lnSpc>
+                    <a:spcPct val="150000"/>
+                  </a:lnSpc>
+                </a:pPr>
+                <a:r>
+                  <a:rPr lang="en-US" altLang="ko-KR" sz="1000"/>
+                  <a:t>A gym cannot have </a:t>
+                </a:r>
+                <a:r>
+                  <a:rPr lang="en-US" altLang="ko-KR" sz="1000">
+                    <a:solidFill>
+                      <a:srgbClr val="C00000"/>
+                    </a:solidFill>
+                  </a:rPr>
+                  <a:t>more rooms than the subscription allows</a:t>
+                </a:r>
+                <a:endParaRPr lang="ko-KR" altLang="en-US" sz="1000">
+                  <a:solidFill>
+                    <a:srgbClr val="C00000"/>
+                  </a:solidFill>
+                </a:endParaRPr>
+              </a:p>
+            </p:txBody>
+          </p:sp>
+          <p:sp>
+            <p:nvSpPr>
+              <p:cNvPr id="70" name="TextBox 69"/>
+              <p:cNvSpPr txBox="1"/>
+              <p:nvPr/>
+            </p:nvSpPr>
+            <p:spPr>
+              <a:xfrm>
+                <a:off x="6620504" y="983444"/>
+                <a:ext cx="1094082" cy="738664"/>
+              </a:xfrm>
+              <a:prstGeom prst="rect">
+                <a:avLst/>
+              </a:prstGeom>
+              <a:noFill/>
+            </p:spPr>
+            <p:txBody>
+              <a:bodyPr wrap="none" rtlCol="0">
+                <a:spAutoFit/>
+              </a:bodyPr>
+              <a:lstStyle/>
+              <a:p>
+                <a:pPr algn="ctr">
+                  <a:lnSpc>
+                    <a:spcPct val="150000"/>
+                  </a:lnSpc>
+                </a:pPr>
+                <a:r>
+                  <a:rPr lang="ko-KR" altLang="en-US" sz="1600" b="1"/>
+                  <a:t>구독</a:t>
+                </a:r>
+                <a:endParaRPr lang="en-US" altLang="ko-KR" sz="1600" b="1"/>
+              </a:p>
+              <a:p>
+                <a:pPr algn="ctr">
+                  <a:lnSpc>
+                    <a:spcPct val="150000"/>
+                  </a:lnSpc>
+                </a:pPr>
+                <a:r>
+                  <a:rPr lang="en-US" altLang="ko-KR" sz="1200" b="1"/>
+                  <a:t>Subscription</a:t>
+                </a:r>
+                <a:endParaRPr lang="ko-KR" altLang="en-US" sz="1200" b="1"/>
+              </a:p>
+            </p:txBody>
+          </p:sp>
+          <p:cxnSp>
+            <p:nvCxnSpPr>
+              <p:cNvPr id="72" name="직선 화살표 연결선 71"/>
+              <p:cNvCxnSpPr>
+                <a:stCxn id="70" idx="1"/>
+                <a:endCxn id="64" idx="3"/>
+              </p:cNvCxnSpPr>
+              <p:nvPr/>
+            </p:nvCxnSpPr>
+            <p:spPr>
+              <a:xfrm flipH="1" flipV="1">
+                <a:off x="1233226" y="1334919"/>
+                <a:ext cx="5387278" cy="17857"/>
+              </a:xfrm>
+              <a:prstGeom prst="straightConnector1">
+                <a:avLst/>
+              </a:prstGeom>
+              <a:ln w="19050">
+                <a:solidFill>
+                  <a:schemeClr val="tx1"/>
+                </a:solidFill>
+                <a:tailEnd type="triangle"/>
+              </a:ln>
+            </p:spPr>
+            <p:style>
+              <a:lnRef idx="1">
+                <a:schemeClr val="accent1"/>
+              </a:lnRef>
+              <a:fillRef idx="0">
+                <a:schemeClr val="accent1"/>
+              </a:fillRef>
+              <a:effectRef idx="0">
+                <a:schemeClr val="accent1"/>
+              </a:effectRef>
+              <a:fontRef idx="minor">
+                <a:schemeClr val="tx1"/>
+              </a:fontRef>
+            </p:style>
+          </p:cxnSp>
+          <p:sp>
+            <p:nvSpPr>
+              <p:cNvPr id="78" name="TextBox 77"/>
+              <p:cNvSpPr txBox="1"/>
+              <p:nvPr/>
+            </p:nvSpPr>
+            <p:spPr>
+              <a:xfrm>
+                <a:off x="7792397" y="1001551"/>
+                <a:ext cx="742511" cy="861774"/>
+              </a:xfrm>
+              <a:prstGeom prst="rect">
+                <a:avLst/>
+              </a:prstGeom>
+              <a:noFill/>
+            </p:spPr>
+            <p:txBody>
+              <a:bodyPr wrap="none" rtlCol="0">
+                <a:spAutoFit/>
+              </a:bodyPr>
+              <a:lstStyle/>
+              <a:p>
+                <a:pPr>
+                  <a:lnSpc>
+                    <a:spcPct val="150000"/>
+                  </a:lnSpc>
+                </a:pPr>
+                <a:r>
+                  <a:rPr lang="ko-KR" altLang="en-US" sz="1000"/>
+                  <a:t>구독 등급</a:t>
+                </a:r>
+                <a:endParaRPr lang="en-US" altLang="ko-KR" sz="1000"/>
+              </a:p>
+              <a:p>
+                <a:pPr marL="171450" indent="-171450">
+                  <a:lnSpc>
+                    <a:spcPct val="150000"/>
+                  </a:lnSpc>
+                  <a:buFontTx/>
+                  <a:buChar char="-"/>
+                </a:pPr>
+                <a:r>
+                  <a:rPr lang="en-US" altLang="ko-KR" sz="1000"/>
+                  <a:t>Free</a:t>
+                </a:r>
+              </a:p>
+              <a:p>
+                <a:pPr marL="171450" indent="-171450">
+                  <a:buFontTx/>
+                  <a:buChar char="-"/>
+                </a:pPr>
+                <a:r>
+                  <a:rPr lang="en-US" altLang="ko-KR" sz="1000"/>
+                  <a:t>Starter</a:t>
+                </a:r>
+              </a:p>
+              <a:p>
+                <a:pPr marL="171450" indent="-171450">
+                  <a:buFontTx/>
+                  <a:buChar char="-"/>
+                </a:pPr>
+                <a:r>
+                  <a:rPr lang="en-US" altLang="ko-KR" sz="1000"/>
+                  <a:t>Pro</a:t>
+                </a:r>
+                <a:endParaRPr lang="ko-KR" altLang="en-US" sz="1000"/>
+              </a:p>
+            </p:txBody>
+          </p:sp>
+          <p:sp>
+            <p:nvSpPr>
+              <p:cNvPr id="7" name="TextBox 6"/>
+              <p:cNvSpPr txBox="1"/>
+              <p:nvPr/>
+            </p:nvSpPr>
+            <p:spPr>
+              <a:xfrm>
+                <a:off x="10383004" y="327928"/>
+                <a:ext cx="732893" cy="577081"/>
+              </a:xfrm>
+              <a:prstGeom prst="rect">
+                <a:avLst/>
+              </a:prstGeom>
+              <a:noFill/>
+            </p:spPr>
+            <p:txBody>
+              <a:bodyPr wrap="none" rtlCol="0">
+                <a:spAutoFit/>
+              </a:bodyPr>
+              <a:lstStyle/>
+              <a:p>
+                <a:pPr algn="ctr">
+                  <a:lnSpc>
+                    <a:spcPct val="150000"/>
+                  </a:lnSpc>
+                </a:pPr>
+                <a:r>
+                  <a:rPr lang="ko-KR" altLang="en-US" sz="1100" b="1">
+                    <a:solidFill>
+                      <a:schemeClr val="bg1">
+                        <a:lumMod val="50000"/>
+                      </a:schemeClr>
+                    </a:solidFill>
+                  </a:rPr>
+                  <a:t>스케줄</a:t>
+                </a:r>
+                <a:endParaRPr lang="en-US" altLang="ko-KR" sz="1100" b="1">
+                  <a:solidFill>
+                    <a:schemeClr val="bg1">
+                      <a:lumMod val="50000"/>
+                    </a:schemeClr>
+                  </a:solidFill>
+                </a:endParaRPr>
+              </a:p>
+              <a:p>
+                <a:pPr algn="ctr">
+                  <a:lnSpc>
+                    <a:spcPct val="150000"/>
+                  </a:lnSpc>
+                </a:pPr>
+                <a:r>
+                  <a:rPr lang="en-US" altLang="ko-KR" sz="1000" b="1">
+                    <a:solidFill>
+                      <a:schemeClr val="bg1">
+                        <a:lumMod val="50000"/>
+                      </a:schemeClr>
+                    </a:solidFill>
+                  </a:rPr>
+                  <a:t>Schedule</a:t>
+                </a:r>
+              </a:p>
+            </p:txBody>
+          </p:sp>
+          <p:sp>
+            <p:nvSpPr>
+              <p:cNvPr id="47" name="TextBox 46"/>
+              <p:cNvSpPr txBox="1"/>
+              <p:nvPr/>
+            </p:nvSpPr>
+            <p:spPr>
+              <a:xfrm>
+                <a:off x="11141839" y="327928"/>
+                <a:ext cx="865943" cy="577081"/>
+              </a:xfrm>
+              <a:prstGeom prst="rect">
+                <a:avLst/>
+              </a:prstGeom>
+              <a:noFill/>
+            </p:spPr>
+            <p:txBody>
+              <a:bodyPr wrap="none" rtlCol="0">
+                <a:spAutoFit/>
+              </a:bodyPr>
+              <a:lstStyle/>
+              <a:p>
+                <a:pPr algn="ctr">
+                  <a:lnSpc>
+                    <a:spcPct val="150000"/>
+                  </a:lnSpc>
+                </a:pPr>
+                <a:r>
+                  <a:rPr lang="ko-KR" altLang="en-US" sz="1100" b="1">
+                    <a:solidFill>
+                      <a:schemeClr val="bg1">
+                        <a:lumMod val="50000"/>
+                      </a:schemeClr>
+                    </a:solidFill>
+                  </a:rPr>
+                  <a:t>강의 시간</a:t>
+                </a:r>
+                <a:endParaRPr lang="en-US" altLang="ko-KR" sz="1100" b="1">
+                  <a:solidFill>
+                    <a:schemeClr val="bg1">
+                      <a:lumMod val="50000"/>
+                    </a:schemeClr>
+                  </a:solidFill>
+                </a:endParaRPr>
+              </a:p>
+              <a:p>
+                <a:pPr algn="ctr">
+                  <a:lnSpc>
+                    <a:spcPct val="150000"/>
+                  </a:lnSpc>
+                </a:pPr>
+                <a:r>
+                  <a:rPr lang="en-US" altLang="ko-KR" sz="1000" b="1">
+                    <a:solidFill>
+                      <a:schemeClr val="bg1">
+                        <a:lumMod val="50000"/>
+                      </a:schemeClr>
+                    </a:solidFill>
+                  </a:rPr>
+                  <a:t>TimeRange</a:t>
+                </a:r>
+              </a:p>
+            </p:txBody>
+          </p:sp>
+          <p:cxnSp>
+            <p:nvCxnSpPr>
+              <p:cNvPr id="15" name="직선 화살표 연결선 14"/>
+              <p:cNvCxnSpPr/>
+              <p:nvPr/>
+            </p:nvCxnSpPr>
+            <p:spPr>
+              <a:xfrm flipH="1" flipV="1">
+                <a:off x="600075" y="1638300"/>
+                <a:ext cx="9525" cy="2174895"/>
+              </a:xfrm>
+              <a:prstGeom prst="straightConnector1">
+                <a:avLst/>
+              </a:prstGeom>
+              <a:ln>
+                <a:prstDash val="dash"/>
+                <a:tailEnd type="triangle"/>
+              </a:ln>
+            </p:spPr>
+            <p:style>
+              <a:lnRef idx="1">
+                <a:schemeClr val="accent1"/>
+              </a:lnRef>
+              <a:fillRef idx="0">
+                <a:schemeClr val="accent1"/>
+              </a:fillRef>
+              <a:effectRef idx="0">
+                <a:schemeClr val="accent1"/>
+              </a:effectRef>
+              <a:fontRef idx="minor">
+                <a:schemeClr val="tx1"/>
+              </a:fontRef>
+            </p:style>
+          </p:cxnSp>
+          <p:sp>
+            <p:nvSpPr>
+              <p:cNvPr id="73" name="직사각형 72"/>
+              <p:cNvSpPr/>
+              <p:nvPr/>
+            </p:nvSpPr>
+            <p:spPr>
+              <a:xfrm>
+                <a:off x="1792983" y="715588"/>
+                <a:ext cx="4267764" cy="524246"/>
+              </a:xfrm>
+              <a:prstGeom prst="rect">
+                <a:avLst/>
+              </a:prstGeom>
+              <a:noFill/>
+            </p:spPr>
+            <p:txBody>
+              <a:bodyPr wrap="square">
+                <a:spAutoFit/>
+              </a:bodyPr>
+              <a:lstStyle/>
+              <a:p>
+                <a:pPr>
+                  <a:lnSpc>
+                    <a:spcPct val="150000"/>
+                  </a:lnSpc>
+                </a:pPr>
+                <a:r>
+                  <a:rPr lang="ko-KR" altLang="en-US" sz="1000"/>
+                  <a:t>구독은 </a:t>
+                </a:r>
+                <a:r>
+                  <a:rPr lang="ko-KR" altLang="en-US" sz="1000">
+                    <a:solidFill>
+                      <a:srgbClr val="C00000"/>
+                    </a:solidFill>
+                  </a:rPr>
+                  <a:t>구독이 허용된 개수보다</a:t>
+                </a:r>
+                <a:r>
+                  <a:rPr lang="ko-KR" altLang="en-US" sz="1000"/>
+                  <a:t> 더 많은 헬스장을 가질 수 없다</a:t>
+                </a:r>
+                <a:r>
+                  <a:rPr lang="en-US" altLang="ko-KR" sz="1000"/>
+                  <a:t>.</a:t>
+                </a:r>
+              </a:p>
+              <a:p>
+                <a:pPr>
+                  <a:lnSpc>
+                    <a:spcPct val="150000"/>
+                  </a:lnSpc>
+                </a:pPr>
+                <a:r>
+                  <a:rPr lang="en-US" altLang="ko-KR" sz="1000"/>
+                  <a:t>A subscription cannot have </a:t>
+                </a:r>
+                <a:r>
+                  <a:rPr lang="en-US" altLang="ko-KR" sz="1000">
+                    <a:solidFill>
+                      <a:srgbClr val="C00000"/>
+                    </a:solidFill>
+                  </a:rPr>
+                  <a:t>more gyms than the subscription allows</a:t>
+                </a:r>
+                <a:endParaRPr lang="ko-KR" altLang="en-US" sz="1000">
+                  <a:solidFill>
+                    <a:srgbClr val="C00000"/>
+                  </a:solidFill>
+                </a:endParaRPr>
+              </a:p>
+            </p:txBody>
+          </p:sp>
+          <p:sp>
+            <p:nvSpPr>
+              <p:cNvPr id="17" name="직사각형 16"/>
+              <p:cNvSpPr/>
+              <p:nvPr/>
+            </p:nvSpPr>
+            <p:spPr>
+              <a:xfrm>
+                <a:off x="3542786" y="1224503"/>
+                <a:ext cx="768159" cy="261610"/>
+              </a:xfrm>
+              <a:prstGeom prst="rect">
+                <a:avLst/>
+              </a:prstGeom>
+              <a:solidFill>
+                <a:schemeClr val="bg1"/>
+              </a:solidFill>
+            </p:spPr>
+            <p:txBody>
+              <a:bodyPr wrap="none">
+                <a:spAutoFit/>
+              </a:bodyPr>
+              <a:lstStyle/>
+              <a:p>
+                <a:r>
+                  <a:rPr lang="en-US" altLang="ko-KR" sz="1050" b="1"/>
+                  <a:t>AddGym</a:t>
+                </a:r>
+                <a:endParaRPr lang="ko-KR" altLang="en-US" sz="1050" b="1"/>
+              </a:p>
+            </p:txBody>
+          </p:sp>
+          <p:sp>
+            <p:nvSpPr>
+              <p:cNvPr id="56" name="직사각형 55"/>
+              <p:cNvSpPr/>
+              <p:nvPr/>
+            </p:nvSpPr>
+            <p:spPr>
+              <a:xfrm rot="16200000">
+                <a:off x="436020" y="2206841"/>
+                <a:ext cx="829073" cy="253916"/>
+              </a:xfrm>
+              <a:prstGeom prst="rect">
+                <a:avLst/>
+              </a:prstGeom>
+              <a:solidFill>
+                <a:schemeClr val="bg1"/>
+              </a:solidFill>
+            </p:spPr>
+            <p:txBody>
+              <a:bodyPr wrap="none">
+                <a:spAutoFit/>
+              </a:bodyPr>
+              <a:lstStyle/>
+              <a:p>
+                <a:r>
+                  <a:rPr lang="en-US" altLang="ko-KR" sz="1050" b="1"/>
+                  <a:t>AddRoom</a:t>
+                </a:r>
+                <a:endParaRPr lang="ko-KR" altLang="en-US" sz="1050" b="1"/>
+              </a:p>
+            </p:txBody>
+          </p:sp>
+          <p:sp>
+            <p:nvSpPr>
+              <p:cNvPr id="60" name="직사각형 59"/>
+              <p:cNvSpPr/>
+              <p:nvPr/>
+            </p:nvSpPr>
+            <p:spPr>
+              <a:xfrm>
+                <a:off x="2260472" y="3623448"/>
+                <a:ext cx="1237839" cy="253916"/>
+              </a:xfrm>
+              <a:prstGeom prst="rect">
+                <a:avLst/>
+              </a:prstGeom>
+              <a:solidFill>
+                <a:schemeClr val="bg1"/>
+              </a:solidFill>
+            </p:spPr>
+            <p:txBody>
+              <a:bodyPr wrap="none">
+                <a:spAutoFit/>
+              </a:bodyPr>
+              <a:lstStyle/>
+              <a:p>
+                <a:r>
+                  <a:rPr lang="en-US" altLang="ko-KR" sz="1050" b="1"/>
+                  <a:t>ScheduleSession</a:t>
+                </a:r>
+                <a:endParaRPr lang="ko-KR" altLang="en-US" sz="1050" b="1"/>
+              </a:p>
+            </p:txBody>
+          </p:sp>
+          <p:sp>
+            <p:nvSpPr>
+              <p:cNvPr id="44" name="직사각형 43"/>
+              <p:cNvSpPr/>
+              <p:nvPr/>
+            </p:nvSpPr>
+            <p:spPr>
+              <a:xfrm>
+                <a:off x="5897325" y="4807950"/>
+                <a:ext cx="4021015" cy="524246"/>
+              </a:xfrm>
+              <a:prstGeom prst="rect">
+                <a:avLst/>
+              </a:prstGeom>
+              <a:noFill/>
+            </p:spPr>
+            <p:txBody>
+              <a:bodyPr wrap="square">
+                <a:spAutoFit/>
+              </a:bodyPr>
+              <a:lstStyle/>
+              <a:p>
+                <a:pPr>
+                  <a:lnSpc>
+                    <a:spcPct val="150000"/>
+                  </a:lnSpc>
+                </a:pPr>
+                <a:r>
+                  <a:rPr lang="ko-KR" altLang="en-US" sz="1000"/>
+                  <a:t>트레이너는 두 개 이상의 </a:t>
+                </a:r>
+                <a:r>
+                  <a:rPr lang="ko-KR" altLang="en-US" sz="1000">
+                    <a:solidFill>
+                      <a:srgbClr val="0070C0"/>
+                    </a:solidFill>
+                  </a:rPr>
+                  <a:t>겹치는 세션을</a:t>
+                </a:r>
+                <a:r>
+                  <a:rPr lang="ko-KR" altLang="en-US" sz="1000"/>
+                  <a:t> 가르칠 수 없다</a:t>
+                </a:r>
+                <a:r>
+                  <a:rPr lang="en-US" altLang="ko-KR" sz="1000"/>
+                  <a:t>.</a:t>
+                </a:r>
+              </a:p>
+              <a:p>
+                <a:pPr>
+                  <a:lnSpc>
+                    <a:spcPct val="150000"/>
+                  </a:lnSpc>
+                </a:pPr>
+                <a:r>
+                  <a:rPr lang="en-US" altLang="ko-KR" sz="1000"/>
+                  <a:t>A trainer cannot teach two or more </a:t>
+                </a:r>
+                <a:r>
+                  <a:rPr lang="en-US" altLang="ko-KR" sz="1000">
+                    <a:solidFill>
+                      <a:srgbClr val="0070C0"/>
+                    </a:solidFill>
+                  </a:rPr>
+                  <a:t>overlapping sessions</a:t>
+                </a:r>
+                <a:endParaRPr lang="ko-KR" altLang="en-US" sz="1000">
+                  <a:solidFill>
+                    <a:srgbClr val="0070C0"/>
+                  </a:solidFill>
+                </a:endParaRPr>
+              </a:p>
+            </p:txBody>
+          </p:sp>
+          <p:sp>
+            <p:nvSpPr>
+              <p:cNvPr id="49" name="TextBox 48"/>
+              <p:cNvSpPr txBox="1"/>
+              <p:nvPr/>
+            </p:nvSpPr>
+            <p:spPr>
+              <a:xfrm>
+                <a:off x="9710730" y="327928"/>
+                <a:ext cx="646331" cy="611706"/>
+              </a:xfrm>
+              <a:prstGeom prst="rect">
+                <a:avLst/>
+              </a:prstGeom>
+              <a:noFill/>
+            </p:spPr>
+            <p:txBody>
+              <a:bodyPr wrap="none" rtlCol="0">
+                <a:spAutoFit/>
+              </a:bodyPr>
+              <a:lstStyle/>
+              <a:p>
+                <a:pPr algn="ctr">
+                  <a:lnSpc>
+                    <a:spcPct val="150000"/>
+                  </a:lnSpc>
+                </a:pPr>
+                <a:r>
+                  <a:rPr lang="ko-KR" altLang="en-US" sz="1200" b="1">
+                    <a:solidFill>
+                      <a:schemeClr val="bg1">
+                        <a:lumMod val="50000"/>
+                      </a:schemeClr>
+                    </a:solidFill>
+                  </a:rPr>
+                  <a:t>관리자</a:t>
+                </a:r>
+                <a:endParaRPr lang="en-US" altLang="ko-KR" sz="1200" b="1">
+                  <a:solidFill>
+                    <a:schemeClr val="bg1">
+                      <a:lumMod val="50000"/>
+                    </a:schemeClr>
+                  </a:solidFill>
+                </a:endParaRPr>
+              </a:p>
+              <a:p>
+                <a:pPr algn="ctr">
+                  <a:lnSpc>
+                    <a:spcPct val="150000"/>
+                  </a:lnSpc>
+                </a:pPr>
+                <a:r>
+                  <a:rPr lang="en-US" altLang="ko-KR" sz="1050" b="1">
+                    <a:solidFill>
+                      <a:schemeClr val="bg1">
+                        <a:lumMod val="50000"/>
+                      </a:schemeClr>
+                    </a:solidFill>
+                  </a:rPr>
+                  <a:t>Admin</a:t>
+                </a:r>
+              </a:p>
+            </p:txBody>
+          </p:sp>
+          <p:sp>
+            <p:nvSpPr>
+              <p:cNvPr id="21" name="직사각형 20">
+                <a:extLst>
+                  <a:ext uri="{FF2B5EF4-FFF2-40B4-BE49-F238E27FC236}">
+                    <a16:creationId xmlns:a16="http://schemas.microsoft.com/office/drawing/2014/main" id="{7CD09966-B5C1-6685-DFF3-1F73C09587D9}"/>
+                  </a:ext>
+                </a:extLst>
+              </p:cNvPr>
+              <p:cNvSpPr/>
+              <p:nvPr/>
+            </p:nvSpPr>
+            <p:spPr>
+              <a:xfrm rot="5400000">
+                <a:off x="4954869" y="4943115"/>
+                <a:ext cx="1664238" cy="253916"/>
+              </a:xfrm>
+              <a:prstGeom prst="rect">
+                <a:avLst/>
+              </a:prstGeom>
+              <a:solidFill>
+                <a:schemeClr val="bg1"/>
+              </a:solidFill>
+            </p:spPr>
+            <p:txBody>
+              <a:bodyPr wrap="none">
+                <a:spAutoFit/>
+              </a:bodyPr>
+              <a:lstStyle/>
+              <a:p>
+                <a:r>
+                  <a:rPr lang="en-US" altLang="ko-KR" sz="1050" b="1"/>
+                  <a:t>AddSessionToSchedule</a:t>
+                </a:r>
+              </a:p>
+            </p:txBody>
+          </p:sp>
+          <p:sp>
+            <p:nvSpPr>
+              <p:cNvPr id="25" name="직사각형 24">
+                <a:extLst>
+                  <a:ext uri="{FF2B5EF4-FFF2-40B4-BE49-F238E27FC236}">
+                    <a16:creationId xmlns:a16="http://schemas.microsoft.com/office/drawing/2014/main" id="{C85E4C1E-170A-830C-AB71-2FE39E4CE0F7}"/>
+                  </a:ext>
+                </a:extLst>
+              </p:cNvPr>
+              <p:cNvSpPr/>
+              <p:nvPr/>
+            </p:nvSpPr>
+            <p:spPr>
+              <a:xfrm>
+                <a:off x="8076724" y="3658226"/>
+                <a:ext cx="1186543" cy="253916"/>
+              </a:xfrm>
+              <a:prstGeom prst="rect">
+                <a:avLst/>
+              </a:prstGeom>
+              <a:solidFill>
+                <a:schemeClr val="bg1"/>
+              </a:solidFill>
+            </p:spPr>
+            <p:txBody>
+              <a:bodyPr wrap="none">
+                <a:spAutoFit/>
+              </a:bodyPr>
+              <a:lstStyle/>
+              <a:p>
+                <a:r>
+                  <a:rPr lang="en-US" altLang="ko-KR" sz="1050" b="1"/>
+                  <a:t>AddToSchedule</a:t>
+                </a:r>
+                <a:endParaRPr lang="ko-KR" altLang="en-US" sz="1050" b="1"/>
+              </a:p>
+            </p:txBody>
+          </p:sp>
+          <p:sp>
+            <p:nvSpPr>
+              <p:cNvPr id="27" name="직사각형 26">
+                <a:extLst>
+                  <a:ext uri="{FF2B5EF4-FFF2-40B4-BE49-F238E27FC236}">
+                    <a16:creationId xmlns:a16="http://schemas.microsoft.com/office/drawing/2014/main" id="{A6DD402E-F073-4E41-CE4D-B1B06F7C1A97}"/>
+                  </a:ext>
+                </a:extLst>
+              </p:cNvPr>
+              <p:cNvSpPr/>
+              <p:nvPr/>
+            </p:nvSpPr>
+            <p:spPr>
+              <a:xfrm>
+                <a:off x="4164885" y="2841168"/>
+                <a:ext cx="1353256" cy="253916"/>
+              </a:xfrm>
+              <a:prstGeom prst="rect">
+                <a:avLst/>
+              </a:prstGeom>
+              <a:solidFill>
+                <a:schemeClr val="bg1"/>
+              </a:solidFill>
+            </p:spPr>
+            <p:txBody>
+              <a:bodyPr wrap="none">
+                <a:spAutoFit/>
+              </a:bodyPr>
+              <a:lstStyle/>
+              <a:p>
+                <a:r>
+                  <a:rPr lang="en-US" altLang="ko-KR" sz="1050" b="1"/>
+                  <a:t>CancelReservation</a:t>
+                </a:r>
+                <a:endParaRPr lang="ko-KR" altLang="en-US" sz="1050" b="1"/>
+              </a:p>
+            </p:txBody>
+          </p:sp>
+          <p:sp>
+            <p:nvSpPr>
+              <p:cNvPr id="29" name="직사각형 28">
+                <a:extLst>
+                  <a:ext uri="{FF2B5EF4-FFF2-40B4-BE49-F238E27FC236}">
+                    <a16:creationId xmlns:a16="http://schemas.microsoft.com/office/drawing/2014/main" id="{3348934F-A19D-0CE3-D10C-939ED42C410D}"/>
+                  </a:ext>
+                </a:extLst>
+              </p:cNvPr>
+              <p:cNvSpPr/>
+              <p:nvPr/>
+            </p:nvSpPr>
+            <p:spPr>
+              <a:xfrm>
+                <a:off x="6568603" y="3460210"/>
+                <a:ext cx="978153" cy="253916"/>
+              </a:xfrm>
+              <a:prstGeom prst="rect">
+                <a:avLst/>
+              </a:prstGeom>
+              <a:solidFill>
+                <a:schemeClr val="bg1"/>
+              </a:solidFill>
+            </p:spPr>
+            <p:txBody>
+              <a:bodyPr wrap="none">
+                <a:spAutoFit/>
+              </a:bodyPr>
+              <a:lstStyle/>
+              <a:p>
+                <a:r>
+                  <a:rPr lang="en-US" altLang="ko-KR" sz="1050" b="1"/>
+                  <a:t>ReserveSpot</a:t>
+                </a:r>
+                <a:endParaRPr lang="ko-KR" altLang="en-US" sz="1050" b="1"/>
+              </a:p>
+            </p:txBody>
+          </p:sp>
+        </p:grpSp>
       </p:grpSp>
-      <p:grpSp>
-        <p:nvGrpSpPr>
-          <p:cNvPr id="35" name="그룹 34"/>
-          <p:cNvGrpSpPr/>
-          <p:nvPr/>
-        </p:nvGrpSpPr>
-        <p:grpSpPr>
-          <a:xfrm>
-            <a:off x="10867377" y="3505656"/>
-            <a:ext cx="184639" cy="360485"/>
-            <a:chOff x="2522472" y="1600227"/>
-            <a:chExt cx="184639" cy="360485"/>
-          </a:xfrm>
-          <a:noFill/>
-        </p:grpSpPr>
-        <p:sp>
-          <p:nvSpPr>
-            <p:cNvPr id="36" name="직사각형 35"/>
-            <p:cNvSpPr/>
-            <p:nvPr/>
-          </p:nvSpPr>
-          <p:spPr>
-            <a:xfrm>
-              <a:off x="2522472" y="1767281"/>
-              <a:ext cx="184639" cy="193431"/>
-            </a:xfrm>
-            <a:prstGeom prst="rect">
-              <a:avLst/>
-            </a:prstGeom>
-            <a:grpFill/>
-            <a:ln>
-              <a:noFill/>
-            </a:ln>
-          </p:spPr>
-          <p:style>
-            <a:lnRef idx="2">
-              <a:schemeClr val="accent1">
-                <a:shade val="50000"/>
-              </a:schemeClr>
-            </a:lnRef>
-            <a:fillRef idx="1">
-              <a:schemeClr val="accent1"/>
-            </a:fillRef>
-            <a:effectRef idx="0">
-              <a:schemeClr val="accent1"/>
-            </a:effectRef>
-            <a:fontRef idx="minor">
-              <a:schemeClr val="lt1"/>
-            </a:fontRef>
-          </p:style>
-          <p:txBody>
-            <a:bodyPr rtlCol="0" anchor="ctr"/>
-            <a:lstStyle/>
-            <a:p>
-              <a:pPr algn="ctr"/>
-              <a:endParaRPr lang="ko-KR" altLang="en-US" sz="1600"/>
-            </a:p>
-          </p:txBody>
-        </p:sp>
-        <p:sp>
-          <p:nvSpPr>
-            <p:cNvPr id="37" name="직사각형 36"/>
-            <p:cNvSpPr/>
-            <p:nvPr/>
-          </p:nvSpPr>
-          <p:spPr>
-            <a:xfrm>
-              <a:off x="2522472" y="1600227"/>
-              <a:ext cx="184639" cy="193431"/>
-            </a:xfrm>
-            <a:prstGeom prst="rect">
-              <a:avLst/>
-            </a:prstGeom>
-            <a:grpFill/>
-            <a:ln>
-              <a:noFill/>
-            </a:ln>
-          </p:spPr>
-          <p:style>
-            <a:lnRef idx="2">
-              <a:schemeClr val="accent1">
-                <a:shade val="50000"/>
-              </a:schemeClr>
-            </a:lnRef>
-            <a:fillRef idx="1">
-              <a:schemeClr val="accent1"/>
-            </a:fillRef>
-            <a:effectRef idx="0">
-              <a:schemeClr val="accent1"/>
-            </a:effectRef>
-            <a:fontRef idx="minor">
-              <a:schemeClr val="lt1"/>
-            </a:fontRef>
-          </p:style>
-          <p:txBody>
-            <a:bodyPr rtlCol="0" anchor="ctr"/>
-            <a:lstStyle/>
-            <a:p>
-              <a:pPr algn="ctr"/>
-              <a:endParaRPr lang="ko-KR" altLang="en-US" sz="1600"/>
-            </a:p>
-          </p:txBody>
-        </p:sp>
-      </p:grpSp>
-      <p:cxnSp>
-        <p:nvCxnSpPr>
-          <p:cNvPr id="14" name="직선 화살표 연결선 13"/>
-          <p:cNvCxnSpPr>
-            <a:stCxn id="33" idx="3"/>
-            <a:endCxn id="37" idx="1"/>
-          </p:cNvCxnSpPr>
-          <p:nvPr/>
-        </p:nvCxnSpPr>
-        <p:spPr>
-          <a:xfrm>
-            <a:off x="6197520" y="3602372"/>
-            <a:ext cx="4669857" cy="0"/>
-          </a:xfrm>
-          <a:prstGeom prst="straightConnector1">
-            <a:avLst/>
-          </a:prstGeom>
-          <a:ln w="19050">
-            <a:solidFill>
-              <a:schemeClr val="tx1"/>
-            </a:solidFill>
-            <a:tailEnd type="triangle"/>
-          </a:ln>
-        </p:spPr>
-        <p:style>
-          <a:lnRef idx="1">
-            <a:schemeClr val="accent1"/>
-          </a:lnRef>
-          <a:fillRef idx="0">
-            <a:schemeClr val="accent1"/>
-          </a:fillRef>
-          <a:effectRef idx="0">
-            <a:schemeClr val="accent1"/>
-          </a:effectRef>
-          <a:fontRef idx="minor">
-            <a:schemeClr val="tx1"/>
-          </a:fontRef>
-        </p:style>
-      </p:cxnSp>
-      <p:cxnSp>
-        <p:nvCxnSpPr>
-          <p:cNvPr id="20" name="직선 화살표 연결선 19"/>
-          <p:cNvCxnSpPr>
-            <a:stCxn id="36" idx="1"/>
-            <a:endCxn id="8" idx="3"/>
-          </p:cNvCxnSpPr>
-          <p:nvPr/>
-        </p:nvCxnSpPr>
-        <p:spPr>
-          <a:xfrm flipH="1">
-            <a:off x="6197520" y="3769426"/>
-            <a:ext cx="4669857" cy="0"/>
-          </a:xfrm>
-          <a:prstGeom prst="straightConnector1">
-            <a:avLst/>
-          </a:prstGeom>
-          <a:ln w="19050">
-            <a:solidFill>
-              <a:schemeClr val="tx1"/>
-            </a:solidFill>
-            <a:tailEnd type="triangle"/>
-          </a:ln>
-        </p:spPr>
-        <p:style>
-          <a:lnRef idx="1">
-            <a:schemeClr val="accent1"/>
-          </a:lnRef>
-          <a:fillRef idx="0">
-            <a:schemeClr val="accent1"/>
-          </a:fillRef>
-          <a:effectRef idx="0">
-            <a:schemeClr val="accent1"/>
-          </a:effectRef>
-          <a:fontRef idx="minor">
-            <a:schemeClr val="tx1"/>
-          </a:fontRef>
-        </p:style>
-      </p:cxnSp>
-      <p:sp>
-        <p:nvSpPr>
-          <p:cNvPr id="41" name="직사각형 40"/>
-          <p:cNvSpPr/>
-          <p:nvPr/>
-        </p:nvSpPr>
-        <p:spPr>
-          <a:xfrm>
-            <a:off x="6277200" y="2904865"/>
-            <a:ext cx="4530407" cy="524246"/>
-          </a:xfrm>
-          <a:prstGeom prst="rect">
-            <a:avLst/>
-          </a:prstGeom>
-        </p:spPr>
-        <p:txBody>
-          <a:bodyPr wrap="none">
-            <a:spAutoFit/>
-          </a:bodyPr>
-          <a:lstStyle/>
-          <a:p>
-            <a:pPr>
-              <a:lnSpc>
-                <a:spcPct val="150000"/>
-              </a:lnSpc>
-            </a:pPr>
-            <a:r>
-              <a:rPr lang="ko-KR" altLang="en-US" sz="1000"/>
-              <a:t>하나의 세션에는 최대 참가자 수를 초과할 수 없다</a:t>
-            </a:r>
-            <a:r>
-              <a:rPr lang="en-US" altLang="ko-KR" sz="1000"/>
-              <a:t>.</a:t>
-            </a:r>
-          </a:p>
-          <a:p>
-            <a:pPr>
-              <a:lnSpc>
-                <a:spcPct val="150000"/>
-              </a:lnSpc>
-            </a:pPr>
-            <a:r>
-              <a:rPr lang="en-US" altLang="ko-KR" sz="1000"/>
-              <a:t>A session cannot contain more than the maximum number of participants</a:t>
-            </a:r>
-            <a:endParaRPr lang="ko-KR" altLang="en-US" sz="1000"/>
-          </a:p>
-        </p:txBody>
-      </p:sp>
-      <p:sp>
-        <p:nvSpPr>
-          <p:cNvPr id="42" name="직사각형 41"/>
-          <p:cNvSpPr/>
-          <p:nvPr/>
-        </p:nvSpPr>
-        <p:spPr>
-          <a:xfrm>
-            <a:off x="7785321" y="3922193"/>
-            <a:ext cx="3094117" cy="524246"/>
-          </a:xfrm>
-          <a:prstGeom prst="rect">
-            <a:avLst/>
-          </a:prstGeom>
-        </p:spPr>
-        <p:txBody>
-          <a:bodyPr wrap="none">
-            <a:spAutoFit/>
-          </a:bodyPr>
-          <a:lstStyle/>
-          <a:p>
-            <a:pPr>
-              <a:lnSpc>
-                <a:spcPct val="150000"/>
-              </a:lnSpc>
-            </a:pPr>
-            <a:r>
-              <a:rPr lang="ko-KR" altLang="en-US" sz="1000"/>
-              <a:t>참가자는 </a:t>
-            </a:r>
-            <a:r>
-              <a:rPr lang="ko-KR" altLang="en-US" sz="1000">
-                <a:solidFill>
-                  <a:srgbClr val="0070C0"/>
-                </a:solidFill>
-              </a:rPr>
-              <a:t>겹치는 세션을</a:t>
-            </a:r>
-            <a:r>
-              <a:rPr lang="ko-KR" altLang="en-US" sz="1000"/>
-              <a:t> 예약할 수 없다</a:t>
-            </a:r>
-            <a:r>
-              <a:rPr lang="en-US" altLang="ko-KR" sz="1000"/>
-              <a:t>.</a:t>
-            </a:r>
-          </a:p>
-          <a:p>
-            <a:pPr>
-              <a:lnSpc>
-                <a:spcPct val="150000"/>
-              </a:lnSpc>
-            </a:pPr>
-            <a:r>
-              <a:rPr lang="en-US" altLang="ko-KR" sz="1000"/>
-              <a:t>A participant cannot reserve </a:t>
-            </a:r>
-            <a:r>
-              <a:rPr lang="en-US" altLang="ko-KR" sz="1000">
-                <a:solidFill>
-                  <a:srgbClr val="0070C0"/>
-                </a:solidFill>
-              </a:rPr>
-              <a:t>overlapping sessions</a:t>
-            </a:r>
-            <a:endParaRPr lang="ko-KR" altLang="en-US" sz="1000">
-              <a:solidFill>
-                <a:srgbClr val="0070C0"/>
-              </a:solidFill>
-            </a:endParaRPr>
-          </a:p>
-        </p:txBody>
-      </p:sp>
-      <p:sp>
-        <p:nvSpPr>
-          <p:cNvPr id="43" name="TextBox 42"/>
-          <p:cNvSpPr txBox="1"/>
-          <p:nvPr/>
-        </p:nvSpPr>
-        <p:spPr>
-          <a:xfrm>
-            <a:off x="5284287" y="6029442"/>
-            <a:ext cx="1005403" cy="738664"/>
-          </a:xfrm>
-          <a:prstGeom prst="rect">
-            <a:avLst/>
-          </a:prstGeom>
-          <a:noFill/>
-        </p:spPr>
-        <p:txBody>
-          <a:bodyPr wrap="none" rtlCol="0">
-            <a:spAutoFit/>
-          </a:bodyPr>
-          <a:lstStyle/>
-          <a:p>
-            <a:pPr algn="ctr">
-              <a:lnSpc>
-                <a:spcPct val="150000"/>
-              </a:lnSpc>
-            </a:pPr>
-            <a:r>
-              <a:rPr lang="ko-KR" altLang="en-US" sz="1600" b="1"/>
-              <a:t>트레이너</a:t>
-            </a:r>
-            <a:endParaRPr lang="en-US" altLang="ko-KR" sz="1600" b="1"/>
-          </a:p>
-          <a:p>
-            <a:pPr algn="ctr">
-              <a:lnSpc>
-                <a:spcPct val="150000"/>
-              </a:lnSpc>
-            </a:pPr>
-            <a:r>
-              <a:rPr lang="en-US" altLang="ko-KR" sz="1200" b="1"/>
-              <a:t>Trainer</a:t>
-            </a:r>
-            <a:endParaRPr lang="ko-KR" altLang="en-US" sz="1200" b="1"/>
-          </a:p>
-        </p:txBody>
-      </p:sp>
-      <p:cxnSp>
-        <p:nvCxnSpPr>
-          <p:cNvPr id="38" name="직선 화살표 연결선 37"/>
-          <p:cNvCxnSpPr>
-            <a:stCxn id="43" idx="0"/>
-            <a:endCxn id="24" idx="2"/>
-          </p:cNvCxnSpPr>
-          <p:nvPr/>
-        </p:nvCxnSpPr>
-        <p:spPr>
-          <a:xfrm flipV="1">
-            <a:off x="5786989" y="4009064"/>
-            <a:ext cx="0" cy="2020378"/>
-          </a:xfrm>
-          <a:prstGeom prst="straightConnector1">
-            <a:avLst/>
-          </a:prstGeom>
-          <a:ln w="19050">
-            <a:solidFill>
-              <a:schemeClr val="tx1"/>
-            </a:solidFill>
-            <a:tailEnd type="triangle"/>
-          </a:ln>
-        </p:spPr>
-        <p:style>
-          <a:lnRef idx="1">
-            <a:schemeClr val="accent1"/>
-          </a:lnRef>
-          <a:fillRef idx="0">
-            <a:schemeClr val="accent1"/>
-          </a:fillRef>
-          <a:effectRef idx="0">
-            <a:schemeClr val="accent1"/>
-          </a:effectRef>
-          <a:fontRef idx="minor">
-            <a:schemeClr val="tx1"/>
-          </a:fontRef>
-        </p:style>
-      </p:cxnSp>
-      <p:sp>
-        <p:nvSpPr>
-          <p:cNvPr id="48" name="TextBox 47"/>
-          <p:cNvSpPr txBox="1"/>
-          <p:nvPr/>
-        </p:nvSpPr>
-        <p:spPr>
-          <a:xfrm>
-            <a:off x="526494" y="3270400"/>
-            <a:ext cx="613245" cy="738664"/>
-          </a:xfrm>
-          <a:prstGeom prst="rect">
-            <a:avLst/>
-          </a:prstGeom>
-          <a:noFill/>
-        </p:spPr>
-        <p:txBody>
-          <a:bodyPr wrap="none" rtlCol="0">
-            <a:spAutoFit/>
-          </a:bodyPr>
-          <a:lstStyle/>
-          <a:p>
-            <a:pPr algn="ctr">
-              <a:lnSpc>
-                <a:spcPct val="150000"/>
-              </a:lnSpc>
-            </a:pPr>
-            <a:r>
-              <a:rPr lang="ko-KR" altLang="en-US" sz="1600" b="1"/>
-              <a:t>방</a:t>
-            </a:r>
-            <a:endParaRPr lang="en-US" altLang="ko-KR" sz="1600" b="1"/>
-          </a:p>
-          <a:p>
-            <a:pPr algn="ctr">
-              <a:lnSpc>
-                <a:spcPct val="150000"/>
-              </a:lnSpc>
-            </a:pPr>
-            <a:r>
-              <a:rPr lang="en-US" altLang="ko-KR" sz="1200" b="1"/>
-              <a:t>Room</a:t>
-            </a:r>
-            <a:endParaRPr lang="ko-KR" altLang="en-US" sz="1200" b="1"/>
-          </a:p>
-        </p:txBody>
-      </p:sp>
-      <p:cxnSp>
-        <p:nvCxnSpPr>
-          <p:cNvPr id="50" name="직선 화살표 연결선 49"/>
-          <p:cNvCxnSpPr>
-            <a:stCxn id="58" idx="3"/>
-            <a:endCxn id="54" idx="1"/>
-          </p:cNvCxnSpPr>
-          <p:nvPr/>
-        </p:nvCxnSpPr>
-        <p:spPr>
-          <a:xfrm>
-            <a:off x="1163881" y="3769426"/>
-            <a:ext cx="4212580" cy="0"/>
-          </a:xfrm>
-          <a:prstGeom prst="straightConnector1">
-            <a:avLst/>
-          </a:prstGeom>
-          <a:ln w="19050">
-            <a:solidFill>
-              <a:schemeClr val="tx1"/>
-            </a:solidFill>
-            <a:tailEnd type="triangle"/>
-          </a:ln>
-        </p:spPr>
-        <p:style>
-          <a:lnRef idx="1">
-            <a:schemeClr val="accent1"/>
-          </a:lnRef>
-          <a:fillRef idx="0">
-            <a:schemeClr val="accent1"/>
-          </a:fillRef>
-          <a:effectRef idx="0">
-            <a:schemeClr val="accent1"/>
-          </a:effectRef>
-          <a:fontRef idx="minor">
-            <a:schemeClr val="tx1"/>
-          </a:fontRef>
-        </p:style>
-      </p:cxnSp>
-      <p:grpSp>
-        <p:nvGrpSpPr>
-          <p:cNvPr id="53" name="그룹 52"/>
-          <p:cNvGrpSpPr/>
-          <p:nvPr/>
-        </p:nvGrpSpPr>
-        <p:grpSpPr>
-          <a:xfrm>
-            <a:off x="5376461" y="3505656"/>
-            <a:ext cx="184639" cy="360485"/>
-            <a:chOff x="2522472" y="1600227"/>
-            <a:chExt cx="184639" cy="360485"/>
-          </a:xfrm>
-          <a:noFill/>
-        </p:grpSpPr>
-        <p:sp>
-          <p:nvSpPr>
-            <p:cNvPr id="54" name="직사각형 53"/>
-            <p:cNvSpPr/>
-            <p:nvPr/>
-          </p:nvSpPr>
-          <p:spPr>
-            <a:xfrm>
-              <a:off x="2522472" y="1767281"/>
-              <a:ext cx="184639" cy="193431"/>
-            </a:xfrm>
-            <a:prstGeom prst="rect">
-              <a:avLst/>
-            </a:prstGeom>
-            <a:grpFill/>
-            <a:ln>
-              <a:noFill/>
-            </a:ln>
-          </p:spPr>
-          <p:style>
-            <a:lnRef idx="2">
-              <a:schemeClr val="accent1">
-                <a:shade val="50000"/>
-              </a:schemeClr>
-            </a:lnRef>
-            <a:fillRef idx="1">
-              <a:schemeClr val="accent1"/>
-            </a:fillRef>
-            <a:effectRef idx="0">
-              <a:schemeClr val="accent1"/>
-            </a:effectRef>
-            <a:fontRef idx="minor">
-              <a:schemeClr val="lt1"/>
-            </a:fontRef>
-          </p:style>
-          <p:txBody>
-            <a:bodyPr rtlCol="0" anchor="ctr"/>
-            <a:lstStyle/>
-            <a:p>
-              <a:pPr algn="ctr"/>
-              <a:endParaRPr lang="ko-KR" altLang="en-US" sz="1600"/>
-            </a:p>
-          </p:txBody>
-        </p:sp>
-        <p:sp>
-          <p:nvSpPr>
-            <p:cNvPr id="55" name="직사각형 54"/>
-            <p:cNvSpPr/>
-            <p:nvPr/>
-          </p:nvSpPr>
-          <p:spPr>
-            <a:xfrm>
-              <a:off x="2522472" y="1600227"/>
-              <a:ext cx="184639" cy="193431"/>
-            </a:xfrm>
-            <a:prstGeom prst="rect">
-              <a:avLst/>
-            </a:prstGeom>
-            <a:grpFill/>
-            <a:ln>
-              <a:noFill/>
-            </a:ln>
-          </p:spPr>
-          <p:style>
-            <a:lnRef idx="2">
-              <a:schemeClr val="accent1">
-                <a:shade val="50000"/>
-              </a:schemeClr>
-            </a:lnRef>
-            <a:fillRef idx="1">
-              <a:schemeClr val="accent1"/>
-            </a:fillRef>
-            <a:effectRef idx="0">
-              <a:schemeClr val="accent1"/>
-            </a:effectRef>
-            <a:fontRef idx="minor">
-              <a:schemeClr val="lt1"/>
-            </a:fontRef>
-          </p:style>
-          <p:txBody>
-            <a:bodyPr rtlCol="0" anchor="ctr"/>
-            <a:lstStyle/>
-            <a:p>
-              <a:pPr algn="ctr"/>
-              <a:endParaRPr lang="ko-KR" altLang="en-US" sz="1600"/>
-            </a:p>
-          </p:txBody>
-        </p:sp>
-      </p:grpSp>
-      <p:grpSp>
-        <p:nvGrpSpPr>
-          <p:cNvPr id="57" name="그룹 56"/>
-          <p:cNvGrpSpPr/>
-          <p:nvPr/>
-        </p:nvGrpSpPr>
-        <p:grpSpPr>
-          <a:xfrm>
-            <a:off x="979242" y="3505656"/>
-            <a:ext cx="184639" cy="360485"/>
-            <a:chOff x="2522472" y="1600227"/>
-            <a:chExt cx="184639" cy="360485"/>
-          </a:xfrm>
-          <a:noFill/>
-        </p:grpSpPr>
-        <p:sp>
-          <p:nvSpPr>
-            <p:cNvPr id="58" name="직사각형 57"/>
-            <p:cNvSpPr/>
-            <p:nvPr/>
-          </p:nvSpPr>
-          <p:spPr>
-            <a:xfrm>
-              <a:off x="2522472" y="1767281"/>
-              <a:ext cx="184639" cy="193431"/>
-            </a:xfrm>
-            <a:prstGeom prst="rect">
-              <a:avLst/>
-            </a:prstGeom>
-            <a:grpFill/>
-            <a:ln>
-              <a:noFill/>
-            </a:ln>
-          </p:spPr>
-          <p:style>
-            <a:lnRef idx="2">
-              <a:schemeClr val="accent1">
-                <a:shade val="50000"/>
-              </a:schemeClr>
-            </a:lnRef>
-            <a:fillRef idx="1">
-              <a:schemeClr val="accent1"/>
-            </a:fillRef>
-            <a:effectRef idx="0">
-              <a:schemeClr val="accent1"/>
-            </a:effectRef>
-            <a:fontRef idx="minor">
-              <a:schemeClr val="lt1"/>
-            </a:fontRef>
-          </p:style>
-          <p:txBody>
-            <a:bodyPr rtlCol="0" anchor="ctr"/>
-            <a:lstStyle/>
-            <a:p>
-              <a:pPr algn="ctr"/>
-              <a:endParaRPr lang="ko-KR" altLang="en-US" sz="1600"/>
-            </a:p>
-          </p:txBody>
-        </p:sp>
-        <p:sp>
-          <p:nvSpPr>
-            <p:cNvPr id="59" name="직사각형 58"/>
-            <p:cNvSpPr/>
-            <p:nvPr/>
-          </p:nvSpPr>
-          <p:spPr>
-            <a:xfrm>
-              <a:off x="2522472" y="1600227"/>
-              <a:ext cx="184639" cy="193431"/>
-            </a:xfrm>
-            <a:prstGeom prst="rect">
-              <a:avLst/>
-            </a:prstGeom>
-            <a:grpFill/>
-            <a:ln>
-              <a:noFill/>
-            </a:ln>
-          </p:spPr>
-          <p:style>
-            <a:lnRef idx="2">
-              <a:schemeClr val="accent1">
-                <a:shade val="50000"/>
-              </a:schemeClr>
-            </a:lnRef>
-            <a:fillRef idx="1">
-              <a:schemeClr val="accent1"/>
-            </a:fillRef>
-            <a:effectRef idx="0">
-              <a:schemeClr val="accent1"/>
-            </a:effectRef>
-            <a:fontRef idx="minor">
-              <a:schemeClr val="lt1"/>
-            </a:fontRef>
-          </p:style>
-          <p:txBody>
-            <a:bodyPr rtlCol="0" anchor="ctr"/>
-            <a:lstStyle/>
-            <a:p>
-              <a:pPr algn="ctr"/>
-              <a:endParaRPr lang="ko-KR" altLang="en-US" sz="1600"/>
-            </a:p>
-          </p:txBody>
-        </p:sp>
-      </p:grpSp>
-      <p:sp>
-        <p:nvSpPr>
-          <p:cNvPr id="62" name="직사각형 61"/>
-          <p:cNvSpPr/>
-          <p:nvPr/>
-        </p:nvSpPr>
-        <p:spPr>
-          <a:xfrm>
-            <a:off x="1290852" y="4031651"/>
-            <a:ext cx="3981786" cy="524246"/>
-          </a:xfrm>
-          <a:prstGeom prst="rect">
-            <a:avLst/>
-          </a:prstGeom>
-          <a:noFill/>
-        </p:spPr>
-        <p:txBody>
-          <a:bodyPr wrap="square">
-            <a:spAutoFit/>
-          </a:bodyPr>
-          <a:lstStyle/>
-          <a:p>
-            <a:pPr>
-              <a:lnSpc>
-                <a:spcPct val="150000"/>
-              </a:lnSpc>
-            </a:pPr>
-            <a:r>
-              <a:rPr lang="ko-KR" altLang="en-US" sz="1000"/>
-              <a:t>방은 </a:t>
-            </a:r>
-            <a:r>
-              <a:rPr lang="ko-KR" altLang="en-US" sz="1000">
-                <a:solidFill>
-                  <a:srgbClr val="C00000"/>
-                </a:solidFill>
-              </a:rPr>
-              <a:t>구독이 허용하는 개수보다</a:t>
-            </a:r>
-            <a:r>
-              <a:rPr lang="ko-KR" altLang="en-US" sz="1000"/>
-              <a:t> 더 많은 세션을 가질 수 없다</a:t>
-            </a:r>
-            <a:r>
-              <a:rPr lang="en-US" altLang="ko-KR" sz="1000"/>
-              <a:t>.</a:t>
-            </a:r>
-          </a:p>
-          <a:p>
-            <a:pPr>
-              <a:lnSpc>
-                <a:spcPct val="150000"/>
-              </a:lnSpc>
-            </a:pPr>
-            <a:r>
-              <a:rPr lang="en-US" altLang="ko-KR" sz="1000"/>
-              <a:t>A room cannot have </a:t>
-            </a:r>
-            <a:r>
-              <a:rPr lang="en-US" altLang="ko-KR" sz="1000">
-                <a:solidFill>
-                  <a:srgbClr val="C00000"/>
-                </a:solidFill>
-              </a:rPr>
-              <a:t>more sessions than the subscription allows</a:t>
-            </a:r>
-            <a:endParaRPr lang="ko-KR" altLang="en-US" sz="1000">
-              <a:solidFill>
-                <a:srgbClr val="C00000"/>
-              </a:solidFill>
-            </a:endParaRPr>
-          </a:p>
-        </p:txBody>
-      </p:sp>
-      <p:sp>
-        <p:nvSpPr>
-          <p:cNvPr id="63" name="직사각형 62"/>
-          <p:cNvSpPr/>
-          <p:nvPr/>
-        </p:nvSpPr>
-        <p:spPr>
-          <a:xfrm>
-            <a:off x="1290852" y="4716879"/>
-            <a:ext cx="3467616" cy="524246"/>
-          </a:xfrm>
-          <a:prstGeom prst="rect">
-            <a:avLst/>
-          </a:prstGeom>
-          <a:noFill/>
-        </p:spPr>
-        <p:txBody>
-          <a:bodyPr wrap="none">
-            <a:spAutoFit/>
-          </a:bodyPr>
-          <a:lstStyle/>
-          <a:p>
-            <a:pPr>
-              <a:lnSpc>
-                <a:spcPct val="150000"/>
-              </a:lnSpc>
-            </a:pPr>
-            <a:r>
-              <a:rPr lang="ko-KR" altLang="en-US" sz="1000"/>
-              <a:t>하나의 방에서 두 개 이상의 </a:t>
-            </a:r>
-            <a:r>
-              <a:rPr lang="ko-KR" altLang="en-US" sz="1000">
-                <a:solidFill>
-                  <a:srgbClr val="0070C0"/>
-                </a:solidFill>
-              </a:rPr>
-              <a:t>겹치는 세션을</a:t>
-            </a:r>
-            <a:r>
-              <a:rPr lang="ko-KR" altLang="en-US" sz="1000"/>
-              <a:t> 가질 수 없다</a:t>
-            </a:r>
-            <a:r>
-              <a:rPr lang="en-GB" altLang="ko-KR" sz="1000"/>
-              <a:t>.</a:t>
-            </a:r>
-            <a:endParaRPr lang="en-US" altLang="ko-KR" sz="1000"/>
-          </a:p>
-          <a:p>
-            <a:pPr>
-              <a:lnSpc>
-                <a:spcPct val="150000"/>
-              </a:lnSpc>
-            </a:pPr>
-            <a:r>
-              <a:rPr lang="en-US" altLang="ko-KR" sz="1000"/>
-              <a:t>A room cannot have two or more </a:t>
-            </a:r>
-            <a:r>
-              <a:rPr lang="en-US" altLang="ko-KR" sz="1000">
-                <a:solidFill>
-                  <a:srgbClr val="0070C0"/>
-                </a:solidFill>
-              </a:rPr>
-              <a:t>overlapping sessions</a:t>
-            </a:r>
-            <a:endParaRPr lang="ko-KR" altLang="en-US" sz="1000">
-              <a:solidFill>
-                <a:srgbClr val="0070C0"/>
-              </a:solidFill>
-            </a:endParaRPr>
-          </a:p>
-        </p:txBody>
-      </p:sp>
-      <p:sp>
-        <p:nvSpPr>
-          <p:cNvPr id="64" name="TextBox 63"/>
-          <p:cNvSpPr txBox="1"/>
-          <p:nvPr/>
-        </p:nvSpPr>
-        <p:spPr>
-          <a:xfrm>
-            <a:off x="433007" y="983444"/>
-            <a:ext cx="800219" cy="702949"/>
-          </a:xfrm>
-          <a:prstGeom prst="rect">
-            <a:avLst/>
-          </a:prstGeom>
-          <a:noFill/>
-        </p:spPr>
-        <p:txBody>
-          <a:bodyPr wrap="none" rtlCol="0">
-            <a:spAutoFit/>
-          </a:bodyPr>
-          <a:lstStyle/>
-          <a:p>
-            <a:pPr algn="ctr">
-              <a:lnSpc>
-                <a:spcPct val="150000"/>
-              </a:lnSpc>
-            </a:pPr>
-            <a:r>
-              <a:rPr lang="ko-KR" altLang="en-US" sz="1600" b="1"/>
-              <a:t>헬스장</a:t>
-            </a:r>
-            <a:endParaRPr lang="en-US" altLang="ko-KR" sz="1600" b="1"/>
-          </a:p>
-          <a:p>
-            <a:pPr algn="ctr">
-              <a:lnSpc>
-                <a:spcPct val="150000"/>
-              </a:lnSpc>
-            </a:pPr>
-            <a:r>
-              <a:rPr lang="en-US" altLang="ko-KR" sz="1200" b="1"/>
-              <a:t>Gym</a:t>
-            </a:r>
-            <a:endParaRPr lang="ko-KR" altLang="en-US" sz="1200" b="1"/>
-          </a:p>
-        </p:txBody>
-      </p:sp>
-      <p:cxnSp>
-        <p:nvCxnSpPr>
-          <p:cNvPr id="66" name="직선 화살표 연결선 65"/>
-          <p:cNvCxnSpPr>
-            <a:stCxn id="64" idx="2"/>
-            <a:endCxn id="48" idx="0"/>
-          </p:cNvCxnSpPr>
-          <p:nvPr/>
-        </p:nvCxnSpPr>
-        <p:spPr>
-          <a:xfrm>
-            <a:off x="833117" y="1686393"/>
-            <a:ext cx="0" cy="1584007"/>
-          </a:xfrm>
-          <a:prstGeom prst="straightConnector1">
-            <a:avLst/>
-          </a:prstGeom>
-          <a:ln w="19050">
-            <a:solidFill>
-              <a:schemeClr val="tx1"/>
-            </a:solidFill>
-            <a:tailEnd type="triangle"/>
-          </a:ln>
-        </p:spPr>
-        <p:style>
-          <a:lnRef idx="1">
-            <a:schemeClr val="accent1"/>
-          </a:lnRef>
-          <a:fillRef idx="0">
-            <a:schemeClr val="accent1"/>
-          </a:fillRef>
-          <a:effectRef idx="0">
-            <a:schemeClr val="accent1"/>
-          </a:effectRef>
-          <a:fontRef idx="minor">
-            <a:schemeClr val="tx1"/>
-          </a:fontRef>
-        </p:style>
-      </p:cxnSp>
-      <p:sp>
-        <p:nvSpPr>
-          <p:cNvPr id="67" name="직사각형 66"/>
-          <p:cNvSpPr/>
-          <p:nvPr/>
-        </p:nvSpPr>
-        <p:spPr>
-          <a:xfrm>
-            <a:off x="967111" y="2071676"/>
-            <a:ext cx="3816694" cy="524246"/>
-          </a:xfrm>
-          <a:prstGeom prst="rect">
-            <a:avLst/>
-          </a:prstGeom>
-          <a:noFill/>
-        </p:spPr>
-        <p:txBody>
-          <a:bodyPr wrap="square">
-            <a:spAutoFit/>
-          </a:bodyPr>
-          <a:lstStyle/>
-          <a:p>
-            <a:pPr>
-              <a:lnSpc>
-                <a:spcPct val="150000"/>
-              </a:lnSpc>
-            </a:pPr>
-            <a:r>
-              <a:rPr lang="ko-KR" altLang="en-US" sz="1000"/>
-              <a:t>헬스장은 </a:t>
-            </a:r>
-            <a:r>
-              <a:rPr lang="ko-KR" altLang="en-US" sz="1000">
-                <a:solidFill>
-                  <a:srgbClr val="C00000"/>
-                </a:solidFill>
-              </a:rPr>
-              <a:t>구독이 허용하는 개수보다</a:t>
-            </a:r>
-            <a:r>
-              <a:rPr lang="ko-KR" altLang="en-US" sz="1000"/>
-              <a:t> 더 많은 방을 가질 수 없다</a:t>
-            </a:r>
-            <a:r>
-              <a:rPr lang="en-US" altLang="ko-KR" sz="1000"/>
-              <a:t>.</a:t>
-            </a:r>
-          </a:p>
-          <a:p>
-            <a:pPr>
-              <a:lnSpc>
-                <a:spcPct val="150000"/>
-              </a:lnSpc>
-            </a:pPr>
-            <a:r>
-              <a:rPr lang="en-US" altLang="ko-KR" sz="1000"/>
-              <a:t>A gym cannot have </a:t>
-            </a:r>
-            <a:r>
-              <a:rPr lang="en-US" altLang="ko-KR" sz="1000">
-                <a:solidFill>
-                  <a:srgbClr val="C00000"/>
-                </a:solidFill>
-              </a:rPr>
-              <a:t>more rooms than the subscription allows</a:t>
-            </a:r>
-            <a:endParaRPr lang="ko-KR" altLang="en-US" sz="1000">
-              <a:solidFill>
-                <a:srgbClr val="C00000"/>
-              </a:solidFill>
-            </a:endParaRPr>
-          </a:p>
-        </p:txBody>
-      </p:sp>
-      <p:sp>
-        <p:nvSpPr>
-          <p:cNvPr id="70" name="TextBox 69"/>
-          <p:cNvSpPr txBox="1"/>
-          <p:nvPr/>
-        </p:nvSpPr>
-        <p:spPr>
-          <a:xfrm>
-            <a:off x="6620504" y="983444"/>
-            <a:ext cx="1094082" cy="738664"/>
-          </a:xfrm>
-          <a:prstGeom prst="rect">
-            <a:avLst/>
-          </a:prstGeom>
-          <a:noFill/>
-        </p:spPr>
-        <p:txBody>
-          <a:bodyPr wrap="none" rtlCol="0">
-            <a:spAutoFit/>
-          </a:bodyPr>
-          <a:lstStyle/>
-          <a:p>
-            <a:pPr algn="ctr">
-              <a:lnSpc>
-                <a:spcPct val="150000"/>
-              </a:lnSpc>
-            </a:pPr>
-            <a:r>
-              <a:rPr lang="ko-KR" altLang="en-US" sz="1600" b="1"/>
-              <a:t>구독</a:t>
-            </a:r>
-            <a:endParaRPr lang="en-US" altLang="ko-KR" sz="1600" b="1"/>
-          </a:p>
-          <a:p>
-            <a:pPr algn="ctr">
-              <a:lnSpc>
-                <a:spcPct val="150000"/>
-              </a:lnSpc>
-            </a:pPr>
-            <a:r>
-              <a:rPr lang="en-US" altLang="ko-KR" sz="1200" b="1"/>
-              <a:t>Subscription</a:t>
-            </a:r>
-            <a:endParaRPr lang="ko-KR" altLang="en-US" sz="1200" b="1"/>
-          </a:p>
-        </p:txBody>
-      </p:sp>
-      <p:cxnSp>
-        <p:nvCxnSpPr>
-          <p:cNvPr id="72" name="직선 화살표 연결선 71"/>
-          <p:cNvCxnSpPr>
-            <a:stCxn id="70" idx="1"/>
-            <a:endCxn id="64" idx="3"/>
-          </p:cNvCxnSpPr>
-          <p:nvPr/>
-        </p:nvCxnSpPr>
-        <p:spPr>
-          <a:xfrm flipH="1" flipV="1">
-            <a:off x="1233226" y="1334919"/>
-            <a:ext cx="5387278" cy="17857"/>
-          </a:xfrm>
-          <a:prstGeom prst="straightConnector1">
-            <a:avLst/>
-          </a:prstGeom>
-          <a:ln w="19050">
-            <a:solidFill>
-              <a:schemeClr val="tx1"/>
-            </a:solidFill>
-            <a:tailEnd type="triangle"/>
-          </a:ln>
-        </p:spPr>
-        <p:style>
-          <a:lnRef idx="1">
-            <a:schemeClr val="accent1"/>
-          </a:lnRef>
-          <a:fillRef idx="0">
-            <a:schemeClr val="accent1"/>
-          </a:fillRef>
-          <a:effectRef idx="0">
-            <a:schemeClr val="accent1"/>
-          </a:effectRef>
-          <a:fontRef idx="minor">
-            <a:schemeClr val="tx1"/>
-          </a:fontRef>
-        </p:style>
-      </p:cxnSp>
-      <p:sp>
-        <p:nvSpPr>
-          <p:cNvPr id="78" name="TextBox 77"/>
-          <p:cNvSpPr txBox="1"/>
-          <p:nvPr/>
-        </p:nvSpPr>
-        <p:spPr>
-          <a:xfrm>
-            <a:off x="7792397" y="1001551"/>
-            <a:ext cx="742511" cy="861774"/>
-          </a:xfrm>
-          <a:prstGeom prst="rect">
-            <a:avLst/>
-          </a:prstGeom>
-          <a:noFill/>
-        </p:spPr>
-        <p:txBody>
-          <a:bodyPr wrap="none" rtlCol="0">
-            <a:spAutoFit/>
-          </a:bodyPr>
-          <a:lstStyle/>
-          <a:p>
-            <a:pPr>
-              <a:lnSpc>
-                <a:spcPct val="150000"/>
-              </a:lnSpc>
-            </a:pPr>
-            <a:r>
-              <a:rPr lang="ko-KR" altLang="en-US" sz="1000"/>
-              <a:t>구독 등급</a:t>
-            </a:r>
-            <a:endParaRPr lang="en-US" altLang="ko-KR" sz="1000"/>
-          </a:p>
-          <a:p>
-            <a:pPr marL="171450" indent="-171450">
-              <a:lnSpc>
-                <a:spcPct val="150000"/>
-              </a:lnSpc>
-              <a:buFontTx/>
-              <a:buChar char="-"/>
-            </a:pPr>
-            <a:r>
-              <a:rPr lang="en-US" altLang="ko-KR" sz="1000"/>
-              <a:t>Free</a:t>
-            </a:r>
-          </a:p>
-          <a:p>
-            <a:pPr marL="171450" indent="-171450">
-              <a:buFontTx/>
-              <a:buChar char="-"/>
-            </a:pPr>
-            <a:r>
-              <a:rPr lang="en-US" altLang="ko-KR" sz="1000"/>
-              <a:t>Starter</a:t>
-            </a:r>
-          </a:p>
-          <a:p>
-            <a:pPr marL="171450" indent="-171450">
-              <a:buFontTx/>
-              <a:buChar char="-"/>
-            </a:pPr>
-            <a:r>
-              <a:rPr lang="en-US" altLang="ko-KR" sz="1000"/>
-              <a:t>Pro</a:t>
-            </a:r>
-            <a:endParaRPr lang="ko-KR" altLang="en-US" sz="1000"/>
-          </a:p>
-        </p:txBody>
-      </p:sp>
-      <p:sp>
-        <p:nvSpPr>
-          <p:cNvPr id="7" name="TextBox 6"/>
-          <p:cNvSpPr txBox="1"/>
-          <p:nvPr/>
-        </p:nvSpPr>
-        <p:spPr>
-          <a:xfrm>
-            <a:off x="10383004" y="327928"/>
-            <a:ext cx="732893" cy="577081"/>
-          </a:xfrm>
-          <a:prstGeom prst="rect">
-            <a:avLst/>
-          </a:prstGeom>
-          <a:noFill/>
-        </p:spPr>
-        <p:txBody>
-          <a:bodyPr wrap="none" rtlCol="0">
-            <a:spAutoFit/>
-          </a:bodyPr>
-          <a:lstStyle/>
-          <a:p>
-            <a:pPr algn="ctr">
-              <a:lnSpc>
-                <a:spcPct val="150000"/>
-              </a:lnSpc>
-            </a:pPr>
-            <a:r>
-              <a:rPr lang="ko-KR" altLang="en-US" sz="1100" b="1">
-                <a:solidFill>
-                  <a:schemeClr val="bg1">
-                    <a:lumMod val="50000"/>
-                  </a:schemeClr>
-                </a:solidFill>
-              </a:rPr>
-              <a:t>스케줄</a:t>
-            </a:r>
-            <a:endParaRPr lang="en-US" altLang="ko-KR" sz="1100" b="1">
-              <a:solidFill>
-                <a:schemeClr val="bg1">
-                  <a:lumMod val="50000"/>
-                </a:schemeClr>
-              </a:solidFill>
-            </a:endParaRPr>
-          </a:p>
-          <a:p>
-            <a:pPr algn="ctr">
-              <a:lnSpc>
-                <a:spcPct val="150000"/>
-              </a:lnSpc>
-            </a:pPr>
-            <a:r>
-              <a:rPr lang="en-US" altLang="ko-KR" sz="1000" b="1">
-                <a:solidFill>
-                  <a:schemeClr val="bg1">
-                    <a:lumMod val="50000"/>
-                  </a:schemeClr>
-                </a:solidFill>
-              </a:rPr>
-              <a:t>Schedule</a:t>
-            </a:r>
-          </a:p>
-        </p:txBody>
-      </p:sp>
-      <p:sp>
-        <p:nvSpPr>
-          <p:cNvPr id="47" name="TextBox 46"/>
-          <p:cNvSpPr txBox="1"/>
-          <p:nvPr/>
-        </p:nvSpPr>
-        <p:spPr>
-          <a:xfrm>
-            <a:off x="11141839" y="327928"/>
-            <a:ext cx="865943" cy="577081"/>
-          </a:xfrm>
-          <a:prstGeom prst="rect">
-            <a:avLst/>
-          </a:prstGeom>
-          <a:noFill/>
-        </p:spPr>
-        <p:txBody>
-          <a:bodyPr wrap="none" rtlCol="0">
-            <a:spAutoFit/>
-          </a:bodyPr>
-          <a:lstStyle/>
-          <a:p>
-            <a:pPr algn="ctr">
-              <a:lnSpc>
-                <a:spcPct val="150000"/>
-              </a:lnSpc>
-            </a:pPr>
-            <a:r>
-              <a:rPr lang="ko-KR" altLang="en-US" sz="1100" b="1">
-                <a:solidFill>
-                  <a:schemeClr val="bg1">
-                    <a:lumMod val="50000"/>
-                  </a:schemeClr>
-                </a:solidFill>
-              </a:rPr>
-              <a:t>강의 시간</a:t>
-            </a:r>
-            <a:endParaRPr lang="en-US" altLang="ko-KR" sz="1100" b="1">
-              <a:solidFill>
-                <a:schemeClr val="bg1">
-                  <a:lumMod val="50000"/>
-                </a:schemeClr>
-              </a:solidFill>
-            </a:endParaRPr>
-          </a:p>
-          <a:p>
-            <a:pPr algn="ctr">
-              <a:lnSpc>
-                <a:spcPct val="150000"/>
-              </a:lnSpc>
-            </a:pPr>
-            <a:r>
-              <a:rPr lang="en-US" altLang="ko-KR" sz="1000" b="1">
-                <a:solidFill>
-                  <a:schemeClr val="bg1">
-                    <a:lumMod val="50000"/>
-                  </a:schemeClr>
-                </a:solidFill>
-              </a:rPr>
-              <a:t>TimeRange</a:t>
-            </a:r>
-          </a:p>
-        </p:txBody>
-      </p:sp>
-      <p:cxnSp>
-        <p:nvCxnSpPr>
-          <p:cNvPr id="15" name="직선 화살표 연결선 14"/>
-          <p:cNvCxnSpPr/>
-          <p:nvPr/>
-        </p:nvCxnSpPr>
-        <p:spPr>
-          <a:xfrm flipH="1" flipV="1">
-            <a:off x="600075" y="1638300"/>
-            <a:ext cx="9525" cy="2174895"/>
-          </a:xfrm>
-          <a:prstGeom prst="straightConnector1">
-            <a:avLst/>
-          </a:prstGeom>
-          <a:ln>
-            <a:prstDash val="dash"/>
-            <a:tailEnd type="triangle"/>
-          </a:ln>
-        </p:spPr>
-        <p:style>
-          <a:lnRef idx="1">
-            <a:schemeClr val="accent1"/>
-          </a:lnRef>
-          <a:fillRef idx="0">
-            <a:schemeClr val="accent1"/>
-          </a:fillRef>
-          <a:effectRef idx="0">
-            <a:schemeClr val="accent1"/>
-          </a:effectRef>
-          <a:fontRef idx="minor">
-            <a:schemeClr val="tx1"/>
-          </a:fontRef>
-        </p:style>
-      </p:cxnSp>
-      <p:sp>
-        <p:nvSpPr>
-          <p:cNvPr id="73" name="직사각형 72"/>
-          <p:cNvSpPr/>
-          <p:nvPr/>
-        </p:nvSpPr>
-        <p:spPr>
-          <a:xfrm>
-            <a:off x="1792983" y="715588"/>
-            <a:ext cx="4267764" cy="524246"/>
-          </a:xfrm>
-          <a:prstGeom prst="rect">
-            <a:avLst/>
-          </a:prstGeom>
-          <a:noFill/>
-        </p:spPr>
-        <p:txBody>
-          <a:bodyPr wrap="square">
-            <a:spAutoFit/>
-          </a:bodyPr>
-          <a:lstStyle/>
-          <a:p>
-            <a:pPr>
-              <a:lnSpc>
-                <a:spcPct val="150000"/>
-              </a:lnSpc>
-            </a:pPr>
-            <a:r>
-              <a:rPr lang="ko-KR" altLang="en-US" sz="1000"/>
-              <a:t>구독은 </a:t>
-            </a:r>
-            <a:r>
-              <a:rPr lang="ko-KR" altLang="en-US" sz="1000">
-                <a:solidFill>
-                  <a:srgbClr val="C00000"/>
-                </a:solidFill>
-              </a:rPr>
-              <a:t>구독이 허용된 개수보다</a:t>
-            </a:r>
-            <a:r>
-              <a:rPr lang="ko-KR" altLang="en-US" sz="1000"/>
-              <a:t> 더 많은 헬스장을 가질 수 없다</a:t>
-            </a:r>
-            <a:r>
-              <a:rPr lang="en-US" altLang="ko-KR" sz="1000"/>
-              <a:t>.</a:t>
-            </a:r>
-          </a:p>
-          <a:p>
-            <a:pPr>
-              <a:lnSpc>
-                <a:spcPct val="150000"/>
-              </a:lnSpc>
-            </a:pPr>
-            <a:r>
-              <a:rPr lang="en-US" altLang="ko-KR" sz="1000"/>
-              <a:t>A subscription cannot have </a:t>
-            </a:r>
-            <a:r>
-              <a:rPr lang="en-US" altLang="ko-KR" sz="1000">
-                <a:solidFill>
-                  <a:srgbClr val="C00000"/>
-                </a:solidFill>
-              </a:rPr>
-              <a:t>more gyms than the subscription allows</a:t>
-            </a:r>
-            <a:endParaRPr lang="ko-KR" altLang="en-US" sz="1000">
-              <a:solidFill>
-                <a:srgbClr val="C00000"/>
-              </a:solidFill>
-            </a:endParaRPr>
-          </a:p>
-        </p:txBody>
-      </p:sp>
-      <p:sp>
-        <p:nvSpPr>
-          <p:cNvPr id="17" name="직사각형 16"/>
-          <p:cNvSpPr/>
-          <p:nvPr/>
-        </p:nvSpPr>
-        <p:spPr>
-          <a:xfrm>
-            <a:off x="3542786" y="1224503"/>
-            <a:ext cx="768159" cy="261610"/>
-          </a:xfrm>
-          <a:prstGeom prst="rect">
-            <a:avLst/>
-          </a:prstGeom>
-          <a:solidFill>
-            <a:schemeClr val="bg1"/>
-          </a:solidFill>
-        </p:spPr>
-        <p:txBody>
-          <a:bodyPr wrap="none">
-            <a:spAutoFit/>
-          </a:bodyPr>
-          <a:lstStyle/>
-          <a:p>
-            <a:r>
-              <a:rPr lang="en-US" altLang="ko-KR" sz="1050" b="1"/>
-              <a:t>AddGym</a:t>
-            </a:r>
-            <a:endParaRPr lang="ko-KR" altLang="en-US" sz="1050" b="1"/>
-          </a:p>
-        </p:txBody>
-      </p:sp>
-      <p:sp>
-        <p:nvSpPr>
-          <p:cNvPr id="56" name="직사각형 55"/>
-          <p:cNvSpPr/>
-          <p:nvPr/>
-        </p:nvSpPr>
-        <p:spPr>
-          <a:xfrm rot="16200000">
-            <a:off x="436020" y="2206841"/>
-            <a:ext cx="829073" cy="253916"/>
-          </a:xfrm>
-          <a:prstGeom prst="rect">
-            <a:avLst/>
-          </a:prstGeom>
-          <a:solidFill>
-            <a:schemeClr val="bg1"/>
-          </a:solidFill>
-        </p:spPr>
-        <p:txBody>
-          <a:bodyPr wrap="none">
-            <a:spAutoFit/>
-          </a:bodyPr>
-          <a:lstStyle/>
-          <a:p>
-            <a:r>
-              <a:rPr lang="en-US" altLang="ko-KR" sz="1050" b="1"/>
-              <a:t>AddRoom</a:t>
-            </a:r>
-            <a:endParaRPr lang="ko-KR" altLang="en-US" sz="1050" b="1"/>
-          </a:p>
-        </p:txBody>
-      </p:sp>
-      <p:sp>
-        <p:nvSpPr>
-          <p:cNvPr id="60" name="직사각형 59"/>
-          <p:cNvSpPr/>
-          <p:nvPr/>
-        </p:nvSpPr>
-        <p:spPr>
-          <a:xfrm>
-            <a:off x="2260472" y="3623448"/>
-            <a:ext cx="1237839" cy="253916"/>
-          </a:xfrm>
-          <a:prstGeom prst="rect">
-            <a:avLst/>
-          </a:prstGeom>
-          <a:solidFill>
-            <a:schemeClr val="bg1"/>
-          </a:solidFill>
-        </p:spPr>
-        <p:txBody>
-          <a:bodyPr wrap="none">
-            <a:spAutoFit/>
-          </a:bodyPr>
-          <a:lstStyle/>
-          <a:p>
-            <a:r>
-              <a:rPr lang="en-US" altLang="ko-KR" sz="1050" b="1"/>
-              <a:t>ScheduleSession</a:t>
-            </a:r>
-            <a:endParaRPr lang="ko-KR" altLang="en-US" sz="1050" b="1"/>
-          </a:p>
-        </p:txBody>
-      </p:sp>
-      <p:sp>
-        <p:nvSpPr>
-          <p:cNvPr id="44" name="직사각형 43"/>
-          <p:cNvSpPr/>
-          <p:nvPr/>
-        </p:nvSpPr>
-        <p:spPr>
-          <a:xfrm>
-            <a:off x="5897325" y="4807950"/>
-            <a:ext cx="4021015" cy="524246"/>
-          </a:xfrm>
-          <a:prstGeom prst="rect">
-            <a:avLst/>
-          </a:prstGeom>
-          <a:noFill/>
-        </p:spPr>
-        <p:txBody>
-          <a:bodyPr wrap="square">
-            <a:spAutoFit/>
-          </a:bodyPr>
-          <a:lstStyle/>
-          <a:p>
-            <a:pPr>
-              <a:lnSpc>
-                <a:spcPct val="150000"/>
-              </a:lnSpc>
-            </a:pPr>
-            <a:r>
-              <a:rPr lang="ko-KR" altLang="en-US" sz="1000"/>
-              <a:t>트레이너는 두 개 이상의 </a:t>
-            </a:r>
-            <a:r>
-              <a:rPr lang="ko-KR" altLang="en-US" sz="1000">
-                <a:solidFill>
-                  <a:srgbClr val="0070C0"/>
-                </a:solidFill>
-              </a:rPr>
-              <a:t>겹치는 세션을</a:t>
-            </a:r>
-            <a:r>
-              <a:rPr lang="ko-KR" altLang="en-US" sz="1000"/>
-              <a:t> 가르칠 수 없다</a:t>
-            </a:r>
-            <a:r>
-              <a:rPr lang="en-US" altLang="ko-KR" sz="1000"/>
-              <a:t>.</a:t>
-            </a:r>
-          </a:p>
-          <a:p>
-            <a:pPr>
-              <a:lnSpc>
-                <a:spcPct val="150000"/>
-              </a:lnSpc>
-            </a:pPr>
-            <a:r>
-              <a:rPr lang="en-US" altLang="ko-KR" sz="1000"/>
-              <a:t>A trainer cannot teach two or more </a:t>
-            </a:r>
-            <a:r>
-              <a:rPr lang="en-US" altLang="ko-KR" sz="1000">
-                <a:solidFill>
-                  <a:srgbClr val="0070C0"/>
-                </a:solidFill>
-              </a:rPr>
-              <a:t>overlapping sessions</a:t>
-            </a:r>
-            <a:endParaRPr lang="ko-KR" altLang="en-US" sz="1000">
-              <a:solidFill>
-                <a:srgbClr val="0070C0"/>
-              </a:solidFill>
-            </a:endParaRPr>
-          </a:p>
-        </p:txBody>
-      </p:sp>
-      <p:sp>
-        <p:nvSpPr>
-          <p:cNvPr id="49" name="TextBox 48"/>
-          <p:cNvSpPr txBox="1"/>
-          <p:nvPr/>
-        </p:nvSpPr>
-        <p:spPr>
-          <a:xfrm>
-            <a:off x="9710730" y="327928"/>
-            <a:ext cx="646331" cy="611706"/>
-          </a:xfrm>
-          <a:prstGeom prst="rect">
-            <a:avLst/>
-          </a:prstGeom>
-          <a:noFill/>
-        </p:spPr>
-        <p:txBody>
-          <a:bodyPr wrap="none" rtlCol="0">
-            <a:spAutoFit/>
-          </a:bodyPr>
-          <a:lstStyle/>
-          <a:p>
-            <a:pPr algn="ctr">
-              <a:lnSpc>
-                <a:spcPct val="150000"/>
-              </a:lnSpc>
-            </a:pPr>
-            <a:r>
-              <a:rPr lang="ko-KR" altLang="en-US" sz="1200" b="1">
-                <a:solidFill>
-                  <a:schemeClr val="bg1">
-                    <a:lumMod val="50000"/>
-                  </a:schemeClr>
-                </a:solidFill>
-              </a:rPr>
-              <a:t>관리자</a:t>
-            </a:r>
-            <a:endParaRPr lang="en-US" altLang="ko-KR" sz="1200" b="1">
-              <a:solidFill>
-                <a:schemeClr val="bg1">
-                  <a:lumMod val="50000"/>
-                </a:schemeClr>
-              </a:solidFill>
-            </a:endParaRPr>
-          </a:p>
-          <a:p>
-            <a:pPr algn="ctr">
-              <a:lnSpc>
-                <a:spcPct val="150000"/>
-              </a:lnSpc>
-            </a:pPr>
-            <a:r>
-              <a:rPr lang="en-US" altLang="ko-KR" sz="1050" b="1">
-                <a:solidFill>
-                  <a:schemeClr val="bg1">
-                    <a:lumMod val="50000"/>
-                  </a:schemeClr>
-                </a:solidFill>
-              </a:rPr>
-              <a:t>Admin</a:t>
-            </a:r>
-          </a:p>
-        </p:txBody>
-      </p:sp>
-      <p:sp>
-        <p:nvSpPr>
-          <p:cNvPr id="21" name="직사각형 20">
-            <a:extLst>
-              <a:ext uri="{FF2B5EF4-FFF2-40B4-BE49-F238E27FC236}">
-                <a16:creationId xmlns:a16="http://schemas.microsoft.com/office/drawing/2014/main" id="{7CD09966-B5C1-6685-DFF3-1F73C09587D9}"/>
-              </a:ext>
-            </a:extLst>
-          </p:cNvPr>
-          <p:cNvSpPr/>
-          <p:nvPr/>
-        </p:nvSpPr>
-        <p:spPr>
-          <a:xfrm rot="5400000">
-            <a:off x="4954869" y="4943115"/>
-            <a:ext cx="1664238" cy="253916"/>
-          </a:xfrm>
-          <a:prstGeom prst="rect">
-            <a:avLst/>
-          </a:prstGeom>
-          <a:solidFill>
-            <a:schemeClr val="bg1"/>
-          </a:solidFill>
-        </p:spPr>
-        <p:txBody>
-          <a:bodyPr wrap="none">
-            <a:spAutoFit/>
-          </a:bodyPr>
-          <a:lstStyle/>
-          <a:p>
-            <a:r>
-              <a:rPr lang="en-US" altLang="ko-KR" sz="1050" b="1"/>
-              <a:t>AddSessionToSchedule</a:t>
-            </a:r>
-          </a:p>
-        </p:txBody>
-      </p:sp>
-      <p:sp>
-        <p:nvSpPr>
-          <p:cNvPr id="25" name="직사각형 24">
-            <a:extLst>
-              <a:ext uri="{FF2B5EF4-FFF2-40B4-BE49-F238E27FC236}">
-                <a16:creationId xmlns:a16="http://schemas.microsoft.com/office/drawing/2014/main" id="{C85E4C1E-170A-830C-AB71-2FE39E4CE0F7}"/>
-              </a:ext>
-            </a:extLst>
-          </p:cNvPr>
-          <p:cNvSpPr/>
-          <p:nvPr/>
-        </p:nvSpPr>
-        <p:spPr>
-          <a:xfrm>
-            <a:off x="8076724" y="3658226"/>
-            <a:ext cx="1186543" cy="253916"/>
-          </a:xfrm>
-          <a:prstGeom prst="rect">
-            <a:avLst/>
-          </a:prstGeom>
-          <a:solidFill>
-            <a:schemeClr val="bg1"/>
-          </a:solidFill>
-        </p:spPr>
-        <p:txBody>
-          <a:bodyPr wrap="none">
-            <a:spAutoFit/>
-          </a:bodyPr>
-          <a:lstStyle/>
-          <a:p>
-            <a:r>
-              <a:rPr lang="en-US" altLang="ko-KR" sz="1050" b="1"/>
-              <a:t>AddToSchedule</a:t>
-            </a:r>
-            <a:endParaRPr lang="ko-KR" altLang="en-US" sz="1050" b="1"/>
-          </a:p>
-        </p:txBody>
-      </p:sp>
-      <p:sp>
-        <p:nvSpPr>
-          <p:cNvPr id="27" name="직사각형 26">
-            <a:extLst>
-              <a:ext uri="{FF2B5EF4-FFF2-40B4-BE49-F238E27FC236}">
-                <a16:creationId xmlns:a16="http://schemas.microsoft.com/office/drawing/2014/main" id="{A6DD402E-F073-4E41-CE4D-B1B06F7C1A97}"/>
-              </a:ext>
-            </a:extLst>
-          </p:cNvPr>
-          <p:cNvSpPr/>
-          <p:nvPr/>
-        </p:nvSpPr>
-        <p:spPr>
-          <a:xfrm>
-            <a:off x="4164885" y="2841168"/>
-            <a:ext cx="1353256" cy="253916"/>
-          </a:xfrm>
-          <a:prstGeom prst="rect">
-            <a:avLst/>
-          </a:prstGeom>
-          <a:solidFill>
-            <a:schemeClr val="bg1"/>
-          </a:solidFill>
-        </p:spPr>
-        <p:txBody>
-          <a:bodyPr wrap="none">
-            <a:spAutoFit/>
-          </a:bodyPr>
-          <a:lstStyle/>
-          <a:p>
-            <a:r>
-              <a:rPr lang="en-US" altLang="ko-KR" sz="1050" b="1"/>
-              <a:t>CancelReservation</a:t>
-            </a:r>
-            <a:endParaRPr lang="ko-KR" altLang="en-US" sz="1050" b="1"/>
-          </a:p>
-        </p:txBody>
-      </p:sp>
-      <p:sp>
-        <p:nvSpPr>
-          <p:cNvPr id="29" name="직사각형 28">
-            <a:extLst>
-              <a:ext uri="{FF2B5EF4-FFF2-40B4-BE49-F238E27FC236}">
-                <a16:creationId xmlns:a16="http://schemas.microsoft.com/office/drawing/2014/main" id="{3348934F-A19D-0CE3-D10C-939ED42C410D}"/>
-              </a:ext>
-            </a:extLst>
-          </p:cNvPr>
-          <p:cNvSpPr/>
-          <p:nvPr/>
-        </p:nvSpPr>
-        <p:spPr>
-          <a:xfrm>
-            <a:off x="6568603" y="3460210"/>
-            <a:ext cx="978153" cy="253916"/>
-          </a:xfrm>
-          <a:prstGeom prst="rect">
-            <a:avLst/>
-          </a:prstGeom>
-          <a:solidFill>
-            <a:schemeClr val="bg1"/>
-          </a:solidFill>
-        </p:spPr>
-        <p:txBody>
-          <a:bodyPr wrap="none">
-            <a:spAutoFit/>
-          </a:bodyPr>
-          <a:lstStyle/>
-          <a:p>
-            <a:r>
-              <a:rPr lang="en-US" altLang="ko-KR" sz="1050" b="1"/>
-              <a:t>ReserveSpot</a:t>
-            </a:r>
-            <a:endParaRPr lang="ko-KR" altLang="en-US" sz="1050" b="1"/>
-          </a:p>
-        </p:txBody>
-      </p:sp>
     </p:spTree>
     <p:extLst>
       <p:ext uri="{BB962C8B-B14F-4D97-AF65-F5344CB8AC3E}">

--- a/03-tutorial/ddd-basic/ch01-exploring-a-complex-domain/README.pptx
+++ b/03-tutorial/ddd-basic/ch01-exploring-a-complex-domain/README.pptx
@@ -242,7 +242,7 @@
           <a:p>
             <a:fld id="{7C942374-54D0-46CC-9FD3-64DEB9F3020F}" type="datetimeFigureOut">
               <a:rPr lang="ko-KR" altLang="en-US" smtClean="0"/>
-              <a:t>2025-02-07</a:t>
+              <a:t>2025-02-09</a:t>
             </a:fld>
             <a:endParaRPr lang="ko-KR" altLang="en-US"/>
           </a:p>
@@ -410,7 +410,7 @@
           <a:p>
             <a:fld id="{7C942374-54D0-46CC-9FD3-64DEB9F3020F}" type="datetimeFigureOut">
               <a:rPr lang="ko-KR" altLang="en-US" smtClean="0"/>
-              <a:t>2025-02-07</a:t>
+              <a:t>2025-02-09</a:t>
             </a:fld>
             <a:endParaRPr lang="ko-KR" altLang="en-US"/>
           </a:p>
@@ -588,7 +588,7 @@
           <a:p>
             <a:fld id="{7C942374-54D0-46CC-9FD3-64DEB9F3020F}" type="datetimeFigureOut">
               <a:rPr lang="ko-KR" altLang="en-US" smtClean="0"/>
-              <a:t>2025-02-07</a:t>
+              <a:t>2025-02-09</a:t>
             </a:fld>
             <a:endParaRPr lang="ko-KR" altLang="en-US"/>
           </a:p>
@@ -756,7 +756,7 @@
           <a:p>
             <a:fld id="{7C942374-54D0-46CC-9FD3-64DEB9F3020F}" type="datetimeFigureOut">
               <a:rPr lang="ko-KR" altLang="en-US" smtClean="0"/>
-              <a:t>2025-02-07</a:t>
+              <a:t>2025-02-09</a:t>
             </a:fld>
             <a:endParaRPr lang="ko-KR" altLang="en-US"/>
           </a:p>
@@ -1001,7 +1001,7 @@
           <a:p>
             <a:fld id="{7C942374-54D0-46CC-9FD3-64DEB9F3020F}" type="datetimeFigureOut">
               <a:rPr lang="ko-KR" altLang="en-US" smtClean="0"/>
-              <a:t>2025-02-07</a:t>
+              <a:t>2025-02-09</a:t>
             </a:fld>
             <a:endParaRPr lang="ko-KR" altLang="en-US"/>
           </a:p>
@@ -1230,7 +1230,7 @@
           <a:p>
             <a:fld id="{7C942374-54D0-46CC-9FD3-64DEB9F3020F}" type="datetimeFigureOut">
               <a:rPr lang="ko-KR" altLang="en-US" smtClean="0"/>
-              <a:t>2025-02-07</a:t>
+              <a:t>2025-02-09</a:t>
             </a:fld>
             <a:endParaRPr lang="ko-KR" altLang="en-US"/>
           </a:p>
@@ -1594,7 +1594,7 @@
           <a:p>
             <a:fld id="{7C942374-54D0-46CC-9FD3-64DEB9F3020F}" type="datetimeFigureOut">
               <a:rPr lang="ko-KR" altLang="en-US" smtClean="0"/>
-              <a:t>2025-02-07</a:t>
+              <a:t>2025-02-09</a:t>
             </a:fld>
             <a:endParaRPr lang="ko-KR" altLang="en-US"/>
           </a:p>
@@ -1711,7 +1711,7 @@
           <a:p>
             <a:fld id="{7C942374-54D0-46CC-9FD3-64DEB9F3020F}" type="datetimeFigureOut">
               <a:rPr lang="ko-KR" altLang="en-US" smtClean="0"/>
-              <a:t>2025-02-07</a:t>
+              <a:t>2025-02-09</a:t>
             </a:fld>
             <a:endParaRPr lang="ko-KR" altLang="en-US"/>
           </a:p>
@@ -1806,7 +1806,7 @@
           <a:p>
             <a:fld id="{7C942374-54D0-46CC-9FD3-64DEB9F3020F}" type="datetimeFigureOut">
               <a:rPr lang="ko-KR" altLang="en-US" smtClean="0"/>
-              <a:t>2025-02-07</a:t>
+              <a:t>2025-02-09</a:t>
             </a:fld>
             <a:endParaRPr lang="ko-KR" altLang="en-US"/>
           </a:p>
@@ -2081,7 +2081,7 @@
           <a:p>
             <a:fld id="{7C942374-54D0-46CC-9FD3-64DEB9F3020F}" type="datetimeFigureOut">
               <a:rPr lang="ko-KR" altLang="en-US" smtClean="0"/>
-              <a:t>2025-02-07</a:t>
+              <a:t>2025-02-09</a:t>
             </a:fld>
             <a:endParaRPr lang="ko-KR" altLang="en-US"/>
           </a:p>
@@ -2333,7 +2333,7 @@
           <a:p>
             <a:fld id="{7C942374-54D0-46CC-9FD3-64DEB9F3020F}" type="datetimeFigureOut">
               <a:rPr lang="ko-KR" altLang="en-US" smtClean="0"/>
-              <a:t>2025-02-07</a:t>
+              <a:t>2025-02-09</a:t>
             </a:fld>
             <a:endParaRPr lang="ko-KR" altLang="en-US"/>
           </a:p>
@@ -2544,7 +2544,7 @@
           <a:p>
             <a:fld id="{7C942374-54D0-46CC-9FD3-64DEB9F3020F}" type="datetimeFigureOut">
               <a:rPr lang="ko-KR" altLang="en-US" smtClean="0"/>
-              <a:t>2025-02-07</a:t>
+              <a:t>2025-02-09</a:t>
             </a:fld>
             <a:endParaRPr lang="ko-KR" altLang="en-US"/>
           </a:p>
@@ -2951,10 +2951,10 @@
       </p:grpSpPr>
       <p:grpSp>
         <p:nvGrpSpPr>
-          <p:cNvPr id="6" name="그룹 5">
+          <p:cNvPr id="2" name="그룹 1">
             <a:extLst>
               <a:ext uri="{FF2B5EF4-FFF2-40B4-BE49-F238E27FC236}">
-                <a16:creationId xmlns:a16="http://schemas.microsoft.com/office/drawing/2014/main" id="{74AD0F7A-FC21-BEA0-A7BB-0CB70B29D61A}"/>
+                <a16:creationId xmlns:a16="http://schemas.microsoft.com/office/drawing/2014/main" id="{149B1135-FE32-41AE-137A-C41A0E471C32}"/>
               </a:ext>
             </a:extLst>
           </p:cNvPr>
@@ -3019,2093 +3019,2168 @@
             </a:p>
           </p:txBody>
         </p:sp>
+        <p:sp>
+          <p:nvSpPr>
+            <p:cNvPr id="24" name="TextBox 23"/>
+            <p:cNvSpPr txBox="1"/>
+            <p:nvPr/>
+          </p:nvSpPr>
+          <p:spPr>
+            <a:xfrm>
+              <a:off x="5299354" y="3151383"/>
+              <a:ext cx="726481" cy="738664"/>
+            </a:xfrm>
+            <a:prstGeom prst="rect">
+              <a:avLst/>
+            </a:prstGeom>
+            <a:noFill/>
+          </p:spPr>
+          <p:txBody>
+            <a:bodyPr wrap="none" rtlCol="0">
+              <a:spAutoFit/>
+            </a:bodyPr>
+            <a:lstStyle/>
+            <a:p>
+              <a:pPr algn="ctr">
+                <a:lnSpc>
+                  <a:spcPct val="150000"/>
+                </a:lnSpc>
+              </a:pPr>
+              <a:r>
+                <a:rPr lang="ko-KR" altLang="en-US" sz="1600" b="1"/>
+                <a:t>세션</a:t>
+              </a:r>
+              <a:endParaRPr lang="en-US" altLang="ko-KR" sz="1600" b="1"/>
+            </a:p>
+            <a:p>
+              <a:pPr algn="ctr">
+                <a:lnSpc>
+                  <a:spcPct val="150000"/>
+                </a:lnSpc>
+              </a:pPr>
+              <a:r>
+                <a:rPr lang="en-US" altLang="ko-KR" sz="1200" b="1"/>
+                <a:t>Session</a:t>
+              </a:r>
+              <a:endParaRPr lang="ko-KR" altLang="en-US" sz="1200" b="1"/>
+            </a:p>
+          </p:txBody>
+        </p:sp>
+        <p:sp>
+          <p:nvSpPr>
+            <p:cNvPr id="26" name="직사각형 25"/>
+            <p:cNvSpPr/>
+            <p:nvPr/>
+          </p:nvSpPr>
+          <p:spPr>
+            <a:xfrm>
+              <a:off x="5628051" y="1907493"/>
+              <a:ext cx="5464871" cy="524246"/>
+            </a:xfrm>
+            <a:prstGeom prst="rect">
+              <a:avLst/>
+            </a:prstGeom>
+          </p:spPr>
+          <p:txBody>
+            <a:bodyPr wrap="square">
+              <a:spAutoFit/>
+            </a:bodyPr>
+            <a:lstStyle/>
+            <a:p>
+              <a:pPr>
+                <a:lnSpc>
+                  <a:spcPct val="150000"/>
+                </a:lnSpc>
+              </a:pPr>
+              <a:r>
+                <a:rPr lang="ko-KR" altLang="en-US" sz="1000"/>
+                <a:t>세션 시작 </a:t>
+              </a:r>
+              <a:r>
+                <a:rPr lang="en-US" altLang="ko-KR" sz="1000"/>
+                <a:t>24</a:t>
+              </a:r>
+              <a:r>
+                <a:rPr lang="ko-KR" altLang="en-US" sz="1000"/>
+                <a:t>시간 이내에는 무료로 예약을 취소할 수 없다</a:t>
+              </a:r>
+              <a:r>
+                <a:rPr lang="en-US" altLang="ko-KR" sz="1000"/>
+                <a:t>.</a:t>
+              </a:r>
+            </a:p>
+            <a:p>
+              <a:pPr>
+                <a:lnSpc>
+                  <a:spcPct val="150000"/>
+                </a:lnSpc>
+              </a:pPr>
+              <a:r>
+                <a:rPr lang="en-US" altLang="ko-KR" sz="1000"/>
+                <a:t>A reservation cannot be canceled for free less than 24 hours before the session starts</a:t>
+              </a:r>
+              <a:endParaRPr lang="ko-KR" altLang="en-US" sz="1000"/>
+            </a:p>
+          </p:txBody>
+        </p:sp>
+        <p:cxnSp>
+          <p:nvCxnSpPr>
+            <p:cNvPr id="28" name="꺾인 연결선 27"/>
+            <p:cNvCxnSpPr>
+              <a:stCxn id="55" idx="1"/>
+              <a:endCxn id="24" idx="0"/>
+            </p:cNvCxnSpPr>
+            <p:nvPr/>
+          </p:nvCxnSpPr>
+          <p:spPr>
+            <a:xfrm rot="10800000" flipH="1">
+              <a:off x="5252067" y="3151383"/>
+              <a:ext cx="410528" cy="331972"/>
+            </a:xfrm>
+            <a:prstGeom prst="bentConnector4">
+              <a:avLst>
+                <a:gd name="adj1" fmla="val -55684"/>
+                <a:gd name="adj2" fmla="val 262694"/>
+              </a:avLst>
+            </a:prstGeom>
+            <a:ln w="19050">
+              <a:solidFill>
+                <a:schemeClr val="tx1"/>
+              </a:solidFill>
+              <a:tailEnd type="triangle"/>
+            </a:ln>
+          </p:spPr>
+          <p:style>
+            <a:lnRef idx="1">
+              <a:schemeClr val="accent1"/>
+            </a:lnRef>
+            <a:fillRef idx="0">
+              <a:schemeClr val="accent1"/>
+            </a:fillRef>
+            <a:effectRef idx="0">
+              <a:schemeClr val="accent1"/>
+            </a:effectRef>
+            <a:fontRef idx="minor">
+              <a:schemeClr val="tx1"/>
+            </a:fontRef>
+          </p:style>
+        </p:cxnSp>
+        <p:sp>
+          <p:nvSpPr>
+            <p:cNvPr id="30" name="TextBox 29"/>
+            <p:cNvSpPr txBox="1"/>
+            <p:nvPr/>
+          </p:nvSpPr>
+          <p:spPr>
+            <a:xfrm>
+              <a:off x="10810181" y="3151383"/>
+              <a:ext cx="971996" cy="738664"/>
+            </a:xfrm>
+            <a:prstGeom prst="rect">
+              <a:avLst/>
+            </a:prstGeom>
+            <a:noFill/>
+          </p:spPr>
+          <p:txBody>
+            <a:bodyPr wrap="none" rtlCol="0">
+              <a:spAutoFit/>
+            </a:bodyPr>
+            <a:lstStyle/>
+            <a:p>
+              <a:pPr algn="ctr">
+                <a:lnSpc>
+                  <a:spcPct val="150000"/>
+                </a:lnSpc>
+              </a:pPr>
+              <a:r>
+                <a:rPr lang="ko-KR" altLang="en-US" sz="1600" b="1"/>
+                <a:t>참가자</a:t>
+              </a:r>
+              <a:endParaRPr lang="en-US" altLang="ko-KR" sz="1600" b="1"/>
+            </a:p>
+            <a:p>
+              <a:pPr algn="ctr">
+                <a:lnSpc>
+                  <a:spcPct val="150000"/>
+                </a:lnSpc>
+              </a:pPr>
+              <a:r>
+                <a:rPr lang="en-US" altLang="ko-KR" sz="1200" b="1"/>
+                <a:t>Participant</a:t>
+              </a:r>
+              <a:endParaRPr lang="ko-KR" altLang="en-US" sz="1200" b="1"/>
+            </a:p>
+          </p:txBody>
+        </p:sp>
         <p:grpSp>
           <p:nvGrpSpPr>
-            <p:cNvPr id="4" name="그룹 3">
-              <a:extLst>
-                <a:ext uri="{FF2B5EF4-FFF2-40B4-BE49-F238E27FC236}">
-                  <a16:creationId xmlns:a16="http://schemas.microsoft.com/office/drawing/2014/main" id="{FF1474D7-8EFB-F554-D514-990E4548D1E7}"/>
-                </a:ext>
-              </a:extLst>
-            </p:cNvPr>
+            <p:cNvPr id="10" name="그룹 9"/>
             <p:cNvGrpSpPr/>
             <p:nvPr/>
           </p:nvGrpSpPr>
           <p:grpSpPr>
             <a:xfrm>
-              <a:off x="308613" y="208911"/>
-              <a:ext cx="11574775" cy="6440178"/>
-              <a:chOff x="433007" y="327928"/>
-              <a:chExt cx="11574775" cy="6440178"/>
+              <a:off x="5888487" y="3386639"/>
+              <a:ext cx="184639" cy="360485"/>
+              <a:chOff x="2522472" y="1600227"/>
+              <a:chExt cx="184639" cy="360485"/>
             </a:xfrm>
+            <a:noFill/>
           </p:grpSpPr>
           <p:sp>
             <p:nvSpPr>
-              <p:cNvPr id="24" name="TextBox 23"/>
-              <p:cNvSpPr txBox="1"/>
-              <p:nvPr/>
-            </p:nvSpPr>
-            <p:spPr>
-              <a:xfrm>
-                <a:off x="5423748" y="3270400"/>
-                <a:ext cx="726481" cy="738664"/>
-              </a:xfrm>
-              <a:prstGeom prst="rect">
-                <a:avLst/>
-              </a:prstGeom>
-              <a:noFill/>
-            </p:spPr>
-            <p:txBody>
-              <a:bodyPr wrap="none" rtlCol="0">
-                <a:spAutoFit/>
-              </a:bodyPr>
-              <a:lstStyle/>
-              <a:p>
-                <a:pPr algn="ctr">
-                  <a:lnSpc>
-                    <a:spcPct val="150000"/>
-                  </a:lnSpc>
-                </a:pPr>
-                <a:r>
-                  <a:rPr lang="ko-KR" altLang="en-US" sz="1600" b="1"/>
-                  <a:t>세션</a:t>
-                </a:r>
-                <a:endParaRPr lang="en-US" altLang="ko-KR" sz="1600" b="1"/>
-              </a:p>
-              <a:p>
-                <a:pPr algn="ctr">
-                  <a:lnSpc>
-                    <a:spcPct val="150000"/>
-                  </a:lnSpc>
-                </a:pPr>
-                <a:r>
-                  <a:rPr lang="en-US" altLang="ko-KR" sz="1200" b="1"/>
-                  <a:t>Session</a:t>
-                </a:r>
-                <a:endParaRPr lang="ko-KR" altLang="en-US" sz="1200" b="1"/>
-              </a:p>
-            </p:txBody>
-          </p:sp>
-          <p:sp>
-            <p:nvSpPr>
-              <p:cNvPr id="26" name="직사각형 25"/>
+              <p:cNvPr id="8" name="직사각형 7"/>
               <p:cNvSpPr/>
               <p:nvPr/>
             </p:nvSpPr>
             <p:spPr>
               <a:xfrm>
-                <a:off x="4982150" y="2071676"/>
-                <a:ext cx="5464871" cy="524246"/>
+                <a:off x="2522472" y="1767281"/>
+                <a:ext cx="184639" cy="193431"/>
               </a:xfrm>
               <a:prstGeom prst="rect">
                 <a:avLst/>
               </a:prstGeom>
-            </p:spPr>
-            <p:txBody>
-              <a:bodyPr wrap="square">
-                <a:spAutoFit/>
-              </a:bodyPr>
-              <a:lstStyle/>
-              <a:p>
-                <a:pPr>
-                  <a:lnSpc>
-                    <a:spcPct val="150000"/>
-                  </a:lnSpc>
-                </a:pPr>
-                <a:r>
-                  <a:rPr lang="ko-KR" altLang="en-US" sz="1000"/>
-                  <a:t>세션 시작 </a:t>
-                </a:r>
-                <a:r>
-                  <a:rPr lang="en-US" altLang="ko-KR" sz="1000"/>
-                  <a:t>24</a:t>
-                </a:r>
-                <a:r>
-                  <a:rPr lang="ko-KR" altLang="en-US" sz="1000"/>
-                  <a:t>시간 이내에는 무료로 예약을 취소할 수 없다</a:t>
-                </a:r>
-                <a:r>
-                  <a:rPr lang="en-US" altLang="ko-KR" sz="1000"/>
-                  <a:t>.</a:t>
-                </a:r>
-              </a:p>
-              <a:p>
-                <a:pPr>
-                  <a:lnSpc>
-                    <a:spcPct val="150000"/>
-                  </a:lnSpc>
-                </a:pPr>
-                <a:r>
-                  <a:rPr lang="en-US" altLang="ko-KR" sz="1000"/>
-                  <a:t>A reservation cannot be canceled for free less than 24 hours before the session starts</a:t>
-                </a:r>
-                <a:endParaRPr lang="ko-KR" altLang="en-US" sz="1000"/>
-              </a:p>
-            </p:txBody>
-          </p:sp>
-          <p:cxnSp>
-            <p:nvCxnSpPr>
-              <p:cNvPr id="28" name="꺾인 연결선 27"/>
-              <p:cNvCxnSpPr>
-                <a:stCxn id="55" idx="1"/>
-                <a:endCxn id="24" idx="0"/>
-              </p:cNvCxnSpPr>
-              <p:nvPr/>
-            </p:nvCxnSpPr>
-            <p:spPr>
-              <a:xfrm rot="10800000" flipH="1">
-                <a:off x="5376461" y="3270400"/>
-                <a:ext cx="410528" cy="331972"/>
-              </a:xfrm>
-              <a:prstGeom prst="bentConnector4">
-                <a:avLst>
-                  <a:gd name="adj1" fmla="val -55684"/>
-                  <a:gd name="adj2" fmla="val 262694"/>
-                </a:avLst>
-              </a:prstGeom>
-              <a:ln w="19050">
-                <a:solidFill>
-                  <a:schemeClr val="tx1"/>
-                </a:solidFill>
-                <a:tailEnd type="triangle"/>
+              <a:grpFill/>
+              <a:ln>
+                <a:noFill/>
               </a:ln>
             </p:spPr>
             <p:style>
-              <a:lnRef idx="1">
-                <a:schemeClr val="accent1"/>
+              <a:lnRef idx="2">
+                <a:schemeClr val="accent1">
+                  <a:shade val="50000"/>
+                </a:schemeClr>
               </a:lnRef>
-              <a:fillRef idx="0">
+              <a:fillRef idx="1">
                 <a:schemeClr val="accent1"/>
               </a:fillRef>
               <a:effectRef idx="0">
                 <a:schemeClr val="accent1"/>
               </a:effectRef>
               <a:fontRef idx="minor">
-                <a:schemeClr val="tx1"/>
+                <a:schemeClr val="lt1"/>
               </a:fontRef>
             </p:style>
-          </p:cxnSp>
+            <p:txBody>
+              <a:bodyPr rtlCol="0" anchor="ctr"/>
+              <a:lstStyle/>
+              <a:p>
+                <a:pPr algn="ctr"/>
+                <a:endParaRPr lang="ko-KR" altLang="en-US" sz="1600"/>
+              </a:p>
+            </p:txBody>
+          </p:sp>
           <p:sp>
             <p:nvSpPr>
-              <p:cNvPr id="30" name="TextBox 29"/>
-              <p:cNvSpPr txBox="1"/>
+              <p:cNvPr id="33" name="직사각형 32"/>
+              <p:cNvSpPr/>
               <p:nvPr/>
             </p:nvSpPr>
             <p:spPr>
               <a:xfrm>
-                <a:off x="10934575" y="3270400"/>
-                <a:ext cx="971996" cy="738664"/>
+                <a:off x="2522472" y="1600227"/>
+                <a:ext cx="184639" cy="193431"/>
               </a:xfrm>
               <a:prstGeom prst="rect">
                 <a:avLst/>
               </a:prstGeom>
-              <a:noFill/>
-            </p:spPr>
-            <p:txBody>
-              <a:bodyPr wrap="none" rtlCol="0">
-                <a:spAutoFit/>
-              </a:bodyPr>
-              <a:lstStyle/>
-              <a:p>
-                <a:pPr algn="ctr">
-                  <a:lnSpc>
-                    <a:spcPct val="150000"/>
-                  </a:lnSpc>
-                </a:pPr>
-                <a:r>
-                  <a:rPr lang="ko-KR" altLang="en-US" sz="1600" b="1"/>
-                  <a:t>참가자</a:t>
-                </a:r>
-                <a:endParaRPr lang="en-US" altLang="ko-KR" sz="1600" b="1"/>
-              </a:p>
-              <a:p>
-                <a:pPr algn="ctr">
-                  <a:lnSpc>
-                    <a:spcPct val="150000"/>
-                  </a:lnSpc>
-                </a:pPr>
-                <a:r>
-                  <a:rPr lang="en-US" altLang="ko-KR" sz="1200" b="1"/>
-                  <a:t>Participant</a:t>
-                </a:r>
-                <a:endParaRPr lang="ko-KR" altLang="en-US" sz="1200" b="1"/>
-              </a:p>
-            </p:txBody>
-          </p:sp>
-          <p:grpSp>
-            <p:nvGrpSpPr>
-              <p:cNvPr id="10" name="그룹 9"/>
-              <p:cNvGrpSpPr/>
-              <p:nvPr/>
-            </p:nvGrpSpPr>
-            <p:grpSpPr>
-              <a:xfrm>
-                <a:off x="6012881" y="3505656"/>
-                <a:ext cx="184639" cy="360485"/>
-                <a:chOff x="2522472" y="1600227"/>
-                <a:chExt cx="184639" cy="360485"/>
-              </a:xfrm>
-              <a:noFill/>
-            </p:grpSpPr>
-            <p:sp>
-              <p:nvSpPr>
-                <p:cNvPr id="8" name="직사각형 7"/>
-                <p:cNvSpPr/>
-                <p:nvPr/>
-              </p:nvSpPr>
-              <p:spPr>
-                <a:xfrm>
-                  <a:off x="2522472" y="1767281"/>
-                  <a:ext cx="184639" cy="193431"/>
-                </a:xfrm>
-                <a:prstGeom prst="rect">
-                  <a:avLst/>
-                </a:prstGeom>
-                <a:grpFill/>
-                <a:ln>
-                  <a:noFill/>
-                </a:ln>
-              </p:spPr>
-              <p:style>
-                <a:lnRef idx="2">
-                  <a:schemeClr val="accent1">
-                    <a:shade val="50000"/>
-                  </a:schemeClr>
-                </a:lnRef>
-                <a:fillRef idx="1">
-                  <a:schemeClr val="accent1"/>
-                </a:fillRef>
-                <a:effectRef idx="0">
-                  <a:schemeClr val="accent1"/>
-                </a:effectRef>
-                <a:fontRef idx="minor">
-                  <a:schemeClr val="lt1"/>
-                </a:fontRef>
-              </p:style>
-              <p:txBody>
-                <a:bodyPr rtlCol="0" anchor="ctr"/>
-                <a:lstStyle/>
-                <a:p>
-                  <a:pPr algn="ctr"/>
-                  <a:endParaRPr lang="ko-KR" altLang="en-US" sz="1600"/>
-                </a:p>
-              </p:txBody>
-            </p:sp>
-            <p:sp>
-              <p:nvSpPr>
-                <p:cNvPr id="33" name="직사각형 32"/>
-                <p:cNvSpPr/>
-                <p:nvPr/>
-              </p:nvSpPr>
-              <p:spPr>
-                <a:xfrm>
-                  <a:off x="2522472" y="1600227"/>
-                  <a:ext cx="184639" cy="193431"/>
-                </a:xfrm>
-                <a:prstGeom prst="rect">
-                  <a:avLst/>
-                </a:prstGeom>
-                <a:grpFill/>
-                <a:ln>
-                  <a:noFill/>
-                </a:ln>
-              </p:spPr>
-              <p:style>
-                <a:lnRef idx="2">
-                  <a:schemeClr val="accent1">
-                    <a:shade val="50000"/>
-                  </a:schemeClr>
-                </a:lnRef>
-                <a:fillRef idx="1">
-                  <a:schemeClr val="accent1"/>
-                </a:fillRef>
-                <a:effectRef idx="0">
-                  <a:schemeClr val="accent1"/>
-                </a:effectRef>
-                <a:fontRef idx="minor">
-                  <a:schemeClr val="lt1"/>
-                </a:fontRef>
-              </p:style>
-              <p:txBody>
-                <a:bodyPr rtlCol="0" anchor="ctr"/>
-                <a:lstStyle/>
-                <a:p>
-                  <a:pPr algn="ctr"/>
-                  <a:endParaRPr lang="ko-KR" altLang="en-US" sz="1600"/>
-                </a:p>
-              </p:txBody>
-            </p:sp>
-          </p:grpSp>
-          <p:grpSp>
-            <p:nvGrpSpPr>
-              <p:cNvPr id="35" name="그룹 34"/>
-              <p:cNvGrpSpPr/>
-              <p:nvPr/>
-            </p:nvGrpSpPr>
-            <p:grpSpPr>
-              <a:xfrm>
-                <a:off x="10867377" y="3505656"/>
-                <a:ext cx="184639" cy="360485"/>
-                <a:chOff x="2522472" y="1600227"/>
-                <a:chExt cx="184639" cy="360485"/>
-              </a:xfrm>
-              <a:noFill/>
-            </p:grpSpPr>
-            <p:sp>
-              <p:nvSpPr>
-                <p:cNvPr id="36" name="직사각형 35"/>
-                <p:cNvSpPr/>
-                <p:nvPr/>
-              </p:nvSpPr>
-              <p:spPr>
-                <a:xfrm>
-                  <a:off x="2522472" y="1767281"/>
-                  <a:ext cx="184639" cy="193431"/>
-                </a:xfrm>
-                <a:prstGeom prst="rect">
-                  <a:avLst/>
-                </a:prstGeom>
-                <a:grpFill/>
-                <a:ln>
-                  <a:noFill/>
-                </a:ln>
-              </p:spPr>
-              <p:style>
-                <a:lnRef idx="2">
-                  <a:schemeClr val="accent1">
-                    <a:shade val="50000"/>
-                  </a:schemeClr>
-                </a:lnRef>
-                <a:fillRef idx="1">
-                  <a:schemeClr val="accent1"/>
-                </a:fillRef>
-                <a:effectRef idx="0">
-                  <a:schemeClr val="accent1"/>
-                </a:effectRef>
-                <a:fontRef idx="minor">
-                  <a:schemeClr val="lt1"/>
-                </a:fontRef>
-              </p:style>
-              <p:txBody>
-                <a:bodyPr rtlCol="0" anchor="ctr"/>
-                <a:lstStyle/>
-                <a:p>
-                  <a:pPr algn="ctr"/>
-                  <a:endParaRPr lang="ko-KR" altLang="en-US" sz="1600"/>
-                </a:p>
-              </p:txBody>
-            </p:sp>
-            <p:sp>
-              <p:nvSpPr>
-                <p:cNvPr id="37" name="직사각형 36"/>
-                <p:cNvSpPr/>
-                <p:nvPr/>
-              </p:nvSpPr>
-              <p:spPr>
-                <a:xfrm>
-                  <a:off x="2522472" y="1600227"/>
-                  <a:ext cx="184639" cy="193431"/>
-                </a:xfrm>
-                <a:prstGeom prst="rect">
-                  <a:avLst/>
-                </a:prstGeom>
-                <a:grpFill/>
-                <a:ln>
-                  <a:noFill/>
-                </a:ln>
-              </p:spPr>
-              <p:style>
-                <a:lnRef idx="2">
-                  <a:schemeClr val="accent1">
-                    <a:shade val="50000"/>
-                  </a:schemeClr>
-                </a:lnRef>
-                <a:fillRef idx="1">
-                  <a:schemeClr val="accent1"/>
-                </a:fillRef>
-                <a:effectRef idx="0">
-                  <a:schemeClr val="accent1"/>
-                </a:effectRef>
-                <a:fontRef idx="minor">
-                  <a:schemeClr val="lt1"/>
-                </a:fontRef>
-              </p:style>
-              <p:txBody>
-                <a:bodyPr rtlCol="0" anchor="ctr"/>
-                <a:lstStyle/>
-                <a:p>
-                  <a:pPr algn="ctr"/>
-                  <a:endParaRPr lang="ko-KR" altLang="en-US" sz="1600"/>
-                </a:p>
-              </p:txBody>
-            </p:sp>
-          </p:grpSp>
-          <p:cxnSp>
-            <p:nvCxnSpPr>
-              <p:cNvPr id="14" name="직선 화살표 연결선 13"/>
-              <p:cNvCxnSpPr>
-                <a:stCxn id="33" idx="3"/>
-                <a:endCxn id="37" idx="1"/>
-              </p:cNvCxnSpPr>
-              <p:nvPr/>
-            </p:nvCxnSpPr>
-            <p:spPr>
-              <a:xfrm>
-                <a:off x="6197520" y="3602372"/>
-                <a:ext cx="4669857" cy="0"/>
-              </a:xfrm>
-              <a:prstGeom prst="straightConnector1">
-                <a:avLst/>
-              </a:prstGeom>
-              <a:ln w="19050">
-                <a:solidFill>
-                  <a:schemeClr val="tx1"/>
-                </a:solidFill>
-                <a:tailEnd type="triangle"/>
+              <a:grpFill/>
+              <a:ln>
+                <a:noFill/>
               </a:ln>
             </p:spPr>
             <p:style>
-              <a:lnRef idx="1">
-                <a:schemeClr val="accent1"/>
+              <a:lnRef idx="2">
+                <a:schemeClr val="accent1">
+                  <a:shade val="50000"/>
+                </a:schemeClr>
               </a:lnRef>
-              <a:fillRef idx="0">
+              <a:fillRef idx="1">
                 <a:schemeClr val="accent1"/>
               </a:fillRef>
               <a:effectRef idx="0">
                 <a:schemeClr val="accent1"/>
               </a:effectRef>
               <a:fontRef idx="minor">
-                <a:schemeClr val="tx1"/>
+                <a:schemeClr val="lt1"/>
               </a:fontRef>
             </p:style>
-          </p:cxnSp>
-          <p:cxnSp>
-            <p:nvCxnSpPr>
-              <p:cNvPr id="20" name="직선 화살표 연결선 19"/>
-              <p:cNvCxnSpPr>
-                <a:stCxn id="36" idx="1"/>
-                <a:endCxn id="8" idx="3"/>
-              </p:cNvCxnSpPr>
+            <p:txBody>
+              <a:bodyPr rtlCol="0" anchor="ctr"/>
+              <a:lstStyle/>
+              <a:p>
+                <a:pPr algn="ctr"/>
+                <a:endParaRPr lang="ko-KR" altLang="en-US" sz="1600"/>
+              </a:p>
+            </p:txBody>
+          </p:sp>
+        </p:grpSp>
+        <p:grpSp>
+          <p:nvGrpSpPr>
+            <p:cNvPr id="35" name="그룹 34"/>
+            <p:cNvGrpSpPr/>
+            <p:nvPr/>
+          </p:nvGrpSpPr>
+          <p:grpSpPr>
+            <a:xfrm>
+              <a:off x="10742983" y="3386639"/>
+              <a:ext cx="184639" cy="360485"/>
+              <a:chOff x="2522472" y="1600227"/>
+              <a:chExt cx="184639" cy="360485"/>
+            </a:xfrm>
+            <a:noFill/>
+          </p:grpSpPr>
+          <p:sp>
+            <p:nvSpPr>
+              <p:cNvPr id="36" name="직사각형 35"/>
+              <p:cNvSpPr/>
               <p:nvPr/>
-            </p:nvCxnSpPr>
+            </p:nvSpPr>
             <p:spPr>
-              <a:xfrm flipH="1">
-                <a:off x="6197520" y="3769426"/>
-                <a:ext cx="4669857" cy="0"/>
+              <a:xfrm>
+                <a:off x="2522472" y="1767281"/>
+                <a:ext cx="184639" cy="193431"/>
               </a:xfrm>
-              <a:prstGeom prst="straightConnector1">
+              <a:prstGeom prst="rect">
                 <a:avLst/>
               </a:prstGeom>
-              <a:ln w="19050">
-                <a:solidFill>
-                  <a:schemeClr val="tx1"/>
-                </a:solidFill>
-                <a:tailEnd type="triangle"/>
+              <a:grpFill/>
+              <a:ln>
+                <a:noFill/>
               </a:ln>
             </p:spPr>
             <p:style>
-              <a:lnRef idx="1">
-                <a:schemeClr val="accent1"/>
+              <a:lnRef idx="2">
+                <a:schemeClr val="accent1">
+                  <a:shade val="50000"/>
+                </a:schemeClr>
               </a:lnRef>
-              <a:fillRef idx="0">
+              <a:fillRef idx="1">
                 <a:schemeClr val="accent1"/>
               </a:fillRef>
               <a:effectRef idx="0">
                 <a:schemeClr val="accent1"/>
               </a:effectRef>
               <a:fontRef idx="minor">
-                <a:schemeClr val="tx1"/>
+                <a:schemeClr val="lt1"/>
               </a:fontRef>
             </p:style>
-          </p:cxnSp>
+            <p:txBody>
+              <a:bodyPr rtlCol="0" anchor="ctr"/>
+              <a:lstStyle/>
+              <a:p>
+                <a:pPr algn="ctr"/>
+                <a:endParaRPr lang="ko-KR" altLang="en-US" sz="1600"/>
+              </a:p>
+            </p:txBody>
+          </p:sp>
           <p:sp>
             <p:nvSpPr>
-              <p:cNvPr id="41" name="직사각형 40"/>
+              <p:cNvPr id="37" name="직사각형 36"/>
               <p:cNvSpPr/>
               <p:nvPr/>
             </p:nvSpPr>
             <p:spPr>
               <a:xfrm>
-                <a:off x="6277200" y="2904865"/>
-                <a:ext cx="4530407" cy="524246"/>
+                <a:off x="2522472" y="1600227"/>
+                <a:ext cx="184639" cy="193431"/>
               </a:xfrm>
               <a:prstGeom prst="rect">
                 <a:avLst/>
               </a:prstGeom>
-            </p:spPr>
-            <p:txBody>
-              <a:bodyPr wrap="none">
-                <a:spAutoFit/>
-              </a:bodyPr>
-              <a:lstStyle/>
-              <a:p>
-                <a:pPr>
-                  <a:lnSpc>
-                    <a:spcPct val="150000"/>
-                  </a:lnSpc>
-                </a:pPr>
-                <a:r>
-                  <a:rPr lang="ko-KR" altLang="en-US" sz="1000"/>
-                  <a:t>하나의 세션에는 최대 참가자 수를 초과할 수 없다</a:t>
-                </a:r>
-                <a:r>
-                  <a:rPr lang="en-US" altLang="ko-KR" sz="1000"/>
-                  <a:t>.</a:t>
-                </a:r>
-              </a:p>
-              <a:p>
-                <a:pPr>
-                  <a:lnSpc>
-                    <a:spcPct val="150000"/>
-                  </a:lnSpc>
-                </a:pPr>
-                <a:r>
-                  <a:rPr lang="en-US" altLang="ko-KR" sz="1000"/>
-                  <a:t>A session cannot contain more than the maximum number of participants</a:t>
-                </a:r>
-                <a:endParaRPr lang="ko-KR" altLang="en-US" sz="1000"/>
-              </a:p>
-            </p:txBody>
-          </p:sp>
-          <p:sp>
-            <p:nvSpPr>
-              <p:cNvPr id="42" name="직사각형 41"/>
-              <p:cNvSpPr/>
-              <p:nvPr/>
-            </p:nvSpPr>
-            <p:spPr>
-              <a:xfrm>
-                <a:off x="7785321" y="3922193"/>
-                <a:ext cx="3094117" cy="524246"/>
-              </a:xfrm>
-              <a:prstGeom prst="rect">
-                <a:avLst/>
-              </a:prstGeom>
-            </p:spPr>
-            <p:txBody>
-              <a:bodyPr wrap="none">
-                <a:spAutoFit/>
-              </a:bodyPr>
-              <a:lstStyle/>
-              <a:p>
-                <a:pPr>
-                  <a:lnSpc>
-                    <a:spcPct val="150000"/>
-                  </a:lnSpc>
-                </a:pPr>
-                <a:r>
-                  <a:rPr lang="ko-KR" altLang="en-US" sz="1000"/>
-                  <a:t>참가자는 </a:t>
-                </a:r>
-                <a:r>
-                  <a:rPr lang="ko-KR" altLang="en-US" sz="1000">
-                    <a:solidFill>
-                      <a:srgbClr val="0070C0"/>
-                    </a:solidFill>
-                  </a:rPr>
-                  <a:t>겹치는 세션을</a:t>
-                </a:r>
-                <a:r>
-                  <a:rPr lang="ko-KR" altLang="en-US" sz="1000"/>
-                  <a:t> 예약할 수 없다</a:t>
-                </a:r>
-                <a:r>
-                  <a:rPr lang="en-US" altLang="ko-KR" sz="1000"/>
-                  <a:t>.</a:t>
-                </a:r>
-              </a:p>
-              <a:p>
-                <a:pPr>
-                  <a:lnSpc>
-                    <a:spcPct val="150000"/>
-                  </a:lnSpc>
-                </a:pPr>
-                <a:r>
-                  <a:rPr lang="en-US" altLang="ko-KR" sz="1000"/>
-                  <a:t>A participant cannot reserve </a:t>
-                </a:r>
-                <a:r>
-                  <a:rPr lang="en-US" altLang="ko-KR" sz="1000">
-                    <a:solidFill>
-                      <a:srgbClr val="0070C0"/>
-                    </a:solidFill>
-                  </a:rPr>
-                  <a:t>overlapping sessions</a:t>
-                </a:r>
-                <a:endParaRPr lang="ko-KR" altLang="en-US" sz="1000">
-                  <a:solidFill>
-                    <a:srgbClr val="0070C0"/>
-                  </a:solidFill>
-                </a:endParaRPr>
-              </a:p>
-            </p:txBody>
-          </p:sp>
-          <p:sp>
-            <p:nvSpPr>
-              <p:cNvPr id="43" name="TextBox 42"/>
-              <p:cNvSpPr txBox="1"/>
-              <p:nvPr/>
-            </p:nvSpPr>
-            <p:spPr>
-              <a:xfrm>
-                <a:off x="5284287" y="6029442"/>
-                <a:ext cx="1005403" cy="738664"/>
-              </a:xfrm>
-              <a:prstGeom prst="rect">
-                <a:avLst/>
-              </a:prstGeom>
-              <a:noFill/>
-            </p:spPr>
-            <p:txBody>
-              <a:bodyPr wrap="none" rtlCol="0">
-                <a:spAutoFit/>
-              </a:bodyPr>
-              <a:lstStyle/>
-              <a:p>
-                <a:pPr algn="ctr">
-                  <a:lnSpc>
-                    <a:spcPct val="150000"/>
-                  </a:lnSpc>
-                </a:pPr>
-                <a:r>
-                  <a:rPr lang="ko-KR" altLang="en-US" sz="1600" b="1"/>
-                  <a:t>트레이너</a:t>
-                </a:r>
-                <a:endParaRPr lang="en-US" altLang="ko-KR" sz="1600" b="1"/>
-              </a:p>
-              <a:p>
-                <a:pPr algn="ctr">
-                  <a:lnSpc>
-                    <a:spcPct val="150000"/>
-                  </a:lnSpc>
-                </a:pPr>
-                <a:r>
-                  <a:rPr lang="en-US" altLang="ko-KR" sz="1200" b="1"/>
-                  <a:t>Trainer</a:t>
-                </a:r>
-                <a:endParaRPr lang="ko-KR" altLang="en-US" sz="1200" b="1"/>
-              </a:p>
-            </p:txBody>
-          </p:sp>
-          <p:cxnSp>
-            <p:nvCxnSpPr>
-              <p:cNvPr id="38" name="직선 화살표 연결선 37"/>
-              <p:cNvCxnSpPr>
-                <a:stCxn id="43" idx="0"/>
-                <a:endCxn id="24" idx="2"/>
-              </p:cNvCxnSpPr>
-              <p:nvPr/>
-            </p:nvCxnSpPr>
-            <p:spPr>
-              <a:xfrm flipV="1">
-                <a:off x="5786989" y="4009064"/>
-                <a:ext cx="0" cy="2020378"/>
-              </a:xfrm>
-              <a:prstGeom prst="straightConnector1">
-                <a:avLst/>
-              </a:prstGeom>
-              <a:ln w="19050">
-                <a:solidFill>
-                  <a:schemeClr val="tx1"/>
-                </a:solidFill>
-                <a:tailEnd type="triangle"/>
+              <a:grpFill/>
+              <a:ln>
+                <a:noFill/>
               </a:ln>
             </p:spPr>
             <p:style>
-              <a:lnRef idx="1">
-                <a:schemeClr val="accent1"/>
+              <a:lnRef idx="2">
+                <a:schemeClr val="accent1">
+                  <a:shade val="50000"/>
+                </a:schemeClr>
               </a:lnRef>
-              <a:fillRef idx="0">
+              <a:fillRef idx="1">
                 <a:schemeClr val="accent1"/>
               </a:fillRef>
               <a:effectRef idx="0">
                 <a:schemeClr val="accent1"/>
               </a:effectRef>
               <a:fontRef idx="minor">
-                <a:schemeClr val="tx1"/>
+                <a:schemeClr val="lt1"/>
               </a:fontRef>
             </p:style>
-          </p:cxnSp>
+            <p:txBody>
+              <a:bodyPr rtlCol="0" anchor="ctr"/>
+              <a:lstStyle/>
+              <a:p>
+                <a:pPr algn="ctr"/>
+                <a:endParaRPr lang="ko-KR" altLang="en-US" sz="1600"/>
+              </a:p>
+            </p:txBody>
+          </p:sp>
+        </p:grpSp>
+        <p:cxnSp>
+          <p:nvCxnSpPr>
+            <p:cNvPr id="14" name="직선 화살표 연결선 13"/>
+            <p:cNvCxnSpPr>
+              <a:stCxn id="33" idx="3"/>
+              <a:endCxn id="37" idx="1"/>
+            </p:cNvCxnSpPr>
+            <p:nvPr/>
+          </p:nvCxnSpPr>
+          <p:spPr>
+            <a:xfrm>
+              <a:off x="6073126" y="3483355"/>
+              <a:ext cx="4669857" cy="0"/>
+            </a:xfrm>
+            <a:prstGeom prst="straightConnector1">
+              <a:avLst/>
+            </a:prstGeom>
+            <a:ln w="19050">
+              <a:solidFill>
+                <a:schemeClr val="tx1"/>
+              </a:solidFill>
+              <a:tailEnd type="triangle"/>
+            </a:ln>
+          </p:spPr>
+          <p:style>
+            <a:lnRef idx="1">
+              <a:schemeClr val="accent1"/>
+            </a:lnRef>
+            <a:fillRef idx="0">
+              <a:schemeClr val="accent1"/>
+            </a:fillRef>
+            <a:effectRef idx="0">
+              <a:schemeClr val="accent1"/>
+            </a:effectRef>
+            <a:fontRef idx="minor">
+              <a:schemeClr val="tx1"/>
+            </a:fontRef>
+          </p:style>
+        </p:cxnSp>
+        <p:cxnSp>
+          <p:nvCxnSpPr>
+            <p:cNvPr id="20" name="직선 화살표 연결선 19"/>
+            <p:cNvCxnSpPr>
+              <a:stCxn id="36" idx="1"/>
+              <a:endCxn id="8" idx="3"/>
+            </p:cNvCxnSpPr>
+            <p:nvPr/>
+          </p:nvCxnSpPr>
+          <p:spPr>
+            <a:xfrm flipH="1">
+              <a:off x="6073126" y="3650409"/>
+              <a:ext cx="4669857" cy="0"/>
+            </a:xfrm>
+            <a:prstGeom prst="straightConnector1">
+              <a:avLst/>
+            </a:prstGeom>
+            <a:ln w="19050">
+              <a:solidFill>
+                <a:schemeClr val="tx1"/>
+              </a:solidFill>
+              <a:tailEnd type="triangle"/>
+            </a:ln>
+          </p:spPr>
+          <p:style>
+            <a:lnRef idx="1">
+              <a:schemeClr val="accent1"/>
+            </a:lnRef>
+            <a:fillRef idx="0">
+              <a:schemeClr val="accent1"/>
+            </a:fillRef>
+            <a:effectRef idx="0">
+              <a:schemeClr val="accent1"/>
+            </a:effectRef>
+            <a:fontRef idx="minor">
+              <a:schemeClr val="tx1"/>
+            </a:fontRef>
+          </p:style>
+        </p:cxnSp>
+        <p:sp>
+          <p:nvSpPr>
+            <p:cNvPr id="41" name="직사각형 40"/>
+            <p:cNvSpPr/>
+            <p:nvPr/>
+          </p:nvSpPr>
+          <p:spPr>
+            <a:xfrm>
+              <a:off x="6152806" y="2785848"/>
+              <a:ext cx="4530407" cy="524246"/>
+            </a:xfrm>
+            <a:prstGeom prst="rect">
+              <a:avLst/>
+            </a:prstGeom>
+          </p:spPr>
+          <p:txBody>
+            <a:bodyPr wrap="none">
+              <a:spAutoFit/>
+            </a:bodyPr>
+            <a:lstStyle/>
+            <a:p>
+              <a:pPr>
+                <a:lnSpc>
+                  <a:spcPct val="150000"/>
+                </a:lnSpc>
+              </a:pPr>
+              <a:r>
+                <a:rPr lang="ko-KR" altLang="en-US" sz="1000"/>
+                <a:t>세션은 최대 참가자 수를 초과할 수 없다</a:t>
+              </a:r>
+              <a:r>
+                <a:rPr lang="en-US" altLang="ko-KR" sz="1000"/>
+                <a:t>.</a:t>
+              </a:r>
+            </a:p>
+            <a:p>
+              <a:pPr>
+                <a:lnSpc>
+                  <a:spcPct val="150000"/>
+                </a:lnSpc>
+              </a:pPr>
+              <a:r>
+                <a:rPr lang="en-US" altLang="ko-KR" sz="1000"/>
+                <a:t>A session cannot contain more than the maximum number of participants</a:t>
+              </a:r>
+              <a:endParaRPr lang="ko-KR" altLang="en-US" sz="1000"/>
+            </a:p>
+          </p:txBody>
+        </p:sp>
+        <p:sp>
+          <p:nvSpPr>
+            <p:cNvPr id="42" name="직사각형 41"/>
+            <p:cNvSpPr/>
+            <p:nvPr/>
+          </p:nvSpPr>
+          <p:spPr>
+            <a:xfrm>
+              <a:off x="7660927" y="3803176"/>
+              <a:ext cx="3094117" cy="524246"/>
+            </a:xfrm>
+            <a:prstGeom prst="rect">
+              <a:avLst/>
+            </a:prstGeom>
+          </p:spPr>
+          <p:txBody>
+            <a:bodyPr wrap="none">
+              <a:spAutoFit/>
+            </a:bodyPr>
+            <a:lstStyle/>
+            <a:p>
+              <a:pPr>
+                <a:lnSpc>
+                  <a:spcPct val="150000"/>
+                </a:lnSpc>
+              </a:pPr>
+              <a:r>
+                <a:rPr lang="ko-KR" altLang="en-US" sz="1000"/>
+                <a:t>참가자는 </a:t>
+              </a:r>
+              <a:r>
+                <a:rPr lang="ko-KR" altLang="en-US" sz="1000">
+                  <a:solidFill>
+                    <a:srgbClr val="0070C0"/>
+                  </a:solidFill>
+                </a:rPr>
+                <a:t>겹치는 세션을</a:t>
+              </a:r>
+              <a:r>
+                <a:rPr lang="ko-KR" altLang="en-US" sz="1000"/>
+                <a:t> 예약할 수 없다</a:t>
+              </a:r>
+              <a:r>
+                <a:rPr lang="en-US" altLang="ko-KR" sz="1000"/>
+                <a:t>.</a:t>
+              </a:r>
+            </a:p>
+            <a:p>
+              <a:pPr>
+                <a:lnSpc>
+                  <a:spcPct val="150000"/>
+                </a:lnSpc>
+              </a:pPr>
+              <a:r>
+                <a:rPr lang="en-US" altLang="ko-KR" sz="1000"/>
+                <a:t>A participant cannot reserve </a:t>
+              </a:r>
+              <a:r>
+                <a:rPr lang="en-US" altLang="ko-KR" sz="1000">
+                  <a:solidFill>
+                    <a:srgbClr val="0070C0"/>
+                  </a:solidFill>
+                </a:rPr>
+                <a:t>overlapping sessions</a:t>
+              </a:r>
+              <a:endParaRPr lang="ko-KR" altLang="en-US" sz="1000">
+                <a:solidFill>
+                  <a:srgbClr val="0070C0"/>
+                </a:solidFill>
+              </a:endParaRPr>
+            </a:p>
+          </p:txBody>
+        </p:sp>
+        <p:sp>
+          <p:nvSpPr>
+            <p:cNvPr id="43" name="TextBox 42"/>
+            <p:cNvSpPr txBox="1"/>
+            <p:nvPr/>
+          </p:nvSpPr>
+          <p:spPr>
+            <a:xfrm>
+              <a:off x="5159893" y="5910425"/>
+              <a:ext cx="1005403" cy="738664"/>
+            </a:xfrm>
+            <a:prstGeom prst="rect">
+              <a:avLst/>
+            </a:prstGeom>
+            <a:noFill/>
+          </p:spPr>
+          <p:txBody>
+            <a:bodyPr wrap="none" rtlCol="0">
+              <a:spAutoFit/>
+            </a:bodyPr>
+            <a:lstStyle/>
+            <a:p>
+              <a:pPr algn="ctr">
+                <a:lnSpc>
+                  <a:spcPct val="150000"/>
+                </a:lnSpc>
+              </a:pPr>
+              <a:r>
+                <a:rPr lang="ko-KR" altLang="en-US" sz="1600" b="1"/>
+                <a:t>트레이너</a:t>
+              </a:r>
+              <a:endParaRPr lang="en-US" altLang="ko-KR" sz="1600" b="1"/>
+            </a:p>
+            <a:p>
+              <a:pPr algn="ctr">
+                <a:lnSpc>
+                  <a:spcPct val="150000"/>
+                </a:lnSpc>
+              </a:pPr>
+              <a:r>
+                <a:rPr lang="en-US" altLang="ko-KR" sz="1200" b="1"/>
+                <a:t>Trainer</a:t>
+              </a:r>
+              <a:endParaRPr lang="ko-KR" altLang="en-US" sz="1200" b="1"/>
+            </a:p>
+          </p:txBody>
+        </p:sp>
+        <p:cxnSp>
+          <p:nvCxnSpPr>
+            <p:cNvPr id="38" name="직선 화살표 연결선 37"/>
+            <p:cNvCxnSpPr>
+              <a:stCxn id="43" idx="0"/>
+              <a:endCxn id="24" idx="2"/>
+            </p:cNvCxnSpPr>
+            <p:nvPr/>
+          </p:nvCxnSpPr>
+          <p:spPr>
+            <a:xfrm flipV="1">
+              <a:off x="5662595" y="3890047"/>
+              <a:ext cx="0" cy="2020378"/>
+            </a:xfrm>
+            <a:prstGeom prst="straightConnector1">
+              <a:avLst/>
+            </a:prstGeom>
+            <a:ln w="19050">
+              <a:solidFill>
+                <a:schemeClr val="tx1"/>
+              </a:solidFill>
+              <a:tailEnd type="triangle"/>
+            </a:ln>
+          </p:spPr>
+          <p:style>
+            <a:lnRef idx="1">
+              <a:schemeClr val="accent1"/>
+            </a:lnRef>
+            <a:fillRef idx="0">
+              <a:schemeClr val="accent1"/>
+            </a:fillRef>
+            <a:effectRef idx="0">
+              <a:schemeClr val="accent1"/>
+            </a:effectRef>
+            <a:fontRef idx="minor">
+              <a:schemeClr val="tx1"/>
+            </a:fontRef>
+          </p:style>
+        </p:cxnSp>
+        <p:sp>
+          <p:nvSpPr>
+            <p:cNvPr id="48" name="TextBox 47"/>
+            <p:cNvSpPr txBox="1"/>
+            <p:nvPr/>
+          </p:nvSpPr>
+          <p:spPr>
+            <a:xfrm>
+              <a:off x="402100" y="3151383"/>
+              <a:ext cx="613245" cy="738664"/>
+            </a:xfrm>
+            <a:prstGeom prst="rect">
+              <a:avLst/>
+            </a:prstGeom>
+            <a:noFill/>
+          </p:spPr>
+          <p:txBody>
+            <a:bodyPr wrap="none" rtlCol="0">
+              <a:spAutoFit/>
+            </a:bodyPr>
+            <a:lstStyle/>
+            <a:p>
+              <a:pPr algn="ctr">
+                <a:lnSpc>
+                  <a:spcPct val="150000"/>
+                </a:lnSpc>
+              </a:pPr>
+              <a:r>
+                <a:rPr lang="ko-KR" altLang="en-US" sz="1600" b="1"/>
+                <a:t>방</a:t>
+              </a:r>
+              <a:endParaRPr lang="en-US" altLang="ko-KR" sz="1600" b="1"/>
+            </a:p>
+            <a:p>
+              <a:pPr algn="ctr">
+                <a:lnSpc>
+                  <a:spcPct val="150000"/>
+                </a:lnSpc>
+              </a:pPr>
+              <a:r>
+                <a:rPr lang="en-US" altLang="ko-KR" sz="1200" b="1"/>
+                <a:t>Room</a:t>
+              </a:r>
+              <a:endParaRPr lang="ko-KR" altLang="en-US" sz="1200" b="1"/>
+            </a:p>
+          </p:txBody>
+        </p:sp>
+        <p:cxnSp>
+          <p:nvCxnSpPr>
+            <p:cNvPr id="50" name="직선 화살표 연결선 49"/>
+            <p:cNvCxnSpPr>
+              <a:stCxn id="58" idx="3"/>
+              <a:endCxn id="54" idx="1"/>
+            </p:cNvCxnSpPr>
+            <p:nvPr/>
+          </p:nvCxnSpPr>
+          <p:spPr>
+            <a:xfrm>
+              <a:off x="1039487" y="3650409"/>
+              <a:ext cx="4212580" cy="0"/>
+            </a:xfrm>
+            <a:prstGeom prst="straightConnector1">
+              <a:avLst/>
+            </a:prstGeom>
+            <a:ln w="19050">
+              <a:solidFill>
+                <a:schemeClr val="tx1"/>
+              </a:solidFill>
+              <a:tailEnd type="triangle"/>
+            </a:ln>
+          </p:spPr>
+          <p:style>
+            <a:lnRef idx="1">
+              <a:schemeClr val="accent1"/>
+            </a:lnRef>
+            <a:fillRef idx="0">
+              <a:schemeClr val="accent1"/>
+            </a:fillRef>
+            <a:effectRef idx="0">
+              <a:schemeClr val="accent1"/>
+            </a:effectRef>
+            <a:fontRef idx="minor">
+              <a:schemeClr val="tx1"/>
+            </a:fontRef>
+          </p:style>
+        </p:cxnSp>
+        <p:grpSp>
+          <p:nvGrpSpPr>
+            <p:cNvPr id="53" name="그룹 52"/>
+            <p:cNvGrpSpPr/>
+            <p:nvPr/>
+          </p:nvGrpSpPr>
+          <p:grpSpPr>
+            <a:xfrm>
+              <a:off x="5252067" y="3386639"/>
+              <a:ext cx="184639" cy="360485"/>
+              <a:chOff x="2522472" y="1600227"/>
+              <a:chExt cx="184639" cy="360485"/>
+            </a:xfrm>
+            <a:noFill/>
+          </p:grpSpPr>
           <p:sp>
             <p:nvSpPr>
-              <p:cNvPr id="48" name="TextBox 47"/>
-              <p:cNvSpPr txBox="1"/>
+              <p:cNvPr id="54" name="직사각형 53"/>
+              <p:cNvSpPr/>
               <p:nvPr/>
             </p:nvSpPr>
             <p:spPr>
               <a:xfrm>
-                <a:off x="526494" y="3270400"/>
-                <a:ext cx="613245" cy="738664"/>
+                <a:off x="2522472" y="1767281"/>
+                <a:ext cx="184639" cy="193431"/>
               </a:xfrm>
               <a:prstGeom prst="rect">
                 <a:avLst/>
               </a:prstGeom>
-              <a:noFill/>
-            </p:spPr>
-            <p:txBody>
-              <a:bodyPr wrap="none" rtlCol="0">
-                <a:spAutoFit/>
-              </a:bodyPr>
-              <a:lstStyle/>
-              <a:p>
-                <a:pPr algn="ctr">
-                  <a:lnSpc>
-                    <a:spcPct val="150000"/>
-                  </a:lnSpc>
-                </a:pPr>
-                <a:r>
-                  <a:rPr lang="ko-KR" altLang="en-US" sz="1600" b="1"/>
-                  <a:t>방</a:t>
-                </a:r>
-                <a:endParaRPr lang="en-US" altLang="ko-KR" sz="1600" b="1"/>
-              </a:p>
-              <a:p>
-                <a:pPr algn="ctr">
-                  <a:lnSpc>
-                    <a:spcPct val="150000"/>
-                  </a:lnSpc>
-                </a:pPr>
-                <a:r>
-                  <a:rPr lang="en-US" altLang="ko-KR" sz="1200" b="1"/>
-                  <a:t>Room</a:t>
-                </a:r>
-                <a:endParaRPr lang="ko-KR" altLang="en-US" sz="1200" b="1"/>
-              </a:p>
-            </p:txBody>
-          </p:sp>
-          <p:cxnSp>
-            <p:nvCxnSpPr>
-              <p:cNvPr id="50" name="직선 화살표 연결선 49"/>
-              <p:cNvCxnSpPr>
-                <a:stCxn id="58" idx="3"/>
-                <a:endCxn id="54" idx="1"/>
-              </p:cNvCxnSpPr>
-              <p:nvPr/>
-            </p:nvCxnSpPr>
-            <p:spPr>
-              <a:xfrm>
-                <a:off x="1163881" y="3769426"/>
-                <a:ext cx="4212580" cy="0"/>
-              </a:xfrm>
-              <a:prstGeom prst="straightConnector1">
-                <a:avLst/>
-              </a:prstGeom>
-              <a:ln w="19050">
-                <a:solidFill>
-                  <a:schemeClr val="tx1"/>
-                </a:solidFill>
-                <a:tailEnd type="triangle"/>
+              <a:grpFill/>
+              <a:ln>
+                <a:noFill/>
               </a:ln>
             </p:spPr>
             <p:style>
-              <a:lnRef idx="1">
-                <a:schemeClr val="accent1"/>
+              <a:lnRef idx="2">
+                <a:schemeClr val="accent1">
+                  <a:shade val="50000"/>
+                </a:schemeClr>
               </a:lnRef>
-              <a:fillRef idx="0">
+              <a:fillRef idx="1">
                 <a:schemeClr val="accent1"/>
               </a:fillRef>
               <a:effectRef idx="0">
                 <a:schemeClr val="accent1"/>
               </a:effectRef>
               <a:fontRef idx="minor">
-                <a:schemeClr val="tx1"/>
+                <a:schemeClr val="lt1"/>
               </a:fontRef>
             </p:style>
-          </p:cxnSp>
-          <p:grpSp>
-            <p:nvGrpSpPr>
-              <p:cNvPr id="53" name="그룹 52"/>
-              <p:cNvGrpSpPr/>
-              <p:nvPr/>
-            </p:nvGrpSpPr>
-            <p:grpSpPr>
-              <a:xfrm>
-                <a:off x="5376461" y="3505656"/>
-                <a:ext cx="184639" cy="360485"/>
-                <a:chOff x="2522472" y="1600227"/>
-                <a:chExt cx="184639" cy="360485"/>
-              </a:xfrm>
-              <a:noFill/>
-            </p:grpSpPr>
-            <p:sp>
-              <p:nvSpPr>
-                <p:cNvPr id="54" name="직사각형 53"/>
-                <p:cNvSpPr/>
-                <p:nvPr/>
-              </p:nvSpPr>
-              <p:spPr>
-                <a:xfrm>
-                  <a:off x="2522472" y="1767281"/>
-                  <a:ext cx="184639" cy="193431"/>
-                </a:xfrm>
-                <a:prstGeom prst="rect">
-                  <a:avLst/>
-                </a:prstGeom>
-                <a:grpFill/>
-                <a:ln>
-                  <a:noFill/>
-                </a:ln>
-              </p:spPr>
-              <p:style>
-                <a:lnRef idx="2">
-                  <a:schemeClr val="accent1">
-                    <a:shade val="50000"/>
-                  </a:schemeClr>
-                </a:lnRef>
-                <a:fillRef idx="1">
-                  <a:schemeClr val="accent1"/>
-                </a:fillRef>
-                <a:effectRef idx="0">
-                  <a:schemeClr val="accent1"/>
-                </a:effectRef>
-                <a:fontRef idx="minor">
-                  <a:schemeClr val="lt1"/>
-                </a:fontRef>
-              </p:style>
-              <p:txBody>
-                <a:bodyPr rtlCol="0" anchor="ctr"/>
-                <a:lstStyle/>
-                <a:p>
-                  <a:pPr algn="ctr"/>
-                  <a:endParaRPr lang="ko-KR" altLang="en-US" sz="1600"/>
-                </a:p>
-              </p:txBody>
-            </p:sp>
-            <p:sp>
-              <p:nvSpPr>
-                <p:cNvPr id="55" name="직사각형 54"/>
-                <p:cNvSpPr/>
-                <p:nvPr/>
-              </p:nvSpPr>
-              <p:spPr>
-                <a:xfrm>
-                  <a:off x="2522472" y="1600227"/>
-                  <a:ext cx="184639" cy="193431"/>
-                </a:xfrm>
-                <a:prstGeom prst="rect">
-                  <a:avLst/>
-                </a:prstGeom>
-                <a:grpFill/>
-                <a:ln>
-                  <a:noFill/>
-                </a:ln>
-              </p:spPr>
-              <p:style>
-                <a:lnRef idx="2">
-                  <a:schemeClr val="accent1">
-                    <a:shade val="50000"/>
-                  </a:schemeClr>
-                </a:lnRef>
-                <a:fillRef idx="1">
-                  <a:schemeClr val="accent1"/>
-                </a:fillRef>
-                <a:effectRef idx="0">
-                  <a:schemeClr val="accent1"/>
-                </a:effectRef>
-                <a:fontRef idx="minor">
-                  <a:schemeClr val="lt1"/>
-                </a:fontRef>
-              </p:style>
-              <p:txBody>
-                <a:bodyPr rtlCol="0" anchor="ctr"/>
-                <a:lstStyle/>
-                <a:p>
-                  <a:pPr algn="ctr"/>
-                  <a:endParaRPr lang="ko-KR" altLang="en-US" sz="1600"/>
-                </a:p>
-              </p:txBody>
-            </p:sp>
-          </p:grpSp>
-          <p:grpSp>
-            <p:nvGrpSpPr>
-              <p:cNvPr id="57" name="그룹 56"/>
-              <p:cNvGrpSpPr/>
-              <p:nvPr/>
-            </p:nvGrpSpPr>
-            <p:grpSpPr>
-              <a:xfrm>
-                <a:off x="979242" y="3505656"/>
-                <a:ext cx="184639" cy="360485"/>
-                <a:chOff x="2522472" y="1600227"/>
-                <a:chExt cx="184639" cy="360485"/>
-              </a:xfrm>
-              <a:noFill/>
-            </p:grpSpPr>
-            <p:sp>
-              <p:nvSpPr>
-                <p:cNvPr id="58" name="직사각형 57"/>
-                <p:cNvSpPr/>
-                <p:nvPr/>
-              </p:nvSpPr>
-              <p:spPr>
-                <a:xfrm>
-                  <a:off x="2522472" y="1767281"/>
-                  <a:ext cx="184639" cy="193431"/>
-                </a:xfrm>
-                <a:prstGeom prst="rect">
-                  <a:avLst/>
-                </a:prstGeom>
-                <a:grpFill/>
-                <a:ln>
-                  <a:noFill/>
-                </a:ln>
-              </p:spPr>
-              <p:style>
-                <a:lnRef idx="2">
-                  <a:schemeClr val="accent1">
-                    <a:shade val="50000"/>
-                  </a:schemeClr>
-                </a:lnRef>
-                <a:fillRef idx="1">
-                  <a:schemeClr val="accent1"/>
-                </a:fillRef>
-                <a:effectRef idx="0">
-                  <a:schemeClr val="accent1"/>
-                </a:effectRef>
-                <a:fontRef idx="minor">
-                  <a:schemeClr val="lt1"/>
-                </a:fontRef>
-              </p:style>
-              <p:txBody>
-                <a:bodyPr rtlCol="0" anchor="ctr"/>
-                <a:lstStyle/>
-                <a:p>
-                  <a:pPr algn="ctr"/>
-                  <a:endParaRPr lang="ko-KR" altLang="en-US" sz="1600"/>
-                </a:p>
-              </p:txBody>
-            </p:sp>
-            <p:sp>
-              <p:nvSpPr>
-                <p:cNvPr id="59" name="직사각형 58"/>
-                <p:cNvSpPr/>
-                <p:nvPr/>
-              </p:nvSpPr>
-              <p:spPr>
-                <a:xfrm>
-                  <a:off x="2522472" y="1600227"/>
-                  <a:ext cx="184639" cy="193431"/>
-                </a:xfrm>
-                <a:prstGeom prst="rect">
-                  <a:avLst/>
-                </a:prstGeom>
-                <a:grpFill/>
-                <a:ln>
-                  <a:noFill/>
-                </a:ln>
-              </p:spPr>
-              <p:style>
-                <a:lnRef idx="2">
-                  <a:schemeClr val="accent1">
-                    <a:shade val="50000"/>
-                  </a:schemeClr>
-                </a:lnRef>
-                <a:fillRef idx="1">
-                  <a:schemeClr val="accent1"/>
-                </a:fillRef>
-                <a:effectRef idx="0">
-                  <a:schemeClr val="accent1"/>
-                </a:effectRef>
-                <a:fontRef idx="minor">
-                  <a:schemeClr val="lt1"/>
-                </a:fontRef>
-              </p:style>
-              <p:txBody>
-                <a:bodyPr rtlCol="0" anchor="ctr"/>
-                <a:lstStyle/>
-                <a:p>
-                  <a:pPr algn="ctr"/>
-                  <a:endParaRPr lang="ko-KR" altLang="en-US" sz="1600"/>
-                </a:p>
-              </p:txBody>
-            </p:sp>
-          </p:grpSp>
+            <p:txBody>
+              <a:bodyPr rtlCol="0" anchor="ctr"/>
+              <a:lstStyle/>
+              <a:p>
+                <a:pPr algn="ctr"/>
+                <a:endParaRPr lang="ko-KR" altLang="en-US" sz="1600"/>
+              </a:p>
+            </p:txBody>
+          </p:sp>
           <p:sp>
             <p:nvSpPr>
-              <p:cNvPr id="62" name="직사각형 61"/>
+              <p:cNvPr id="55" name="직사각형 54"/>
               <p:cNvSpPr/>
               <p:nvPr/>
             </p:nvSpPr>
             <p:spPr>
               <a:xfrm>
-                <a:off x="1290852" y="4031651"/>
-                <a:ext cx="3981786" cy="524246"/>
+                <a:off x="2522472" y="1600227"/>
+                <a:ext cx="184639" cy="193431"/>
               </a:xfrm>
               <a:prstGeom prst="rect">
                 <a:avLst/>
               </a:prstGeom>
-              <a:noFill/>
-            </p:spPr>
-            <p:txBody>
-              <a:bodyPr wrap="square">
-                <a:spAutoFit/>
-              </a:bodyPr>
-              <a:lstStyle/>
-              <a:p>
-                <a:pPr>
-                  <a:lnSpc>
-                    <a:spcPct val="150000"/>
-                  </a:lnSpc>
-                </a:pPr>
-                <a:r>
-                  <a:rPr lang="ko-KR" altLang="en-US" sz="1000"/>
-                  <a:t>방은 </a:t>
-                </a:r>
-                <a:r>
-                  <a:rPr lang="ko-KR" altLang="en-US" sz="1000">
-                    <a:solidFill>
-                      <a:srgbClr val="C00000"/>
-                    </a:solidFill>
-                  </a:rPr>
-                  <a:t>구독이 허용하는 개수보다</a:t>
-                </a:r>
-                <a:r>
-                  <a:rPr lang="ko-KR" altLang="en-US" sz="1000"/>
-                  <a:t> 더 많은 세션을 가질 수 없다</a:t>
-                </a:r>
-                <a:r>
-                  <a:rPr lang="en-US" altLang="ko-KR" sz="1000"/>
-                  <a:t>.</a:t>
-                </a:r>
-              </a:p>
-              <a:p>
-                <a:pPr>
-                  <a:lnSpc>
-                    <a:spcPct val="150000"/>
-                  </a:lnSpc>
-                </a:pPr>
-                <a:r>
-                  <a:rPr lang="en-US" altLang="ko-KR" sz="1000"/>
-                  <a:t>A room cannot have </a:t>
-                </a:r>
-                <a:r>
-                  <a:rPr lang="en-US" altLang="ko-KR" sz="1000">
-                    <a:solidFill>
-                      <a:srgbClr val="C00000"/>
-                    </a:solidFill>
-                  </a:rPr>
-                  <a:t>more sessions than the subscription allows</a:t>
-                </a:r>
-                <a:endParaRPr lang="ko-KR" altLang="en-US" sz="1000">
-                  <a:solidFill>
-                    <a:srgbClr val="C00000"/>
-                  </a:solidFill>
-                </a:endParaRPr>
-              </a:p>
-            </p:txBody>
-          </p:sp>
-          <p:sp>
-            <p:nvSpPr>
-              <p:cNvPr id="63" name="직사각형 62"/>
-              <p:cNvSpPr/>
-              <p:nvPr/>
-            </p:nvSpPr>
-            <p:spPr>
-              <a:xfrm>
-                <a:off x="1290852" y="4716879"/>
-                <a:ext cx="3467616" cy="524246"/>
-              </a:xfrm>
-              <a:prstGeom prst="rect">
-                <a:avLst/>
-              </a:prstGeom>
-              <a:noFill/>
-            </p:spPr>
-            <p:txBody>
-              <a:bodyPr wrap="none">
-                <a:spAutoFit/>
-              </a:bodyPr>
-              <a:lstStyle/>
-              <a:p>
-                <a:pPr>
-                  <a:lnSpc>
-                    <a:spcPct val="150000"/>
-                  </a:lnSpc>
-                </a:pPr>
-                <a:r>
-                  <a:rPr lang="ko-KR" altLang="en-US" sz="1000"/>
-                  <a:t>하나의 방에서 두 개 이상의 </a:t>
-                </a:r>
-                <a:r>
-                  <a:rPr lang="ko-KR" altLang="en-US" sz="1000">
-                    <a:solidFill>
-                      <a:srgbClr val="0070C0"/>
-                    </a:solidFill>
-                  </a:rPr>
-                  <a:t>겹치는 세션을</a:t>
-                </a:r>
-                <a:r>
-                  <a:rPr lang="ko-KR" altLang="en-US" sz="1000"/>
-                  <a:t> 가질 수 없다</a:t>
-                </a:r>
-                <a:r>
-                  <a:rPr lang="en-GB" altLang="ko-KR" sz="1000"/>
-                  <a:t>.</a:t>
-                </a:r>
-                <a:endParaRPr lang="en-US" altLang="ko-KR" sz="1000"/>
-              </a:p>
-              <a:p>
-                <a:pPr>
-                  <a:lnSpc>
-                    <a:spcPct val="150000"/>
-                  </a:lnSpc>
-                </a:pPr>
-                <a:r>
-                  <a:rPr lang="en-US" altLang="ko-KR" sz="1000"/>
-                  <a:t>A room cannot have two or more </a:t>
-                </a:r>
-                <a:r>
-                  <a:rPr lang="en-US" altLang="ko-KR" sz="1000">
-                    <a:solidFill>
-                      <a:srgbClr val="0070C0"/>
-                    </a:solidFill>
-                  </a:rPr>
-                  <a:t>overlapping sessions</a:t>
-                </a:r>
-                <a:endParaRPr lang="ko-KR" altLang="en-US" sz="1000">
-                  <a:solidFill>
-                    <a:srgbClr val="0070C0"/>
-                  </a:solidFill>
-                </a:endParaRPr>
-              </a:p>
-            </p:txBody>
-          </p:sp>
-          <p:sp>
-            <p:nvSpPr>
-              <p:cNvPr id="64" name="TextBox 63"/>
-              <p:cNvSpPr txBox="1"/>
-              <p:nvPr/>
-            </p:nvSpPr>
-            <p:spPr>
-              <a:xfrm>
-                <a:off x="433007" y="983444"/>
-                <a:ext cx="800219" cy="702949"/>
-              </a:xfrm>
-              <a:prstGeom prst="rect">
-                <a:avLst/>
-              </a:prstGeom>
-              <a:noFill/>
-            </p:spPr>
-            <p:txBody>
-              <a:bodyPr wrap="none" rtlCol="0">
-                <a:spAutoFit/>
-              </a:bodyPr>
-              <a:lstStyle/>
-              <a:p>
-                <a:pPr algn="ctr">
-                  <a:lnSpc>
-                    <a:spcPct val="150000"/>
-                  </a:lnSpc>
-                </a:pPr>
-                <a:r>
-                  <a:rPr lang="ko-KR" altLang="en-US" sz="1600" b="1"/>
-                  <a:t>헬스장</a:t>
-                </a:r>
-                <a:endParaRPr lang="en-US" altLang="ko-KR" sz="1600" b="1"/>
-              </a:p>
-              <a:p>
-                <a:pPr algn="ctr">
-                  <a:lnSpc>
-                    <a:spcPct val="150000"/>
-                  </a:lnSpc>
-                </a:pPr>
-                <a:r>
-                  <a:rPr lang="en-US" altLang="ko-KR" sz="1200" b="1"/>
-                  <a:t>Gym</a:t>
-                </a:r>
-                <a:endParaRPr lang="ko-KR" altLang="en-US" sz="1200" b="1"/>
-              </a:p>
-            </p:txBody>
-          </p:sp>
-          <p:cxnSp>
-            <p:nvCxnSpPr>
-              <p:cNvPr id="66" name="직선 화살표 연결선 65"/>
-              <p:cNvCxnSpPr>
-                <a:stCxn id="64" idx="2"/>
-                <a:endCxn id="48" idx="0"/>
-              </p:cNvCxnSpPr>
-              <p:nvPr/>
-            </p:nvCxnSpPr>
-            <p:spPr>
-              <a:xfrm>
-                <a:off x="833117" y="1686393"/>
-                <a:ext cx="0" cy="1584007"/>
-              </a:xfrm>
-              <a:prstGeom prst="straightConnector1">
-                <a:avLst/>
-              </a:prstGeom>
-              <a:ln w="19050">
-                <a:solidFill>
-                  <a:schemeClr val="tx1"/>
-                </a:solidFill>
-                <a:tailEnd type="triangle"/>
+              <a:grpFill/>
+              <a:ln>
+                <a:noFill/>
               </a:ln>
             </p:spPr>
             <p:style>
-              <a:lnRef idx="1">
-                <a:schemeClr val="accent1"/>
+              <a:lnRef idx="2">
+                <a:schemeClr val="accent1">
+                  <a:shade val="50000"/>
+                </a:schemeClr>
               </a:lnRef>
-              <a:fillRef idx="0">
+              <a:fillRef idx="1">
                 <a:schemeClr val="accent1"/>
               </a:fillRef>
               <a:effectRef idx="0">
                 <a:schemeClr val="accent1"/>
               </a:effectRef>
               <a:fontRef idx="minor">
-                <a:schemeClr val="tx1"/>
+                <a:schemeClr val="lt1"/>
               </a:fontRef>
             </p:style>
-          </p:cxnSp>
+            <p:txBody>
+              <a:bodyPr rtlCol="0" anchor="ctr"/>
+              <a:lstStyle/>
+              <a:p>
+                <a:pPr algn="ctr"/>
+                <a:endParaRPr lang="ko-KR" altLang="en-US" sz="1600"/>
+              </a:p>
+            </p:txBody>
+          </p:sp>
+        </p:grpSp>
+        <p:grpSp>
+          <p:nvGrpSpPr>
+            <p:cNvPr id="57" name="그룹 56"/>
+            <p:cNvGrpSpPr/>
+            <p:nvPr/>
+          </p:nvGrpSpPr>
+          <p:grpSpPr>
+            <a:xfrm>
+              <a:off x="854848" y="3386639"/>
+              <a:ext cx="184639" cy="360485"/>
+              <a:chOff x="2522472" y="1600227"/>
+              <a:chExt cx="184639" cy="360485"/>
+            </a:xfrm>
+            <a:noFill/>
+          </p:grpSpPr>
           <p:sp>
             <p:nvSpPr>
-              <p:cNvPr id="67" name="직사각형 66"/>
+              <p:cNvPr id="58" name="직사각형 57"/>
               <p:cNvSpPr/>
               <p:nvPr/>
             </p:nvSpPr>
             <p:spPr>
               <a:xfrm>
-                <a:off x="967111" y="2071676"/>
-                <a:ext cx="3816694" cy="524246"/>
+                <a:off x="2522472" y="1767281"/>
+                <a:ext cx="184639" cy="193431"/>
               </a:xfrm>
               <a:prstGeom prst="rect">
                 <a:avLst/>
               </a:prstGeom>
-              <a:noFill/>
-            </p:spPr>
-            <p:txBody>
-              <a:bodyPr wrap="square">
-                <a:spAutoFit/>
-              </a:bodyPr>
-              <a:lstStyle/>
-              <a:p>
-                <a:pPr>
-                  <a:lnSpc>
-                    <a:spcPct val="150000"/>
-                  </a:lnSpc>
-                </a:pPr>
-                <a:r>
-                  <a:rPr lang="ko-KR" altLang="en-US" sz="1000"/>
-                  <a:t>헬스장은 </a:t>
-                </a:r>
-                <a:r>
-                  <a:rPr lang="ko-KR" altLang="en-US" sz="1000">
-                    <a:solidFill>
-                      <a:srgbClr val="C00000"/>
-                    </a:solidFill>
-                  </a:rPr>
-                  <a:t>구독이 허용하는 개수보다</a:t>
-                </a:r>
-                <a:r>
-                  <a:rPr lang="ko-KR" altLang="en-US" sz="1000"/>
-                  <a:t> 더 많은 방을 가질 수 없다</a:t>
-                </a:r>
-                <a:r>
-                  <a:rPr lang="en-US" altLang="ko-KR" sz="1000"/>
-                  <a:t>.</a:t>
-                </a:r>
-              </a:p>
-              <a:p>
-                <a:pPr>
-                  <a:lnSpc>
-                    <a:spcPct val="150000"/>
-                  </a:lnSpc>
-                </a:pPr>
-                <a:r>
-                  <a:rPr lang="en-US" altLang="ko-KR" sz="1000"/>
-                  <a:t>A gym cannot have </a:t>
-                </a:r>
-                <a:r>
-                  <a:rPr lang="en-US" altLang="ko-KR" sz="1000">
-                    <a:solidFill>
-                      <a:srgbClr val="C00000"/>
-                    </a:solidFill>
-                  </a:rPr>
-                  <a:t>more rooms than the subscription allows</a:t>
-                </a:r>
-                <a:endParaRPr lang="ko-KR" altLang="en-US" sz="1000">
-                  <a:solidFill>
-                    <a:srgbClr val="C00000"/>
-                  </a:solidFill>
-                </a:endParaRPr>
-              </a:p>
-            </p:txBody>
-          </p:sp>
-          <p:sp>
-            <p:nvSpPr>
-              <p:cNvPr id="70" name="TextBox 69"/>
-              <p:cNvSpPr txBox="1"/>
-              <p:nvPr/>
-            </p:nvSpPr>
-            <p:spPr>
-              <a:xfrm>
-                <a:off x="6620504" y="983444"/>
-                <a:ext cx="1094082" cy="738664"/>
-              </a:xfrm>
-              <a:prstGeom prst="rect">
-                <a:avLst/>
-              </a:prstGeom>
-              <a:noFill/>
-            </p:spPr>
-            <p:txBody>
-              <a:bodyPr wrap="none" rtlCol="0">
-                <a:spAutoFit/>
-              </a:bodyPr>
-              <a:lstStyle/>
-              <a:p>
-                <a:pPr algn="ctr">
-                  <a:lnSpc>
-                    <a:spcPct val="150000"/>
-                  </a:lnSpc>
-                </a:pPr>
-                <a:r>
-                  <a:rPr lang="ko-KR" altLang="en-US" sz="1600" b="1"/>
-                  <a:t>구독</a:t>
-                </a:r>
-                <a:endParaRPr lang="en-US" altLang="ko-KR" sz="1600" b="1"/>
-              </a:p>
-              <a:p>
-                <a:pPr algn="ctr">
-                  <a:lnSpc>
-                    <a:spcPct val="150000"/>
-                  </a:lnSpc>
-                </a:pPr>
-                <a:r>
-                  <a:rPr lang="en-US" altLang="ko-KR" sz="1200" b="1"/>
-                  <a:t>Subscription</a:t>
-                </a:r>
-                <a:endParaRPr lang="ko-KR" altLang="en-US" sz="1200" b="1"/>
-              </a:p>
-            </p:txBody>
-          </p:sp>
-          <p:cxnSp>
-            <p:nvCxnSpPr>
-              <p:cNvPr id="72" name="직선 화살표 연결선 71"/>
-              <p:cNvCxnSpPr>
-                <a:stCxn id="70" idx="1"/>
-                <a:endCxn id="64" idx="3"/>
-              </p:cNvCxnSpPr>
-              <p:nvPr/>
-            </p:nvCxnSpPr>
-            <p:spPr>
-              <a:xfrm flipH="1" flipV="1">
-                <a:off x="1233226" y="1334919"/>
-                <a:ext cx="5387278" cy="17857"/>
-              </a:xfrm>
-              <a:prstGeom prst="straightConnector1">
-                <a:avLst/>
-              </a:prstGeom>
-              <a:ln w="19050">
-                <a:solidFill>
-                  <a:schemeClr val="tx1"/>
-                </a:solidFill>
-                <a:tailEnd type="triangle"/>
+              <a:grpFill/>
+              <a:ln>
+                <a:noFill/>
               </a:ln>
             </p:spPr>
             <p:style>
-              <a:lnRef idx="1">
-                <a:schemeClr val="accent1"/>
+              <a:lnRef idx="2">
+                <a:schemeClr val="accent1">
+                  <a:shade val="50000"/>
+                </a:schemeClr>
               </a:lnRef>
-              <a:fillRef idx="0">
+              <a:fillRef idx="1">
                 <a:schemeClr val="accent1"/>
               </a:fillRef>
               <a:effectRef idx="0">
                 <a:schemeClr val="accent1"/>
               </a:effectRef>
               <a:fontRef idx="minor">
-                <a:schemeClr val="tx1"/>
+                <a:schemeClr val="lt1"/>
               </a:fontRef>
             </p:style>
-          </p:cxnSp>
-          <p:sp>
-            <p:nvSpPr>
-              <p:cNvPr id="78" name="TextBox 77"/>
-              <p:cNvSpPr txBox="1"/>
-              <p:nvPr/>
-            </p:nvSpPr>
-            <p:spPr>
-              <a:xfrm>
-                <a:off x="7792397" y="1001551"/>
-                <a:ext cx="742511" cy="861774"/>
-              </a:xfrm>
-              <a:prstGeom prst="rect">
-                <a:avLst/>
-              </a:prstGeom>
-              <a:noFill/>
-            </p:spPr>
             <p:txBody>
-              <a:bodyPr wrap="none" rtlCol="0">
-                <a:spAutoFit/>
-              </a:bodyPr>
+              <a:bodyPr rtlCol="0" anchor="ctr"/>
               <a:lstStyle/>
               <a:p>
-                <a:pPr>
-                  <a:lnSpc>
-                    <a:spcPct val="150000"/>
-                  </a:lnSpc>
-                </a:pPr>
-                <a:r>
-                  <a:rPr lang="ko-KR" altLang="en-US" sz="1000"/>
-                  <a:t>구독 등급</a:t>
-                </a:r>
-                <a:endParaRPr lang="en-US" altLang="ko-KR" sz="1000"/>
-              </a:p>
-              <a:p>
-                <a:pPr marL="171450" indent="-171450">
-                  <a:lnSpc>
-                    <a:spcPct val="150000"/>
-                  </a:lnSpc>
-                  <a:buFontTx/>
-                  <a:buChar char="-"/>
-                </a:pPr>
-                <a:r>
-                  <a:rPr lang="en-US" altLang="ko-KR" sz="1000"/>
-                  <a:t>Free</a:t>
-                </a:r>
-              </a:p>
-              <a:p>
-                <a:pPr marL="171450" indent="-171450">
-                  <a:buFontTx/>
-                  <a:buChar char="-"/>
-                </a:pPr>
-                <a:r>
-                  <a:rPr lang="en-US" altLang="ko-KR" sz="1000"/>
-                  <a:t>Starter</a:t>
-                </a:r>
-              </a:p>
-              <a:p>
-                <a:pPr marL="171450" indent="-171450">
-                  <a:buFontTx/>
-                  <a:buChar char="-"/>
-                </a:pPr>
-                <a:r>
-                  <a:rPr lang="en-US" altLang="ko-KR" sz="1000"/>
-                  <a:t>Pro</a:t>
-                </a:r>
-                <a:endParaRPr lang="ko-KR" altLang="en-US" sz="1000"/>
+                <a:pPr algn="ctr"/>
+                <a:endParaRPr lang="ko-KR" altLang="en-US" sz="1600"/>
               </a:p>
             </p:txBody>
           </p:sp>
           <p:sp>
             <p:nvSpPr>
-              <p:cNvPr id="7" name="TextBox 6"/>
-              <p:cNvSpPr txBox="1"/>
+              <p:cNvPr id="59" name="직사각형 58"/>
+              <p:cNvSpPr/>
               <p:nvPr/>
             </p:nvSpPr>
             <p:spPr>
               <a:xfrm>
-                <a:off x="10383004" y="327928"/>
-                <a:ext cx="732893" cy="577081"/>
+                <a:off x="2522472" y="1600227"/>
+                <a:ext cx="184639" cy="193431"/>
               </a:xfrm>
               <a:prstGeom prst="rect">
                 <a:avLst/>
               </a:prstGeom>
-              <a:noFill/>
-            </p:spPr>
-            <p:txBody>
-              <a:bodyPr wrap="none" rtlCol="0">
-                <a:spAutoFit/>
-              </a:bodyPr>
-              <a:lstStyle/>
-              <a:p>
-                <a:pPr algn="ctr">
-                  <a:lnSpc>
-                    <a:spcPct val="150000"/>
-                  </a:lnSpc>
-                </a:pPr>
-                <a:r>
-                  <a:rPr lang="ko-KR" altLang="en-US" sz="1100" b="1">
-                    <a:solidFill>
-                      <a:schemeClr val="bg1">
-                        <a:lumMod val="50000"/>
-                      </a:schemeClr>
-                    </a:solidFill>
-                  </a:rPr>
-                  <a:t>스케줄</a:t>
-                </a:r>
-                <a:endParaRPr lang="en-US" altLang="ko-KR" sz="1100" b="1">
-                  <a:solidFill>
-                    <a:schemeClr val="bg1">
-                      <a:lumMod val="50000"/>
-                    </a:schemeClr>
-                  </a:solidFill>
-                </a:endParaRPr>
-              </a:p>
-              <a:p>
-                <a:pPr algn="ctr">
-                  <a:lnSpc>
-                    <a:spcPct val="150000"/>
-                  </a:lnSpc>
-                </a:pPr>
-                <a:r>
-                  <a:rPr lang="en-US" altLang="ko-KR" sz="1000" b="1">
-                    <a:solidFill>
-                      <a:schemeClr val="bg1">
-                        <a:lumMod val="50000"/>
-                      </a:schemeClr>
-                    </a:solidFill>
-                  </a:rPr>
-                  <a:t>Schedule</a:t>
-                </a:r>
-              </a:p>
-            </p:txBody>
-          </p:sp>
-          <p:sp>
-            <p:nvSpPr>
-              <p:cNvPr id="47" name="TextBox 46"/>
-              <p:cNvSpPr txBox="1"/>
-              <p:nvPr/>
-            </p:nvSpPr>
-            <p:spPr>
-              <a:xfrm>
-                <a:off x="11141839" y="327928"/>
-                <a:ext cx="865943" cy="577081"/>
-              </a:xfrm>
-              <a:prstGeom prst="rect">
-                <a:avLst/>
-              </a:prstGeom>
-              <a:noFill/>
-            </p:spPr>
-            <p:txBody>
-              <a:bodyPr wrap="none" rtlCol="0">
-                <a:spAutoFit/>
-              </a:bodyPr>
-              <a:lstStyle/>
-              <a:p>
-                <a:pPr algn="ctr">
-                  <a:lnSpc>
-                    <a:spcPct val="150000"/>
-                  </a:lnSpc>
-                </a:pPr>
-                <a:r>
-                  <a:rPr lang="ko-KR" altLang="en-US" sz="1100" b="1">
-                    <a:solidFill>
-                      <a:schemeClr val="bg1">
-                        <a:lumMod val="50000"/>
-                      </a:schemeClr>
-                    </a:solidFill>
-                  </a:rPr>
-                  <a:t>강의 시간</a:t>
-                </a:r>
-                <a:endParaRPr lang="en-US" altLang="ko-KR" sz="1100" b="1">
-                  <a:solidFill>
-                    <a:schemeClr val="bg1">
-                      <a:lumMod val="50000"/>
-                    </a:schemeClr>
-                  </a:solidFill>
-                </a:endParaRPr>
-              </a:p>
-              <a:p>
-                <a:pPr algn="ctr">
-                  <a:lnSpc>
-                    <a:spcPct val="150000"/>
-                  </a:lnSpc>
-                </a:pPr>
-                <a:r>
-                  <a:rPr lang="en-US" altLang="ko-KR" sz="1000" b="1">
-                    <a:solidFill>
-                      <a:schemeClr val="bg1">
-                        <a:lumMod val="50000"/>
-                      </a:schemeClr>
-                    </a:solidFill>
-                  </a:rPr>
-                  <a:t>TimeRange</a:t>
-                </a:r>
-              </a:p>
-            </p:txBody>
-          </p:sp>
-          <p:cxnSp>
-            <p:nvCxnSpPr>
-              <p:cNvPr id="15" name="직선 화살표 연결선 14"/>
-              <p:cNvCxnSpPr/>
-              <p:nvPr/>
-            </p:nvCxnSpPr>
-            <p:spPr>
-              <a:xfrm flipH="1" flipV="1">
-                <a:off x="600075" y="1638300"/>
-                <a:ext cx="9525" cy="2174895"/>
-              </a:xfrm>
-              <a:prstGeom prst="straightConnector1">
-                <a:avLst/>
-              </a:prstGeom>
+              <a:grpFill/>
               <a:ln>
-                <a:prstDash val="dash"/>
-                <a:tailEnd type="triangle"/>
+                <a:noFill/>
               </a:ln>
             </p:spPr>
             <p:style>
-              <a:lnRef idx="1">
-                <a:schemeClr val="accent1"/>
+              <a:lnRef idx="2">
+                <a:schemeClr val="accent1">
+                  <a:shade val="50000"/>
+                </a:schemeClr>
               </a:lnRef>
-              <a:fillRef idx="0">
+              <a:fillRef idx="1">
                 <a:schemeClr val="accent1"/>
               </a:fillRef>
               <a:effectRef idx="0">
                 <a:schemeClr val="accent1"/>
               </a:effectRef>
               <a:fontRef idx="minor">
-                <a:schemeClr val="tx1"/>
+                <a:schemeClr val="lt1"/>
               </a:fontRef>
             </p:style>
-          </p:cxnSp>
-          <p:sp>
-            <p:nvSpPr>
-              <p:cNvPr id="73" name="직사각형 72"/>
-              <p:cNvSpPr/>
-              <p:nvPr/>
-            </p:nvSpPr>
-            <p:spPr>
-              <a:xfrm>
-                <a:off x="1792983" y="715588"/>
-                <a:ext cx="4267764" cy="524246"/>
-              </a:xfrm>
-              <a:prstGeom prst="rect">
-                <a:avLst/>
-              </a:prstGeom>
-              <a:noFill/>
-            </p:spPr>
             <p:txBody>
-              <a:bodyPr wrap="square">
-                <a:spAutoFit/>
-              </a:bodyPr>
+              <a:bodyPr rtlCol="0" anchor="ctr"/>
               <a:lstStyle/>
               <a:p>
-                <a:pPr>
-                  <a:lnSpc>
-                    <a:spcPct val="150000"/>
-                  </a:lnSpc>
-                </a:pPr>
-                <a:r>
-                  <a:rPr lang="ko-KR" altLang="en-US" sz="1000"/>
-                  <a:t>구독은 </a:t>
-                </a:r>
-                <a:r>
-                  <a:rPr lang="ko-KR" altLang="en-US" sz="1000">
-                    <a:solidFill>
-                      <a:srgbClr val="C00000"/>
-                    </a:solidFill>
-                  </a:rPr>
-                  <a:t>구독이 허용된 개수보다</a:t>
-                </a:r>
-                <a:r>
-                  <a:rPr lang="ko-KR" altLang="en-US" sz="1000"/>
-                  <a:t> 더 많은 헬스장을 가질 수 없다</a:t>
-                </a:r>
-                <a:r>
-                  <a:rPr lang="en-US" altLang="ko-KR" sz="1000"/>
-                  <a:t>.</a:t>
-                </a:r>
+                <a:pPr algn="ctr"/>
+                <a:endParaRPr lang="ko-KR" altLang="en-US" sz="1600"/>
               </a:p>
-              <a:p>
-                <a:pPr>
-                  <a:lnSpc>
-                    <a:spcPct val="150000"/>
-                  </a:lnSpc>
-                </a:pPr>
-                <a:r>
-                  <a:rPr lang="en-US" altLang="ko-KR" sz="1000"/>
-                  <a:t>A subscription cannot have </a:t>
-                </a:r>
-                <a:r>
-                  <a:rPr lang="en-US" altLang="ko-KR" sz="1000">
-                    <a:solidFill>
-                      <a:srgbClr val="C00000"/>
-                    </a:solidFill>
-                  </a:rPr>
-                  <a:t>more gyms than the subscription allows</a:t>
-                </a:r>
-                <a:endParaRPr lang="ko-KR" altLang="en-US" sz="1000">
+            </p:txBody>
+          </p:sp>
+        </p:grpSp>
+        <p:sp>
+          <p:nvSpPr>
+            <p:cNvPr id="62" name="직사각형 61"/>
+            <p:cNvSpPr/>
+            <p:nvPr/>
+          </p:nvSpPr>
+          <p:spPr>
+            <a:xfrm>
+              <a:off x="1005683" y="3912634"/>
+              <a:ext cx="4385801" cy="524246"/>
+            </a:xfrm>
+            <a:prstGeom prst="rect">
+              <a:avLst/>
+            </a:prstGeom>
+            <a:noFill/>
+          </p:spPr>
+          <p:txBody>
+            <a:bodyPr wrap="square">
+              <a:spAutoFit/>
+            </a:bodyPr>
+            <a:lstStyle/>
+            <a:p>
+              <a:pPr>
+                <a:lnSpc>
+                  <a:spcPct val="150000"/>
+                </a:lnSpc>
+              </a:pPr>
+              <a:r>
+                <a:rPr lang="ko-KR" altLang="en-US" sz="1000"/>
+                <a:t>방은 </a:t>
+              </a:r>
+              <a:r>
+                <a:rPr lang="ko-KR" altLang="en-US" sz="1000">
                   <a:solidFill>
                     <a:srgbClr val="C00000"/>
                   </a:solidFill>
-                </a:endParaRPr>
-              </a:p>
-            </p:txBody>
-          </p:sp>
-          <p:sp>
-            <p:nvSpPr>
-              <p:cNvPr id="17" name="직사각형 16"/>
-              <p:cNvSpPr/>
-              <p:nvPr/>
-            </p:nvSpPr>
-            <p:spPr>
-              <a:xfrm>
-                <a:off x="3542786" y="1224503"/>
-                <a:ext cx="768159" cy="261610"/>
-              </a:xfrm>
-              <a:prstGeom prst="rect">
-                <a:avLst/>
-              </a:prstGeom>
-              <a:solidFill>
-                <a:schemeClr val="bg1"/>
-              </a:solidFill>
-            </p:spPr>
-            <p:txBody>
-              <a:bodyPr wrap="none">
-                <a:spAutoFit/>
-              </a:bodyPr>
-              <a:lstStyle/>
-              <a:p>
-                <a:r>
-                  <a:rPr lang="en-US" altLang="ko-KR" sz="1050" b="1"/>
-                  <a:t>AddGym</a:t>
-                </a:r>
-                <a:endParaRPr lang="ko-KR" altLang="en-US" sz="1050" b="1"/>
-              </a:p>
-            </p:txBody>
-          </p:sp>
-          <p:sp>
-            <p:nvSpPr>
-              <p:cNvPr id="56" name="직사각형 55"/>
-              <p:cNvSpPr/>
-              <p:nvPr/>
-            </p:nvSpPr>
-            <p:spPr>
-              <a:xfrm rot="16200000">
-                <a:off x="436020" y="2206841"/>
-                <a:ext cx="829073" cy="253916"/>
-              </a:xfrm>
-              <a:prstGeom prst="rect">
-                <a:avLst/>
-              </a:prstGeom>
-              <a:solidFill>
-                <a:schemeClr val="bg1"/>
-              </a:solidFill>
-            </p:spPr>
-            <p:txBody>
-              <a:bodyPr wrap="none">
-                <a:spAutoFit/>
-              </a:bodyPr>
-              <a:lstStyle/>
-              <a:p>
-                <a:r>
-                  <a:rPr lang="en-US" altLang="ko-KR" sz="1050" b="1"/>
-                  <a:t>AddRoom</a:t>
-                </a:r>
-                <a:endParaRPr lang="ko-KR" altLang="en-US" sz="1050" b="1"/>
-              </a:p>
-            </p:txBody>
-          </p:sp>
-          <p:sp>
-            <p:nvSpPr>
-              <p:cNvPr id="60" name="직사각형 59"/>
-              <p:cNvSpPr/>
-              <p:nvPr/>
-            </p:nvSpPr>
-            <p:spPr>
-              <a:xfrm>
-                <a:off x="2260472" y="3623448"/>
-                <a:ext cx="1237839" cy="253916"/>
-              </a:xfrm>
-              <a:prstGeom prst="rect">
-                <a:avLst/>
-              </a:prstGeom>
-              <a:solidFill>
-                <a:schemeClr val="bg1"/>
-              </a:solidFill>
-            </p:spPr>
-            <p:txBody>
-              <a:bodyPr wrap="none">
-                <a:spAutoFit/>
-              </a:bodyPr>
-              <a:lstStyle/>
-              <a:p>
-                <a:r>
-                  <a:rPr lang="en-US" altLang="ko-KR" sz="1050" b="1"/>
-                  <a:t>ScheduleSession</a:t>
-                </a:r>
-                <a:endParaRPr lang="ko-KR" altLang="en-US" sz="1050" b="1"/>
-              </a:p>
-            </p:txBody>
-          </p:sp>
-          <p:sp>
-            <p:nvSpPr>
-              <p:cNvPr id="44" name="직사각형 43"/>
-              <p:cNvSpPr/>
-              <p:nvPr/>
-            </p:nvSpPr>
-            <p:spPr>
-              <a:xfrm>
-                <a:off x="5897325" y="4807950"/>
-                <a:ext cx="4021015" cy="524246"/>
-              </a:xfrm>
-              <a:prstGeom prst="rect">
-                <a:avLst/>
-              </a:prstGeom>
-              <a:noFill/>
-            </p:spPr>
-            <p:txBody>
-              <a:bodyPr wrap="square">
-                <a:spAutoFit/>
-              </a:bodyPr>
-              <a:lstStyle/>
-              <a:p>
-                <a:pPr>
-                  <a:lnSpc>
-                    <a:spcPct val="150000"/>
-                  </a:lnSpc>
-                </a:pPr>
-                <a:r>
-                  <a:rPr lang="ko-KR" altLang="en-US" sz="1000"/>
-                  <a:t>트레이너는 두 개 이상의 </a:t>
-                </a:r>
-                <a:r>
-                  <a:rPr lang="ko-KR" altLang="en-US" sz="1000">
-                    <a:solidFill>
-                      <a:srgbClr val="0070C0"/>
-                    </a:solidFill>
-                  </a:rPr>
-                  <a:t>겹치는 세션을</a:t>
-                </a:r>
-                <a:r>
-                  <a:rPr lang="ko-KR" altLang="en-US" sz="1000"/>
-                  <a:t> 가르칠 수 없다</a:t>
-                </a:r>
-                <a:r>
-                  <a:rPr lang="en-US" altLang="ko-KR" sz="1000"/>
-                  <a:t>.</a:t>
-                </a:r>
-              </a:p>
-              <a:p>
-                <a:pPr>
-                  <a:lnSpc>
-                    <a:spcPct val="150000"/>
-                  </a:lnSpc>
-                </a:pPr>
-                <a:r>
-                  <a:rPr lang="en-US" altLang="ko-KR" sz="1000"/>
-                  <a:t>A trainer cannot teach two or more </a:t>
-                </a:r>
-                <a:r>
-                  <a:rPr lang="en-US" altLang="ko-KR" sz="1000">
-                    <a:solidFill>
-                      <a:srgbClr val="0070C0"/>
-                    </a:solidFill>
-                  </a:rPr>
-                  <a:t>overlapping sessions</a:t>
-                </a:r>
-                <a:endParaRPr lang="ko-KR" altLang="en-US" sz="1000">
+                </a:rPr>
+                <a:t>구독</a:t>
+              </a:r>
+              <a:r>
+                <a:rPr lang="en-GB" altLang="ko-KR" sz="1000">
+                  <a:solidFill>
+                    <a:srgbClr val="C00000"/>
+                  </a:solidFill>
+                </a:rPr>
+                <a:t>(</a:t>
+              </a:r>
+              <a:r>
+                <a:rPr lang="ko-KR" altLang="en-US" sz="1000">
+                  <a:solidFill>
+                    <a:srgbClr val="C00000"/>
+                  </a:solidFill>
+                </a:rPr>
+                <a:t>구독 등급</a:t>
+              </a:r>
+              <a:r>
+                <a:rPr lang="en-GB" altLang="ko-KR" sz="1000">
+                  <a:solidFill>
+                    <a:srgbClr val="C00000"/>
+                  </a:solidFill>
+                </a:rPr>
+                <a:t>)</a:t>
+              </a:r>
+              <a:r>
+                <a:rPr lang="ko-KR" altLang="en-US" sz="1000">
+                  <a:solidFill>
+                    <a:srgbClr val="C00000"/>
+                  </a:solidFill>
+                </a:rPr>
+                <a:t>이 허용하는 개수보다</a:t>
+              </a:r>
+              <a:r>
+                <a:rPr lang="ko-KR" altLang="en-US" sz="1000"/>
+                <a:t> 더 많은 세션을 가질 수 없다</a:t>
+              </a:r>
+              <a:r>
+                <a:rPr lang="en-US" altLang="ko-KR" sz="1000"/>
+                <a:t>.</a:t>
+              </a:r>
+            </a:p>
+            <a:p>
+              <a:pPr>
+                <a:lnSpc>
+                  <a:spcPct val="150000"/>
+                </a:lnSpc>
+              </a:pPr>
+              <a:r>
+                <a:rPr lang="en-US" altLang="ko-KR" sz="1000"/>
+                <a:t>A room cannot have </a:t>
+              </a:r>
+              <a:r>
+                <a:rPr lang="en-US" altLang="ko-KR" sz="1000">
+                  <a:solidFill>
+                    <a:srgbClr val="C00000"/>
+                  </a:solidFill>
+                </a:rPr>
+                <a:t>more sessions than the subscription allows</a:t>
+              </a:r>
+              <a:endParaRPr lang="ko-KR" altLang="en-US" sz="1000">
+                <a:solidFill>
+                  <a:srgbClr val="C00000"/>
+                </a:solidFill>
+              </a:endParaRPr>
+            </a:p>
+          </p:txBody>
+        </p:sp>
+        <p:sp>
+          <p:nvSpPr>
+            <p:cNvPr id="63" name="직사각형 62"/>
+            <p:cNvSpPr/>
+            <p:nvPr/>
+          </p:nvSpPr>
+          <p:spPr>
+            <a:xfrm>
+              <a:off x="1005684" y="4597862"/>
+              <a:ext cx="3467616" cy="524246"/>
+            </a:xfrm>
+            <a:prstGeom prst="rect">
+              <a:avLst/>
+            </a:prstGeom>
+            <a:noFill/>
+          </p:spPr>
+          <p:txBody>
+            <a:bodyPr wrap="none">
+              <a:spAutoFit/>
+            </a:bodyPr>
+            <a:lstStyle/>
+            <a:p>
+              <a:pPr>
+                <a:lnSpc>
+                  <a:spcPct val="150000"/>
+                </a:lnSpc>
+              </a:pPr>
+              <a:r>
+                <a:rPr lang="ko-KR" altLang="en-US" sz="1000"/>
+                <a:t>방은 두 개 이상의 </a:t>
+              </a:r>
+              <a:r>
+                <a:rPr lang="ko-KR" altLang="en-US" sz="1000">
                   <a:solidFill>
                     <a:srgbClr val="0070C0"/>
                   </a:solidFill>
-                </a:endParaRPr>
-              </a:p>
-            </p:txBody>
-          </p:sp>
-          <p:sp>
-            <p:nvSpPr>
-              <p:cNvPr id="49" name="TextBox 48"/>
-              <p:cNvSpPr txBox="1"/>
-              <p:nvPr/>
-            </p:nvSpPr>
-            <p:spPr>
-              <a:xfrm>
-                <a:off x="9710730" y="327928"/>
-                <a:ext cx="646331" cy="611706"/>
-              </a:xfrm>
-              <a:prstGeom prst="rect">
-                <a:avLst/>
-              </a:prstGeom>
-              <a:noFill/>
-            </p:spPr>
-            <p:txBody>
-              <a:bodyPr wrap="none" rtlCol="0">
-                <a:spAutoFit/>
-              </a:bodyPr>
-              <a:lstStyle/>
-              <a:p>
-                <a:pPr algn="ctr">
-                  <a:lnSpc>
-                    <a:spcPct val="150000"/>
-                  </a:lnSpc>
-                </a:pPr>
-                <a:r>
-                  <a:rPr lang="ko-KR" altLang="en-US" sz="1200" b="1">
-                    <a:solidFill>
-                      <a:schemeClr val="bg1">
-                        <a:lumMod val="50000"/>
-                      </a:schemeClr>
-                    </a:solidFill>
-                  </a:rPr>
-                  <a:t>관리자</a:t>
-                </a:r>
-                <a:endParaRPr lang="en-US" altLang="ko-KR" sz="1200" b="1">
+                </a:rPr>
+                <a:t>겹치는 세션을</a:t>
+              </a:r>
+              <a:r>
+                <a:rPr lang="ko-KR" altLang="en-US" sz="1000"/>
+                <a:t> 가질 수 없다</a:t>
+              </a:r>
+              <a:r>
+                <a:rPr lang="en-GB" altLang="ko-KR" sz="1000"/>
+                <a:t>.</a:t>
+              </a:r>
+              <a:endParaRPr lang="en-US" altLang="ko-KR" sz="1000"/>
+            </a:p>
+            <a:p>
+              <a:pPr>
+                <a:lnSpc>
+                  <a:spcPct val="150000"/>
+                </a:lnSpc>
+              </a:pPr>
+              <a:r>
+                <a:rPr lang="en-US" altLang="ko-KR" sz="1000"/>
+                <a:t>A room cannot have two or more </a:t>
+              </a:r>
+              <a:r>
+                <a:rPr lang="en-US" altLang="ko-KR" sz="1000">
+                  <a:solidFill>
+                    <a:srgbClr val="0070C0"/>
+                  </a:solidFill>
+                </a:rPr>
+                <a:t>overlapping sessions</a:t>
+              </a:r>
+              <a:endParaRPr lang="ko-KR" altLang="en-US" sz="1000">
+                <a:solidFill>
+                  <a:srgbClr val="0070C0"/>
+                </a:solidFill>
+              </a:endParaRPr>
+            </a:p>
+          </p:txBody>
+        </p:sp>
+        <p:sp>
+          <p:nvSpPr>
+            <p:cNvPr id="64" name="TextBox 63"/>
+            <p:cNvSpPr txBox="1"/>
+            <p:nvPr/>
+          </p:nvSpPr>
+          <p:spPr>
+            <a:xfrm>
+              <a:off x="308613" y="864427"/>
+              <a:ext cx="800219" cy="702949"/>
+            </a:xfrm>
+            <a:prstGeom prst="rect">
+              <a:avLst/>
+            </a:prstGeom>
+            <a:noFill/>
+          </p:spPr>
+          <p:txBody>
+            <a:bodyPr wrap="none" rtlCol="0">
+              <a:spAutoFit/>
+            </a:bodyPr>
+            <a:lstStyle/>
+            <a:p>
+              <a:pPr algn="ctr">
+                <a:lnSpc>
+                  <a:spcPct val="150000"/>
+                </a:lnSpc>
+              </a:pPr>
+              <a:r>
+                <a:rPr lang="ko-KR" altLang="en-US" sz="1600" b="1"/>
+                <a:t>헬스장</a:t>
+              </a:r>
+              <a:endParaRPr lang="en-US" altLang="ko-KR" sz="1600" b="1"/>
+            </a:p>
+            <a:p>
+              <a:pPr algn="ctr">
+                <a:lnSpc>
+                  <a:spcPct val="150000"/>
+                </a:lnSpc>
+              </a:pPr>
+              <a:r>
+                <a:rPr lang="en-US" altLang="ko-KR" sz="1200" b="1"/>
+                <a:t>Gym</a:t>
+              </a:r>
+              <a:endParaRPr lang="ko-KR" altLang="en-US" sz="1200" b="1"/>
+            </a:p>
+          </p:txBody>
+        </p:sp>
+        <p:cxnSp>
+          <p:nvCxnSpPr>
+            <p:cNvPr id="66" name="직선 화살표 연결선 65"/>
+            <p:cNvCxnSpPr>
+              <a:stCxn id="64" idx="2"/>
+              <a:endCxn id="48" idx="0"/>
+            </p:cNvCxnSpPr>
+            <p:nvPr/>
+          </p:nvCxnSpPr>
+          <p:spPr>
+            <a:xfrm>
+              <a:off x="708723" y="1567376"/>
+              <a:ext cx="0" cy="1584007"/>
+            </a:xfrm>
+            <a:prstGeom prst="straightConnector1">
+              <a:avLst/>
+            </a:prstGeom>
+            <a:ln w="19050">
+              <a:solidFill>
+                <a:schemeClr val="tx1"/>
+              </a:solidFill>
+              <a:tailEnd type="triangle"/>
+            </a:ln>
+          </p:spPr>
+          <p:style>
+            <a:lnRef idx="1">
+              <a:schemeClr val="accent1"/>
+            </a:lnRef>
+            <a:fillRef idx="0">
+              <a:schemeClr val="accent1"/>
+            </a:fillRef>
+            <a:effectRef idx="0">
+              <a:schemeClr val="accent1"/>
+            </a:effectRef>
+            <a:fontRef idx="minor">
+              <a:schemeClr val="tx1"/>
+            </a:fontRef>
+          </p:style>
+        </p:cxnSp>
+        <p:sp>
+          <p:nvSpPr>
+            <p:cNvPr id="67" name="직사각형 66"/>
+            <p:cNvSpPr/>
+            <p:nvPr/>
+          </p:nvSpPr>
+          <p:spPr>
+            <a:xfrm>
+              <a:off x="734633" y="1907493"/>
+              <a:ext cx="4648705" cy="524246"/>
+            </a:xfrm>
+            <a:prstGeom prst="rect">
+              <a:avLst/>
+            </a:prstGeom>
+            <a:noFill/>
+          </p:spPr>
+          <p:txBody>
+            <a:bodyPr wrap="square">
+              <a:spAutoFit/>
+            </a:bodyPr>
+            <a:lstStyle/>
+            <a:p>
+              <a:pPr>
+                <a:lnSpc>
+                  <a:spcPct val="150000"/>
+                </a:lnSpc>
+              </a:pPr>
+              <a:r>
+                <a:rPr lang="ko-KR" altLang="en-US" sz="1000"/>
+                <a:t>헬스장은 </a:t>
+              </a:r>
+              <a:r>
+                <a:rPr lang="ko-KR" altLang="en-US" sz="1000">
+                  <a:solidFill>
+                    <a:srgbClr val="C00000"/>
+                  </a:solidFill>
+                </a:rPr>
+                <a:t>구독</a:t>
+              </a:r>
+              <a:r>
+                <a:rPr lang="en-GB" altLang="ko-KR" sz="1000">
+                  <a:solidFill>
+                    <a:srgbClr val="C00000"/>
+                  </a:solidFill>
+                </a:rPr>
+                <a:t>(</a:t>
+              </a:r>
+              <a:r>
+                <a:rPr lang="ko-KR" altLang="en-US" sz="1000">
+                  <a:solidFill>
+                    <a:srgbClr val="C00000"/>
+                  </a:solidFill>
+                </a:rPr>
+                <a:t>구독 등급</a:t>
+              </a:r>
+              <a:r>
+                <a:rPr lang="en-GB" altLang="ko-KR" sz="1000">
+                  <a:solidFill>
+                    <a:srgbClr val="C00000"/>
+                  </a:solidFill>
+                </a:rPr>
+                <a:t>)</a:t>
+              </a:r>
+              <a:r>
+                <a:rPr lang="ko-KR" altLang="en-US" sz="1000">
+                  <a:solidFill>
+                    <a:srgbClr val="C00000"/>
+                  </a:solidFill>
+                </a:rPr>
+                <a:t>이 허용하는 개수보다</a:t>
+              </a:r>
+              <a:r>
+                <a:rPr lang="ko-KR" altLang="en-US" sz="1000"/>
+                <a:t> 더 많은 방을 가질 수 없다</a:t>
+              </a:r>
+              <a:r>
+                <a:rPr lang="en-US" altLang="ko-KR" sz="1000"/>
+                <a:t>.</a:t>
+              </a:r>
+            </a:p>
+            <a:p>
+              <a:pPr>
+                <a:lnSpc>
+                  <a:spcPct val="150000"/>
+                </a:lnSpc>
+              </a:pPr>
+              <a:r>
+                <a:rPr lang="en-US" altLang="ko-KR" sz="1000"/>
+                <a:t>A gym cannot have </a:t>
+              </a:r>
+              <a:r>
+                <a:rPr lang="en-US" altLang="ko-KR" sz="1000">
+                  <a:solidFill>
+                    <a:srgbClr val="C00000"/>
+                  </a:solidFill>
+                </a:rPr>
+                <a:t>more rooms than the subscription allows</a:t>
+              </a:r>
+              <a:endParaRPr lang="ko-KR" altLang="en-US" sz="1000">
+                <a:solidFill>
+                  <a:srgbClr val="C00000"/>
+                </a:solidFill>
+              </a:endParaRPr>
+            </a:p>
+          </p:txBody>
+        </p:sp>
+        <p:sp>
+          <p:nvSpPr>
+            <p:cNvPr id="70" name="TextBox 69"/>
+            <p:cNvSpPr txBox="1"/>
+            <p:nvPr/>
+          </p:nvSpPr>
+          <p:spPr>
+            <a:xfrm>
+              <a:off x="6496110" y="864427"/>
+              <a:ext cx="1094082" cy="738664"/>
+            </a:xfrm>
+            <a:prstGeom prst="rect">
+              <a:avLst/>
+            </a:prstGeom>
+            <a:noFill/>
+          </p:spPr>
+          <p:txBody>
+            <a:bodyPr wrap="none" rtlCol="0">
+              <a:spAutoFit/>
+            </a:bodyPr>
+            <a:lstStyle/>
+            <a:p>
+              <a:pPr algn="ctr">
+                <a:lnSpc>
+                  <a:spcPct val="150000"/>
+                </a:lnSpc>
+              </a:pPr>
+              <a:r>
+                <a:rPr lang="ko-KR" altLang="en-US" sz="1600" b="1"/>
+                <a:t>구독</a:t>
+              </a:r>
+              <a:endParaRPr lang="en-US" altLang="ko-KR" sz="1600" b="1"/>
+            </a:p>
+            <a:p>
+              <a:pPr algn="ctr">
+                <a:lnSpc>
+                  <a:spcPct val="150000"/>
+                </a:lnSpc>
+              </a:pPr>
+              <a:r>
+                <a:rPr lang="en-US" altLang="ko-KR" sz="1200" b="1"/>
+                <a:t>Subscription</a:t>
+              </a:r>
+              <a:endParaRPr lang="ko-KR" altLang="en-US" sz="1200" b="1"/>
+            </a:p>
+          </p:txBody>
+        </p:sp>
+        <p:cxnSp>
+          <p:nvCxnSpPr>
+            <p:cNvPr id="72" name="직선 화살표 연결선 71"/>
+            <p:cNvCxnSpPr>
+              <a:stCxn id="70" idx="1"/>
+              <a:endCxn id="64" idx="3"/>
+            </p:cNvCxnSpPr>
+            <p:nvPr/>
+          </p:nvCxnSpPr>
+          <p:spPr>
+            <a:xfrm flipH="1" flipV="1">
+              <a:off x="1108832" y="1215902"/>
+              <a:ext cx="5387278" cy="17857"/>
+            </a:xfrm>
+            <a:prstGeom prst="straightConnector1">
+              <a:avLst/>
+            </a:prstGeom>
+            <a:ln w="19050">
+              <a:solidFill>
+                <a:schemeClr val="tx1"/>
+              </a:solidFill>
+              <a:tailEnd type="triangle"/>
+            </a:ln>
+          </p:spPr>
+          <p:style>
+            <a:lnRef idx="1">
+              <a:schemeClr val="accent1"/>
+            </a:lnRef>
+            <a:fillRef idx="0">
+              <a:schemeClr val="accent1"/>
+            </a:fillRef>
+            <a:effectRef idx="0">
+              <a:schemeClr val="accent1"/>
+            </a:effectRef>
+            <a:fontRef idx="minor">
+              <a:schemeClr val="tx1"/>
+            </a:fontRef>
+          </p:style>
+        </p:cxnSp>
+        <p:sp>
+          <p:nvSpPr>
+            <p:cNvPr id="78" name="TextBox 77"/>
+            <p:cNvSpPr txBox="1"/>
+            <p:nvPr/>
+          </p:nvSpPr>
+          <p:spPr>
+            <a:xfrm>
+              <a:off x="7617976" y="741317"/>
+              <a:ext cx="742511" cy="861774"/>
+            </a:xfrm>
+            <a:prstGeom prst="rect">
+              <a:avLst/>
+            </a:prstGeom>
+            <a:noFill/>
+          </p:spPr>
+          <p:txBody>
+            <a:bodyPr wrap="none" rtlCol="0">
+              <a:spAutoFit/>
+            </a:bodyPr>
+            <a:lstStyle/>
+            <a:p>
+              <a:pPr>
+                <a:lnSpc>
+                  <a:spcPct val="150000"/>
+                </a:lnSpc>
+              </a:pPr>
+              <a:r>
+                <a:rPr lang="ko-KR" altLang="en-US" sz="1000"/>
+                <a:t>구독 등급</a:t>
+              </a:r>
+              <a:endParaRPr lang="en-US" altLang="ko-KR" sz="1000"/>
+            </a:p>
+            <a:p>
+              <a:pPr marL="171450" indent="-171450">
+                <a:lnSpc>
+                  <a:spcPct val="150000"/>
+                </a:lnSpc>
+                <a:buFontTx/>
+                <a:buChar char="-"/>
+              </a:pPr>
+              <a:r>
+                <a:rPr lang="en-US" altLang="ko-KR" sz="1000"/>
+                <a:t>Free</a:t>
+              </a:r>
+            </a:p>
+            <a:p>
+              <a:pPr marL="171450" indent="-171450">
+                <a:buFontTx/>
+                <a:buChar char="-"/>
+              </a:pPr>
+              <a:r>
+                <a:rPr lang="en-US" altLang="ko-KR" sz="1000"/>
+                <a:t>Starter</a:t>
+              </a:r>
+            </a:p>
+            <a:p>
+              <a:pPr marL="171450" indent="-171450">
+                <a:buFontTx/>
+                <a:buChar char="-"/>
+              </a:pPr>
+              <a:r>
+                <a:rPr lang="en-US" altLang="ko-KR" sz="1000"/>
+                <a:t>Pro</a:t>
+              </a:r>
+              <a:endParaRPr lang="ko-KR" altLang="en-US" sz="1000"/>
+            </a:p>
+          </p:txBody>
+        </p:sp>
+        <p:sp>
+          <p:nvSpPr>
+            <p:cNvPr id="7" name="TextBox 6"/>
+            <p:cNvSpPr txBox="1"/>
+            <p:nvPr/>
+          </p:nvSpPr>
+          <p:spPr>
+            <a:xfrm>
+              <a:off x="10258610" y="208911"/>
+              <a:ext cx="732893" cy="577081"/>
+            </a:xfrm>
+            <a:prstGeom prst="rect">
+              <a:avLst/>
+            </a:prstGeom>
+            <a:noFill/>
+          </p:spPr>
+          <p:txBody>
+            <a:bodyPr wrap="none" rtlCol="0">
+              <a:spAutoFit/>
+            </a:bodyPr>
+            <a:lstStyle/>
+            <a:p>
+              <a:pPr algn="ctr">
+                <a:lnSpc>
+                  <a:spcPct val="150000"/>
+                </a:lnSpc>
+              </a:pPr>
+              <a:r>
+                <a:rPr lang="ko-KR" altLang="en-US" sz="1100" b="1">
                   <a:solidFill>
                     <a:schemeClr val="bg1">
                       <a:lumMod val="50000"/>
                     </a:schemeClr>
                   </a:solidFill>
-                </a:endParaRPr>
-              </a:p>
-              <a:p>
-                <a:pPr algn="ctr">
-                  <a:lnSpc>
-                    <a:spcPct val="150000"/>
-                  </a:lnSpc>
-                </a:pPr>
-                <a:r>
-                  <a:rPr lang="en-US" altLang="ko-KR" sz="1050" b="1">
-                    <a:solidFill>
-                      <a:schemeClr val="bg1">
-                        <a:lumMod val="50000"/>
-                      </a:schemeClr>
-                    </a:solidFill>
-                  </a:rPr>
-                  <a:t>Admin</a:t>
-                </a:r>
-              </a:p>
-            </p:txBody>
-          </p:sp>
-          <p:sp>
-            <p:nvSpPr>
-              <p:cNvPr id="21" name="직사각형 20">
-                <a:extLst>
-                  <a:ext uri="{FF2B5EF4-FFF2-40B4-BE49-F238E27FC236}">
-                    <a16:creationId xmlns:a16="http://schemas.microsoft.com/office/drawing/2014/main" id="{7CD09966-B5C1-6685-DFF3-1F73C09587D9}"/>
-                  </a:ext>
-                </a:extLst>
-              </p:cNvPr>
-              <p:cNvSpPr/>
-              <p:nvPr/>
-            </p:nvSpPr>
-            <p:spPr>
-              <a:xfrm rot="5400000">
-                <a:off x="4954869" y="4943115"/>
-                <a:ext cx="1664238" cy="253916"/>
-              </a:xfrm>
-              <a:prstGeom prst="rect">
-                <a:avLst/>
-              </a:prstGeom>
-              <a:solidFill>
-                <a:schemeClr val="bg1"/>
-              </a:solidFill>
-            </p:spPr>
-            <p:txBody>
-              <a:bodyPr wrap="none">
-                <a:spAutoFit/>
-              </a:bodyPr>
-              <a:lstStyle/>
-              <a:p>
-                <a:r>
-                  <a:rPr lang="en-US" altLang="ko-KR" sz="1050" b="1"/>
-                  <a:t>AddSessionToSchedule</a:t>
-                </a:r>
-              </a:p>
-            </p:txBody>
-          </p:sp>
-          <p:sp>
-            <p:nvSpPr>
-              <p:cNvPr id="25" name="직사각형 24">
-                <a:extLst>
-                  <a:ext uri="{FF2B5EF4-FFF2-40B4-BE49-F238E27FC236}">
-                    <a16:creationId xmlns:a16="http://schemas.microsoft.com/office/drawing/2014/main" id="{C85E4C1E-170A-830C-AB71-2FE39E4CE0F7}"/>
-                  </a:ext>
-                </a:extLst>
-              </p:cNvPr>
-              <p:cNvSpPr/>
-              <p:nvPr/>
-            </p:nvSpPr>
-            <p:spPr>
-              <a:xfrm>
-                <a:off x="8076724" y="3658226"/>
-                <a:ext cx="1186543" cy="253916"/>
-              </a:xfrm>
-              <a:prstGeom prst="rect">
-                <a:avLst/>
-              </a:prstGeom>
-              <a:solidFill>
-                <a:schemeClr val="bg1"/>
-              </a:solidFill>
-            </p:spPr>
-            <p:txBody>
-              <a:bodyPr wrap="none">
-                <a:spAutoFit/>
-              </a:bodyPr>
-              <a:lstStyle/>
-              <a:p>
-                <a:r>
-                  <a:rPr lang="en-US" altLang="ko-KR" sz="1050" b="1"/>
-                  <a:t>AddToSchedule</a:t>
-                </a:r>
-                <a:endParaRPr lang="ko-KR" altLang="en-US" sz="1050" b="1"/>
-              </a:p>
-            </p:txBody>
-          </p:sp>
-          <p:sp>
-            <p:nvSpPr>
-              <p:cNvPr id="27" name="직사각형 26">
-                <a:extLst>
-                  <a:ext uri="{FF2B5EF4-FFF2-40B4-BE49-F238E27FC236}">
-                    <a16:creationId xmlns:a16="http://schemas.microsoft.com/office/drawing/2014/main" id="{A6DD402E-F073-4E41-CE4D-B1B06F7C1A97}"/>
-                  </a:ext>
-                </a:extLst>
-              </p:cNvPr>
-              <p:cNvSpPr/>
-              <p:nvPr/>
-            </p:nvSpPr>
-            <p:spPr>
-              <a:xfrm>
-                <a:off x="4164885" y="2841168"/>
-                <a:ext cx="1353256" cy="253916"/>
-              </a:xfrm>
-              <a:prstGeom prst="rect">
-                <a:avLst/>
-              </a:prstGeom>
-              <a:solidFill>
-                <a:schemeClr val="bg1"/>
-              </a:solidFill>
-            </p:spPr>
-            <p:txBody>
-              <a:bodyPr wrap="none">
-                <a:spAutoFit/>
-              </a:bodyPr>
-              <a:lstStyle/>
-              <a:p>
-                <a:r>
-                  <a:rPr lang="en-US" altLang="ko-KR" sz="1050" b="1"/>
-                  <a:t>CancelReservation</a:t>
-                </a:r>
-                <a:endParaRPr lang="ko-KR" altLang="en-US" sz="1050" b="1"/>
-              </a:p>
-            </p:txBody>
-          </p:sp>
-          <p:sp>
-            <p:nvSpPr>
-              <p:cNvPr id="29" name="직사각형 28">
-                <a:extLst>
-                  <a:ext uri="{FF2B5EF4-FFF2-40B4-BE49-F238E27FC236}">
-                    <a16:creationId xmlns:a16="http://schemas.microsoft.com/office/drawing/2014/main" id="{3348934F-A19D-0CE3-D10C-939ED42C410D}"/>
-                  </a:ext>
-                </a:extLst>
-              </p:cNvPr>
-              <p:cNvSpPr/>
-              <p:nvPr/>
-            </p:nvSpPr>
-            <p:spPr>
-              <a:xfrm>
-                <a:off x="6568603" y="3460210"/>
-                <a:ext cx="978153" cy="253916"/>
-              </a:xfrm>
-              <a:prstGeom prst="rect">
-                <a:avLst/>
-              </a:prstGeom>
-              <a:solidFill>
-                <a:schemeClr val="bg1"/>
-              </a:solidFill>
-            </p:spPr>
-            <p:txBody>
-              <a:bodyPr wrap="none">
-                <a:spAutoFit/>
-              </a:bodyPr>
-              <a:lstStyle/>
-              <a:p>
-                <a:r>
-                  <a:rPr lang="en-US" altLang="ko-KR" sz="1050" b="1"/>
-                  <a:t>ReserveSpot</a:t>
-                </a:r>
-                <a:endParaRPr lang="ko-KR" altLang="en-US" sz="1050" b="1"/>
-              </a:p>
-            </p:txBody>
-          </p:sp>
-        </p:grpSp>
+                </a:rPr>
+                <a:t>스케줄</a:t>
+              </a:r>
+              <a:endParaRPr lang="en-US" altLang="ko-KR" sz="1100" b="1">
+                <a:solidFill>
+                  <a:schemeClr val="bg1">
+                    <a:lumMod val="50000"/>
+                  </a:schemeClr>
+                </a:solidFill>
+              </a:endParaRPr>
+            </a:p>
+            <a:p>
+              <a:pPr algn="ctr">
+                <a:lnSpc>
+                  <a:spcPct val="150000"/>
+                </a:lnSpc>
+              </a:pPr>
+              <a:r>
+                <a:rPr lang="en-US" altLang="ko-KR" sz="1000" b="1">
+                  <a:solidFill>
+                    <a:schemeClr val="bg1">
+                      <a:lumMod val="50000"/>
+                    </a:schemeClr>
+                  </a:solidFill>
+                </a:rPr>
+                <a:t>Schedule</a:t>
+              </a:r>
+            </a:p>
+          </p:txBody>
+        </p:sp>
+        <p:sp>
+          <p:nvSpPr>
+            <p:cNvPr id="47" name="TextBox 46"/>
+            <p:cNvSpPr txBox="1"/>
+            <p:nvPr/>
+          </p:nvSpPr>
+          <p:spPr>
+            <a:xfrm>
+              <a:off x="11017445" y="208911"/>
+              <a:ext cx="865943" cy="577081"/>
+            </a:xfrm>
+            <a:prstGeom prst="rect">
+              <a:avLst/>
+            </a:prstGeom>
+            <a:noFill/>
+          </p:spPr>
+          <p:txBody>
+            <a:bodyPr wrap="none" rtlCol="0">
+              <a:spAutoFit/>
+            </a:bodyPr>
+            <a:lstStyle/>
+            <a:p>
+              <a:pPr algn="ctr">
+                <a:lnSpc>
+                  <a:spcPct val="150000"/>
+                </a:lnSpc>
+              </a:pPr>
+              <a:r>
+                <a:rPr lang="ko-KR" altLang="en-US" sz="1100" b="1">
+                  <a:solidFill>
+                    <a:schemeClr val="bg1">
+                      <a:lumMod val="50000"/>
+                    </a:schemeClr>
+                  </a:solidFill>
+                </a:rPr>
+                <a:t>강의 시간</a:t>
+              </a:r>
+              <a:endParaRPr lang="en-US" altLang="ko-KR" sz="1100" b="1">
+                <a:solidFill>
+                  <a:schemeClr val="bg1">
+                    <a:lumMod val="50000"/>
+                  </a:schemeClr>
+                </a:solidFill>
+              </a:endParaRPr>
+            </a:p>
+            <a:p>
+              <a:pPr algn="ctr">
+                <a:lnSpc>
+                  <a:spcPct val="150000"/>
+                </a:lnSpc>
+              </a:pPr>
+              <a:r>
+                <a:rPr lang="en-US" altLang="ko-KR" sz="1000" b="1">
+                  <a:solidFill>
+                    <a:schemeClr val="bg1">
+                      <a:lumMod val="50000"/>
+                    </a:schemeClr>
+                  </a:solidFill>
+                </a:rPr>
+                <a:t>TimeRange</a:t>
+              </a:r>
+            </a:p>
+          </p:txBody>
+        </p:sp>
+        <p:cxnSp>
+          <p:nvCxnSpPr>
+            <p:cNvPr id="15" name="직선 화살표 연결선 14"/>
+            <p:cNvCxnSpPr/>
+            <p:nvPr/>
+          </p:nvCxnSpPr>
+          <p:spPr>
+            <a:xfrm flipH="1" flipV="1">
+              <a:off x="475681" y="1519283"/>
+              <a:ext cx="9525" cy="2174895"/>
+            </a:xfrm>
+            <a:prstGeom prst="straightConnector1">
+              <a:avLst/>
+            </a:prstGeom>
+            <a:ln>
+              <a:prstDash val="dash"/>
+              <a:tailEnd type="triangle"/>
+            </a:ln>
+          </p:spPr>
+          <p:style>
+            <a:lnRef idx="1">
+              <a:schemeClr val="accent1"/>
+            </a:lnRef>
+            <a:fillRef idx="0">
+              <a:schemeClr val="accent1"/>
+            </a:fillRef>
+            <a:effectRef idx="0">
+              <a:schemeClr val="accent1"/>
+            </a:effectRef>
+            <a:fontRef idx="minor">
+              <a:schemeClr val="tx1"/>
+            </a:fontRef>
+          </p:style>
+        </p:cxnSp>
+        <p:sp>
+          <p:nvSpPr>
+            <p:cNvPr id="73" name="직사각형 72"/>
+            <p:cNvSpPr/>
+            <p:nvPr/>
+          </p:nvSpPr>
+          <p:spPr>
+            <a:xfrm>
+              <a:off x="1668588" y="596571"/>
+              <a:ext cx="4404537" cy="524246"/>
+            </a:xfrm>
+            <a:prstGeom prst="rect">
+              <a:avLst/>
+            </a:prstGeom>
+            <a:noFill/>
+          </p:spPr>
+          <p:txBody>
+            <a:bodyPr wrap="square">
+              <a:spAutoFit/>
+            </a:bodyPr>
+            <a:lstStyle/>
+            <a:p>
+              <a:pPr>
+                <a:lnSpc>
+                  <a:spcPct val="150000"/>
+                </a:lnSpc>
+              </a:pPr>
+              <a:r>
+                <a:rPr lang="ko-KR" altLang="en-US" sz="1000"/>
+                <a:t>구독은 </a:t>
+              </a:r>
+              <a:r>
+                <a:rPr lang="ko-KR" altLang="en-US" sz="1000">
+                  <a:solidFill>
+                    <a:srgbClr val="C00000"/>
+                  </a:solidFill>
+                </a:rPr>
+                <a:t>구독</a:t>
+              </a:r>
+              <a:r>
+                <a:rPr lang="en-GB" altLang="ko-KR" sz="1000">
+                  <a:solidFill>
+                    <a:srgbClr val="C00000"/>
+                  </a:solidFill>
+                </a:rPr>
+                <a:t>(</a:t>
+              </a:r>
+              <a:r>
+                <a:rPr lang="ko-KR" altLang="en-US" sz="1000">
+                  <a:solidFill>
+                    <a:srgbClr val="C00000"/>
+                  </a:solidFill>
+                </a:rPr>
+                <a:t>구독 등급</a:t>
+              </a:r>
+              <a:r>
+                <a:rPr lang="en-GB" altLang="ko-KR" sz="1000">
+                  <a:solidFill>
+                    <a:srgbClr val="C00000"/>
+                  </a:solidFill>
+                </a:rPr>
+                <a:t>)</a:t>
+              </a:r>
+              <a:r>
+                <a:rPr lang="ko-KR" altLang="en-US" sz="1000">
+                  <a:solidFill>
+                    <a:srgbClr val="C00000"/>
+                  </a:solidFill>
+                </a:rPr>
+                <a:t>이 허용된 개수보다</a:t>
+              </a:r>
+              <a:r>
+                <a:rPr lang="ko-KR" altLang="en-US" sz="1000"/>
+                <a:t> 더 많은 헬스장을 가질 수 없다</a:t>
+              </a:r>
+              <a:r>
+                <a:rPr lang="en-US" altLang="ko-KR" sz="1000"/>
+                <a:t>.</a:t>
+              </a:r>
+            </a:p>
+            <a:p>
+              <a:pPr>
+                <a:lnSpc>
+                  <a:spcPct val="150000"/>
+                </a:lnSpc>
+              </a:pPr>
+              <a:r>
+                <a:rPr lang="en-US" altLang="ko-KR" sz="1000"/>
+                <a:t>A subscription cannot have </a:t>
+              </a:r>
+              <a:r>
+                <a:rPr lang="en-US" altLang="ko-KR" sz="1000">
+                  <a:solidFill>
+                    <a:srgbClr val="C00000"/>
+                  </a:solidFill>
+                </a:rPr>
+                <a:t>more gyms than the subscription allows</a:t>
+              </a:r>
+              <a:endParaRPr lang="ko-KR" altLang="en-US" sz="1000">
+                <a:solidFill>
+                  <a:srgbClr val="C00000"/>
+                </a:solidFill>
+              </a:endParaRPr>
+            </a:p>
+          </p:txBody>
+        </p:sp>
+        <p:sp>
+          <p:nvSpPr>
+            <p:cNvPr id="17" name="직사각형 16"/>
+            <p:cNvSpPr/>
+            <p:nvPr/>
+          </p:nvSpPr>
+          <p:spPr>
+            <a:xfrm>
+              <a:off x="3418392" y="1105486"/>
+              <a:ext cx="768159" cy="261610"/>
+            </a:xfrm>
+            <a:prstGeom prst="rect">
+              <a:avLst/>
+            </a:prstGeom>
+            <a:solidFill>
+              <a:schemeClr val="bg1"/>
+            </a:solidFill>
+          </p:spPr>
+          <p:txBody>
+            <a:bodyPr wrap="none">
+              <a:spAutoFit/>
+            </a:bodyPr>
+            <a:lstStyle/>
+            <a:p>
+              <a:r>
+                <a:rPr lang="en-US" altLang="ko-KR" sz="1050" b="1"/>
+                <a:t>AddGym</a:t>
+              </a:r>
+              <a:endParaRPr lang="ko-KR" altLang="en-US" sz="1050" b="1"/>
+            </a:p>
+          </p:txBody>
+        </p:sp>
+        <p:sp>
+          <p:nvSpPr>
+            <p:cNvPr id="56" name="직사각형 55"/>
+            <p:cNvSpPr/>
+            <p:nvPr/>
+          </p:nvSpPr>
+          <p:spPr>
+            <a:xfrm>
+              <a:off x="558787" y="1654185"/>
+              <a:ext cx="829073" cy="253916"/>
+            </a:xfrm>
+            <a:prstGeom prst="rect">
+              <a:avLst/>
+            </a:prstGeom>
+            <a:solidFill>
+              <a:schemeClr val="bg1"/>
+            </a:solidFill>
+          </p:spPr>
+          <p:txBody>
+            <a:bodyPr wrap="none">
+              <a:spAutoFit/>
+            </a:bodyPr>
+            <a:lstStyle/>
+            <a:p>
+              <a:r>
+                <a:rPr lang="en-US" altLang="ko-KR" sz="1050" b="1"/>
+                <a:t>AddRoom</a:t>
+              </a:r>
+              <a:endParaRPr lang="ko-KR" altLang="en-US" sz="1050" b="1"/>
+            </a:p>
+          </p:txBody>
+        </p:sp>
+        <p:sp>
+          <p:nvSpPr>
+            <p:cNvPr id="60" name="직사각형 59"/>
+            <p:cNvSpPr/>
+            <p:nvPr/>
+          </p:nvSpPr>
+          <p:spPr>
+            <a:xfrm>
+              <a:off x="2136078" y="3504431"/>
+              <a:ext cx="1237839" cy="253916"/>
+            </a:xfrm>
+            <a:prstGeom prst="rect">
+              <a:avLst/>
+            </a:prstGeom>
+            <a:solidFill>
+              <a:schemeClr val="bg1"/>
+            </a:solidFill>
+          </p:spPr>
+          <p:txBody>
+            <a:bodyPr wrap="none">
+              <a:spAutoFit/>
+            </a:bodyPr>
+            <a:lstStyle/>
+            <a:p>
+              <a:r>
+                <a:rPr lang="en-US" altLang="ko-KR" sz="1050" b="1"/>
+                <a:t>ScheduleSession</a:t>
+              </a:r>
+              <a:endParaRPr lang="ko-KR" altLang="en-US" sz="1050" b="1"/>
+            </a:p>
+          </p:txBody>
+        </p:sp>
+        <p:sp>
+          <p:nvSpPr>
+            <p:cNvPr id="44" name="직사각형 43"/>
+            <p:cNvSpPr/>
+            <p:nvPr/>
+          </p:nvSpPr>
+          <p:spPr>
+            <a:xfrm>
+              <a:off x="5757857" y="4916037"/>
+              <a:ext cx="4021015" cy="524246"/>
+            </a:xfrm>
+            <a:prstGeom prst="rect">
+              <a:avLst/>
+            </a:prstGeom>
+            <a:noFill/>
+          </p:spPr>
+          <p:txBody>
+            <a:bodyPr wrap="square">
+              <a:spAutoFit/>
+            </a:bodyPr>
+            <a:lstStyle/>
+            <a:p>
+              <a:pPr>
+                <a:lnSpc>
+                  <a:spcPct val="150000"/>
+                </a:lnSpc>
+              </a:pPr>
+              <a:r>
+                <a:rPr lang="ko-KR" altLang="en-US" sz="1000"/>
+                <a:t>트레이너는 두 개 이상의 </a:t>
+              </a:r>
+              <a:r>
+                <a:rPr lang="ko-KR" altLang="en-US" sz="1000">
+                  <a:solidFill>
+                    <a:srgbClr val="0070C0"/>
+                  </a:solidFill>
+                </a:rPr>
+                <a:t>겹치는 세션을</a:t>
+              </a:r>
+              <a:r>
+                <a:rPr lang="ko-KR" altLang="en-US" sz="1000"/>
+                <a:t> 가르칠 수 없다</a:t>
+              </a:r>
+              <a:r>
+                <a:rPr lang="en-US" altLang="ko-KR" sz="1000"/>
+                <a:t>.</a:t>
+              </a:r>
+            </a:p>
+            <a:p>
+              <a:pPr>
+                <a:lnSpc>
+                  <a:spcPct val="150000"/>
+                </a:lnSpc>
+              </a:pPr>
+              <a:r>
+                <a:rPr lang="en-US" altLang="ko-KR" sz="1000"/>
+                <a:t>A trainer cannot teach two or more </a:t>
+              </a:r>
+              <a:r>
+                <a:rPr lang="en-US" altLang="ko-KR" sz="1000">
+                  <a:solidFill>
+                    <a:srgbClr val="0070C0"/>
+                  </a:solidFill>
+                </a:rPr>
+                <a:t>overlapping sessions</a:t>
+              </a:r>
+              <a:endParaRPr lang="ko-KR" altLang="en-US" sz="1000">
+                <a:solidFill>
+                  <a:srgbClr val="0070C0"/>
+                </a:solidFill>
+              </a:endParaRPr>
+            </a:p>
+          </p:txBody>
+        </p:sp>
+        <p:sp>
+          <p:nvSpPr>
+            <p:cNvPr id="49" name="TextBox 48"/>
+            <p:cNvSpPr txBox="1"/>
+            <p:nvPr/>
+          </p:nvSpPr>
+          <p:spPr>
+            <a:xfrm>
+              <a:off x="9586336" y="208911"/>
+              <a:ext cx="646331" cy="611706"/>
+            </a:xfrm>
+            <a:prstGeom prst="rect">
+              <a:avLst/>
+            </a:prstGeom>
+            <a:noFill/>
+          </p:spPr>
+          <p:txBody>
+            <a:bodyPr wrap="none" rtlCol="0">
+              <a:spAutoFit/>
+            </a:bodyPr>
+            <a:lstStyle/>
+            <a:p>
+              <a:pPr algn="ctr">
+                <a:lnSpc>
+                  <a:spcPct val="150000"/>
+                </a:lnSpc>
+              </a:pPr>
+              <a:r>
+                <a:rPr lang="ko-KR" altLang="en-US" sz="1200" b="1">
+                  <a:solidFill>
+                    <a:schemeClr val="bg1">
+                      <a:lumMod val="50000"/>
+                    </a:schemeClr>
+                  </a:solidFill>
+                </a:rPr>
+                <a:t>관리자</a:t>
+              </a:r>
+              <a:endParaRPr lang="en-US" altLang="ko-KR" sz="1200" b="1">
+                <a:solidFill>
+                  <a:schemeClr val="bg1">
+                    <a:lumMod val="50000"/>
+                  </a:schemeClr>
+                </a:solidFill>
+              </a:endParaRPr>
+            </a:p>
+            <a:p>
+              <a:pPr algn="ctr">
+                <a:lnSpc>
+                  <a:spcPct val="150000"/>
+                </a:lnSpc>
+              </a:pPr>
+              <a:r>
+                <a:rPr lang="en-US" altLang="ko-KR" sz="1050" b="1">
+                  <a:solidFill>
+                    <a:schemeClr val="bg1">
+                      <a:lumMod val="50000"/>
+                    </a:schemeClr>
+                  </a:solidFill>
+                </a:rPr>
+                <a:t>Admin</a:t>
+              </a:r>
+            </a:p>
+          </p:txBody>
+        </p:sp>
+        <p:sp>
+          <p:nvSpPr>
+            <p:cNvPr id="21" name="직사각형 20">
+              <a:extLst>
+                <a:ext uri="{FF2B5EF4-FFF2-40B4-BE49-F238E27FC236}">
+                  <a16:creationId xmlns:a16="http://schemas.microsoft.com/office/drawing/2014/main" id="{7CD09966-B5C1-6685-DFF3-1F73C09587D9}"/>
+                </a:ext>
+              </a:extLst>
+            </p:cNvPr>
+            <p:cNvSpPr/>
+            <p:nvPr/>
+          </p:nvSpPr>
+          <p:spPr>
+            <a:xfrm>
+              <a:off x="5193716" y="4597862"/>
+              <a:ext cx="1664238" cy="253916"/>
+            </a:xfrm>
+            <a:prstGeom prst="rect">
+              <a:avLst/>
+            </a:prstGeom>
+            <a:solidFill>
+              <a:schemeClr val="bg1"/>
+            </a:solidFill>
+          </p:spPr>
+          <p:txBody>
+            <a:bodyPr wrap="none">
+              <a:spAutoFit/>
+            </a:bodyPr>
+            <a:lstStyle/>
+            <a:p>
+              <a:r>
+                <a:rPr lang="en-US" altLang="ko-KR" sz="1050" b="1"/>
+                <a:t>AddSessionToSchedule</a:t>
+              </a:r>
+            </a:p>
+          </p:txBody>
+        </p:sp>
+        <p:sp>
+          <p:nvSpPr>
+            <p:cNvPr id="25" name="직사각형 24">
+              <a:extLst>
+                <a:ext uri="{FF2B5EF4-FFF2-40B4-BE49-F238E27FC236}">
+                  <a16:creationId xmlns:a16="http://schemas.microsoft.com/office/drawing/2014/main" id="{C85E4C1E-170A-830C-AB71-2FE39E4CE0F7}"/>
+                </a:ext>
+              </a:extLst>
+            </p:cNvPr>
+            <p:cNvSpPr/>
+            <p:nvPr/>
+          </p:nvSpPr>
+          <p:spPr>
+            <a:xfrm>
+              <a:off x="7952330" y="3539209"/>
+              <a:ext cx="1186543" cy="253916"/>
+            </a:xfrm>
+            <a:prstGeom prst="rect">
+              <a:avLst/>
+            </a:prstGeom>
+            <a:solidFill>
+              <a:schemeClr val="bg1"/>
+            </a:solidFill>
+          </p:spPr>
+          <p:txBody>
+            <a:bodyPr wrap="none">
+              <a:spAutoFit/>
+            </a:bodyPr>
+            <a:lstStyle/>
+            <a:p>
+              <a:r>
+                <a:rPr lang="en-US" altLang="ko-KR" sz="1050" b="1"/>
+                <a:t>AddToSchedule</a:t>
+              </a:r>
+              <a:endParaRPr lang="ko-KR" altLang="en-US" sz="1050" b="1"/>
+            </a:p>
+          </p:txBody>
+        </p:sp>
+        <p:sp>
+          <p:nvSpPr>
+            <p:cNvPr id="27" name="직사각형 26">
+              <a:extLst>
+                <a:ext uri="{FF2B5EF4-FFF2-40B4-BE49-F238E27FC236}">
+                  <a16:creationId xmlns:a16="http://schemas.microsoft.com/office/drawing/2014/main" id="{A6DD402E-F073-4E41-CE4D-B1B06F7C1A97}"/>
+                </a:ext>
+              </a:extLst>
+            </p:cNvPr>
+            <p:cNvSpPr/>
+            <p:nvPr/>
+          </p:nvSpPr>
+          <p:spPr>
+            <a:xfrm>
+              <a:off x="5211859" y="2472098"/>
+              <a:ext cx="1353256" cy="253916"/>
+            </a:xfrm>
+            <a:prstGeom prst="rect">
+              <a:avLst/>
+            </a:prstGeom>
+            <a:solidFill>
+              <a:schemeClr val="bg1"/>
+            </a:solidFill>
+          </p:spPr>
+          <p:txBody>
+            <a:bodyPr wrap="none">
+              <a:spAutoFit/>
+            </a:bodyPr>
+            <a:lstStyle/>
+            <a:p>
+              <a:r>
+                <a:rPr lang="en-US" altLang="ko-KR" sz="1050" b="1"/>
+                <a:t>CancelReservation</a:t>
+              </a:r>
+              <a:endParaRPr lang="ko-KR" altLang="en-US" sz="1050" b="1"/>
+            </a:p>
+          </p:txBody>
+        </p:sp>
+        <p:sp>
+          <p:nvSpPr>
+            <p:cNvPr id="29" name="직사각형 28">
+              <a:extLst>
+                <a:ext uri="{FF2B5EF4-FFF2-40B4-BE49-F238E27FC236}">
+                  <a16:creationId xmlns:a16="http://schemas.microsoft.com/office/drawing/2014/main" id="{3348934F-A19D-0CE3-D10C-939ED42C410D}"/>
+                </a:ext>
+              </a:extLst>
+            </p:cNvPr>
+            <p:cNvSpPr/>
+            <p:nvPr/>
+          </p:nvSpPr>
+          <p:spPr>
+            <a:xfrm>
+              <a:off x="6444209" y="3341193"/>
+              <a:ext cx="978153" cy="253916"/>
+            </a:xfrm>
+            <a:prstGeom prst="rect">
+              <a:avLst/>
+            </a:prstGeom>
+            <a:solidFill>
+              <a:schemeClr val="bg1"/>
+            </a:solidFill>
+          </p:spPr>
+          <p:txBody>
+            <a:bodyPr wrap="none">
+              <a:spAutoFit/>
+            </a:bodyPr>
+            <a:lstStyle/>
+            <a:p>
+              <a:r>
+                <a:rPr lang="en-US" altLang="ko-KR" sz="1050" b="1"/>
+                <a:t>ReserveSpot</a:t>
+              </a:r>
+              <a:endParaRPr lang="ko-KR" altLang="en-US" sz="1050" b="1"/>
+            </a:p>
+          </p:txBody>
+        </p:sp>
       </p:grpSp>
     </p:spTree>
     <p:extLst>

--- a/03-tutorial/ddd-basic/ch01-exploring-a-complex-domain/README.pptx
+++ b/03-tutorial/ddd-basic/ch01-exploring-a-complex-domain/README.pptx
@@ -242,7 +242,7 @@
           <a:p>
             <a:fld id="{7C942374-54D0-46CC-9FD3-64DEB9F3020F}" type="datetimeFigureOut">
               <a:rPr lang="ko-KR" altLang="en-US" smtClean="0"/>
-              <a:t>2025-02-09</a:t>
+              <a:t>2025-02-14</a:t>
             </a:fld>
             <a:endParaRPr lang="ko-KR" altLang="en-US"/>
           </a:p>
@@ -410,7 +410,7 @@
           <a:p>
             <a:fld id="{7C942374-54D0-46CC-9FD3-64DEB9F3020F}" type="datetimeFigureOut">
               <a:rPr lang="ko-KR" altLang="en-US" smtClean="0"/>
-              <a:t>2025-02-09</a:t>
+              <a:t>2025-02-14</a:t>
             </a:fld>
             <a:endParaRPr lang="ko-KR" altLang="en-US"/>
           </a:p>
@@ -588,7 +588,7 @@
           <a:p>
             <a:fld id="{7C942374-54D0-46CC-9FD3-64DEB9F3020F}" type="datetimeFigureOut">
               <a:rPr lang="ko-KR" altLang="en-US" smtClean="0"/>
-              <a:t>2025-02-09</a:t>
+              <a:t>2025-02-14</a:t>
             </a:fld>
             <a:endParaRPr lang="ko-KR" altLang="en-US"/>
           </a:p>
@@ -756,7 +756,7 @@
           <a:p>
             <a:fld id="{7C942374-54D0-46CC-9FD3-64DEB9F3020F}" type="datetimeFigureOut">
               <a:rPr lang="ko-KR" altLang="en-US" smtClean="0"/>
-              <a:t>2025-02-09</a:t>
+              <a:t>2025-02-14</a:t>
             </a:fld>
             <a:endParaRPr lang="ko-KR" altLang="en-US"/>
           </a:p>
@@ -1001,7 +1001,7 @@
           <a:p>
             <a:fld id="{7C942374-54D0-46CC-9FD3-64DEB9F3020F}" type="datetimeFigureOut">
               <a:rPr lang="ko-KR" altLang="en-US" smtClean="0"/>
-              <a:t>2025-02-09</a:t>
+              <a:t>2025-02-14</a:t>
             </a:fld>
             <a:endParaRPr lang="ko-KR" altLang="en-US"/>
           </a:p>
@@ -1230,7 +1230,7 @@
           <a:p>
             <a:fld id="{7C942374-54D0-46CC-9FD3-64DEB9F3020F}" type="datetimeFigureOut">
               <a:rPr lang="ko-KR" altLang="en-US" smtClean="0"/>
-              <a:t>2025-02-09</a:t>
+              <a:t>2025-02-14</a:t>
             </a:fld>
             <a:endParaRPr lang="ko-KR" altLang="en-US"/>
           </a:p>
@@ -1594,7 +1594,7 @@
           <a:p>
             <a:fld id="{7C942374-54D0-46CC-9FD3-64DEB9F3020F}" type="datetimeFigureOut">
               <a:rPr lang="ko-KR" altLang="en-US" smtClean="0"/>
-              <a:t>2025-02-09</a:t>
+              <a:t>2025-02-14</a:t>
             </a:fld>
             <a:endParaRPr lang="ko-KR" altLang="en-US"/>
           </a:p>
@@ -1711,7 +1711,7 @@
           <a:p>
             <a:fld id="{7C942374-54D0-46CC-9FD3-64DEB9F3020F}" type="datetimeFigureOut">
               <a:rPr lang="ko-KR" altLang="en-US" smtClean="0"/>
-              <a:t>2025-02-09</a:t>
+              <a:t>2025-02-14</a:t>
             </a:fld>
             <a:endParaRPr lang="ko-KR" altLang="en-US"/>
           </a:p>
@@ -1806,7 +1806,7 @@
           <a:p>
             <a:fld id="{7C942374-54D0-46CC-9FD3-64DEB9F3020F}" type="datetimeFigureOut">
               <a:rPr lang="ko-KR" altLang="en-US" smtClean="0"/>
-              <a:t>2025-02-09</a:t>
+              <a:t>2025-02-14</a:t>
             </a:fld>
             <a:endParaRPr lang="ko-KR" altLang="en-US"/>
           </a:p>
@@ -2081,7 +2081,7 @@
           <a:p>
             <a:fld id="{7C942374-54D0-46CC-9FD3-64DEB9F3020F}" type="datetimeFigureOut">
               <a:rPr lang="ko-KR" altLang="en-US" smtClean="0"/>
-              <a:t>2025-02-09</a:t>
+              <a:t>2025-02-14</a:t>
             </a:fld>
             <a:endParaRPr lang="ko-KR" altLang="en-US"/>
           </a:p>
@@ -2333,7 +2333,7 @@
           <a:p>
             <a:fld id="{7C942374-54D0-46CC-9FD3-64DEB9F3020F}" type="datetimeFigureOut">
               <a:rPr lang="ko-KR" altLang="en-US" smtClean="0"/>
-              <a:t>2025-02-09</a:t>
+              <a:t>2025-02-14</a:t>
             </a:fld>
             <a:endParaRPr lang="ko-KR" altLang="en-US"/>
           </a:p>
@@ -2544,7 +2544,7 @@
           <a:p>
             <a:fld id="{7C942374-54D0-46CC-9FD3-64DEB9F3020F}" type="datetimeFigureOut">
               <a:rPr lang="ko-KR" altLang="en-US" smtClean="0"/>
-              <a:t>2025-02-09</a:t>
+              <a:t>2025-02-14</a:t>
             </a:fld>
             <a:endParaRPr lang="ko-KR" altLang="en-US"/>
           </a:p>
@@ -2949,65 +2949,297 @@
           <a:chExt cx="0" cy="0"/>
         </a:xfrm>
       </p:grpSpPr>
-      <p:grpSp>
-        <p:nvGrpSpPr>
-          <p:cNvPr id="2" name="그룹 1">
+      <p:sp>
+        <p:nvSpPr>
+          <p:cNvPr id="3" name="직사각형 2">
             <a:extLst>
               <a:ext uri="{FF2B5EF4-FFF2-40B4-BE49-F238E27FC236}">
-                <a16:creationId xmlns:a16="http://schemas.microsoft.com/office/drawing/2014/main" id="{149B1135-FE32-41AE-137A-C41A0E471C32}"/>
+                <a16:creationId xmlns:a16="http://schemas.microsoft.com/office/drawing/2014/main" id="{765F1C10-826E-D67B-D033-A0A4E56C4DF4}"/>
               </a:ext>
             </a:extLst>
           </p:cNvPr>
+          <p:cNvSpPr/>
+          <p:nvPr/>
+        </p:nvSpPr>
+        <p:spPr>
+          <a:xfrm>
+            <a:off x="42706" y="65315"/>
+            <a:ext cx="12106589" cy="6727371"/>
+          </a:xfrm>
+          <a:prstGeom prst="rect">
+            <a:avLst/>
+          </a:prstGeom>
+          <a:noFill/>
+          <a:ln>
+            <a:solidFill>
+              <a:schemeClr val="tx1"/>
+            </a:solidFill>
+          </a:ln>
+        </p:spPr>
+        <p:style>
+          <a:lnRef idx="2">
+            <a:schemeClr val="accent6"/>
+          </a:lnRef>
+          <a:fillRef idx="1">
+            <a:schemeClr val="lt1"/>
+          </a:fillRef>
+          <a:effectRef idx="0">
+            <a:schemeClr val="accent6"/>
+          </a:effectRef>
+          <a:fontRef idx="minor">
+            <a:schemeClr val="dk1"/>
+          </a:fontRef>
+        </p:style>
+        <p:txBody>
+          <a:bodyPr rtlCol="0" anchor="ctr"/>
+          <a:lstStyle/>
+          <a:p>
+            <a:pPr algn="ctr"/>
+            <a:endParaRPr lang="en-GB"/>
+          </a:p>
+        </p:txBody>
+      </p:sp>
+      <p:sp>
+        <p:nvSpPr>
+          <p:cNvPr id="24" name="TextBox 23"/>
+          <p:cNvSpPr txBox="1"/>
+          <p:nvPr/>
+        </p:nvSpPr>
+        <p:spPr>
+          <a:xfrm>
+            <a:off x="5299354" y="3151383"/>
+            <a:ext cx="726481" cy="738664"/>
+          </a:xfrm>
+          <a:prstGeom prst="rect">
+            <a:avLst/>
+          </a:prstGeom>
+          <a:noFill/>
+        </p:spPr>
+        <p:txBody>
+          <a:bodyPr wrap="none" rtlCol="0">
+            <a:spAutoFit/>
+          </a:bodyPr>
+          <a:lstStyle/>
+          <a:p>
+            <a:pPr algn="ctr">
+              <a:lnSpc>
+                <a:spcPct val="150000"/>
+              </a:lnSpc>
+            </a:pPr>
+            <a:r>
+              <a:rPr lang="ko-KR" altLang="en-US" sz="1600" b="1"/>
+              <a:t>세션</a:t>
+            </a:r>
+            <a:endParaRPr lang="en-US" altLang="ko-KR" sz="1600" b="1"/>
+          </a:p>
+          <a:p>
+            <a:pPr algn="ctr">
+              <a:lnSpc>
+                <a:spcPct val="150000"/>
+              </a:lnSpc>
+            </a:pPr>
+            <a:r>
+              <a:rPr lang="en-US" altLang="ko-KR" sz="1200" b="1"/>
+              <a:t>Session</a:t>
+            </a:r>
+            <a:endParaRPr lang="ko-KR" altLang="en-US" sz="1200" b="1"/>
+          </a:p>
+        </p:txBody>
+      </p:sp>
+      <p:sp>
+        <p:nvSpPr>
+          <p:cNvPr id="26" name="직사각형 25"/>
+          <p:cNvSpPr/>
+          <p:nvPr/>
+        </p:nvSpPr>
+        <p:spPr>
+          <a:xfrm>
+            <a:off x="5628051" y="1907493"/>
+            <a:ext cx="5464871" cy="524246"/>
+          </a:xfrm>
+          <a:prstGeom prst="rect">
+            <a:avLst/>
+          </a:prstGeom>
+        </p:spPr>
+        <p:txBody>
+          <a:bodyPr wrap="square">
+            <a:spAutoFit/>
+          </a:bodyPr>
+          <a:lstStyle/>
+          <a:p>
+            <a:pPr>
+              <a:lnSpc>
+                <a:spcPct val="150000"/>
+              </a:lnSpc>
+            </a:pPr>
+            <a:r>
+              <a:rPr lang="ko-KR" altLang="en-US" sz="1000"/>
+              <a:t>세션 시작 </a:t>
+            </a:r>
+            <a:r>
+              <a:rPr lang="en-US" altLang="ko-KR" sz="1000"/>
+              <a:t>24</a:t>
+            </a:r>
+            <a:r>
+              <a:rPr lang="ko-KR" altLang="en-US" sz="1000"/>
+              <a:t>시간 이내에는 무료로 예약을 취소할 수 없다</a:t>
+            </a:r>
+            <a:r>
+              <a:rPr lang="en-US" altLang="ko-KR" sz="1000"/>
+              <a:t>.</a:t>
+            </a:r>
+          </a:p>
+          <a:p>
+            <a:pPr>
+              <a:lnSpc>
+                <a:spcPct val="150000"/>
+              </a:lnSpc>
+            </a:pPr>
+            <a:r>
+              <a:rPr lang="en-US" altLang="ko-KR" sz="1000"/>
+              <a:t>A reservation cannot be canceled for free less than 24 hours before the session starts</a:t>
+            </a:r>
+            <a:endParaRPr lang="ko-KR" altLang="en-US" sz="1000"/>
+          </a:p>
+        </p:txBody>
+      </p:sp>
+      <p:cxnSp>
+        <p:nvCxnSpPr>
+          <p:cNvPr id="28" name="꺾인 연결선 27"/>
+          <p:cNvCxnSpPr>
+            <a:stCxn id="55" idx="1"/>
+            <a:endCxn id="24" idx="0"/>
+          </p:cNvCxnSpPr>
+          <p:nvPr/>
+        </p:nvCxnSpPr>
+        <p:spPr>
+          <a:xfrm rot="10800000" flipH="1">
+            <a:off x="5252067" y="3151383"/>
+            <a:ext cx="410528" cy="331972"/>
+          </a:xfrm>
+          <a:prstGeom prst="bentConnector4">
+            <a:avLst>
+              <a:gd name="adj1" fmla="val -55684"/>
+              <a:gd name="adj2" fmla="val 262694"/>
+            </a:avLst>
+          </a:prstGeom>
+          <a:ln w="19050">
+            <a:solidFill>
+              <a:schemeClr val="tx1"/>
+            </a:solidFill>
+            <a:tailEnd type="triangle"/>
+          </a:ln>
+        </p:spPr>
+        <p:style>
+          <a:lnRef idx="1">
+            <a:schemeClr val="accent1"/>
+          </a:lnRef>
+          <a:fillRef idx="0">
+            <a:schemeClr val="accent1"/>
+          </a:fillRef>
+          <a:effectRef idx="0">
+            <a:schemeClr val="accent1"/>
+          </a:effectRef>
+          <a:fontRef idx="minor">
+            <a:schemeClr val="tx1"/>
+          </a:fontRef>
+        </p:style>
+      </p:cxnSp>
+      <p:sp>
+        <p:nvSpPr>
+          <p:cNvPr id="30" name="TextBox 29"/>
+          <p:cNvSpPr txBox="1"/>
+          <p:nvPr/>
+        </p:nvSpPr>
+        <p:spPr>
+          <a:xfrm>
+            <a:off x="10810181" y="3151383"/>
+            <a:ext cx="971996" cy="738664"/>
+          </a:xfrm>
+          <a:prstGeom prst="rect">
+            <a:avLst/>
+          </a:prstGeom>
+          <a:noFill/>
+        </p:spPr>
+        <p:txBody>
+          <a:bodyPr wrap="none" rtlCol="0">
+            <a:spAutoFit/>
+          </a:bodyPr>
+          <a:lstStyle/>
+          <a:p>
+            <a:pPr algn="ctr">
+              <a:lnSpc>
+                <a:spcPct val="150000"/>
+              </a:lnSpc>
+            </a:pPr>
+            <a:r>
+              <a:rPr lang="ko-KR" altLang="en-US" sz="1600" b="1"/>
+              <a:t>참가자</a:t>
+            </a:r>
+            <a:endParaRPr lang="en-US" altLang="ko-KR" sz="1600" b="1"/>
+          </a:p>
+          <a:p>
+            <a:pPr algn="ctr">
+              <a:lnSpc>
+                <a:spcPct val="150000"/>
+              </a:lnSpc>
+            </a:pPr>
+            <a:r>
+              <a:rPr lang="en-US" altLang="ko-KR" sz="1200" b="1"/>
+              <a:t>Participant</a:t>
+            </a:r>
+            <a:endParaRPr lang="ko-KR" altLang="en-US" sz="1200" b="1"/>
+          </a:p>
+        </p:txBody>
+      </p:sp>
+      <p:grpSp>
+        <p:nvGrpSpPr>
+          <p:cNvPr id="10" name="그룹 9"/>
           <p:cNvGrpSpPr/>
           <p:nvPr/>
         </p:nvGrpSpPr>
         <p:grpSpPr>
           <a:xfrm>
-            <a:off x="42706" y="65315"/>
-            <a:ext cx="12106589" cy="6727371"/>
-            <a:chOff x="42706" y="65315"/>
-            <a:chExt cx="12106589" cy="6727371"/>
-          </a:xfrm>
+            <a:off x="5888487" y="3386639"/>
+            <a:ext cx="184639" cy="360485"/>
+            <a:chOff x="2522472" y="1600227"/>
+            <a:chExt cx="184639" cy="360485"/>
+          </a:xfrm>
+          <a:noFill/>
         </p:grpSpPr>
         <p:sp>
           <p:nvSpPr>
-            <p:cNvPr id="3" name="직사각형 2">
-              <a:extLst>
-                <a:ext uri="{FF2B5EF4-FFF2-40B4-BE49-F238E27FC236}">
-                  <a16:creationId xmlns:a16="http://schemas.microsoft.com/office/drawing/2014/main" id="{765F1C10-826E-D67B-D033-A0A4E56C4DF4}"/>
-                </a:ext>
-              </a:extLst>
-            </p:cNvPr>
+            <p:cNvPr id="8" name="직사각형 7"/>
             <p:cNvSpPr/>
             <p:nvPr/>
           </p:nvSpPr>
           <p:spPr>
             <a:xfrm>
-              <a:off x="42706" y="65315"/>
-              <a:ext cx="12106589" cy="6727371"/>
+              <a:off x="2522472" y="1767281"/>
+              <a:ext cx="184639" cy="193431"/>
             </a:xfrm>
             <a:prstGeom prst="rect">
               <a:avLst/>
             </a:prstGeom>
-            <a:noFill/>
+            <a:grpFill/>
             <a:ln>
-              <a:solidFill>
-                <a:schemeClr val="tx1"/>
-              </a:solidFill>
+              <a:noFill/>
             </a:ln>
           </p:spPr>
           <p:style>
             <a:lnRef idx="2">
-              <a:schemeClr val="accent6"/>
+              <a:schemeClr val="accent1">
+                <a:shade val="50000"/>
+              </a:schemeClr>
             </a:lnRef>
             <a:fillRef idx="1">
-              <a:schemeClr val="lt1"/>
+              <a:schemeClr val="accent1"/>
             </a:fillRef>
             <a:effectRef idx="0">
-              <a:schemeClr val="accent6"/>
+              <a:schemeClr val="accent1"/>
             </a:effectRef>
             <a:fontRef idx="minor">
-              <a:schemeClr val="dk1"/>
+              <a:schemeClr val="lt1"/>
             </a:fontRef>
           </p:style>
           <p:txBody>
@@ -3015,2173 +3247,2352 @@
             <a:lstStyle/>
             <a:p>
               <a:pPr algn="ctr"/>
-              <a:endParaRPr lang="en-GB"/>
+              <a:endParaRPr lang="ko-KR" altLang="en-US" sz="1600"/>
             </a:p>
           </p:txBody>
         </p:sp>
         <p:sp>
           <p:nvSpPr>
-            <p:cNvPr id="24" name="TextBox 23"/>
-            <p:cNvSpPr txBox="1"/>
-            <p:nvPr/>
-          </p:nvSpPr>
-          <p:spPr>
-            <a:xfrm>
-              <a:off x="5299354" y="3151383"/>
-              <a:ext cx="726481" cy="738664"/>
-            </a:xfrm>
-            <a:prstGeom prst="rect">
-              <a:avLst/>
-            </a:prstGeom>
-            <a:noFill/>
-          </p:spPr>
-          <p:txBody>
-            <a:bodyPr wrap="none" rtlCol="0">
-              <a:spAutoFit/>
-            </a:bodyPr>
-            <a:lstStyle/>
-            <a:p>
-              <a:pPr algn="ctr">
-                <a:lnSpc>
-                  <a:spcPct val="150000"/>
-                </a:lnSpc>
-              </a:pPr>
-              <a:r>
-                <a:rPr lang="ko-KR" altLang="en-US" sz="1600" b="1"/>
-                <a:t>세션</a:t>
-              </a:r>
-              <a:endParaRPr lang="en-US" altLang="ko-KR" sz="1600" b="1"/>
-            </a:p>
-            <a:p>
-              <a:pPr algn="ctr">
-                <a:lnSpc>
-                  <a:spcPct val="150000"/>
-                </a:lnSpc>
-              </a:pPr>
-              <a:r>
-                <a:rPr lang="en-US" altLang="ko-KR" sz="1200" b="1"/>
-                <a:t>Session</a:t>
-              </a:r>
-              <a:endParaRPr lang="ko-KR" altLang="en-US" sz="1200" b="1"/>
-            </a:p>
-          </p:txBody>
-        </p:sp>
-        <p:sp>
-          <p:nvSpPr>
-            <p:cNvPr id="26" name="직사각형 25"/>
+            <p:cNvPr id="33" name="직사각형 32"/>
             <p:cNvSpPr/>
             <p:nvPr/>
           </p:nvSpPr>
           <p:spPr>
             <a:xfrm>
-              <a:off x="5628051" y="1907493"/>
-              <a:ext cx="5464871" cy="524246"/>
+              <a:off x="2522472" y="1600227"/>
+              <a:ext cx="184639" cy="193431"/>
             </a:xfrm>
             <a:prstGeom prst="rect">
               <a:avLst/>
             </a:prstGeom>
-          </p:spPr>
-          <p:txBody>
-            <a:bodyPr wrap="square">
-              <a:spAutoFit/>
-            </a:bodyPr>
-            <a:lstStyle/>
-            <a:p>
-              <a:pPr>
-                <a:lnSpc>
-                  <a:spcPct val="150000"/>
-                </a:lnSpc>
-              </a:pPr>
-              <a:r>
-                <a:rPr lang="ko-KR" altLang="en-US" sz="1000"/>
-                <a:t>세션 시작 </a:t>
-              </a:r>
-              <a:r>
-                <a:rPr lang="en-US" altLang="ko-KR" sz="1000"/>
-                <a:t>24</a:t>
-              </a:r>
-              <a:r>
-                <a:rPr lang="ko-KR" altLang="en-US" sz="1000"/>
-                <a:t>시간 이내에는 무료로 예약을 취소할 수 없다</a:t>
-              </a:r>
-              <a:r>
-                <a:rPr lang="en-US" altLang="ko-KR" sz="1000"/>
-                <a:t>.</a:t>
-              </a:r>
-            </a:p>
-            <a:p>
-              <a:pPr>
-                <a:lnSpc>
-                  <a:spcPct val="150000"/>
-                </a:lnSpc>
-              </a:pPr>
-              <a:r>
-                <a:rPr lang="en-US" altLang="ko-KR" sz="1000"/>
-                <a:t>A reservation cannot be canceled for free less than 24 hours before the session starts</a:t>
-              </a:r>
-              <a:endParaRPr lang="ko-KR" altLang="en-US" sz="1000"/>
-            </a:p>
-          </p:txBody>
-        </p:sp>
-        <p:cxnSp>
-          <p:nvCxnSpPr>
-            <p:cNvPr id="28" name="꺾인 연결선 27"/>
-            <p:cNvCxnSpPr>
-              <a:stCxn id="55" idx="1"/>
-              <a:endCxn id="24" idx="0"/>
-            </p:cNvCxnSpPr>
-            <p:nvPr/>
-          </p:nvCxnSpPr>
-          <p:spPr>
-            <a:xfrm rot="10800000" flipH="1">
-              <a:off x="5252067" y="3151383"/>
-              <a:ext cx="410528" cy="331972"/>
-            </a:xfrm>
-            <a:prstGeom prst="bentConnector4">
-              <a:avLst>
-                <a:gd name="adj1" fmla="val -55684"/>
-                <a:gd name="adj2" fmla="val 262694"/>
-              </a:avLst>
-            </a:prstGeom>
-            <a:ln w="19050">
-              <a:solidFill>
-                <a:schemeClr val="tx1"/>
-              </a:solidFill>
-              <a:tailEnd type="triangle"/>
+            <a:grpFill/>
+            <a:ln>
+              <a:noFill/>
             </a:ln>
           </p:spPr>
           <p:style>
-            <a:lnRef idx="1">
-              <a:schemeClr val="accent1"/>
+            <a:lnRef idx="2">
+              <a:schemeClr val="accent1">
+                <a:shade val="50000"/>
+              </a:schemeClr>
             </a:lnRef>
-            <a:fillRef idx="0">
+            <a:fillRef idx="1">
               <a:schemeClr val="accent1"/>
             </a:fillRef>
             <a:effectRef idx="0">
               <a:schemeClr val="accent1"/>
             </a:effectRef>
             <a:fontRef idx="minor">
-              <a:schemeClr val="tx1"/>
+              <a:schemeClr val="lt1"/>
             </a:fontRef>
           </p:style>
-        </p:cxnSp>
+          <p:txBody>
+            <a:bodyPr rtlCol="0" anchor="ctr"/>
+            <a:lstStyle/>
+            <a:p>
+              <a:pPr algn="ctr"/>
+              <a:endParaRPr lang="ko-KR" altLang="en-US" sz="1600"/>
+            </a:p>
+          </p:txBody>
+        </p:sp>
+      </p:grpSp>
+      <p:grpSp>
+        <p:nvGrpSpPr>
+          <p:cNvPr id="35" name="그룹 34"/>
+          <p:cNvGrpSpPr/>
+          <p:nvPr/>
+        </p:nvGrpSpPr>
+        <p:grpSpPr>
+          <a:xfrm>
+            <a:off x="10742983" y="3386639"/>
+            <a:ext cx="184639" cy="360485"/>
+            <a:chOff x="2522472" y="1600227"/>
+            <a:chExt cx="184639" cy="360485"/>
+          </a:xfrm>
+          <a:noFill/>
+        </p:grpSpPr>
         <p:sp>
           <p:nvSpPr>
-            <p:cNvPr id="30" name="TextBox 29"/>
-            <p:cNvSpPr txBox="1"/>
+            <p:cNvPr id="36" name="직사각형 35"/>
+            <p:cNvSpPr/>
             <p:nvPr/>
           </p:nvSpPr>
           <p:spPr>
             <a:xfrm>
-              <a:off x="10810181" y="3151383"/>
-              <a:ext cx="971996" cy="738664"/>
+              <a:off x="2522472" y="1767281"/>
+              <a:ext cx="184639" cy="193431"/>
             </a:xfrm>
             <a:prstGeom prst="rect">
               <a:avLst/>
             </a:prstGeom>
-            <a:noFill/>
-          </p:spPr>
-          <p:txBody>
-            <a:bodyPr wrap="none" rtlCol="0">
-              <a:spAutoFit/>
-            </a:bodyPr>
-            <a:lstStyle/>
-            <a:p>
-              <a:pPr algn="ctr">
-                <a:lnSpc>
-                  <a:spcPct val="150000"/>
-                </a:lnSpc>
-              </a:pPr>
-              <a:r>
-                <a:rPr lang="ko-KR" altLang="en-US" sz="1600" b="1"/>
-                <a:t>참가자</a:t>
-              </a:r>
-              <a:endParaRPr lang="en-US" altLang="ko-KR" sz="1600" b="1"/>
-            </a:p>
-            <a:p>
-              <a:pPr algn="ctr">
-                <a:lnSpc>
-                  <a:spcPct val="150000"/>
-                </a:lnSpc>
-              </a:pPr>
-              <a:r>
-                <a:rPr lang="en-US" altLang="ko-KR" sz="1200" b="1"/>
-                <a:t>Participant</a:t>
-              </a:r>
-              <a:endParaRPr lang="ko-KR" altLang="en-US" sz="1200" b="1"/>
-            </a:p>
-          </p:txBody>
-        </p:sp>
-        <p:grpSp>
-          <p:nvGrpSpPr>
-            <p:cNvPr id="10" name="그룹 9"/>
-            <p:cNvGrpSpPr/>
-            <p:nvPr/>
-          </p:nvGrpSpPr>
-          <p:grpSpPr>
-            <a:xfrm>
-              <a:off x="5888487" y="3386639"/>
-              <a:ext cx="184639" cy="360485"/>
-              <a:chOff x="2522472" y="1600227"/>
-              <a:chExt cx="184639" cy="360485"/>
-            </a:xfrm>
-            <a:noFill/>
-          </p:grpSpPr>
-          <p:sp>
-            <p:nvSpPr>
-              <p:cNvPr id="8" name="직사각형 7"/>
-              <p:cNvSpPr/>
-              <p:nvPr/>
-            </p:nvSpPr>
-            <p:spPr>
-              <a:xfrm>
-                <a:off x="2522472" y="1767281"/>
-                <a:ext cx="184639" cy="193431"/>
-              </a:xfrm>
-              <a:prstGeom prst="rect">
-                <a:avLst/>
-              </a:prstGeom>
-              <a:grpFill/>
-              <a:ln>
-                <a:noFill/>
-              </a:ln>
-            </p:spPr>
-            <p:style>
-              <a:lnRef idx="2">
-                <a:schemeClr val="accent1">
-                  <a:shade val="50000"/>
-                </a:schemeClr>
-              </a:lnRef>
-              <a:fillRef idx="1">
-                <a:schemeClr val="accent1"/>
-              </a:fillRef>
-              <a:effectRef idx="0">
-                <a:schemeClr val="accent1"/>
-              </a:effectRef>
-              <a:fontRef idx="minor">
-                <a:schemeClr val="lt1"/>
-              </a:fontRef>
-            </p:style>
-            <p:txBody>
-              <a:bodyPr rtlCol="0" anchor="ctr"/>
-              <a:lstStyle/>
-              <a:p>
-                <a:pPr algn="ctr"/>
-                <a:endParaRPr lang="ko-KR" altLang="en-US" sz="1600"/>
-              </a:p>
-            </p:txBody>
-          </p:sp>
-          <p:sp>
-            <p:nvSpPr>
-              <p:cNvPr id="33" name="직사각형 32"/>
-              <p:cNvSpPr/>
-              <p:nvPr/>
-            </p:nvSpPr>
-            <p:spPr>
-              <a:xfrm>
-                <a:off x="2522472" y="1600227"/>
-                <a:ext cx="184639" cy="193431"/>
-              </a:xfrm>
-              <a:prstGeom prst="rect">
-                <a:avLst/>
-              </a:prstGeom>
-              <a:grpFill/>
-              <a:ln>
-                <a:noFill/>
-              </a:ln>
-            </p:spPr>
-            <p:style>
-              <a:lnRef idx="2">
-                <a:schemeClr val="accent1">
-                  <a:shade val="50000"/>
-                </a:schemeClr>
-              </a:lnRef>
-              <a:fillRef idx="1">
-                <a:schemeClr val="accent1"/>
-              </a:fillRef>
-              <a:effectRef idx="0">
-                <a:schemeClr val="accent1"/>
-              </a:effectRef>
-              <a:fontRef idx="minor">
-                <a:schemeClr val="lt1"/>
-              </a:fontRef>
-            </p:style>
-            <p:txBody>
-              <a:bodyPr rtlCol="0" anchor="ctr"/>
-              <a:lstStyle/>
-              <a:p>
-                <a:pPr algn="ctr"/>
-                <a:endParaRPr lang="ko-KR" altLang="en-US" sz="1600"/>
-              </a:p>
-            </p:txBody>
-          </p:sp>
-        </p:grpSp>
-        <p:grpSp>
-          <p:nvGrpSpPr>
-            <p:cNvPr id="35" name="그룹 34"/>
-            <p:cNvGrpSpPr/>
-            <p:nvPr/>
-          </p:nvGrpSpPr>
-          <p:grpSpPr>
-            <a:xfrm>
-              <a:off x="10742983" y="3386639"/>
-              <a:ext cx="184639" cy="360485"/>
-              <a:chOff x="2522472" y="1600227"/>
-              <a:chExt cx="184639" cy="360485"/>
-            </a:xfrm>
-            <a:noFill/>
-          </p:grpSpPr>
-          <p:sp>
-            <p:nvSpPr>
-              <p:cNvPr id="36" name="직사각형 35"/>
-              <p:cNvSpPr/>
-              <p:nvPr/>
-            </p:nvSpPr>
-            <p:spPr>
-              <a:xfrm>
-                <a:off x="2522472" y="1767281"/>
-                <a:ext cx="184639" cy="193431"/>
-              </a:xfrm>
-              <a:prstGeom prst="rect">
-                <a:avLst/>
-              </a:prstGeom>
-              <a:grpFill/>
-              <a:ln>
-                <a:noFill/>
-              </a:ln>
-            </p:spPr>
-            <p:style>
-              <a:lnRef idx="2">
-                <a:schemeClr val="accent1">
-                  <a:shade val="50000"/>
-                </a:schemeClr>
-              </a:lnRef>
-              <a:fillRef idx="1">
-                <a:schemeClr val="accent1"/>
-              </a:fillRef>
-              <a:effectRef idx="0">
-                <a:schemeClr val="accent1"/>
-              </a:effectRef>
-              <a:fontRef idx="minor">
-                <a:schemeClr val="lt1"/>
-              </a:fontRef>
-            </p:style>
-            <p:txBody>
-              <a:bodyPr rtlCol="0" anchor="ctr"/>
-              <a:lstStyle/>
-              <a:p>
-                <a:pPr algn="ctr"/>
-                <a:endParaRPr lang="ko-KR" altLang="en-US" sz="1600"/>
-              </a:p>
-            </p:txBody>
-          </p:sp>
-          <p:sp>
-            <p:nvSpPr>
-              <p:cNvPr id="37" name="직사각형 36"/>
-              <p:cNvSpPr/>
-              <p:nvPr/>
-            </p:nvSpPr>
-            <p:spPr>
-              <a:xfrm>
-                <a:off x="2522472" y="1600227"/>
-                <a:ext cx="184639" cy="193431"/>
-              </a:xfrm>
-              <a:prstGeom prst="rect">
-                <a:avLst/>
-              </a:prstGeom>
-              <a:grpFill/>
-              <a:ln>
-                <a:noFill/>
-              </a:ln>
-            </p:spPr>
-            <p:style>
-              <a:lnRef idx="2">
-                <a:schemeClr val="accent1">
-                  <a:shade val="50000"/>
-                </a:schemeClr>
-              </a:lnRef>
-              <a:fillRef idx="1">
-                <a:schemeClr val="accent1"/>
-              </a:fillRef>
-              <a:effectRef idx="0">
-                <a:schemeClr val="accent1"/>
-              </a:effectRef>
-              <a:fontRef idx="minor">
-                <a:schemeClr val="lt1"/>
-              </a:fontRef>
-            </p:style>
-            <p:txBody>
-              <a:bodyPr rtlCol="0" anchor="ctr"/>
-              <a:lstStyle/>
-              <a:p>
-                <a:pPr algn="ctr"/>
-                <a:endParaRPr lang="ko-KR" altLang="en-US" sz="1600"/>
-              </a:p>
-            </p:txBody>
-          </p:sp>
-        </p:grpSp>
-        <p:cxnSp>
-          <p:nvCxnSpPr>
-            <p:cNvPr id="14" name="직선 화살표 연결선 13"/>
-            <p:cNvCxnSpPr>
-              <a:stCxn id="33" idx="3"/>
-              <a:endCxn id="37" idx="1"/>
-            </p:cNvCxnSpPr>
-            <p:nvPr/>
-          </p:nvCxnSpPr>
-          <p:spPr>
-            <a:xfrm>
-              <a:off x="6073126" y="3483355"/>
-              <a:ext cx="4669857" cy="0"/>
-            </a:xfrm>
-            <a:prstGeom prst="straightConnector1">
-              <a:avLst/>
-            </a:prstGeom>
-            <a:ln w="19050">
-              <a:solidFill>
-                <a:schemeClr val="tx1"/>
-              </a:solidFill>
-              <a:tailEnd type="triangle"/>
+            <a:grpFill/>
+            <a:ln>
+              <a:noFill/>
             </a:ln>
           </p:spPr>
           <p:style>
-            <a:lnRef idx="1">
-              <a:schemeClr val="accent1"/>
+            <a:lnRef idx="2">
+              <a:schemeClr val="accent1">
+                <a:shade val="50000"/>
+              </a:schemeClr>
             </a:lnRef>
-            <a:fillRef idx="0">
+            <a:fillRef idx="1">
               <a:schemeClr val="accent1"/>
             </a:fillRef>
             <a:effectRef idx="0">
               <a:schemeClr val="accent1"/>
             </a:effectRef>
             <a:fontRef idx="minor">
-              <a:schemeClr val="tx1"/>
+              <a:schemeClr val="lt1"/>
             </a:fontRef>
           </p:style>
-        </p:cxnSp>
-        <p:cxnSp>
-          <p:nvCxnSpPr>
-            <p:cNvPr id="20" name="직선 화살표 연결선 19"/>
-            <p:cNvCxnSpPr>
-              <a:stCxn id="36" idx="1"/>
-              <a:endCxn id="8" idx="3"/>
-            </p:cNvCxnSpPr>
+          <p:txBody>
+            <a:bodyPr rtlCol="0" anchor="ctr"/>
+            <a:lstStyle/>
+            <a:p>
+              <a:pPr algn="ctr"/>
+              <a:endParaRPr lang="ko-KR" altLang="en-US" sz="1600"/>
+            </a:p>
+          </p:txBody>
+        </p:sp>
+        <p:sp>
+          <p:nvSpPr>
+            <p:cNvPr id="37" name="직사각형 36"/>
+            <p:cNvSpPr/>
             <p:nvPr/>
-          </p:nvCxnSpPr>
+          </p:nvSpPr>
           <p:spPr>
-            <a:xfrm flipH="1">
-              <a:off x="6073126" y="3650409"/>
-              <a:ext cx="4669857" cy="0"/>
+            <a:xfrm>
+              <a:off x="2522472" y="1600227"/>
+              <a:ext cx="184639" cy="193431"/>
             </a:xfrm>
-            <a:prstGeom prst="straightConnector1">
+            <a:prstGeom prst="rect">
               <a:avLst/>
             </a:prstGeom>
-            <a:ln w="19050">
-              <a:solidFill>
-                <a:schemeClr val="tx1"/>
-              </a:solidFill>
-              <a:tailEnd type="triangle"/>
+            <a:grpFill/>
+            <a:ln>
+              <a:noFill/>
             </a:ln>
           </p:spPr>
           <p:style>
-            <a:lnRef idx="1">
-              <a:schemeClr val="accent1"/>
+            <a:lnRef idx="2">
+              <a:schemeClr val="accent1">
+                <a:shade val="50000"/>
+              </a:schemeClr>
             </a:lnRef>
-            <a:fillRef idx="0">
+            <a:fillRef idx="1">
               <a:schemeClr val="accent1"/>
             </a:fillRef>
             <a:effectRef idx="0">
               <a:schemeClr val="accent1"/>
             </a:effectRef>
             <a:fontRef idx="minor">
-              <a:schemeClr val="tx1"/>
+              <a:schemeClr val="lt1"/>
             </a:fontRef>
           </p:style>
-        </p:cxnSp>
+          <p:txBody>
+            <a:bodyPr rtlCol="0" anchor="ctr"/>
+            <a:lstStyle/>
+            <a:p>
+              <a:pPr algn="ctr"/>
+              <a:endParaRPr lang="ko-KR" altLang="en-US" sz="1600"/>
+            </a:p>
+          </p:txBody>
+        </p:sp>
+      </p:grpSp>
+      <p:cxnSp>
+        <p:nvCxnSpPr>
+          <p:cNvPr id="14" name="직선 화살표 연결선 13"/>
+          <p:cNvCxnSpPr>
+            <a:stCxn id="33" idx="3"/>
+            <a:endCxn id="37" idx="1"/>
+          </p:cNvCxnSpPr>
+          <p:nvPr/>
+        </p:nvCxnSpPr>
+        <p:spPr>
+          <a:xfrm>
+            <a:off x="6073126" y="3483355"/>
+            <a:ext cx="4669857" cy="0"/>
+          </a:xfrm>
+          <a:prstGeom prst="straightConnector1">
+            <a:avLst/>
+          </a:prstGeom>
+          <a:ln w="19050">
+            <a:solidFill>
+              <a:schemeClr val="tx1"/>
+            </a:solidFill>
+            <a:tailEnd type="triangle"/>
+          </a:ln>
+        </p:spPr>
+        <p:style>
+          <a:lnRef idx="1">
+            <a:schemeClr val="accent1"/>
+          </a:lnRef>
+          <a:fillRef idx="0">
+            <a:schemeClr val="accent1"/>
+          </a:fillRef>
+          <a:effectRef idx="0">
+            <a:schemeClr val="accent1"/>
+          </a:effectRef>
+          <a:fontRef idx="minor">
+            <a:schemeClr val="tx1"/>
+          </a:fontRef>
+        </p:style>
+      </p:cxnSp>
+      <p:cxnSp>
+        <p:nvCxnSpPr>
+          <p:cNvPr id="20" name="직선 화살표 연결선 19"/>
+          <p:cNvCxnSpPr>
+            <a:stCxn id="36" idx="1"/>
+            <a:endCxn id="8" idx="3"/>
+          </p:cNvCxnSpPr>
+          <p:nvPr/>
+        </p:nvCxnSpPr>
+        <p:spPr>
+          <a:xfrm flipH="1">
+            <a:off x="6073126" y="3650409"/>
+            <a:ext cx="4669857" cy="0"/>
+          </a:xfrm>
+          <a:prstGeom prst="straightConnector1">
+            <a:avLst/>
+          </a:prstGeom>
+          <a:ln w="19050">
+            <a:solidFill>
+              <a:schemeClr val="tx1"/>
+            </a:solidFill>
+            <a:tailEnd type="triangle"/>
+          </a:ln>
+        </p:spPr>
+        <p:style>
+          <a:lnRef idx="1">
+            <a:schemeClr val="accent1"/>
+          </a:lnRef>
+          <a:fillRef idx="0">
+            <a:schemeClr val="accent1"/>
+          </a:fillRef>
+          <a:effectRef idx="0">
+            <a:schemeClr val="accent1"/>
+          </a:effectRef>
+          <a:fontRef idx="minor">
+            <a:schemeClr val="tx1"/>
+          </a:fontRef>
+        </p:style>
+      </p:cxnSp>
+      <p:sp>
+        <p:nvSpPr>
+          <p:cNvPr id="41" name="직사각형 40"/>
+          <p:cNvSpPr/>
+          <p:nvPr/>
+        </p:nvSpPr>
+        <p:spPr>
+          <a:xfrm>
+            <a:off x="6152806" y="2785848"/>
+            <a:ext cx="4530407" cy="524246"/>
+          </a:xfrm>
+          <a:prstGeom prst="rect">
+            <a:avLst/>
+          </a:prstGeom>
+        </p:spPr>
+        <p:txBody>
+          <a:bodyPr wrap="none">
+            <a:spAutoFit/>
+          </a:bodyPr>
+          <a:lstStyle/>
+          <a:p>
+            <a:pPr>
+              <a:lnSpc>
+                <a:spcPct val="150000"/>
+              </a:lnSpc>
+            </a:pPr>
+            <a:r>
+              <a:rPr lang="ko-KR" altLang="en-US" sz="1000"/>
+              <a:t>세션은 최대 참가자 수를 초과할 수 없다</a:t>
+            </a:r>
+            <a:r>
+              <a:rPr lang="en-US" altLang="ko-KR" sz="1000"/>
+              <a:t>.</a:t>
+            </a:r>
+          </a:p>
+          <a:p>
+            <a:pPr>
+              <a:lnSpc>
+                <a:spcPct val="150000"/>
+              </a:lnSpc>
+            </a:pPr>
+            <a:r>
+              <a:rPr lang="en-US" altLang="ko-KR" sz="1000"/>
+              <a:t>A session cannot contain more than the maximum number of participants</a:t>
+            </a:r>
+            <a:endParaRPr lang="ko-KR" altLang="en-US" sz="1000"/>
+          </a:p>
+        </p:txBody>
+      </p:sp>
+      <p:sp>
+        <p:nvSpPr>
+          <p:cNvPr id="42" name="직사각형 41"/>
+          <p:cNvSpPr/>
+          <p:nvPr/>
+        </p:nvSpPr>
+        <p:spPr>
+          <a:xfrm>
+            <a:off x="7660927" y="3803176"/>
+            <a:ext cx="3094117" cy="524246"/>
+          </a:xfrm>
+          <a:prstGeom prst="rect">
+            <a:avLst/>
+          </a:prstGeom>
+          <a:solidFill>
+            <a:schemeClr val="accent6">
+              <a:lumMod val="20000"/>
+              <a:lumOff val="80000"/>
+            </a:schemeClr>
+          </a:solidFill>
+        </p:spPr>
+        <p:txBody>
+          <a:bodyPr wrap="none">
+            <a:spAutoFit/>
+          </a:bodyPr>
+          <a:lstStyle/>
+          <a:p>
+            <a:pPr>
+              <a:lnSpc>
+                <a:spcPct val="150000"/>
+              </a:lnSpc>
+            </a:pPr>
+            <a:r>
+              <a:rPr lang="ko-KR" altLang="en-US" sz="1000"/>
+              <a:t>참가자는 </a:t>
+            </a:r>
+            <a:r>
+              <a:rPr lang="ko-KR" altLang="en-US" sz="1000">
+                <a:solidFill>
+                  <a:srgbClr val="0070C0"/>
+                </a:solidFill>
+              </a:rPr>
+              <a:t>겹치는 세션을</a:t>
+            </a:r>
+            <a:r>
+              <a:rPr lang="ko-KR" altLang="en-US" sz="1000"/>
+              <a:t> 예약할 수 없다</a:t>
+            </a:r>
+            <a:r>
+              <a:rPr lang="en-US" altLang="ko-KR" sz="1000"/>
+              <a:t>.</a:t>
+            </a:r>
+          </a:p>
+          <a:p>
+            <a:pPr>
+              <a:lnSpc>
+                <a:spcPct val="150000"/>
+              </a:lnSpc>
+            </a:pPr>
+            <a:r>
+              <a:rPr lang="en-US" altLang="ko-KR" sz="1000"/>
+              <a:t>A participant cannot reserve </a:t>
+            </a:r>
+            <a:r>
+              <a:rPr lang="en-US" altLang="ko-KR" sz="1000">
+                <a:solidFill>
+                  <a:srgbClr val="0070C0"/>
+                </a:solidFill>
+              </a:rPr>
+              <a:t>overlapping sessions</a:t>
+            </a:r>
+            <a:endParaRPr lang="ko-KR" altLang="en-US" sz="1000">
+              <a:solidFill>
+                <a:srgbClr val="0070C0"/>
+              </a:solidFill>
+            </a:endParaRPr>
+          </a:p>
+        </p:txBody>
+      </p:sp>
+      <p:sp>
+        <p:nvSpPr>
+          <p:cNvPr id="43" name="TextBox 42"/>
+          <p:cNvSpPr txBox="1"/>
+          <p:nvPr/>
+        </p:nvSpPr>
+        <p:spPr>
+          <a:xfrm>
+            <a:off x="5159893" y="5910425"/>
+            <a:ext cx="1005403" cy="738664"/>
+          </a:xfrm>
+          <a:prstGeom prst="rect">
+            <a:avLst/>
+          </a:prstGeom>
+          <a:noFill/>
+        </p:spPr>
+        <p:txBody>
+          <a:bodyPr wrap="none" rtlCol="0">
+            <a:spAutoFit/>
+          </a:bodyPr>
+          <a:lstStyle/>
+          <a:p>
+            <a:pPr algn="ctr">
+              <a:lnSpc>
+                <a:spcPct val="150000"/>
+              </a:lnSpc>
+            </a:pPr>
+            <a:r>
+              <a:rPr lang="ko-KR" altLang="en-US" sz="1600" b="1"/>
+              <a:t>트레이너</a:t>
+            </a:r>
+            <a:endParaRPr lang="en-US" altLang="ko-KR" sz="1600" b="1"/>
+          </a:p>
+          <a:p>
+            <a:pPr algn="ctr">
+              <a:lnSpc>
+                <a:spcPct val="150000"/>
+              </a:lnSpc>
+            </a:pPr>
+            <a:r>
+              <a:rPr lang="en-US" altLang="ko-KR" sz="1200" b="1"/>
+              <a:t>Trainer</a:t>
+            </a:r>
+            <a:endParaRPr lang="ko-KR" altLang="en-US" sz="1200" b="1"/>
+          </a:p>
+        </p:txBody>
+      </p:sp>
+      <p:cxnSp>
+        <p:nvCxnSpPr>
+          <p:cNvPr id="38" name="직선 화살표 연결선 37"/>
+          <p:cNvCxnSpPr>
+            <a:stCxn id="43" idx="0"/>
+            <a:endCxn id="24" idx="2"/>
+          </p:cNvCxnSpPr>
+          <p:nvPr/>
+        </p:nvCxnSpPr>
+        <p:spPr>
+          <a:xfrm flipV="1">
+            <a:off x="5662595" y="3890047"/>
+            <a:ext cx="0" cy="2020378"/>
+          </a:xfrm>
+          <a:prstGeom prst="straightConnector1">
+            <a:avLst/>
+          </a:prstGeom>
+          <a:ln w="19050">
+            <a:solidFill>
+              <a:schemeClr val="tx1"/>
+            </a:solidFill>
+            <a:tailEnd type="triangle"/>
+          </a:ln>
+        </p:spPr>
+        <p:style>
+          <a:lnRef idx="1">
+            <a:schemeClr val="accent1"/>
+          </a:lnRef>
+          <a:fillRef idx="0">
+            <a:schemeClr val="accent1"/>
+          </a:fillRef>
+          <a:effectRef idx="0">
+            <a:schemeClr val="accent1"/>
+          </a:effectRef>
+          <a:fontRef idx="minor">
+            <a:schemeClr val="tx1"/>
+          </a:fontRef>
+        </p:style>
+      </p:cxnSp>
+      <p:sp>
+        <p:nvSpPr>
+          <p:cNvPr id="48" name="TextBox 47"/>
+          <p:cNvSpPr txBox="1"/>
+          <p:nvPr/>
+        </p:nvSpPr>
+        <p:spPr>
+          <a:xfrm>
+            <a:off x="402100" y="3151383"/>
+            <a:ext cx="613245" cy="738664"/>
+          </a:xfrm>
+          <a:prstGeom prst="rect">
+            <a:avLst/>
+          </a:prstGeom>
+          <a:noFill/>
+        </p:spPr>
+        <p:txBody>
+          <a:bodyPr wrap="none" rtlCol="0">
+            <a:spAutoFit/>
+          </a:bodyPr>
+          <a:lstStyle/>
+          <a:p>
+            <a:pPr algn="ctr">
+              <a:lnSpc>
+                <a:spcPct val="150000"/>
+              </a:lnSpc>
+            </a:pPr>
+            <a:r>
+              <a:rPr lang="ko-KR" altLang="en-US" sz="1600" b="1"/>
+              <a:t>방</a:t>
+            </a:r>
+            <a:endParaRPr lang="en-US" altLang="ko-KR" sz="1600" b="1"/>
+          </a:p>
+          <a:p>
+            <a:pPr algn="ctr">
+              <a:lnSpc>
+                <a:spcPct val="150000"/>
+              </a:lnSpc>
+            </a:pPr>
+            <a:r>
+              <a:rPr lang="en-US" altLang="ko-KR" sz="1200" b="1"/>
+              <a:t>Room</a:t>
+            </a:r>
+            <a:endParaRPr lang="ko-KR" altLang="en-US" sz="1200" b="1"/>
+          </a:p>
+        </p:txBody>
+      </p:sp>
+      <p:cxnSp>
+        <p:nvCxnSpPr>
+          <p:cNvPr id="50" name="직선 화살표 연결선 49"/>
+          <p:cNvCxnSpPr>
+            <a:stCxn id="58" idx="3"/>
+            <a:endCxn id="54" idx="1"/>
+          </p:cNvCxnSpPr>
+          <p:nvPr/>
+        </p:nvCxnSpPr>
+        <p:spPr>
+          <a:xfrm>
+            <a:off x="1039487" y="3650409"/>
+            <a:ext cx="4212580" cy="0"/>
+          </a:xfrm>
+          <a:prstGeom prst="straightConnector1">
+            <a:avLst/>
+          </a:prstGeom>
+          <a:ln w="19050">
+            <a:solidFill>
+              <a:schemeClr val="tx1"/>
+            </a:solidFill>
+            <a:tailEnd type="triangle"/>
+          </a:ln>
+        </p:spPr>
+        <p:style>
+          <a:lnRef idx="1">
+            <a:schemeClr val="accent1"/>
+          </a:lnRef>
+          <a:fillRef idx="0">
+            <a:schemeClr val="accent1"/>
+          </a:fillRef>
+          <a:effectRef idx="0">
+            <a:schemeClr val="accent1"/>
+          </a:effectRef>
+          <a:fontRef idx="minor">
+            <a:schemeClr val="tx1"/>
+          </a:fontRef>
+        </p:style>
+      </p:cxnSp>
+      <p:grpSp>
+        <p:nvGrpSpPr>
+          <p:cNvPr id="53" name="그룹 52"/>
+          <p:cNvGrpSpPr/>
+          <p:nvPr/>
+        </p:nvGrpSpPr>
+        <p:grpSpPr>
+          <a:xfrm>
+            <a:off x="5252067" y="3386639"/>
+            <a:ext cx="184639" cy="360485"/>
+            <a:chOff x="2522472" y="1600227"/>
+            <a:chExt cx="184639" cy="360485"/>
+          </a:xfrm>
+          <a:noFill/>
+        </p:grpSpPr>
         <p:sp>
           <p:nvSpPr>
-            <p:cNvPr id="41" name="직사각형 40"/>
+            <p:cNvPr id="54" name="직사각형 53"/>
             <p:cNvSpPr/>
             <p:nvPr/>
           </p:nvSpPr>
           <p:spPr>
             <a:xfrm>
-              <a:off x="6152806" y="2785848"/>
-              <a:ext cx="4530407" cy="524246"/>
+              <a:off x="2522472" y="1767281"/>
+              <a:ext cx="184639" cy="193431"/>
             </a:xfrm>
             <a:prstGeom prst="rect">
               <a:avLst/>
             </a:prstGeom>
-          </p:spPr>
-          <p:txBody>
-            <a:bodyPr wrap="none">
-              <a:spAutoFit/>
-            </a:bodyPr>
-            <a:lstStyle/>
-            <a:p>
-              <a:pPr>
-                <a:lnSpc>
-                  <a:spcPct val="150000"/>
-                </a:lnSpc>
-              </a:pPr>
-              <a:r>
-                <a:rPr lang="ko-KR" altLang="en-US" sz="1000"/>
-                <a:t>세션은 최대 참가자 수를 초과할 수 없다</a:t>
-              </a:r>
-              <a:r>
-                <a:rPr lang="en-US" altLang="ko-KR" sz="1000"/>
-                <a:t>.</a:t>
-              </a:r>
-            </a:p>
-            <a:p>
-              <a:pPr>
-                <a:lnSpc>
-                  <a:spcPct val="150000"/>
-                </a:lnSpc>
-              </a:pPr>
-              <a:r>
-                <a:rPr lang="en-US" altLang="ko-KR" sz="1000"/>
-                <a:t>A session cannot contain more than the maximum number of participants</a:t>
-              </a:r>
-              <a:endParaRPr lang="ko-KR" altLang="en-US" sz="1000"/>
-            </a:p>
-          </p:txBody>
-        </p:sp>
-        <p:sp>
-          <p:nvSpPr>
-            <p:cNvPr id="42" name="직사각형 41"/>
-            <p:cNvSpPr/>
-            <p:nvPr/>
-          </p:nvSpPr>
-          <p:spPr>
-            <a:xfrm>
-              <a:off x="7660927" y="3803176"/>
-              <a:ext cx="3094117" cy="524246"/>
-            </a:xfrm>
-            <a:prstGeom prst="rect">
-              <a:avLst/>
-            </a:prstGeom>
-          </p:spPr>
-          <p:txBody>
-            <a:bodyPr wrap="none">
-              <a:spAutoFit/>
-            </a:bodyPr>
-            <a:lstStyle/>
-            <a:p>
-              <a:pPr>
-                <a:lnSpc>
-                  <a:spcPct val="150000"/>
-                </a:lnSpc>
-              </a:pPr>
-              <a:r>
-                <a:rPr lang="ko-KR" altLang="en-US" sz="1000"/>
-                <a:t>참가자는 </a:t>
-              </a:r>
-              <a:r>
-                <a:rPr lang="ko-KR" altLang="en-US" sz="1000">
-                  <a:solidFill>
-                    <a:srgbClr val="0070C0"/>
-                  </a:solidFill>
-                </a:rPr>
-                <a:t>겹치는 세션을</a:t>
-              </a:r>
-              <a:r>
-                <a:rPr lang="ko-KR" altLang="en-US" sz="1000"/>
-                <a:t> 예약할 수 없다</a:t>
-              </a:r>
-              <a:r>
-                <a:rPr lang="en-US" altLang="ko-KR" sz="1000"/>
-                <a:t>.</a:t>
-              </a:r>
-            </a:p>
-            <a:p>
-              <a:pPr>
-                <a:lnSpc>
-                  <a:spcPct val="150000"/>
-                </a:lnSpc>
-              </a:pPr>
-              <a:r>
-                <a:rPr lang="en-US" altLang="ko-KR" sz="1000"/>
-                <a:t>A participant cannot reserve </a:t>
-              </a:r>
-              <a:r>
-                <a:rPr lang="en-US" altLang="ko-KR" sz="1000">
-                  <a:solidFill>
-                    <a:srgbClr val="0070C0"/>
-                  </a:solidFill>
-                </a:rPr>
-                <a:t>overlapping sessions</a:t>
-              </a:r>
-              <a:endParaRPr lang="ko-KR" altLang="en-US" sz="1000">
-                <a:solidFill>
-                  <a:srgbClr val="0070C0"/>
-                </a:solidFill>
-              </a:endParaRPr>
-            </a:p>
-          </p:txBody>
-        </p:sp>
-        <p:sp>
-          <p:nvSpPr>
-            <p:cNvPr id="43" name="TextBox 42"/>
-            <p:cNvSpPr txBox="1"/>
-            <p:nvPr/>
-          </p:nvSpPr>
-          <p:spPr>
-            <a:xfrm>
-              <a:off x="5159893" y="5910425"/>
-              <a:ext cx="1005403" cy="738664"/>
-            </a:xfrm>
-            <a:prstGeom prst="rect">
-              <a:avLst/>
-            </a:prstGeom>
-            <a:noFill/>
-          </p:spPr>
-          <p:txBody>
-            <a:bodyPr wrap="none" rtlCol="0">
-              <a:spAutoFit/>
-            </a:bodyPr>
-            <a:lstStyle/>
-            <a:p>
-              <a:pPr algn="ctr">
-                <a:lnSpc>
-                  <a:spcPct val="150000"/>
-                </a:lnSpc>
-              </a:pPr>
-              <a:r>
-                <a:rPr lang="ko-KR" altLang="en-US" sz="1600" b="1"/>
-                <a:t>트레이너</a:t>
-              </a:r>
-              <a:endParaRPr lang="en-US" altLang="ko-KR" sz="1600" b="1"/>
-            </a:p>
-            <a:p>
-              <a:pPr algn="ctr">
-                <a:lnSpc>
-                  <a:spcPct val="150000"/>
-                </a:lnSpc>
-              </a:pPr>
-              <a:r>
-                <a:rPr lang="en-US" altLang="ko-KR" sz="1200" b="1"/>
-                <a:t>Trainer</a:t>
-              </a:r>
-              <a:endParaRPr lang="ko-KR" altLang="en-US" sz="1200" b="1"/>
-            </a:p>
-          </p:txBody>
-        </p:sp>
-        <p:cxnSp>
-          <p:nvCxnSpPr>
-            <p:cNvPr id="38" name="직선 화살표 연결선 37"/>
-            <p:cNvCxnSpPr>
-              <a:stCxn id="43" idx="0"/>
-              <a:endCxn id="24" idx="2"/>
-            </p:cNvCxnSpPr>
-            <p:nvPr/>
-          </p:nvCxnSpPr>
-          <p:spPr>
-            <a:xfrm flipV="1">
-              <a:off x="5662595" y="3890047"/>
-              <a:ext cx="0" cy="2020378"/>
-            </a:xfrm>
-            <a:prstGeom prst="straightConnector1">
-              <a:avLst/>
-            </a:prstGeom>
-            <a:ln w="19050">
-              <a:solidFill>
-                <a:schemeClr val="tx1"/>
-              </a:solidFill>
-              <a:tailEnd type="triangle"/>
+            <a:grpFill/>
+            <a:ln>
+              <a:noFill/>
             </a:ln>
           </p:spPr>
           <p:style>
-            <a:lnRef idx="1">
-              <a:schemeClr val="accent1"/>
+            <a:lnRef idx="2">
+              <a:schemeClr val="accent1">
+                <a:shade val="50000"/>
+              </a:schemeClr>
             </a:lnRef>
-            <a:fillRef idx="0">
+            <a:fillRef idx="1">
               <a:schemeClr val="accent1"/>
             </a:fillRef>
             <a:effectRef idx="0">
               <a:schemeClr val="accent1"/>
             </a:effectRef>
             <a:fontRef idx="minor">
-              <a:schemeClr val="tx1"/>
+              <a:schemeClr val="lt1"/>
             </a:fontRef>
           </p:style>
-        </p:cxnSp>
+          <p:txBody>
+            <a:bodyPr rtlCol="0" anchor="ctr"/>
+            <a:lstStyle/>
+            <a:p>
+              <a:pPr algn="ctr"/>
+              <a:endParaRPr lang="ko-KR" altLang="en-US" sz="1600"/>
+            </a:p>
+          </p:txBody>
+        </p:sp>
         <p:sp>
           <p:nvSpPr>
-            <p:cNvPr id="48" name="TextBox 47"/>
-            <p:cNvSpPr txBox="1"/>
+            <p:cNvPr id="55" name="직사각형 54"/>
+            <p:cNvSpPr/>
             <p:nvPr/>
           </p:nvSpPr>
           <p:spPr>
             <a:xfrm>
-              <a:off x="402100" y="3151383"/>
-              <a:ext cx="613245" cy="738664"/>
+              <a:off x="2522472" y="1600227"/>
+              <a:ext cx="184639" cy="193431"/>
             </a:xfrm>
             <a:prstGeom prst="rect">
               <a:avLst/>
             </a:prstGeom>
-            <a:noFill/>
-          </p:spPr>
-          <p:txBody>
-            <a:bodyPr wrap="none" rtlCol="0">
-              <a:spAutoFit/>
-            </a:bodyPr>
-            <a:lstStyle/>
-            <a:p>
-              <a:pPr algn="ctr">
-                <a:lnSpc>
-                  <a:spcPct val="150000"/>
-                </a:lnSpc>
-              </a:pPr>
-              <a:r>
-                <a:rPr lang="ko-KR" altLang="en-US" sz="1600" b="1"/>
-                <a:t>방</a:t>
-              </a:r>
-              <a:endParaRPr lang="en-US" altLang="ko-KR" sz="1600" b="1"/>
-            </a:p>
-            <a:p>
-              <a:pPr algn="ctr">
-                <a:lnSpc>
-                  <a:spcPct val="150000"/>
-                </a:lnSpc>
-              </a:pPr>
-              <a:r>
-                <a:rPr lang="en-US" altLang="ko-KR" sz="1200" b="1"/>
-                <a:t>Room</a:t>
-              </a:r>
-              <a:endParaRPr lang="ko-KR" altLang="en-US" sz="1200" b="1"/>
-            </a:p>
-          </p:txBody>
-        </p:sp>
-        <p:cxnSp>
-          <p:nvCxnSpPr>
-            <p:cNvPr id="50" name="직선 화살표 연결선 49"/>
-            <p:cNvCxnSpPr>
-              <a:stCxn id="58" idx="3"/>
-              <a:endCxn id="54" idx="1"/>
-            </p:cNvCxnSpPr>
-            <p:nvPr/>
-          </p:nvCxnSpPr>
-          <p:spPr>
-            <a:xfrm>
-              <a:off x="1039487" y="3650409"/>
-              <a:ext cx="4212580" cy="0"/>
-            </a:xfrm>
-            <a:prstGeom prst="straightConnector1">
-              <a:avLst/>
-            </a:prstGeom>
-            <a:ln w="19050">
-              <a:solidFill>
-                <a:schemeClr val="tx1"/>
-              </a:solidFill>
-              <a:tailEnd type="triangle"/>
+            <a:grpFill/>
+            <a:ln>
+              <a:noFill/>
             </a:ln>
           </p:spPr>
           <p:style>
-            <a:lnRef idx="1">
-              <a:schemeClr val="accent1"/>
+            <a:lnRef idx="2">
+              <a:schemeClr val="accent1">
+                <a:shade val="50000"/>
+              </a:schemeClr>
             </a:lnRef>
-            <a:fillRef idx="0">
+            <a:fillRef idx="1">
               <a:schemeClr val="accent1"/>
             </a:fillRef>
             <a:effectRef idx="0">
               <a:schemeClr val="accent1"/>
             </a:effectRef>
             <a:fontRef idx="minor">
-              <a:schemeClr val="tx1"/>
+              <a:schemeClr val="lt1"/>
             </a:fontRef>
           </p:style>
-        </p:cxnSp>
-        <p:grpSp>
-          <p:nvGrpSpPr>
-            <p:cNvPr id="53" name="그룹 52"/>
-            <p:cNvGrpSpPr/>
-            <p:nvPr/>
-          </p:nvGrpSpPr>
-          <p:grpSpPr>
-            <a:xfrm>
-              <a:off x="5252067" y="3386639"/>
-              <a:ext cx="184639" cy="360485"/>
-              <a:chOff x="2522472" y="1600227"/>
-              <a:chExt cx="184639" cy="360485"/>
-            </a:xfrm>
-            <a:noFill/>
-          </p:grpSpPr>
-          <p:sp>
-            <p:nvSpPr>
-              <p:cNvPr id="54" name="직사각형 53"/>
-              <p:cNvSpPr/>
-              <p:nvPr/>
-            </p:nvSpPr>
-            <p:spPr>
-              <a:xfrm>
-                <a:off x="2522472" y="1767281"/>
-                <a:ext cx="184639" cy="193431"/>
-              </a:xfrm>
-              <a:prstGeom prst="rect">
-                <a:avLst/>
-              </a:prstGeom>
-              <a:grpFill/>
-              <a:ln>
-                <a:noFill/>
-              </a:ln>
-            </p:spPr>
-            <p:style>
-              <a:lnRef idx="2">
-                <a:schemeClr val="accent1">
-                  <a:shade val="50000"/>
-                </a:schemeClr>
-              </a:lnRef>
-              <a:fillRef idx="1">
-                <a:schemeClr val="accent1"/>
-              </a:fillRef>
-              <a:effectRef idx="0">
-                <a:schemeClr val="accent1"/>
-              </a:effectRef>
-              <a:fontRef idx="minor">
-                <a:schemeClr val="lt1"/>
-              </a:fontRef>
-            </p:style>
-            <p:txBody>
-              <a:bodyPr rtlCol="0" anchor="ctr"/>
-              <a:lstStyle/>
-              <a:p>
-                <a:pPr algn="ctr"/>
-                <a:endParaRPr lang="ko-KR" altLang="en-US" sz="1600"/>
-              </a:p>
-            </p:txBody>
-          </p:sp>
-          <p:sp>
-            <p:nvSpPr>
-              <p:cNvPr id="55" name="직사각형 54"/>
-              <p:cNvSpPr/>
-              <p:nvPr/>
-            </p:nvSpPr>
-            <p:spPr>
-              <a:xfrm>
-                <a:off x="2522472" y="1600227"/>
-                <a:ext cx="184639" cy="193431"/>
-              </a:xfrm>
-              <a:prstGeom prst="rect">
-                <a:avLst/>
-              </a:prstGeom>
-              <a:grpFill/>
-              <a:ln>
-                <a:noFill/>
-              </a:ln>
-            </p:spPr>
-            <p:style>
-              <a:lnRef idx="2">
-                <a:schemeClr val="accent1">
-                  <a:shade val="50000"/>
-                </a:schemeClr>
-              </a:lnRef>
-              <a:fillRef idx="1">
-                <a:schemeClr val="accent1"/>
-              </a:fillRef>
-              <a:effectRef idx="0">
-                <a:schemeClr val="accent1"/>
-              </a:effectRef>
-              <a:fontRef idx="minor">
-                <a:schemeClr val="lt1"/>
-              </a:fontRef>
-            </p:style>
-            <p:txBody>
-              <a:bodyPr rtlCol="0" anchor="ctr"/>
-              <a:lstStyle/>
-              <a:p>
-                <a:pPr algn="ctr"/>
-                <a:endParaRPr lang="ko-KR" altLang="en-US" sz="1600"/>
-              </a:p>
-            </p:txBody>
-          </p:sp>
-        </p:grpSp>
-        <p:grpSp>
-          <p:nvGrpSpPr>
-            <p:cNvPr id="57" name="그룹 56"/>
-            <p:cNvGrpSpPr/>
-            <p:nvPr/>
-          </p:nvGrpSpPr>
-          <p:grpSpPr>
-            <a:xfrm>
-              <a:off x="854848" y="3386639"/>
-              <a:ext cx="184639" cy="360485"/>
-              <a:chOff x="2522472" y="1600227"/>
-              <a:chExt cx="184639" cy="360485"/>
-            </a:xfrm>
-            <a:noFill/>
-          </p:grpSpPr>
-          <p:sp>
-            <p:nvSpPr>
-              <p:cNvPr id="58" name="직사각형 57"/>
-              <p:cNvSpPr/>
-              <p:nvPr/>
-            </p:nvSpPr>
-            <p:spPr>
-              <a:xfrm>
-                <a:off x="2522472" y="1767281"/>
-                <a:ext cx="184639" cy="193431"/>
-              </a:xfrm>
-              <a:prstGeom prst="rect">
-                <a:avLst/>
-              </a:prstGeom>
-              <a:grpFill/>
-              <a:ln>
-                <a:noFill/>
-              </a:ln>
-            </p:spPr>
-            <p:style>
-              <a:lnRef idx="2">
-                <a:schemeClr val="accent1">
-                  <a:shade val="50000"/>
-                </a:schemeClr>
-              </a:lnRef>
-              <a:fillRef idx="1">
-                <a:schemeClr val="accent1"/>
-              </a:fillRef>
-              <a:effectRef idx="0">
-                <a:schemeClr val="accent1"/>
-              </a:effectRef>
-              <a:fontRef idx="minor">
-                <a:schemeClr val="lt1"/>
-              </a:fontRef>
-            </p:style>
-            <p:txBody>
-              <a:bodyPr rtlCol="0" anchor="ctr"/>
-              <a:lstStyle/>
-              <a:p>
-                <a:pPr algn="ctr"/>
-                <a:endParaRPr lang="ko-KR" altLang="en-US" sz="1600"/>
-              </a:p>
-            </p:txBody>
-          </p:sp>
-          <p:sp>
-            <p:nvSpPr>
-              <p:cNvPr id="59" name="직사각형 58"/>
-              <p:cNvSpPr/>
-              <p:nvPr/>
-            </p:nvSpPr>
-            <p:spPr>
-              <a:xfrm>
-                <a:off x="2522472" y="1600227"/>
-                <a:ext cx="184639" cy="193431"/>
-              </a:xfrm>
-              <a:prstGeom prst="rect">
-                <a:avLst/>
-              </a:prstGeom>
-              <a:grpFill/>
-              <a:ln>
-                <a:noFill/>
-              </a:ln>
-            </p:spPr>
-            <p:style>
-              <a:lnRef idx="2">
-                <a:schemeClr val="accent1">
-                  <a:shade val="50000"/>
-                </a:schemeClr>
-              </a:lnRef>
-              <a:fillRef idx="1">
-                <a:schemeClr val="accent1"/>
-              </a:fillRef>
-              <a:effectRef idx="0">
-                <a:schemeClr val="accent1"/>
-              </a:effectRef>
-              <a:fontRef idx="minor">
-                <a:schemeClr val="lt1"/>
-              </a:fontRef>
-            </p:style>
-            <p:txBody>
-              <a:bodyPr rtlCol="0" anchor="ctr"/>
-              <a:lstStyle/>
-              <a:p>
-                <a:pPr algn="ctr"/>
-                <a:endParaRPr lang="ko-KR" altLang="en-US" sz="1600"/>
-              </a:p>
-            </p:txBody>
-          </p:sp>
-        </p:grpSp>
+          <p:txBody>
+            <a:bodyPr rtlCol="0" anchor="ctr"/>
+            <a:lstStyle/>
+            <a:p>
+              <a:pPr algn="ctr"/>
+              <a:endParaRPr lang="ko-KR" altLang="en-US" sz="1600"/>
+            </a:p>
+          </p:txBody>
+        </p:sp>
+      </p:grpSp>
+      <p:grpSp>
+        <p:nvGrpSpPr>
+          <p:cNvPr id="57" name="그룹 56"/>
+          <p:cNvGrpSpPr/>
+          <p:nvPr/>
+        </p:nvGrpSpPr>
+        <p:grpSpPr>
+          <a:xfrm>
+            <a:off x="854848" y="3386639"/>
+            <a:ext cx="184639" cy="360485"/>
+            <a:chOff x="2522472" y="1600227"/>
+            <a:chExt cx="184639" cy="360485"/>
+          </a:xfrm>
+          <a:noFill/>
+        </p:grpSpPr>
         <p:sp>
           <p:nvSpPr>
-            <p:cNvPr id="62" name="직사각형 61"/>
+            <p:cNvPr id="58" name="직사각형 57"/>
             <p:cNvSpPr/>
             <p:nvPr/>
           </p:nvSpPr>
           <p:spPr>
             <a:xfrm>
-              <a:off x="1005683" y="3912634"/>
-              <a:ext cx="4385801" cy="524246"/>
+              <a:off x="2522472" y="1767281"/>
+              <a:ext cx="184639" cy="193431"/>
             </a:xfrm>
             <a:prstGeom prst="rect">
               <a:avLst/>
             </a:prstGeom>
-            <a:noFill/>
-          </p:spPr>
-          <p:txBody>
-            <a:bodyPr wrap="square">
-              <a:spAutoFit/>
-            </a:bodyPr>
-            <a:lstStyle/>
-            <a:p>
-              <a:pPr>
-                <a:lnSpc>
-                  <a:spcPct val="150000"/>
-                </a:lnSpc>
-              </a:pPr>
-              <a:r>
-                <a:rPr lang="ko-KR" altLang="en-US" sz="1000"/>
-                <a:t>방은 </a:t>
-              </a:r>
-              <a:r>
-                <a:rPr lang="ko-KR" altLang="en-US" sz="1000">
-                  <a:solidFill>
-                    <a:srgbClr val="C00000"/>
-                  </a:solidFill>
-                </a:rPr>
-                <a:t>구독</a:t>
-              </a:r>
-              <a:r>
-                <a:rPr lang="en-GB" altLang="ko-KR" sz="1000">
-                  <a:solidFill>
-                    <a:srgbClr val="C00000"/>
-                  </a:solidFill>
-                </a:rPr>
-                <a:t>(</a:t>
-              </a:r>
-              <a:r>
-                <a:rPr lang="ko-KR" altLang="en-US" sz="1000">
-                  <a:solidFill>
-                    <a:srgbClr val="C00000"/>
-                  </a:solidFill>
-                </a:rPr>
-                <a:t>구독 등급</a:t>
-              </a:r>
-              <a:r>
-                <a:rPr lang="en-GB" altLang="ko-KR" sz="1000">
-                  <a:solidFill>
-                    <a:srgbClr val="C00000"/>
-                  </a:solidFill>
-                </a:rPr>
-                <a:t>)</a:t>
-              </a:r>
-              <a:r>
-                <a:rPr lang="ko-KR" altLang="en-US" sz="1000">
-                  <a:solidFill>
-                    <a:srgbClr val="C00000"/>
-                  </a:solidFill>
-                </a:rPr>
-                <a:t>이 허용하는 개수보다</a:t>
-              </a:r>
-              <a:r>
-                <a:rPr lang="ko-KR" altLang="en-US" sz="1000"/>
-                <a:t> 더 많은 세션을 가질 수 없다</a:t>
-              </a:r>
-              <a:r>
-                <a:rPr lang="en-US" altLang="ko-KR" sz="1000"/>
-                <a:t>.</a:t>
-              </a:r>
-            </a:p>
-            <a:p>
-              <a:pPr>
-                <a:lnSpc>
-                  <a:spcPct val="150000"/>
-                </a:lnSpc>
-              </a:pPr>
-              <a:r>
-                <a:rPr lang="en-US" altLang="ko-KR" sz="1000"/>
-                <a:t>A room cannot have </a:t>
-              </a:r>
-              <a:r>
-                <a:rPr lang="en-US" altLang="ko-KR" sz="1000">
-                  <a:solidFill>
-                    <a:srgbClr val="C00000"/>
-                  </a:solidFill>
-                </a:rPr>
-                <a:t>more sessions than the subscription allows</a:t>
-              </a:r>
-              <a:endParaRPr lang="ko-KR" altLang="en-US" sz="1000">
-                <a:solidFill>
-                  <a:srgbClr val="C00000"/>
-                </a:solidFill>
-              </a:endParaRPr>
-            </a:p>
-          </p:txBody>
-        </p:sp>
-        <p:sp>
-          <p:nvSpPr>
-            <p:cNvPr id="63" name="직사각형 62"/>
-            <p:cNvSpPr/>
-            <p:nvPr/>
-          </p:nvSpPr>
-          <p:spPr>
-            <a:xfrm>
-              <a:off x="1005684" y="4597862"/>
-              <a:ext cx="3467616" cy="524246"/>
-            </a:xfrm>
-            <a:prstGeom prst="rect">
-              <a:avLst/>
-            </a:prstGeom>
-            <a:noFill/>
-          </p:spPr>
-          <p:txBody>
-            <a:bodyPr wrap="none">
-              <a:spAutoFit/>
-            </a:bodyPr>
-            <a:lstStyle/>
-            <a:p>
-              <a:pPr>
-                <a:lnSpc>
-                  <a:spcPct val="150000"/>
-                </a:lnSpc>
-              </a:pPr>
-              <a:r>
-                <a:rPr lang="ko-KR" altLang="en-US" sz="1000"/>
-                <a:t>방은 두 개 이상의 </a:t>
-              </a:r>
-              <a:r>
-                <a:rPr lang="ko-KR" altLang="en-US" sz="1000">
-                  <a:solidFill>
-                    <a:srgbClr val="0070C0"/>
-                  </a:solidFill>
-                </a:rPr>
-                <a:t>겹치는 세션을</a:t>
-              </a:r>
-              <a:r>
-                <a:rPr lang="ko-KR" altLang="en-US" sz="1000"/>
-                <a:t> 가질 수 없다</a:t>
-              </a:r>
-              <a:r>
-                <a:rPr lang="en-GB" altLang="ko-KR" sz="1000"/>
-                <a:t>.</a:t>
-              </a:r>
-              <a:endParaRPr lang="en-US" altLang="ko-KR" sz="1000"/>
-            </a:p>
-            <a:p>
-              <a:pPr>
-                <a:lnSpc>
-                  <a:spcPct val="150000"/>
-                </a:lnSpc>
-              </a:pPr>
-              <a:r>
-                <a:rPr lang="en-US" altLang="ko-KR" sz="1000"/>
-                <a:t>A room cannot have two or more </a:t>
-              </a:r>
-              <a:r>
-                <a:rPr lang="en-US" altLang="ko-KR" sz="1000">
-                  <a:solidFill>
-                    <a:srgbClr val="0070C0"/>
-                  </a:solidFill>
-                </a:rPr>
-                <a:t>overlapping sessions</a:t>
-              </a:r>
-              <a:endParaRPr lang="ko-KR" altLang="en-US" sz="1000">
-                <a:solidFill>
-                  <a:srgbClr val="0070C0"/>
-                </a:solidFill>
-              </a:endParaRPr>
-            </a:p>
-          </p:txBody>
-        </p:sp>
-        <p:sp>
-          <p:nvSpPr>
-            <p:cNvPr id="64" name="TextBox 63"/>
-            <p:cNvSpPr txBox="1"/>
-            <p:nvPr/>
-          </p:nvSpPr>
-          <p:spPr>
-            <a:xfrm>
-              <a:off x="308613" y="864427"/>
-              <a:ext cx="800219" cy="702949"/>
-            </a:xfrm>
-            <a:prstGeom prst="rect">
-              <a:avLst/>
-            </a:prstGeom>
-            <a:noFill/>
-          </p:spPr>
-          <p:txBody>
-            <a:bodyPr wrap="none" rtlCol="0">
-              <a:spAutoFit/>
-            </a:bodyPr>
-            <a:lstStyle/>
-            <a:p>
-              <a:pPr algn="ctr">
-                <a:lnSpc>
-                  <a:spcPct val="150000"/>
-                </a:lnSpc>
-              </a:pPr>
-              <a:r>
-                <a:rPr lang="ko-KR" altLang="en-US" sz="1600" b="1"/>
-                <a:t>헬스장</a:t>
-              </a:r>
-              <a:endParaRPr lang="en-US" altLang="ko-KR" sz="1600" b="1"/>
-            </a:p>
-            <a:p>
-              <a:pPr algn="ctr">
-                <a:lnSpc>
-                  <a:spcPct val="150000"/>
-                </a:lnSpc>
-              </a:pPr>
-              <a:r>
-                <a:rPr lang="en-US" altLang="ko-KR" sz="1200" b="1"/>
-                <a:t>Gym</a:t>
-              </a:r>
-              <a:endParaRPr lang="ko-KR" altLang="en-US" sz="1200" b="1"/>
-            </a:p>
-          </p:txBody>
-        </p:sp>
-        <p:cxnSp>
-          <p:nvCxnSpPr>
-            <p:cNvPr id="66" name="직선 화살표 연결선 65"/>
-            <p:cNvCxnSpPr>
-              <a:stCxn id="64" idx="2"/>
-              <a:endCxn id="48" idx="0"/>
-            </p:cNvCxnSpPr>
-            <p:nvPr/>
-          </p:nvCxnSpPr>
-          <p:spPr>
-            <a:xfrm>
-              <a:off x="708723" y="1567376"/>
-              <a:ext cx="0" cy="1584007"/>
-            </a:xfrm>
-            <a:prstGeom prst="straightConnector1">
-              <a:avLst/>
-            </a:prstGeom>
-            <a:ln w="19050">
-              <a:solidFill>
-                <a:schemeClr val="tx1"/>
-              </a:solidFill>
-              <a:tailEnd type="triangle"/>
+            <a:grpFill/>
+            <a:ln>
+              <a:noFill/>
             </a:ln>
           </p:spPr>
           <p:style>
-            <a:lnRef idx="1">
-              <a:schemeClr val="accent1"/>
+            <a:lnRef idx="2">
+              <a:schemeClr val="accent1">
+                <a:shade val="50000"/>
+              </a:schemeClr>
             </a:lnRef>
-            <a:fillRef idx="0">
+            <a:fillRef idx="1">
               <a:schemeClr val="accent1"/>
             </a:fillRef>
             <a:effectRef idx="0">
               <a:schemeClr val="accent1"/>
             </a:effectRef>
             <a:fontRef idx="minor">
-              <a:schemeClr val="tx1"/>
+              <a:schemeClr val="lt1"/>
             </a:fontRef>
           </p:style>
-        </p:cxnSp>
+          <p:txBody>
+            <a:bodyPr rtlCol="0" anchor="ctr"/>
+            <a:lstStyle/>
+            <a:p>
+              <a:pPr algn="ctr"/>
+              <a:endParaRPr lang="ko-KR" altLang="en-US" sz="1600"/>
+            </a:p>
+          </p:txBody>
+        </p:sp>
         <p:sp>
           <p:nvSpPr>
-            <p:cNvPr id="67" name="직사각형 66"/>
+            <p:cNvPr id="59" name="직사각형 58"/>
             <p:cNvSpPr/>
             <p:nvPr/>
           </p:nvSpPr>
           <p:spPr>
             <a:xfrm>
-              <a:off x="734633" y="1907493"/>
-              <a:ext cx="4648705" cy="524246"/>
+              <a:off x="2522472" y="1600227"/>
+              <a:ext cx="184639" cy="193431"/>
             </a:xfrm>
             <a:prstGeom prst="rect">
               <a:avLst/>
             </a:prstGeom>
-            <a:noFill/>
-          </p:spPr>
-          <p:txBody>
-            <a:bodyPr wrap="square">
-              <a:spAutoFit/>
-            </a:bodyPr>
-            <a:lstStyle/>
-            <a:p>
-              <a:pPr>
-                <a:lnSpc>
-                  <a:spcPct val="150000"/>
-                </a:lnSpc>
-              </a:pPr>
-              <a:r>
-                <a:rPr lang="ko-KR" altLang="en-US" sz="1000"/>
-                <a:t>헬스장은 </a:t>
-              </a:r>
-              <a:r>
-                <a:rPr lang="ko-KR" altLang="en-US" sz="1000">
-                  <a:solidFill>
-                    <a:srgbClr val="C00000"/>
-                  </a:solidFill>
-                </a:rPr>
-                <a:t>구독</a:t>
-              </a:r>
-              <a:r>
-                <a:rPr lang="en-GB" altLang="ko-KR" sz="1000">
-                  <a:solidFill>
-                    <a:srgbClr val="C00000"/>
-                  </a:solidFill>
-                </a:rPr>
-                <a:t>(</a:t>
-              </a:r>
-              <a:r>
-                <a:rPr lang="ko-KR" altLang="en-US" sz="1000">
-                  <a:solidFill>
-                    <a:srgbClr val="C00000"/>
-                  </a:solidFill>
-                </a:rPr>
-                <a:t>구독 등급</a:t>
-              </a:r>
-              <a:r>
-                <a:rPr lang="en-GB" altLang="ko-KR" sz="1000">
-                  <a:solidFill>
-                    <a:srgbClr val="C00000"/>
-                  </a:solidFill>
-                </a:rPr>
-                <a:t>)</a:t>
-              </a:r>
-              <a:r>
-                <a:rPr lang="ko-KR" altLang="en-US" sz="1000">
-                  <a:solidFill>
-                    <a:srgbClr val="C00000"/>
-                  </a:solidFill>
-                </a:rPr>
-                <a:t>이 허용하는 개수보다</a:t>
-              </a:r>
-              <a:r>
-                <a:rPr lang="ko-KR" altLang="en-US" sz="1000"/>
-                <a:t> 더 많은 방을 가질 수 없다</a:t>
-              </a:r>
-              <a:r>
-                <a:rPr lang="en-US" altLang="ko-KR" sz="1000"/>
-                <a:t>.</a:t>
-              </a:r>
-            </a:p>
-            <a:p>
-              <a:pPr>
-                <a:lnSpc>
-                  <a:spcPct val="150000"/>
-                </a:lnSpc>
-              </a:pPr>
-              <a:r>
-                <a:rPr lang="en-US" altLang="ko-KR" sz="1000"/>
-                <a:t>A gym cannot have </a:t>
-              </a:r>
-              <a:r>
-                <a:rPr lang="en-US" altLang="ko-KR" sz="1000">
-                  <a:solidFill>
-                    <a:srgbClr val="C00000"/>
-                  </a:solidFill>
-                </a:rPr>
-                <a:t>more rooms than the subscription allows</a:t>
-              </a:r>
-              <a:endParaRPr lang="ko-KR" altLang="en-US" sz="1000">
-                <a:solidFill>
-                  <a:srgbClr val="C00000"/>
-                </a:solidFill>
-              </a:endParaRPr>
-            </a:p>
-          </p:txBody>
-        </p:sp>
-        <p:sp>
-          <p:nvSpPr>
-            <p:cNvPr id="70" name="TextBox 69"/>
-            <p:cNvSpPr txBox="1"/>
-            <p:nvPr/>
-          </p:nvSpPr>
-          <p:spPr>
-            <a:xfrm>
-              <a:off x="6496110" y="864427"/>
-              <a:ext cx="1094082" cy="738664"/>
-            </a:xfrm>
-            <a:prstGeom prst="rect">
-              <a:avLst/>
-            </a:prstGeom>
-            <a:noFill/>
-          </p:spPr>
-          <p:txBody>
-            <a:bodyPr wrap="none" rtlCol="0">
-              <a:spAutoFit/>
-            </a:bodyPr>
-            <a:lstStyle/>
-            <a:p>
-              <a:pPr algn="ctr">
-                <a:lnSpc>
-                  <a:spcPct val="150000"/>
-                </a:lnSpc>
-              </a:pPr>
-              <a:r>
-                <a:rPr lang="ko-KR" altLang="en-US" sz="1600" b="1"/>
-                <a:t>구독</a:t>
-              </a:r>
-              <a:endParaRPr lang="en-US" altLang="ko-KR" sz="1600" b="1"/>
-            </a:p>
-            <a:p>
-              <a:pPr algn="ctr">
-                <a:lnSpc>
-                  <a:spcPct val="150000"/>
-                </a:lnSpc>
-              </a:pPr>
-              <a:r>
-                <a:rPr lang="en-US" altLang="ko-KR" sz="1200" b="1"/>
-                <a:t>Subscription</a:t>
-              </a:r>
-              <a:endParaRPr lang="ko-KR" altLang="en-US" sz="1200" b="1"/>
-            </a:p>
-          </p:txBody>
-        </p:sp>
-        <p:cxnSp>
-          <p:nvCxnSpPr>
-            <p:cNvPr id="72" name="직선 화살표 연결선 71"/>
-            <p:cNvCxnSpPr>
-              <a:stCxn id="70" idx="1"/>
-              <a:endCxn id="64" idx="3"/>
-            </p:cNvCxnSpPr>
-            <p:nvPr/>
-          </p:nvCxnSpPr>
-          <p:spPr>
-            <a:xfrm flipH="1" flipV="1">
-              <a:off x="1108832" y="1215902"/>
-              <a:ext cx="5387278" cy="17857"/>
-            </a:xfrm>
-            <a:prstGeom prst="straightConnector1">
-              <a:avLst/>
-            </a:prstGeom>
-            <a:ln w="19050">
-              <a:solidFill>
-                <a:schemeClr val="tx1"/>
-              </a:solidFill>
-              <a:tailEnd type="triangle"/>
+            <a:grpFill/>
+            <a:ln>
+              <a:noFill/>
             </a:ln>
           </p:spPr>
           <p:style>
-            <a:lnRef idx="1">
-              <a:schemeClr val="accent1"/>
+            <a:lnRef idx="2">
+              <a:schemeClr val="accent1">
+                <a:shade val="50000"/>
+              </a:schemeClr>
             </a:lnRef>
-            <a:fillRef idx="0">
+            <a:fillRef idx="1">
               <a:schemeClr val="accent1"/>
             </a:fillRef>
             <a:effectRef idx="0">
               <a:schemeClr val="accent1"/>
             </a:effectRef>
             <a:fontRef idx="minor">
-              <a:schemeClr val="tx1"/>
+              <a:schemeClr val="lt1"/>
             </a:fontRef>
           </p:style>
-        </p:cxnSp>
-        <p:sp>
-          <p:nvSpPr>
-            <p:cNvPr id="78" name="TextBox 77"/>
-            <p:cNvSpPr txBox="1"/>
-            <p:nvPr/>
-          </p:nvSpPr>
-          <p:spPr>
-            <a:xfrm>
-              <a:off x="7617976" y="741317"/>
-              <a:ext cx="742511" cy="861774"/>
-            </a:xfrm>
-            <a:prstGeom prst="rect">
-              <a:avLst/>
-            </a:prstGeom>
-            <a:noFill/>
-          </p:spPr>
           <p:txBody>
-            <a:bodyPr wrap="none" rtlCol="0">
-              <a:spAutoFit/>
-            </a:bodyPr>
+            <a:bodyPr rtlCol="0" anchor="ctr"/>
             <a:lstStyle/>
             <a:p>
-              <a:pPr>
-                <a:lnSpc>
-                  <a:spcPct val="150000"/>
-                </a:lnSpc>
-              </a:pPr>
-              <a:r>
-                <a:rPr lang="ko-KR" altLang="en-US" sz="1000"/>
-                <a:t>구독 등급</a:t>
-              </a:r>
-              <a:endParaRPr lang="en-US" altLang="ko-KR" sz="1000"/>
-            </a:p>
-            <a:p>
-              <a:pPr marL="171450" indent="-171450">
-                <a:lnSpc>
-                  <a:spcPct val="150000"/>
-                </a:lnSpc>
-                <a:buFontTx/>
-                <a:buChar char="-"/>
-              </a:pPr>
-              <a:r>
-                <a:rPr lang="en-US" altLang="ko-KR" sz="1000"/>
-                <a:t>Free</a:t>
-              </a:r>
-            </a:p>
-            <a:p>
-              <a:pPr marL="171450" indent="-171450">
-                <a:buFontTx/>
-                <a:buChar char="-"/>
-              </a:pPr>
-              <a:r>
-                <a:rPr lang="en-US" altLang="ko-KR" sz="1000"/>
-                <a:t>Starter</a:t>
-              </a:r>
-            </a:p>
-            <a:p>
-              <a:pPr marL="171450" indent="-171450">
-                <a:buFontTx/>
-                <a:buChar char="-"/>
-              </a:pPr>
-              <a:r>
-                <a:rPr lang="en-US" altLang="ko-KR" sz="1000"/>
-                <a:t>Pro</a:t>
-              </a:r>
-              <a:endParaRPr lang="ko-KR" altLang="en-US" sz="1000"/>
+              <a:pPr algn="ctr"/>
+              <a:endParaRPr lang="ko-KR" altLang="en-US" sz="1600"/>
             </a:p>
           </p:txBody>
         </p:sp>
-        <p:sp>
-          <p:nvSpPr>
-            <p:cNvPr id="7" name="TextBox 6"/>
-            <p:cNvSpPr txBox="1"/>
-            <p:nvPr/>
-          </p:nvSpPr>
-          <p:spPr>
-            <a:xfrm>
-              <a:off x="10258610" y="208911"/>
-              <a:ext cx="732893" cy="577081"/>
-            </a:xfrm>
-            <a:prstGeom prst="rect">
-              <a:avLst/>
-            </a:prstGeom>
-            <a:noFill/>
-          </p:spPr>
-          <p:txBody>
-            <a:bodyPr wrap="none" rtlCol="0">
-              <a:spAutoFit/>
-            </a:bodyPr>
-            <a:lstStyle/>
-            <a:p>
-              <a:pPr algn="ctr">
-                <a:lnSpc>
-                  <a:spcPct val="150000"/>
-                </a:lnSpc>
-              </a:pPr>
-              <a:r>
-                <a:rPr lang="ko-KR" altLang="en-US" sz="1100" b="1">
-                  <a:solidFill>
-                    <a:schemeClr val="bg1">
-                      <a:lumMod val="50000"/>
-                    </a:schemeClr>
-                  </a:solidFill>
-                </a:rPr>
-                <a:t>스케줄</a:t>
-              </a:r>
-              <a:endParaRPr lang="en-US" altLang="ko-KR" sz="1100" b="1">
+      </p:grpSp>
+      <p:sp>
+        <p:nvSpPr>
+          <p:cNvPr id="62" name="직사각형 61"/>
+          <p:cNvSpPr/>
+          <p:nvPr/>
+        </p:nvSpPr>
+        <p:spPr>
+          <a:xfrm>
+            <a:off x="1005683" y="3912634"/>
+            <a:ext cx="4385801" cy="524246"/>
+          </a:xfrm>
+          <a:prstGeom prst="rect">
+            <a:avLst/>
+          </a:prstGeom>
+          <a:solidFill>
+            <a:schemeClr val="accent4">
+              <a:lumMod val="20000"/>
+              <a:lumOff val="80000"/>
+            </a:schemeClr>
+          </a:solidFill>
+        </p:spPr>
+        <p:txBody>
+          <a:bodyPr wrap="square">
+            <a:spAutoFit/>
+          </a:bodyPr>
+          <a:lstStyle/>
+          <a:p>
+            <a:pPr>
+              <a:lnSpc>
+                <a:spcPct val="150000"/>
+              </a:lnSpc>
+            </a:pPr>
+            <a:r>
+              <a:rPr lang="ko-KR" altLang="en-US" sz="1000"/>
+              <a:t>방은 </a:t>
+            </a:r>
+            <a:r>
+              <a:rPr lang="ko-KR" altLang="en-US" sz="1000">
+                <a:solidFill>
+                  <a:srgbClr val="C00000"/>
+                </a:solidFill>
+              </a:rPr>
+              <a:t>구독</a:t>
+            </a:r>
+            <a:r>
+              <a:rPr lang="en-GB" altLang="ko-KR" sz="1000">
+                <a:solidFill>
+                  <a:srgbClr val="C00000"/>
+                </a:solidFill>
+              </a:rPr>
+              <a:t>(</a:t>
+            </a:r>
+            <a:r>
+              <a:rPr lang="ko-KR" altLang="en-US" sz="1000">
+                <a:solidFill>
+                  <a:srgbClr val="C00000"/>
+                </a:solidFill>
+              </a:rPr>
+              <a:t>구독 등급</a:t>
+            </a:r>
+            <a:r>
+              <a:rPr lang="en-GB" altLang="ko-KR" sz="1000">
+                <a:solidFill>
+                  <a:srgbClr val="C00000"/>
+                </a:solidFill>
+              </a:rPr>
+              <a:t>)</a:t>
+            </a:r>
+            <a:r>
+              <a:rPr lang="ko-KR" altLang="en-US" sz="1000">
+                <a:solidFill>
+                  <a:srgbClr val="C00000"/>
+                </a:solidFill>
+              </a:rPr>
+              <a:t>이 허용하는 개수보다</a:t>
+            </a:r>
+            <a:r>
+              <a:rPr lang="ko-KR" altLang="en-US" sz="1000"/>
+              <a:t> 더 많은 세션을 가질 수 없다</a:t>
+            </a:r>
+            <a:r>
+              <a:rPr lang="en-US" altLang="ko-KR" sz="1000"/>
+              <a:t>.</a:t>
+            </a:r>
+          </a:p>
+          <a:p>
+            <a:pPr>
+              <a:lnSpc>
+                <a:spcPct val="150000"/>
+              </a:lnSpc>
+            </a:pPr>
+            <a:r>
+              <a:rPr lang="en-US" altLang="ko-KR" sz="1000"/>
+              <a:t>A room cannot have </a:t>
+            </a:r>
+            <a:r>
+              <a:rPr lang="en-US" altLang="ko-KR" sz="1000">
+                <a:solidFill>
+                  <a:srgbClr val="C00000"/>
+                </a:solidFill>
+              </a:rPr>
+              <a:t>more sessions than the subscription allows</a:t>
+            </a:r>
+            <a:endParaRPr lang="ko-KR" altLang="en-US" sz="1000">
+              <a:solidFill>
+                <a:srgbClr val="C00000"/>
+              </a:solidFill>
+            </a:endParaRPr>
+          </a:p>
+        </p:txBody>
+      </p:sp>
+      <p:sp>
+        <p:nvSpPr>
+          <p:cNvPr id="63" name="직사각형 62"/>
+          <p:cNvSpPr/>
+          <p:nvPr/>
+        </p:nvSpPr>
+        <p:spPr>
+          <a:xfrm>
+            <a:off x="1005684" y="4597862"/>
+            <a:ext cx="3467616" cy="524246"/>
+          </a:xfrm>
+          <a:prstGeom prst="rect">
+            <a:avLst/>
+          </a:prstGeom>
+          <a:solidFill>
+            <a:schemeClr val="accent6">
+              <a:lumMod val="20000"/>
+              <a:lumOff val="80000"/>
+            </a:schemeClr>
+          </a:solidFill>
+        </p:spPr>
+        <p:txBody>
+          <a:bodyPr wrap="none">
+            <a:spAutoFit/>
+          </a:bodyPr>
+          <a:lstStyle/>
+          <a:p>
+            <a:pPr>
+              <a:lnSpc>
+                <a:spcPct val="150000"/>
+              </a:lnSpc>
+            </a:pPr>
+            <a:r>
+              <a:rPr lang="ko-KR" altLang="en-US" sz="1000"/>
+              <a:t>방은 두 개 이상의 </a:t>
+            </a:r>
+            <a:r>
+              <a:rPr lang="ko-KR" altLang="en-US" sz="1000">
+                <a:solidFill>
+                  <a:srgbClr val="0070C0"/>
+                </a:solidFill>
+              </a:rPr>
+              <a:t>겹치는 세션을</a:t>
+            </a:r>
+            <a:r>
+              <a:rPr lang="ko-KR" altLang="en-US" sz="1000"/>
+              <a:t> 가질 수 없다</a:t>
+            </a:r>
+            <a:r>
+              <a:rPr lang="en-GB" altLang="ko-KR" sz="1000"/>
+              <a:t>.</a:t>
+            </a:r>
+            <a:endParaRPr lang="en-US" altLang="ko-KR" sz="1000"/>
+          </a:p>
+          <a:p>
+            <a:pPr>
+              <a:lnSpc>
+                <a:spcPct val="150000"/>
+              </a:lnSpc>
+            </a:pPr>
+            <a:r>
+              <a:rPr lang="en-US" altLang="ko-KR" sz="1000"/>
+              <a:t>A room cannot have two or more </a:t>
+            </a:r>
+            <a:r>
+              <a:rPr lang="en-US" altLang="ko-KR" sz="1000">
+                <a:solidFill>
+                  <a:srgbClr val="0070C0"/>
+                </a:solidFill>
+              </a:rPr>
+              <a:t>overlapping sessions</a:t>
+            </a:r>
+            <a:endParaRPr lang="ko-KR" altLang="en-US" sz="1000">
+              <a:solidFill>
+                <a:srgbClr val="0070C0"/>
+              </a:solidFill>
+            </a:endParaRPr>
+          </a:p>
+        </p:txBody>
+      </p:sp>
+      <p:sp>
+        <p:nvSpPr>
+          <p:cNvPr id="64" name="TextBox 63"/>
+          <p:cNvSpPr txBox="1"/>
+          <p:nvPr/>
+        </p:nvSpPr>
+        <p:spPr>
+          <a:xfrm>
+            <a:off x="308613" y="864427"/>
+            <a:ext cx="800219" cy="702949"/>
+          </a:xfrm>
+          <a:prstGeom prst="rect">
+            <a:avLst/>
+          </a:prstGeom>
+          <a:noFill/>
+        </p:spPr>
+        <p:txBody>
+          <a:bodyPr wrap="none" rtlCol="0">
+            <a:spAutoFit/>
+          </a:bodyPr>
+          <a:lstStyle/>
+          <a:p>
+            <a:pPr algn="ctr">
+              <a:lnSpc>
+                <a:spcPct val="150000"/>
+              </a:lnSpc>
+            </a:pPr>
+            <a:r>
+              <a:rPr lang="ko-KR" altLang="en-US" sz="1600" b="1"/>
+              <a:t>헬스장</a:t>
+            </a:r>
+            <a:endParaRPr lang="en-US" altLang="ko-KR" sz="1600" b="1"/>
+          </a:p>
+          <a:p>
+            <a:pPr algn="ctr">
+              <a:lnSpc>
+                <a:spcPct val="150000"/>
+              </a:lnSpc>
+            </a:pPr>
+            <a:r>
+              <a:rPr lang="en-US" altLang="ko-KR" sz="1200" b="1"/>
+              <a:t>Gym</a:t>
+            </a:r>
+            <a:endParaRPr lang="ko-KR" altLang="en-US" sz="1200" b="1"/>
+          </a:p>
+        </p:txBody>
+      </p:sp>
+      <p:cxnSp>
+        <p:nvCxnSpPr>
+          <p:cNvPr id="66" name="직선 화살표 연결선 65"/>
+          <p:cNvCxnSpPr>
+            <a:stCxn id="64" idx="2"/>
+            <a:endCxn id="48" idx="0"/>
+          </p:cNvCxnSpPr>
+          <p:nvPr/>
+        </p:nvCxnSpPr>
+        <p:spPr>
+          <a:xfrm>
+            <a:off x="708723" y="1567376"/>
+            <a:ext cx="0" cy="1584007"/>
+          </a:xfrm>
+          <a:prstGeom prst="straightConnector1">
+            <a:avLst/>
+          </a:prstGeom>
+          <a:ln w="19050">
+            <a:solidFill>
+              <a:schemeClr val="tx1"/>
+            </a:solidFill>
+            <a:tailEnd type="triangle"/>
+          </a:ln>
+        </p:spPr>
+        <p:style>
+          <a:lnRef idx="1">
+            <a:schemeClr val="accent1"/>
+          </a:lnRef>
+          <a:fillRef idx="0">
+            <a:schemeClr val="accent1"/>
+          </a:fillRef>
+          <a:effectRef idx="0">
+            <a:schemeClr val="accent1"/>
+          </a:effectRef>
+          <a:fontRef idx="minor">
+            <a:schemeClr val="tx1"/>
+          </a:fontRef>
+        </p:style>
+      </p:cxnSp>
+      <p:sp>
+        <p:nvSpPr>
+          <p:cNvPr id="67" name="직사각형 66"/>
+          <p:cNvSpPr/>
+          <p:nvPr/>
+        </p:nvSpPr>
+        <p:spPr>
+          <a:xfrm>
+            <a:off x="734633" y="1907493"/>
+            <a:ext cx="4648705" cy="524246"/>
+          </a:xfrm>
+          <a:prstGeom prst="rect">
+            <a:avLst/>
+          </a:prstGeom>
+          <a:solidFill>
+            <a:schemeClr val="accent4">
+              <a:lumMod val="20000"/>
+              <a:lumOff val="80000"/>
+            </a:schemeClr>
+          </a:solidFill>
+        </p:spPr>
+        <p:txBody>
+          <a:bodyPr wrap="square">
+            <a:spAutoFit/>
+          </a:bodyPr>
+          <a:lstStyle/>
+          <a:p>
+            <a:pPr>
+              <a:lnSpc>
+                <a:spcPct val="150000"/>
+              </a:lnSpc>
+            </a:pPr>
+            <a:r>
+              <a:rPr lang="ko-KR" altLang="en-US" sz="1000"/>
+              <a:t>헬스장은 </a:t>
+            </a:r>
+            <a:r>
+              <a:rPr lang="ko-KR" altLang="en-US" sz="1000">
+                <a:solidFill>
+                  <a:srgbClr val="C00000"/>
+                </a:solidFill>
+              </a:rPr>
+              <a:t>구독</a:t>
+            </a:r>
+            <a:r>
+              <a:rPr lang="en-GB" altLang="ko-KR" sz="1000">
+                <a:solidFill>
+                  <a:srgbClr val="C00000"/>
+                </a:solidFill>
+              </a:rPr>
+              <a:t>(</a:t>
+            </a:r>
+            <a:r>
+              <a:rPr lang="ko-KR" altLang="en-US" sz="1000">
+                <a:solidFill>
+                  <a:srgbClr val="C00000"/>
+                </a:solidFill>
+              </a:rPr>
+              <a:t>구독 등급</a:t>
+            </a:r>
+            <a:r>
+              <a:rPr lang="en-GB" altLang="ko-KR" sz="1000">
+                <a:solidFill>
+                  <a:srgbClr val="C00000"/>
+                </a:solidFill>
+              </a:rPr>
+              <a:t>)</a:t>
+            </a:r>
+            <a:r>
+              <a:rPr lang="ko-KR" altLang="en-US" sz="1000">
+                <a:solidFill>
+                  <a:srgbClr val="C00000"/>
+                </a:solidFill>
+              </a:rPr>
+              <a:t>이 허용하는 개수보다</a:t>
+            </a:r>
+            <a:r>
+              <a:rPr lang="ko-KR" altLang="en-US" sz="1000"/>
+              <a:t> 더 많은 방을 가질 수 없다</a:t>
+            </a:r>
+            <a:r>
+              <a:rPr lang="en-US" altLang="ko-KR" sz="1000"/>
+              <a:t>.</a:t>
+            </a:r>
+          </a:p>
+          <a:p>
+            <a:pPr>
+              <a:lnSpc>
+                <a:spcPct val="150000"/>
+              </a:lnSpc>
+            </a:pPr>
+            <a:r>
+              <a:rPr lang="en-US" altLang="ko-KR" sz="1000"/>
+              <a:t>A gym cannot have </a:t>
+            </a:r>
+            <a:r>
+              <a:rPr lang="en-US" altLang="ko-KR" sz="1000">
+                <a:solidFill>
+                  <a:srgbClr val="C00000"/>
+                </a:solidFill>
+              </a:rPr>
+              <a:t>more rooms than the subscription allows</a:t>
+            </a:r>
+            <a:endParaRPr lang="ko-KR" altLang="en-US" sz="1000">
+              <a:solidFill>
+                <a:srgbClr val="C00000"/>
+              </a:solidFill>
+            </a:endParaRPr>
+          </a:p>
+        </p:txBody>
+      </p:sp>
+      <p:sp>
+        <p:nvSpPr>
+          <p:cNvPr id="70" name="TextBox 69"/>
+          <p:cNvSpPr txBox="1"/>
+          <p:nvPr/>
+        </p:nvSpPr>
+        <p:spPr>
+          <a:xfrm>
+            <a:off x="6496110" y="864427"/>
+            <a:ext cx="1094082" cy="738664"/>
+          </a:xfrm>
+          <a:prstGeom prst="rect">
+            <a:avLst/>
+          </a:prstGeom>
+          <a:noFill/>
+        </p:spPr>
+        <p:txBody>
+          <a:bodyPr wrap="none" rtlCol="0">
+            <a:spAutoFit/>
+          </a:bodyPr>
+          <a:lstStyle/>
+          <a:p>
+            <a:pPr algn="ctr">
+              <a:lnSpc>
+                <a:spcPct val="150000"/>
+              </a:lnSpc>
+            </a:pPr>
+            <a:r>
+              <a:rPr lang="ko-KR" altLang="en-US" sz="1600" b="1"/>
+              <a:t>구독</a:t>
+            </a:r>
+            <a:endParaRPr lang="en-US" altLang="ko-KR" sz="1600" b="1"/>
+          </a:p>
+          <a:p>
+            <a:pPr algn="ctr">
+              <a:lnSpc>
+                <a:spcPct val="150000"/>
+              </a:lnSpc>
+            </a:pPr>
+            <a:r>
+              <a:rPr lang="en-US" altLang="ko-KR" sz="1200" b="1"/>
+              <a:t>Subscription</a:t>
+            </a:r>
+            <a:endParaRPr lang="ko-KR" altLang="en-US" sz="1200" b="1"/>
+          </a:p>
+        </p:txBody>
+      </p:sp>
+      <p:cxnSp>
+        <p:nvCxnSpPr>
+          <p:cNvPr id="72" name="직선 화살표 연결선 71"/>
+          <p:cNvCxnSpPr/>
+          <p:nvPr/>
+        </p:nvCxnSpPr>
+        <p:spPr>
+          <a:xfrm flipH="1" flipV="1">
+            <a:off x="1108832" y="1215902"/>
+            <a:ext cx="5387278" cy="17857"/>
+          </a:xfrm>
+          <a:prstGeom prst="straightConnector1">
+            <a:avLst/>
+          </a:prstGeom>
+          <a:ln w="19050">
+            <a:solidFill>
+              <a:schemeClr val="tx1"/>
+            </a:solidFill>
+            <a:tailEnd type="triangle"/>
+          </a:ln>
+        </p:spPr>
+        <p:style>
+          <a:lnRef idx="1">
+            <a:schemeClr val="accent1"/>
+          </a:lnRef>
+          <a:fillRef idx="0">
+            <a:schemeClr val="accent1"/>
+          </a:fillRef>
+          <a:effectRef idx="0">
+            <a:schemeClr val="accent1"/>
+          </a:effectRef>
+          <a:fontRef idx="minor">
+            <a:schemeClr val="tx1"/>
+          </a:fontRef>
+        </p:style>
+      </p:cxnSp>
+      <p:sp>
+        <p:nvSpPr>
+          <p:cNvPr id="78" name="TextBox 77"/>
+          <p:cNvSpPr txBox="1"/>
+          <p:nvPr/>
+        </p:nvSpPr>
+        <p:spPr>
+          <a:xfrm>
+            <a:off x="7617976" y="741317"/>
+            <a:ext cx="742511" cy="861774"/>
+          </a:xfrm>
+          <a:prstGeom prst="rect">
+            <a:avLst/>
+          </a:prstGeom>
+          <a:noFill/>
+        </p:spPr>
+        <p:txBody>
+          <a:bodyPr wrap="none" rtlCol="0">
+            <a:spAutoFit/>
+          </a:bodyPr>
+          <a:lstStyle/>
+          <a:p>
+            <a:pPr>
+              <a:lnSpc>
+                <a:spcPct val="150000"/>
+              </a:lnSpc>
+            </a:pPr>
+            <a:r>
+              <a:rPr lang="ko-KR" altLang="en-US" sz="1000"/>
+              <a:t>구독 등급</a:t>
+            </a:r>
+            <a:endParaRPr lang="en-US" altLang="ko-KR" sz="1000"/>
+          </a:p>
+          <a:p>
+            <a:pPr marL="171450" indent="-171450">
+              <a:lnSpc>
+                <a:spcPct val="150000"/>
+              </a:lnSpc>
+              <a:buFontTx/>
+              <a:buChar char="-"/>
+            </a:pPr>
+            <a:r>
+              <a:rPr lang="en-US" altLang="ko-KR" sz="1000"/>
+              <a:t>Free</a:t>
+            </a:r>
+          </a:p>
+          <a:p>
+            <a:pPr marL="171450" indent="-171450">
+              <a:buFontTx/>
+              <a:buChar char="-"/>
+            </a:pPr>
+            <a:r>
+              <a:rPr lang="en-US" altLang="ko-KR" sz="1000"/>
+              <a:t>Starter</a:t>
+            </a:r>
+          </a:p>
+          <a:p>
+            <a:pPr marL="171450" indent="-171450">
+              <a:buFontTx/>
+              <a:buChar char="-"/>
+            </a:pPr>
+            <a:r>
+              <a:rPr lang="en-US" altLang="ko-KR" sz="1000"/>
+              <a:t>Pro</a:t>
+            </a:r>
+            <a:endParaRPr lang="ko-KR" altLang="en-US" sz="1000"/>
+          </a:p>
+        </p:txBody>
+      </p:sp>
+      <p:sp>
+        <p:nvSpPr>
+          <p:cNvPr id="7" name="TextBox 6"/>
+          <p:cNvSpPr txBox="1"/>
+          <p:nvPr/>
+        </p:nvSpPr>
+        <p:spPr>
+          <a:xfrm>
+            <a:off x="341401" y="4253099"/>
+            <a:ext cx="732893" cy="430887"/>
+          </a:xfrm>
+          <a:prstGeom prst="rect">
+            <a:avLst/>
+          </a:prstGeom>
+          <a:noFill/>
+        </p:spPr>
+        <p:txBody>
+          <a:bodyPr wrap="none" rtlCol="0">
+            <a:spAutoFit/>
+          </a:bodyPr>
+          <a:lstStyle/>
+          <a:p>
+            <a:pPr algn="ctr"/>
+            <a:r>
+              <a:rPr lang="ko-KR" altLang="en-US" sz="1200" b="1" i="1">
                 <a:solidFill>
                   <a:schemeClr val="bg1">
                     <a:lumMod val="50000"/>
                   </a:schemeClr>
                 </a:solidFill>
-              </a:endParaRPr>
-            </a:p>
-            <a:p>
-              <a:pPr algn="ctr">
-                <a:lnSpc>
-                  <a:spcPct val="150000"/>
-                </a:lnSpc>
-              </a:pPr>
-              <a:r>
-                <a:rPr lang="en-US" altLang="ko-KR" sz="1000" b="1">
-                  <a:solidFill>
-                    <a:schemeClr val="bg1">
-                      <a:lumMod val="50000"/>
-                    </a:schemeClr>
-                  </a:solidFill>
-                </a:rPr>
-                <a:t>Schedule</a:t>
-              </a:r>
-            </a:p>
-          </p:txBody>
-        </p:sp>
-        <p:sp>
-          <p:nvSpPr>
-            <p:cNvPr id="47" name="TextBox 46"/>
-            <p:cNvSpPr txBox="1"/>
-            <p:nvPr/>
-          </p:nvSpPr>
-          <p:spPr>
-            <a:xfrm>
-              <a:off x="11017445" y="208911"/>
-              <a:ext cx="865943" cy="577081"/>
-            </a:xfrm>
-            <a:prstGeom prst="rect">
-              <a:avLst/>
-            </a:prstGeom>
-            <a:noFill/>
-          </p:spPr>
-          <p:txBody>
-            <a:bodyPr wrap="none" rtlCol="0">
-              <a:spAutoFit/>
-            </a:bodyPr>
-            <a:lstStyle/>
-            <a:p>
-              <a:pPr algn="ctr">
-                <a:lnSpc>
-                  <a:spcPct val="150000"/>
-                </a:lnSpc>
-              </a:pPr>
-              <a:r>
-                <a:rPr lang="ko-KR" altLang="en-US" sz="1100" b="1">
-                  <a:solidFill>
-                    <a:schemeClr val="bg1">
-                      <a:lumMod val="50000"/>
-                    </a:schemeClr>
-                  </a:solidFill>
-                </a:rPr>
-                <a:t>강의 시간</a:t>
-              </a:r>
-              <a:endParaRPr lang="en-US" altLang="ko-KR" sz="1100" b="1">
+              </a:rPr>
+              <a:t>스케줄</a:t>
+            </a:r>
+            <a:endParaRPr lang="en-US" altLang="ko-KR" sz="1200" b="1" i="1">
+              <a:solidFill>
+                <a:schemeClr val="bg1">
+                  <a:lumMod val="50000"/>
+                </a:schemeClr>
+              </a:solidFill>
+            </a:endParaRPr>
+          </a:p>
+          <a:p>
+            <a:pPr algn="ctr"/>
+            <a:r>
+              <a:rPr lang="en-US" altLang="ko-KR" sz="1000" b="1" i="1">
                 <a:solidFill>
                   <a:schemeClr val="bg1">
                     <a:lumMod val="50000"/>
                   </a:schemeClr>
                 </a:solidFill>
-              </a:endParaRPr>
-            </a:p>
-            <a:p>
-              <a:pPr algn="ctr">
-                <a:lnSpc>
-                  <a:spcPct val="150000"/>
-                </a:lnSpc>
-              </a:pPr>
-              <a:r>
-                <a:rPr lang="en-US" altLang="ko-KR" sz="1000" b="1">
-                  <a:solidFill>
-                    <a:schemeClr val="bg1">
-                      <a:lumMod val="50000"/>
-                    </a:schemeClr>
-                  </a:solidFill>
-                </a:rPr>
-                <a:t>TimeRange</a:t>
-              </a:r>
-            </a:p>
-          </p:txBody>
-        </p:sp>
-        <p:cxnSp>
-          <p:nvCxnSpPr>
-            <p:cNvPr id="15" name="직선 화살표 연결선 14"/>
-            <p:cNvCxnSpPr/>
-            <p:nvPr/>
-          </p:nvCxnSpPr>
-          <p:spPr>
-            <a:xfrm flipH="1" flipV="1">
-              <a:off x="475681" y="1519283"/>
-              <a:ext cx="9525" cy="2174895"/>
-            </a:xfrm>
-            <a:prstGeom prst="straightConnector1">
-              <a:avLst/>
-            </a:prstGeom>
-            <a:ln>
-              <a:prstDash val="dash"/>
-              <a:tailEnd type="triangle"/>
-            </a:ln>
-          </p:spPr>
-          <p:style>
-            <a:lnRef idx="1">
-              <a:schemeClr val="accent1"/>
-            </a:lnRef>
-            <a:fillRef idx="0">
-              <a:schemeClr val="accent1"/>
-            </a:fillRef>
-            <a:effectRef idx="0">
-              <a:schemeClr val="accent1"/>
-            </a:effectRef>
-            <a:fontRef idx="minor">
-              <a:schemeClr val="tx1"/>
-            </a:fontRef>
-          </p:style>
-        </p:cxnSp>
-        <p:sp>
-          <p:nvSpPr>
-            <p:cNvPr id="73" name="직사각형 72"/>
-            <p:cNvSpPr/>
-            <p:nvPr/>
-          </p:nvSpPr>
-          <p:spPr>
-            <a:xfrm>
-              <a:off x="1668588" y="596571"/>
-              <a:ext cx="4404537" cy="524246"/>
-            </a:xfrm>
-            <a:prstGeom prst="rect">
-              <a:avLst/>
-            </a:prstGeom>
-            <a:noFill/>
-          </p:spPr>
-          <p:txBody>
-            <a:bodyPr wrap="square">
-              <a:spAutoFit/>
-            </a:bodyPr>
-            <a:lstStyle/>
-            <a:p>
-              <a:pPr>
-                <a:lnSpc>
-                  <a:spcPct val="150000"/>
-                </a:lnSpc>
-              </a:pPr>
-              <a:r>
-                <a:rPr lang="ko-KR" altLang="en-US" sz="1000"/>
-                <a:t>구독은 </a:t>
-              </a:r>
-              <a:r>
-                <a:rPr lang="ko-KR" altLang="en-US" sz="1000">
-                  <a:solidFill>
-                    <a:srgbClr val="C00000"/>
-                  </a:solidFill>
-                </a:rPr>
-                <a:t>구독</a:t>
-              </a:r>
-              <a:r>
-                <a:rPr lang="en-GB" altLang="ko-KR" sz="1000">
-                  <a:solidFill>
-                    <a:srgbClr val="C00000"/>
-                  </a:solidFill>
-                </a:rPr>
-                <a:t>(</a:t>
-              </a:r>
-              <a:r>
-                <a:rPr lang="ko-KR" altLang="en-US" sz="1000">
-                  <a:solidFill>
-                    <a:srgbClr val="C00000"/>
-                  </a:solidFill>
-                </a:rPr>
-                <a:t>구독 등급</a:t>
-              </a:r>
-              <a:r>
-                <a:rPr lang="en-GB" altLang="ko-KR" sz="1000">
-                  <a:solidFill>
-                    <a:srgbClr val="C00000"/>
-                  </a:solidFill>
-                </a:rPr>
-                <a:t>)</a:t>
-              </a:r>
-              <a:r>
-                <a:rPr lang="ko-KR" altLang="en-US" sz="1000">
-                  <a:solidFill>
-                    <a:srgbClr val="C00000"/>
-                  </a:solidFill>
-                </a:rPr>
-                <a:t>이 허용된 개수보다</a:t>
-              </a:r>
-              <a:r>
-                <a:rPr lang="ko-KR" altLang="en-US" sz="1000"/>
-                <a:t> 더 많은 헬스장을 가질 수 없다</a:t>
-              </a:r>
-              <a:r>
-                <a:rPr lang="en-US" altLang="ko-KR" sz="1000"/>
-                <a:t>.</a:t>
-              </a:r>
-            </a:p>
-            <a:p>
-              <a:pPr>
-                <a:lnSpc>
-                  <a:spcPct val="150000"/>
-                </a:lnSpc>
-              </a:pPr>
-              <a:r>
-                <a:rPr lang="en-US" altLang="ko-KR" sz="1000"/>
-                <a:t>A subscription cannot have </a:t>
-              </a:r>
-              <a:r>
-                <a:rPr lang="en-US" altLang="ko-KR" sz="1000">
-                  <a:solidFill>
-                    <a:srgbClr val="C00000"/>
-                  </a:solidFill>
-                </a:rPr>
-                <a:t>more gyms than the subscription allows</a:t>
-              </a:r>
-              <a:endParaRPr lang="ko-KR" altLang="en-US" sz="1000">
-                <a:solidFill>
-                  <a:srgbClr val="C00000"/>
-                </a:solidFill>
-              </a:endParaRPr>
-            </a:p>
-          </p:txBody>
-        </p:sp>
-        <p:sp>
-          <p:nvSpPr>
-            <p:cNvPr id="17" name="직사각형 16"/>
-            <p:cNvSpPr/>
-            <p:nvPr/>
-          </p:nvSpPr>
-          <p:spPr>
-            <a:xfrm>
-              <a:off x="3418392" y="1105486"/>
-              <a:ext cx="768159" cy="261610"/>
-            </a:xfrm>
-            <a:prstGeom prst="rect">
-              <a:avLst/>
-            </a:prstGeom>
-            <a:solidFill>
-              <a:schemeClr val="bg1"/>
-            </a:solidFill>
-          </p:spPr>
-          <p:txBody>
-            <a:bodyPr wrap="none">
-              <a:spAutoFit/>
-            </a:bodyPr>
-            <a:lstStyle/>
-            <a:p>
-              <a:r>
-                <a:rPr lang="en-US" altLang="ko-KR" sz="1050" b="1"/>
-                <a:t>AddGym</a:t>
-              </a:r>
-              <a:endParaRPr lang="ko-KR" altLang="en-US" sz="1050" b="1"/>
-            </a:p>
-          </p:txBody>
-        </p:sp>
-        <p:sp>
-          <p:nvSpPr>
-            <p:cNvPr id="56" name="직사각형 55"/>
-            <p:cNvSpPr/>
-            <p:nvPr/>
-          </p:nvSpPr>
-          <p:spPr>
-            <a:xfrm>
-              <a:off x="558787" y="1654185"/>
-              <a:ext cx="829073" cy="253916"/>
-            </a:xfrm>
-            <a:prstGeom prst="rect">
-              <a:avLst/>
-            </a:prstGeom>
-            <a:solidFill>
-              <a:schemeClr val="bg1"/>
-            </a:solidFill>
-          </p:spPr>
-          <p:txBody>
-            <a:bodyPr wrap="none">
-              <a:spAutoFit/>
-            </a:bodyPr>
-            <a:lstStyle/>
-            <a:p>
-              <a:r>
-                <a:rPr lang="en-US" altLang="ko-KR" sz="1050" b="1"/>
-                <a:t>AddRoom</a:t>
-              </a:r>
-              <a:endParaRPr lang="ko-KR" altLang="en-US" sz="1050" b="1"/>
-            </a:p>
-          </p:txBody>
-        </p:sp>
-        <p:sp>
-          <p:nvSpPr>
-            <p:cNvPr id="60" name="직사각형 59"/>
-            <p:cNvSpPr/>
-            <p:nvPr/>
-          </p:nvSpPr>
-          <p:spPr>
-            <a:xfrm>
-              <a:off x="2136078" y="3504431"/>
-              <a:ext cx="1237839" cy="253916"/>
-            </a:xfrm>
-            <a:prstGeom prst="rect">
-              <a:avLst/>
-            </a:prstGeom>
-            <a:solidFill>
-              <a:schemeClr val="bg1"/>
-            </a:solidFill>
-          </p:spPr>
-          <p:txBody>
-            <a:bodyPr wrap="none">
-              <a:spAutoFit/>
-            </a:bodyPr>
-            <a:lstStyle/>
-            <a:p>
-              <a:r>
-                <a:rPr lang="en-US" altLang="ko-KR" sz="1050" b="1"/>
-                <a:t>ScheduleSession</a:t>
-              </a:r>
-              <a:endParaRPr lang="ko-KR" altLang="en-US" sz="1050" b="1"/>
-            </a:p>
-          </p:txBody>
-        </p:sp>
-        <p:sp>
-          <p:nvSpPr>
-            <p:cNvPr id="44" name="직사각형 43"/>
-            <p:cNvSpPr/>
-            <p:nvPr/>
-          </p:nvSpPr>
-          <p:spPr>
-            <a:xfrm>
-              <a:off x="5757857" y="4916037"/>
-              <a:ext cx="4021015" cy="524246"/>
-            </a:xfrm>
-            <a:prstGeom prst="rect">
-              <a:avLst/>
-            </a:prstGeom>
-            <a:noFill/>
-          </p:spPr>
-          <p:txBody>
-            <a:bodyPr wrap="square">
-              <a:spAutoFit/>
-            </a:bodyPr>
-            <a:lstStyle/>
-            <a:p>
-              <a:pPr>
-                <a:lnSpc>
-                  <a:spcPct val="150000"/>
-                </a:lnSpc>
-              </a:pPr>
-              <a:r>
-                <a:rPr lang="ko-KR" altLang="en-US" sz="1000"/>
-                <a:t>트레이너는 두 개 이상의 </a:t>
-              </a:r>
-              <a:r>
-                <a:rPr lang="ko-KR" altLang="en-US" sz="1000">
-                  <a:solidFill>
-                    <a:srgbClr val="0070C0"/>
-                  </a:solidFill>
-                </a:rPr>
-                <a:t>겹치는 세션을</a:t>
-              </a:r>
-              <a:r>
-                <a:rPr lang="ko-KR" altLang="en-US" sz="1000"/>
-                <a:t> 가르칠 수 없다</a:t>
-              </a:r>
-              <a:r>
-                <a:rPr lang="en-US" altLang="ko-KR" sz="1000"/>
-                <a:t>.</a:t>
-              </a:r>
-            </a:p>
-            <a:p>
-              <a:pPr>
-                <a:lnSpc>
-                  <a:spcPct val="150000"/>
-                </a:lnSpc>
-              </a:pPr>
-              <a:r>
-                <a:rPr lang="en-US" altLang="ko-KR" sz="1000"/>
-                <a:t>A trainer cannot teach two or more </a:t>
-              </a:r>
-              <a:r>
-                <a:rPr lang="en-US" altLang="ko-KR" sz="1000">
-                  <a:solidFill>
-                    <a:srgbClr val="0070C0"/>
-                  </a:solidFill>
-                </a:rPr>
-                <a:t>overlapping sessions</a:t>
-              </a:r>
-              <a:endParaRPr lang="ko-KR" altLang="en-US" sz="1000">
-                <a:solidFill>
-                  <a:srgbClr val="0070C0"/>
-                </a:solidFill>
-              </a:endParaRPr>
-            </a:p>
-          </p:txBody>
-        </p:sp>
-        <p:sp>
-          <p:nvSpPr>
-            <p:cNvPr id="49" name="TextBox 48"/>
-            <p:cNvSpPr txBox="1"/>
-            <p:nvPr/>
-          </p:nvSpPr>
-          <p:spPr>
-            <a:xfrm>
-              <a:off x="9586336" y="208911"/>
-              <a:ext cx="646331" cy="611706"/>
-            </a:xfrm>
-            <a:prstGeom prst="rect">
-              <a:avLst/>
-            </a:prstGeom>
-            <a:noFill/>
-          </p:spPr>
-          <p:txBody>
-            <a:bodyPr wrap="none" rtlCol="0">
-              <a:spAutoFit/>
-            </a:bodyPr>
-            <a:lstStyle/>
-            <a:p>
-              <a:pPr algn="ctr">
-                <a:lnSpc>
-                  <a:spcPct val="150000"/>
-                </a:lnSpc>
-              </a:pPr>
-              <a:r>
-                <a:rPr lang="ko-KR" altLang="en-US" sz="1200" b="1">
-                  <a:solidFill>
-                    <a:schemeClr val="bg1">
-                      <a:lumMod val="50000"/>
-                    </a:schemeClr>
-                  </a:solidFill>
-                </a:rPr>
-                <a:t>관리자</a:t>
-              </a:r>
-              <a:endParaRPr lang="en-US" altLang="ko-KR" sz="1200" b="1">
+              </a:rPr>
+              <a:t>Schedule</a:t>
+            </a:r>
+          </a:p>
+        </p:txBody>
+      </p:sp>
+      <p:sp>
+        <p:nvSpPr>
+          <p:cNvPr id="47" name="TextBox 46"/>
+          <p:cNvSpPr txBox="1"/>
+          <p:nvPr/>
+        </p:nvSpPr>
+        <p:spPr>
+          <a:xfrm>
+            <a:off x="11047744" y="197230"/>
+            <a:ext cx="1002197" cy="461665"/>
+          </a:xfrm>
+          <a:prstGeom prst="rect">
+            <a:avLst/>
+          </a:prstGeom>
+          <a:noFill/>
+        </p:spPr>
+        <p:txBody>
+          <a:bodyPr wrap="none" rtlCol="0">
+            <a:spAutoFit/>
+          </a:bodyPr>
+          <a:lstStyle>
+            <a:defPPr>
+              <a:defRPr lang="ko-KR"/>
+            </a:defPPr>
+            <a:lvl1pPr algn="ctr">
+              <a:defRPr sz="1200" b="1" i="1">
                 <a:solidFill>
                   <a:schemeClr val="bg1">
                     <a:lumMod val="50000"/>
                   </a:schemeClr>
                 </a:solidFill>
-              </a:endParaRPr>
-            </a:p>
-            <a:p>
-              <a:pPr algn="ctr">
-                <a:lnSpc>
-                  <a:spcPct val="150000"/>
-                </a:lnSpc>
-              </a:pPr>
-              <a:r>
-                <a:rPr lang="en-US" altLang="ko-KR" sz="1050" b="1">
-                  <a:solidFill>
-                    <a:schemeClr val="bg1">
-                      <a:lumMod val="50000"/>
-                    </a:schemeClr>
-                  </a:solidFill>
-                </a:rPr>
-                <a:t>Admin</a:t>
-              </a:r>
-            </a:p>
-          </p:txBody>
-        </p:sp>
-        <p:sp>
-          <p:nvSpPr>
-            <p:cNvPr id="21" name="직사각형 20">
-              <a:extLst>
-                <a:ext uri="{FF2B5EF4-FFF2-40B4-BE49-F238E27FC236}">
-                  <a16:creationId xmlns:a16="http://schemas.microsoft.com/office/drawing/2014/main" id="{7CD09966-B5C1-6685-DFF3-1F73C09587D9}"/>
-                </a:ext>
-              </a:extLst>
-            </p:cNvPr>
-            <p:cNvSpPr/>
-            <p:nvPr/>
-          </p:nvSpPr>
-          <p:spPr>
-            <a:xfrm>
-              <a:off x="5193716" y="4597862"/>
-              <a:ext cx="1664238" cy="253916"/>
-            </a:xfrm>
-            <a:prstGeom prst="rect">
-              <a:avLst/>
-            </a:prstGeom>
-            <a:solidFill>
-              <a:schemeClr val="bg1"/>
-            </a:solidFill>
-          </p:spPr>
-          <p:txBody>
-            <a:bodyPr wrap="none">
-              <a:spAutoFit/>
-            </a:bodyPr>
-            <a:lstStyle/>
-            <a:p>
-              <a:r>
-                <a:rPr lang="en-US" altLang="ko-KR" sz="1050" b="1"/>
-                <a:t>AddSessionToSchedule</a:t>
-              </a:r>
-            </a:p>
-          </p:txBody>
-        </p:sp>
-        <p:sp>
-          <p:nvSpPr>
-            <p:cNvPr id="25" name="직사각형 24">
-              <a:extLst>
-                <a:ext uri="{FF2B5EF4-FFF2-40B4-BE49-F238E27FC236}">
-                  <a16:creationId xmlns:a16="http://schemas.microsoft.com/office/drawing/2014/main" id="{C85E4C1E-170A-830C-AB71-2FE39E4CE0F7}"/>
-                </a:ext>
-              </a:extLst>
-            </p:cNvPr>
-            <p:cNvSpPr/>
-            <p:nvPr/>
-          </p:nvSpPr>
-          <p:spPr>
-            <a:xfrm>
-              <a:off x="7952330" y="3539209"/>
-              <a:ext cx="1186543" cy="253916"/>
-            </a:xfrm>
-            <a:prstGeom prst="rect">
-              <a:avLst/>
-            </a:prstGeom>
-            <a:solidFill>
-              <a:schemeClr val="bg1"/>
-            </a:solidFill>
-          </p:spPr>
-          <p:txBody>
-            <a:bodyPr wrap="none">
-              <a:spAutoFit/>
-            </a:bodyPr>
-            <a:lstStyle/>
-            <a:p>
-              <a:r>
-                <a:rPr lang="en-US" altLang="ko-KR" sz="1050" b="1"/>
-                <a:t>AddToSchedule</a:t>
-              </a:r>
-              <a:endParaRPr lang="ko-KR" altLang="en-US" sz="1050" b="1"/>
-            </a:p>
-          </p:txBody>
-        </p:sp>
-        <p:sp>
-          <p:nvSpPr>
-            <p:cNvPr id="27" name="직사각형 26">
-              <a:extLst>
-                <a:ext uri="{FF2B5EF4-FFF2-40B4-BE49-F238E27FC236}">
-                  <a16:creationId xmlns:a16="http://schemas.microsoft.com/office/drawing/2014/main" id="{A6DD402E-F073-4E41-CE4D-B1B06F7C1A97}"/>
-                </a:ext>
-              </a:extLst>
-            </p:cNvPr>
-            <p:cNvSpPr/>
-            <p:nvPr/>
-          </p:nvSpPr>
-          <p:spPr>
-            <a:xfrm>
-              <a:off x="5211859" y="2472098"/>
-              <a:ext cx="1353256" cy="253916"/>
-            </a:xfrm>
-            <a:prstGeom prst="rect">
-              <a:avLst/>
-            </a:prstGeom>
-            <a:solidFill>
-              <a:schemeClr val="bg1"/>
-            </a:solidFill>
-          </p:spPr>
-          <p:txBody>
-            <a:bodyPr wrap="none">
-              <a:spAutoFit/>
-            </a:bodyPr>
-            <a:lstStyle/>
-            <a:p>
-              <a:r>
-                <a:rPr lang="en-US" altLang="ko-KR" sz="1050" b="1"/>
-                <a:t>CancelReservation</a:t>
-              </a:r>
-              <a:endParaRPr lang="ko-KR" altLang="en-US" sz="1050" b="1"/>
-            </a:p>
-          </p:txBody>
-        </p:sp>
-        <p:sp>
-          <p:nvSpPr>
-            <p:cNvPr id="29" name="직사각형 28">
-              <a:extLst>
-                <a:ext uri="{FF2B5EF4-FFF2-40B4-BE49-F238E27FC236}">
-                  <a16:creationId xmlns:a16="http://schemas.microsoft.com/office/drawing/2014/main" id="{3348934F-A19D-0CE3-D10C-939ED42C410D}"/>
-                </a:ext>
-              </a:extLst>
-            </p:cNvPr>
-            <p:cNvSpPr/>
-            <p:nvPr/>
-          </p:nvSpPr>
-          <p:spPr>
-            <a:xfrm>
-              <a:off x="6444209" y="3341193"/>
-              <a:ext cx="978153" cy="253916"/>
-            </a:xfrm>
-            <a:prstGeom prst="rect">
-              <a:avLst/>
-            </a:prstGeom>
-            <a:solidFill>
-              <a:schemeClr val="bg1"/>
-            </a:solidFill>
-          </p:spPr>
-          <p:txBody>
-            <a:bodyPr wrap="none">
-              <a:spAutoFit/>
-            </a:bodyPr>
-            <a:lstStyle/>
-            <a:p>
-              <a:r>
-                <a:rPr lang="en-US" altLang="ko-KR" sz="1050" b="1"/>
-                <a:t>ReserveSpot</a:t>
-              </a:r>
-              <a:endParaRPr lang="ko-KR" altLang="en-US" sz="1050" b="1"/>
-            </a:p>
-          </p:txBody>
-        </p:sp>
-      </p:grpSp>
+              </a:defRPr>
+            </a:lvl1pPr>
+          </a:lstStyle>
+          <a:p>
+            <a:r>
+              <a:rPr lang="ko-KR" altLang="en-US"/>
+              <a:t>시간대</a:t>
+            </a:r>
+            <a:endParaRPr lang="en-US" altLang="ko-KR"/>
+          </a:p>
+          <a:p>
+            <a:r>
+              <a:rPr lang="en-US" altLang="ko-KR"/>
+              <a:t>TimeRange</a:t>
+            </a:r>
+          </a:p>
+        </p:txBody>
+      </p:sp>
+      <p:cxnSp>
+        <p:nvCxnSpPr>
+          <p:cNvPr id="15" name="직선 화살표 연결선 14"/>
+          <p:cNvCxnSpPr/>
+          <p:nvPr/>
+        </p:nvCxnSpPr>
+        <p:spPr>
+          <a:xfrm flipH="1" flipV="1">
+            <a:off x="475682" y="1519284"/>
+            <a:ext cx="7895" cy="1821909"/>
+          </a:xfrm>
+          <a:prstGeom prst="straightConnector1">
+            <a:avLst/>
+          </a:prstGeom>
+          <a:ln>
+            <a:prstDash val="dash"/>
+            <a:tailEnd type="triangle"/>
+          </a:ln>
+        </p:spPr>
+        <p:style>
+          <a:lnRef idx="1">
+            <a:schemeClr val="accent1"/>
+          </a:lnRef>
+          <a:fillRef idx="0">
+            <a:schemeClr val="accent1"/>
+          </a:fillRef>
+          <a:effectRef idx="0">
+            <a:schemeClr val="accent1"/>
+          </a:effectRef>
+          <a:fontRef idx="minor">
+            <a:schemeClr val="tx1"/>
+          </a:fontRef>
+        </p:style>
+      </p:cxnSp>
+      <p:sp>
+        <p:nvSpPr>
+          <p:cNvPr id="73" name="직사각형 72"/>
+          <p:cNvSpPr/>
+          <p:nvPr/>
+        </p:nvSpPr>
+        <p:spPr>
+          <a:xfrm>
+            <a:off x="1668588" y="596571"/>
+            <a:ext cx="4404537" cy="524246"/>
+          </a:xfrm>
+          <a:prstGeom prst="rect">
+            <a:avLst/>
+          </a:prstGeom>
+          <a:solidFill>
+            <a:schemeClr val="accent4">
+              <a:lumMod val="20000"/>
+              <a:lumOff val="80000"/>
+            </a:schemeClr>
+          </a:solidFill>
+        </p:spPr>
+        <p:txBody>
+          <a:bodyPr wrap="square">
+            <a:spAutoFit/>
+          </a:bodyPr>
+          <a:lstStyle/>
+          <a:p>
+            <a:pPr>
+              <a:lnSpc>
+                <a:spcPct val="150000"/>
+              </a:lnSpc>
+            </a:pPr>
+            <a:r>
+              <a:rPr lang="ko-KR" altLang="en-US" sz="1000"/>
+              <a:t>구독은 </a:t>
+            </a:r>
+            <a:r>
+              <a:rPr lang="ko-KR" altLang="en-US" sz="1000">
+                <a:solidFill>
+                  <a:srgbClr val="C00000"/>
+                </a:solidFill>
+              </a:rPr>
+              <a:t>구독</a:t>
+            </a:r>
+            <a:r>
+              <a:rPr lang="en-GB" altLang="ko-KR" sz="1000">
+                <a:solidFill>
+                  <a:srgbClr val="C00000"/>
+                </a:solidFill>
+              </a:rPr>
+              <a:t>(</a:t>
+            </a:r>
+            <a:r>
+              <a:rPr lang="ko-KR" altLang="en-US" sz="1000">
+                <a:solidFill>
+                  <a:srgbClr val="C00000"/>
+                </a:solidFill>
+              </a:rPr>
+              <a:t>구독 등급</a:t>
+            </a:r>
+            <a:r>
+              <a:rPr lang="en-GB" altLang="ko-KR" sz="1000">
+                <a:solidFill>
+                  <a:srgbClr val="C00000"/>
+                </a:solidFill>
+              </a:rPr>
+              <a:t>)</a:t>
+            </a:r>
+            <a:r>
+              <a:rPr lang="ko-KR" altLang="en-US" sz="1000">
+                <a:solidFill>
+                  <a:srgbClr val="C00000"/>
+                </a:solidFill>
+              </a:rPr>
+              <a:t>이 허용된 개수보다</a:t>
+            </a:r>
+            <a:r>
+              <a:rPr lang="ko-KR" altLang="en-US" sz="1000"/>
+              <a:t> 더 많은 헬스장을 가질 수 없다</a:t>
+            </a:r>
+            <a:r>
+              <a:rPr lang="en-US" altLang="ko-KR" sz="1000"/>
+              <a:t>.</a:t>
+            </a:r>
+          </a:p>
+          <a:p>
+            <a:pPr>
+              <a:lnSpc>
+                <a:spcPct val="150000"/>
+              </a:lnSpc>
+            </a:pPr>
+            <a:r>
+              <a:rPr lang="en-US" altLang="ko-KR" sz="1000"/>
+              <a:t>A subscription cannot have </a:t>
+            </a:r>
+            <a:r>
+              <a:rPr lang="en-US" altLang="ko-KR" sz="1000">
+                <a:solidFill>
+                  <a:srgbClr val="C00000"/>
+                </a:solidFill>
+              </a:rPr>
+              <a:t>more gyms than the subscription allows</a:t>
+            </a:r>
+            <a:endParaRPr lang="ko-KR" altLang="en-US" sz="1000">
+              <a:solidFill>
+                <a:srgbClr val="C00000"/>
+              </a:solidFill>
+            </a:endParaRPr>
+          </a:p>
+        </p:txBody>
+      </p:sp>
+      <p:sp>
+        <p:nvSpPr>
+          <p:cNvPr id="17" name="직사각형 16"/>
+          <p:cNvSpPr/>
+          <p:nvPr/>
+        </p:nvSpPr>
+        <p:spPr>
+          <a:xfrm>
+            <a:off x="3418392" y="1105486"/>
+            <a:ext cx="768159" cy="261610"/>
+          </a:xfrm>
+          <a:prstGeom prst="rect">
+            <a:avLst/>
+          </a:prstGeom>
+          <a:solidFill>
+            <a:schemeClr val="bg1"/>
+          </a:solidFill>
+        </p:spPr>
+        <p:txBody>
+          <a:bodyPr wrap="none">
+            <a:spAutoFit/>
+          </a:bodyPr>
+          <a:lstStyle/>
+          <a:p>
+            <a:r>
+              <a:rPr lang="en-US" altLang="ko-KR" sz="1050" b="1"/>
+              <a:t>AddGym</a:t>
+            </a:r>
+            <a:endParaRPr lang="ko-KR" altLang="en-US" sz="1050" b="1"/>
+          </a:p>
+        </p:txBody>
+      </p:sp>
+      <p:sp>
+        <p:nvSpPr>
+          <p:cNvPr id="56" name="직사각형 55"/>
+          <p:cNvSpPr/>
+          <p:nvPr/>
+        </p:nvSpPr>
+        <p:spPr>
+          <a:xfrm>
+            <a:off x="558787" y="1654185"/>
+            <a:ext cx="829073" cy="253916"/>
+          </a:xfrm>
+          <a:prstGeom prst="rect">
+            <a:avLst/>
+          </a:prstGeom>
+          <a:solidFill>
+            <a:schemeClr val="bg1"/>
+          </a:solidFill>
+        </p:spPr>
+        <p:txBody>
+          <a:bodyPr wrap="none">
+            <a:spAutoFit/>
+          </a:bodyPr>
+          <a:lstStyle/>
+          <a:p>
+            <a:r>
+              <a:rPr lang="en-US" altLang="ko-KR" sz="1050" b="1"/>
+              <a:t>AddRoom</a:t>
+            </a:r>
+            <a:endParaRPr lang="ko-KR" altLang="en-US" sz="1050" b="1"/>
+          </a:p>
+        </p:txBody>
+      </p:sp>
+      <p:sp>
+        <p:nvSpPr>
+          <p:cNvPr id="60" name="직사각형 59"/>
+          <p:cNvSpPr/>
+          <p:nvPr/>
+        </p:nvSpPr>
+        <p:spPr>
+          <a:xfrm>
+            <a:off x="2136078" y="3504431"/>
+            <a:ext cx="1237839" cy="253916"/>
+          </a:xfrm>
+          <a:prstGeom prst="rect">
+            <a:avLst/>
+          </a:prstGeom>
+          <a:solidFill>
+            <a:schemeClr val="bg1"/>
+          </a:solidFill>
+        </p:spPr>
+        <p:txBody>
+          <a:bodyPr wrap="none">
+            <a:spAutoFit/>
+          </a:bodyPr>
+          <a:lstStyle/>
+          <a:p>
+            <a:r>
+              <a:rPr lang="en-US" altLang="ko-KR" sz="1050" b="1"/>
+              <a:t>ScheduleSession</a:t>
+            </a:r>
+            <a:endParaRPr lang="ko-KR" altLang="en-US" sz="1050" b="1"/>
+          </a:p>
+        </p:txBody>
+      </p:sp>
+      <p:sp>
+        <p:nvSpPr>
+          <p:cNvPr id="44" name="직사각형 43"/>
+          <p:cNvSpPr/>
+          <p:nvPr/>
+        </p:nvSpPr>
+        <p:spPr>
+          <a:xfrm>
+            <a:off x="5757857" y="4916037"/>
+            <a:ext cx="4021015" cy="524246"/>
+          </a:xfrm>
+          <a:prstGeom prst="rect">
+            <a:avLst/>
+          </a:prstGeom>
+          <a:solidFill>
+            <a:schemeClr val="accent6">
+              <a:lumMod val="20000"/>
+              <a:lumOff val="80000"/>
+            </a:schemeClr>
+          </a:solidFill>
+        </p:spPr>
+        <p:txBody>
+          <a:bodyPr wrap="square">
+            <a:spAutoFit/>
+          </a:bodyPr>
+          <a:lstStyle/>
+          <a:p>
+            <a:pPr>
+              <a:lnSpc>
+                <a:spcPct val="150000"/>
+              </a:lnSpc>
+            </a:pPr>
+            <a:r>
+              <a:rPr lang="ko-KR" altLang="en-US" sz="1000"/>
+              <a:t>트레이너는 두 개 이상의 </a:t>
+            </a:r>
+            <a:r>
+              <a:rPr lang="ko-KR" altLang="en-US" sz="1000">
+                <a:solidFill>
+                  <a:srgbClr val="0070C0"/>
+                </a:solidFill>
+              </a:rPr>
+              <a:t>겹치는 세션을</a:t>
+            </a:r>
+            <a:r>
+              <a:rPr lang="ko-KR" altLang="en-US" sz="1000"/>
+              <a:t> 가르칠 수 없다</a:t>
+            </a:r>
+            <a:r>
+              <a:rPr lang="en-US" altLang="ko-KR" sz="1000"/>
+              <a:t>.</a:t>
+            </a:r>
+          </a:p>
+          <a:p>
+            <a:pPr>
+              <a:lnSpc>
+                <a:spcPct val="150000"/>
+              </a:lnSpc>
+            </a:pPr>
+            <a:r>
+              <a:rPr lang="en-US" altLang="ko-KR" sz="1000"/>
+              <a:t>A trainer cannot teach two or more </a:t>
+            </a:r>
+            <a:r>
+              <a:rPr lang="en-US" altLang="ko-KR" sz="1000">
+                <a:solidFill>
+                  <a:srgbClr val="0070C0"/>
+                </a:solidFill>
+              </a:rPr>
+              <a:t>overlapping sessions</a:t>
+            </a:r>
+            <a:endParaRPr lang="ko-KR" altLang="en-US" sz="1000">
+              <a:solidFill>
+                <a:srgbClr val="0070C0"/>
+              </a:solidFill>
+            </a:endParaRPr>
+          </a:p>
+        </p:txBody>
+      </p:sp>
+      <p:sp>
+        <p:nvSpPr>
+          <p:cNvPr id="49" name="TextBox 48"/>
+          <p:cNvSpPr txBox="1"/>
+          <p:nvPr/>
+        </p:nvSpPr>
+        <p:spPr>
+          <a:xfrm>
+            <a:off x="7316293" y="214871"/>
+            <a:ext cx="667170" cy="461665"/>
+          </a:xfrm>
+          <a:prstGeom prst="rect">
+            <a:avLst/>
+          </a:prstGeom>
+          <a:noFill/>
+        </p:spPr>
+        <p:txBody>
+          <a:bodyPr wrap="none" rtlCol="0">
+            <a:spAutoFit/>
+          </a:bodyPr>
+          <a:lstStyle>
+            <a:defPPr>
+              <a:defRPr lang="ko-KR"/>
+            </a:defPPr>
+            <a:lvl1pPr algn="ctr">
+              <a:defRPr sz="1200" b="1" i="1">
+                <a:solidFill>
+                  <a:schemeClr val="bg1">
+                    <a:lumMod val="50000"/>
+                  </a:schemeClr>
+                </a:solidFill>
+              </a:defRPr>
+            </a:lvl1pPr>
+          </a:lstStyle>
+          <a:p>
+            <a:r>
+              <a:rPr lang="ko-KR" altLang="en-US"/>
+              <a:t>관리자</a:t>
+            </a:r>
+            <a:endParaRPr lang="en-US" altLang="ko-KR"/>
+          </a:p>
+          <a:p>
+            <a:r>
+              <a:rPr lang="en-US" altLang="ko-KR"/>
+              <a:t>Admin</a:t>
+            </a:r>
+          </a:p>
+        </p:txBody>
+      </p:sp>
+      <p:sp>
+        <p:nvSpPr>
+          <p:cNvPr id="21" name="직사각형 20">
+            <a:extLst>
+              <a:ext uri="{FF2B5EF4-FFF2-40B4-BE49-F238E27FC236}">
+                <a16:creationId xmlns:a16="http://schemas.microsoft.com/office/drawing/2014/main" id="{7CD09966-B5C1-6685-DFF3-1F73C09587D9}"/>
+              </a:ext>
+            </a:extLst>
+          </p:cNvPr>
+          <p:cNvSpPr/>
+          <p:nvPr/>
+        </p:nvSpPr>
+        <p:spPr>
+          <a:xfrm>
+            <a:off x="5193716" y="4597862"/>
+            <a:ext cx="1664238" cy="253916"/>
+          </a:xfrm>
+          <a:prstGeom prst="rect">
+            <a:avLst/>
+          </a:prstGeom>
+          <a:solidFill>
+            <a:schemeClr val="bg1"/>
+          </a:solidFill>
+        </p:spPr>
+        <p:txBody>
+          <a:bodyPr wrap="none">
+            <a:spAutoFit/>
+          </a:bodyPr>
+          <a:lstStyle/>
+          <a:p>
+            <a:r>
+              <a:rPr lang="en-US" altLang="ko-KR" sz="1050" b="1"/>
+              <a:t>AddSessionToSchedule</a:t>
+            </a:r>
+          </a:p>
+        </p:txBody>
+      </p:sp>
+      <p:sp>
+        <p:nvSpPr>
+          <p:cNvPr id="25" name="직사각형 24">
+            <a:extLst>
+              <a:ext uri="{FF2B5EF4-FFF2-40B4-BE49-F238E27FC236}">
+                <a16:creationId xmlns:a16="http://schemas.microsoft.com/office/drawing/2014/main" id="{C85E4C1E-170A-830C-AB71-2FE39E4CE0F7}"/>
+              </a:ext>
+            </a:extLst>
+          </p:cNvPr>
+          <p:cNvSpPr/>
+          <p:nvPr/>
+        </p:nvSpPr>
+        <p:spPr>
+          <a:xfrm>
+            <a:off x="7952330" y="3539209"/>
+            <a:ext cx="1186543" cy="253916"/>
+          </a:xfrm>
+          <a:prstGeom prst="rect">
+            <a:avLst/>
+          </a:prstGeom>
+          <a:solidFill>
+            <a:schemeClr val="bg1"/>
+          </a:solidFill>
+        </p:spPr>
+        <p:txBody>
+          <a:bodyPr wrap="none">
+            <a:spAutoFit/>
+          </a:bodyPr>
+          <a:lstStyle/>
+          <a:p>
+            <a:r>
+              <a:rPr lang="en-US" altLang="ko-KR" sz="1050" b="1"/>
+              <a:t>AddToSchedule</a:t>
+            </a:r>
+            <a:endParaRPr lang="ko-KR" altLang="en-US" sz="1050" b="1"/>
+          </a:p>
+        </p:txBody>
+      </p:sp>
+      <p:sp>
+        <p:nvSpPr>
+          <p:cNvPr id="27" name="직사각형 26">
+            <a:extLst>
+              <a:ext uri="{FF2B5EF4-FFF2-40B4-BE49-F238E27FC236}">
+                <a16:creationId xmlns:a16="http://schemas.microsoft.com/office/drawing/2014/main" id="{A6DD402E-F073-4E41-CE4D-B1B06F7C1A97}"/>
+              </a:ext>
+            </a:extLst>
+          </p:cNvPr>
+          <p:cNvSpPr/>
+          <p:nvPr/>
+        </p:nvSpPr>
+        <p:spPr>
+          <a:xfrm>
+            <a:off x="5211859" y="2472098"/>
+            <a:ext cx="1353256" cy="253916"/>
+          </a:xfrm>
+          <a:prstGeom prst="rect">
+            <a:avLst/>
+          </a:prstGeom>
+          <a:solidFill>
+            <a:schemeClr val="bg1"/>
+          </a:solidFill>
+        </p:spPr>
+        <p:txBody>
+          <a:bodyPr wrap="none">
+            <a:spAutoFit/>
+          </a:bodyPr>
+          <a:lstStyle/>
+          <a:p>
+            <a:r>
+              <a:rPr lang="en-US" altLang="ko-KR" sz="1050" b="1"/>
+              <a:t>CancelReservation</a:t>
+            </a:r>
+            <a:endParaRPr lang="ko-KR" altLang="en-US" sz="1050" b="1"/>
+          </a:p>
+        </p:txBody>
+      </p:sp>
+      <p:sp>
+        <p:nvSpPr>
+          <p:cNvPr id="29" name="직사각형 28">
+            <a:extLst>
+              <a:ext uri="{FF2B5EF4-FFF2-40B4-BE49-F238E27FC236}">
+                <a16:creationId xmlns:a16="http://schemas.microsoft.com/office/drawing/2014/main" id="{3348934F-A19D-0CE3-D10C-939ED42C410D}"/>
+              </a:ext>
+            </a:extLst>
+          </p:cNvPr>
+          <p:cNvSpPr/>
+          <p:nvPr/>
+        </p:nvSpPr>
+        <p:spPr>
+          <a:xfrm>
+            <a:off x="6444209" y="3341193"/>
+            <a:ext cx="978153" cy="253916"/>
+          </a:xfrm>
+          <a:prstGeom prst="rect">
+            <a:avLst/>
+          </a:prstGeom>
+          <a:solidFill>
+            <a:schemeClr val="bg1"/>
+          </a:solidFill>
+        </p:spPr>
+        <p:txBody>
+          <a:bodyPr wrap="none">
+            <a:spAutoFit/>
+          </a:bodyPr>
+          <a:lstStyle/>
+          <a:p>
+            <a:r>
+              <a:rPr lang="en-US" altLang="ko-KR" sz="1050" b="1"/>
+              <a:t>ReserveSpot</a:t>
+            </a:r>
+            <a:endParaRPr lang="ko-KR" altLang="en-US" sz="1050" b="1"/>
+          </a:p>
+        </p:txBody>
+      </p:sp>
+      <p:cxnSp>
+        <p:nvCxnSpPr>
+          <p:cNvPr id="61" name="직선 화살표 연결선 60"/>
+          <p:cNvCxnSpPr/>
+          <p:nvPr/>
+        </p:nvCxnSpPr>
+        <p:spPr>
+          <a:xfrm flipH="1" flipV="1">
+            <a:off x="1108832" y="1403470"/>
+            <a:ext cx="5387278" cy="17857"/>
+          </a:xfrm>
+          <a:prstGeom prst="straightConnector1">
+            <a:avLst/>
+          </a:prstGeom>
+          <a:ln>
+            <a:prstDash val="dash"/>
+            <a:headEnd type="triangle" w="med" len="med"/>
+            <a:tailEnd type="none" w="med" len="med"/>
+          </a:ln>
+        </p:spPr>
+        <p:style>
+          <a:lnRef idx="1">
+            <a:schemeClr val="accent1"/>
+          </a:lnRef>
+          <a:fillRef idx="0">
+            <a:schemeClr val="accent1"/>
+          </a:fillRef>
+          <a:effectRef idx="0">
+            <a:schemeClr val="accent1"/>
+          </a:effectRef>
+          <a:fontRef idx="minor">
+            <a:schemeClr val="tx1"/>
+          </a:fontRef>
+        </p:style>
+      </p:cxnSp>
+      <p:cxnSp>
+        <p:nvCxnSpPr>
+          <p:cNvPr id="19" name="직선 화살표 연결선 18"/>
+          <p:cNvCxnSpPr>
+            <a:stCxn id="43" idx="1"/>
+            <a:endCxn id="71" idx="3"/>
+          </p:cNvCxnSpPr>
+          <p:nvPr/>
+        </p:nvCxnSpPr>
+        <p:spPr>
+          <a:xfrm flipH="1">
+            <a:off x="4558269" y="6279757"/>
+            <a:ext cx="601624" cy="1"/>
+          </a:xfrm>
+          <a:prstGeom prst="straightConnector1">
+            <a:avLst/>
+          </a:prstGeom>
+          <a:ln>
+            <a:prstDash val="dash"/>
+            <a:tailEnd type="triangle"/>
+          </a:ln>
+        </p:spPr>
+        <p:style>
+          <a:lnRef idx="1">
+            <a:schemeClr val="accent1"/>
+          </a:lnRef>
+          <a:fillRef idx="0">
+            <a:schemeClr val="accent1"/>
+          </a:fillRef>
+          <a:effectRef idx="0">
+            <a:schemeClr val="accent1"/>
+          </a:effectRef>
+          <a:fontRef idx="minor">
+            <a:schemeClr val="tx1"/>
+          </a:fontRef>
+        </p:style>
+      </p:cxnSp>
+      <p:cxnSp>
+        <p:nvCxnSpPr>
+          <p:cNvPr id="68" name="직선 화살표 연결선 67"/>
+          <p:cNvCxnSpPr>
+            <a:stCxn id="48" idx="2"/>
+            <a:endCxn id="7" idx="0"/>
+          </p:cNvCxnSpPr>
+          <p:nvPr/>
+        </p:nvCxnSpPr>
+        <p:spPr>
+          <a:xfrm flipH="1">
+            <a:off x="707848" y="3890047"/>
+            <a:ext cx="875" cy="363052"/>
+          </a:xfrm>
+          <a:prstGeom prst="straightConnector1">
+            <a:avLst/>
+          </a:prstGeom>
+          <a:ln>
+            <a:prstDash val="dash"/>
+            <a:tailEnd type="triangle"/>
+          </a:ln>
+        </p:spPr>
+        <p:style>
+          <a:lnRef idx="1">
+            <a:schemeClr val="accent1"/>
+          </a:lnRef>
+          <a:fillRef idx="0">
+            <a:schemeClr val="accent1"/>
+          </a:fillRef>
+          <a:effectRef idx="0">
+            <a:schemeClr val="accent1"/>
+          </a:effectRef>
+          <a:fontRef idx="minor">
+            <a:schemeClr val="tx1"/>
+          </a:fontRef>
+        </p:style>
+      </p:cxnSp>
+      <p:sp>
+        <p:nvSpPr>
+          <p:cNvPr id="71" name="TextBox 70"/>
+          <p:cNvSpPr txBox="1"/>
+          <p:nvPr/>
+        </p:nvSpPr>
+        <p:spPr>
+          <a:xfrm>
+            <a:off x="3825376" y="6064314"/>
+            <a:ext cx="732893" cy="430887"/>
+          </a:xfrm>
+          <a:prstGeom prst="rect">
+            <a:avLst/>
+          </a:prstGeom>
+          <a:noFill/>
+        </p:spPr>
+        <p:txBody>
+          <a:bodyPr wrap="none" rtlCol="0">
+            <a:spAutoFit/>
+          </a:bodyPr>
+          <a:lstStyle/>
+          <a:p>
+            <a:pPr algn="ctr"/>
+            <a:r>
+              <a:rPr lang="ko-KR" altLang="en-US" sz="1200" b="1" i="1">
+                <a:solidFill>
+                  <a:schemeClr val="bg1">
+                    <a:lumMod val="50000"/>
+                  </a:schemeClr>
+                </a:solidFill>
+              </a:rPr>
+              <a:t>스케줄</a:t>
+            </a:r>
+            <a:endParaRPr lang="en-US" altLang="ko-KR" sz="1200" b="1" i="1">
+              <a:solidFill>
+                <a:schemeClr val="bg1">
+                  <a:lumMod val="50000"/>
+                </a:schemeClr>
+              </a:solidFill>
+            </a:endParaRPr>
+          </a:p>
+          <a:p>
+            <a:pPr algn="ctr"/>
+            <a:r>
+              <a:rPr lang="en-US" altLang="ko-KR" sz="1000" b="1" i="1">
+                <a:solidFill>
+                  <a:schemeClr val="bg1">
+                    <a:lumMod val="50000"/>
+                  </a:schemeClr>
+                </a:solidFill>
+              </a:rPr>
+              <a:t>Schedule</a:t>
+            </a:r>
+          </a:p>
+        </p:txBody>
+      </p:sp>
+      <p:cxnSp>
+        <p:nvCxnSpPr>
+          <p:cNvPr id="74" name="꺾인 연결선 73"/>
+          <p:cNvCxnSpPr>
+            <a:stCxn id="70" idx="0"/>
+            <a:endCxn id="49" idx="1"/>
+          </p:cNvCxnSpPr>
+          <p:nvPr/>
+        </p:nvCxnSpPr>
+        <p:spPr>
+          <a:xfrm rot="5400000" flipH="1" flipV="1">
+            <a:off x="6970361" y="518495"/>
+            <a:ext cx="418723" cy="273142"/>
+          </a:xfrm>
+          <a:prstGeom prst="bentConnector2">
+            <a:avLst/>
+          </a:prstGeom>
+          <a:ln>
+            <a:prstDash val="dash"/>
+            <a:tailEnd type="triangle"/>
+          </a:ln>
+        </p:spPr>
+        <p:style>
+          <a:lnRef idx="1">
+            <a:schemeClr val="accent1"/>
+          </a:lnRef>
+          <a:fillRef idx="0">
+            <a:schemeClr val="accent1"/>
+          </a:fillRef>
+          <a:effectRef idx="0">
+            <a:schemeClr val="accent1"/>
+          </a:effectRef>
+          <a:fontRef idx="minor">
+            <a:schemeClr val="tx1"/>
+          </a:fontRef>
+        </p:style>
+      </p:cxnSp>
+      <p:sp>
+        <p:nvSpPr>
+          <p:cNvPr id="79" name="TextBox 78"/>
+          <p:cNvSpPr txBox="1"/>
+          <p:nvPr/>
+        </p:nvSpPr>
+        <p:spPr>
+          <a:xfrm>
+            <a:off x="6767193" y="6048925"/>
+            <a:ext cx="646331" cy="461665"/>
+          </a:xfrm>
+          <a:prstGeom prst="rect">
+            <a:avLst/>
+          </a:prstGeom>
+          <a:noFill/>
+        </p:spPr>
+        <p:txBody>
+          <a:bodyPr wrap="none" rtlCol="0">
+            <a:spAutoFit/>
+          </a:bodyPr>
+          <a:lstStyle>
+            <a:defPPr>
+              <a:defRPr lang="ko-KR"/>
+            </a:defPPr>
+            <a:lvl1pPr algn="ctr">
+              <a:defRPr sz="1200" b="1" i="1">
+                <a:solidFill>
+                  <a:schemeClr val="bg1">
+                    <a:lumMod val="50000"/>
+                  </a:schemeClr>
+                </a:solidFill>
+              </a:defRPr>
+            </a:lvl1pPr>
+          </a:lstStyle>
+          <a:p>
+            <a:r>
+              <a:rPr lang="ko-KR" altLang="en-US"/>
+              <a:t>사용자</a:t>
+            </a:r>
+            <a:endParaRPr lang="en-US" altLang="ko-KR"/>
+          </a:p>
+          <a:p>
+            <a:r>
+              <a:rPr lang="en-US" altLang="ko-KR"/>
+              <a:t>User</a:t>
+            </a:r>
+          </a:p>
+        </p:txBody>
+      </p:sp>
+      <p:cxnSp>
+        <p:nvCxnSpPr>
+          <p:cNvPr id="80" name="직선 화살표 연결선 79"/>
+          <p:cNvCxnSpPr>
+            <a:stCxn id="43" idx="3"/>
+            <a:endCxn id="79" idx="1"/>
+          </p:cNvCxnSpPr>
+          <p:nvPr/>
+        </p:nvCxnSpPr>
+        <p:spPr>
+          <a:xfrm>
+            <a:off x="6165296" y="6279757"/>
+            <a:ext cx="601897" cy="1"/>
+          </a:xfrm>
+          <a:prstGeom prst="straightConnector1">
+            <a:avLst/>
+          </a:prstGeom>
+          <a:ln>
+            <a:prstDash val="dash"/>
+            <a:tailEnd type="triangle"/>
+          </a:ln>
+        </p:spPr>
+        <p:style>
+          <a:lnRef idx="1">
+            <a:schemeClr val="accent1"/>
+          </a:lnRef>
+          <a:fillRef idx="0">
+            <a:schemeClr val="accent1"/>
+          </a:fillRef>
+          <a:effectRef idx="0">
+            <a:schemeClr val="accent1"/>
+          </a:effectRef>
+          <a:fontRef idx="minor">
+            <a:schemeClr val="tx1"/>
+          </a:fontRef>
+        </p:style>
+      </p:cxnSp>
+      <p:sp>
+        <p:nvSpPr>
+          <p:cNvPr id="2" name="TextBox 1">
+            <a:extLst>
+              <a:ext uri="{FF2B5EF4-FFF2-40B4-BE49-F238E27FC236}">
+                <a16:creationId xmlns:a16="http://schemas.microsoft.com/office/drawing/2014/main" id="{D58CD55F-696A-A211-7699-995E8CE2C799}"/>
+              </a:ext>
+            </a:extLst>
+          </p:cNvPr>
+          <p:cNvSpPr txBox="1"/>
+          <p:nvPr/>
+        </p:nvSpPr>
+        <p:spPr>
+          <a:xfrm>
+            <a:off x="10251396" y="197230"/>
+            <a:ext cx="863634" cy="461665"/>
+          </a:xfrm>
+          <a:prstGeom prst="rect">
+            <a:avLst/>
+          </a:prstGeom>
+          <a:noFill/>
+        </p:spPr>
+        <p:txBody>
+          <a:bodyPr wrap="none" rtlCol="0">
+            <a:spAutoFit/>
+          </a:bodyPr>
+          <a:lstStyle>
+            <a:defPPr>
+              <a:defRPr lang="ko-KR"/>
+            </a:defPPr>
+            <a:lvl1pPr algn="ctr">
+              <a:defRPr sz="1200" b="1" i="1">
+                <a:solidFill>
+                  <a:schemeClr val="bg1">
+                    <a:lumMod val="50000"/>
+                  </a:schemeClr>
+                </a:solidFill>
+              </a:defRPr>
+            </a:lvl1pPr>
+          </a:lstStyle>
+          <a:p>
+            <a:r>
+              <a:rPr lang="ko-KR" altLang="en-US"/>
+              <a:t>날짜</a:t>
+            </a:r>
+            <a:endParaRPr lang="en-US" altLang="ko-KR"/>
+          </a:p>
+          <a:p>
+            <a:r>
+              <a:rPr lang="en-US" altLang="ko-KR"/>
+              <a:t>DateOnly</a:t>
+            </a:r>
+          </a:p>
+        </p:txBody>
+      </p:sp>
+      <p:sp>
+        <p:nvSpPr>
+          <p:cNvPr id="4" name="TextBox 3">
+            <a:extLst>
+              <a:ext uri="{FF2B5EF4-FFF2-40B4-BE49-F238E27FC236}">
+                <a16:creationId xmlns:a16="http://schemas.microsoft.com/office/drawing/2014/main" id="{3C9414FF-7D36-2E19-62E2-67C2A4276065}"/>
+              </a:ext>
+            </a:extLst>
+          </p:cNvPr>
+          <p:cNvSpPr txBox="1"/>
+          <p:nvPr/>
+        </p:nvSpPr>
+        <p:spPr>
+          <a:xfrm>
+            <a:off x="10973013" y="4407267"/>
+            <a:ext cx="646331" cy="461665"/>
+          </a:xfrm>
+          <a:prstGeom prst="rect">
+            <a:avLst/>
+          </a:prstGeom>
+          <a:noFill/>
+        </p:spPr>
+        <p:txBody>
+          <a:bodyPr wrap="none" rtlCol="0">
+            <a:spAutoFit/>
+          </a:bodyPr>
+          <a:lstStyle>
+            <a:defPPr>
+              <a:defRPr lang="ko-KR"/>
+            </a:defPPr>
+            <a:lvl1pPr algn="ctr">
+              <a:defRPr sz="1200" b="1" i="1">
+                <a:solidFill>
+                  <a:schemeClr val="bg1">
+                    <a:lumMod val="50000"/>
+                  </a:schemeClr>
+                </a:solidFill>
+              </a:defRPr>
+            </a:lvl1pPr>
+          </a:lstStyle>
+          <a:p>
+            <a:r>
+              <a:rPr lang="ko-KR" altLang="en-US"/>
+              <a:t>사용자</a:t>
+            </a:r>
+            <a:endParaRPr lang="en-US" altLang="ko-KR"/>
+          </a:p>
+          <a:p>
+            <a:r>
+              <a:rPr lang="en-US" altLang="ko-KR"/>
+              <a:t>User</a:t>
+            </a:r>
+          </a:p>
+        </p:txBody>
+      </p:sp>
+      <p:cxnSp>
+        <p:nvCxnSpPr>
+          <p:cNvPr id="5" name="직선 화살표 연결선 4">
+            <a:extLst>
+              <a:ext uri="{FF2B5EF4-FFF2-40B4-BE49-F238E27FC236}">
+                <a16:creationId xmlns:a16="http://schemas.microsoft.com/office/drawing/2014/main" id="{79746439-EF3B-F8E3-DE81-6F48384D6469}"/>
+              </a:ext>
+            </a:extLst>
+          </p:cNvPr>
+          <p:cNvCxnSpPr>
+            <a:cxnSpLocks/>
+            <a:stCxn id="30" idx="2"/>
+            <a:endCxn id="4" idx="0"/>
+          </p:cNvCxnSpPr>
+          <p:nvPr/>
+        </p:nvCxnSpPr>
+        <p:spPr>
+          <a:xfrm>
+            <a:off x="11296179" y="3890047"/>
+            <a:ext cx="0" cy="517220"/>
+          </a:xfrm>
+          <a:prstGeom prst="straightConnector1">
+            <a:avLst/>
+          </a:prstGeom>
+          <a:ln>
+            <a:prstDash val="dash"/>
+            <a:tailEnd type="triangle"/>
+          </a:ln>
+        </p:spPr>
+        <p:style>
+          <a:lnRef idx="1">
+            <a:schemeClr val="accent1"/>
+          </a:lnRef>
+          <a:fillRef idx="0">
+            <a:schemeClr val="accent1"/>
+          </a:fillRef>
+          <a:effectRef idx="0">
+            <a:schemeClr val="accent1"/>
+          </a:effectRef>
+          <a:fontRef idx="minor">
+            <a:schemeClr val="tx1"/>
+          </a:fontRef>
+        </p:style>
+      </p:cxnSp>
     </p:spTree>
     <p:extLst>
       <p:ext uri="{BB962C8B-B14F-4D97-AF65-F5344CB8AC3E}">
